--- a/poster.pptx
+++ b/poster.pptx
@@ -812,266 +812,6 @@
 </c:chartSpace>
 </file>
 
-<file path=ppt/charts/chart3.xml><?xml version="1.0" encoding="utf-8"?>
-<c:chartSpace xmlns:c="http://schemas.openxmlformats.org/drawingml/2006/chart" xmlns:a="http://schemas.openxmlformats.org/drawingml/2006/main" xmlns:r="http://schemas.openxmlformats.org/officeDocument/2006/relationships">
-  <c:date1904 val="0"/>
-  <c:lang val="en-US"/>
-  <c:roundedCorners val="0"/>
-  <mc:AlternateContent xmlns:mc="http://schemas.openxmlformats.org/markup-compatibility/2006">
-    <mc:Choice xmlns:c14="http://schemas.microsoft.com/office/drawing/2007/8/2/chart" Requires="c14">
-      <c14:style val="104"/>
-    </mc:Choice>
-    <mc:Fallback>
-      <c:style val="4"/>
-    </mc:Fallback>
-  </mc:AlternateContent>
-  <c:chart>
-    <c:title>
-      <c:layout/>
-      <c:overlay val="0"/>
-    </c:title>
-    <c:autoTitleDeleted val="0"/>
-    <c:view3D>
-      <c:rotX val="15"/>
-      <c:rotY val="0"/>
-      <c:rAngAx val="0"/>
-      <c:perspective val="30"/>
-    </c:view3D>
-    <c:floor>
-      <c:thickness val="0"/>
-    </c:floor>
-    <c:sideWall>
-      <c:thickness val="0"/>
-    </c:sideWall>
-    <c:backWall>
-      <c:thickness val="0"/>
-    </c:backWall>
-    <c:plotArea>
-      <c:layout/>
-      <c:pie3DChart>
-        <c:varyColors val="1"/>
-        <c:ser>
-          <c:idx val="0"/>
-          <c:order val="0"/>
-          <c:tx>
-            <c:strRef>
-              <c:f>Sheet1!$B$1</c:f>
-              <c:strCache>
-                <c:ptCount val="1"/>
-                <c:pt idx="0">
-                  <c:v>Series 1</c:v>
-                </c:pt>
-              </c:strCache>
-            </c:strRef>
-          </c:tx>
-          <c:explosion val="25"/>
-          <c:cat>
-            <c:strRef>
-              <c:f>Sheet1!$A$2:$A$5</c:f>
-              <c:strCache>
-                <c:ptCount val="4"/>
-                <c:pt idx="0">
-                  <c:v>Category 1</c:v>
-                </c:pt>
-                <c:pt idx="1">
-                  <c:v>Category 2</c:v>
-                </c:pt>
-                <c:pt idx="2">
-                  <c:v>Category 3</c:v>
-                </c:pt>
-                <c:pt idx="3">
-                  <c:v>Category 4</c:v>
-                </c:pt>
-              </c:strCache>
-            </c:strRef>
-          </c:cat>
-          <c:val>
-            <c:numRef>
-              <c:f>Sheet1!$B$2:$B$5</c:f>
-              <c:numCache>
-                <c:formatCode>General</c:formatCode>
-                <c:ptCount val="4"/>
-                <c:pt idx="0">
-                  <c:v>4.3</c:v>
-                </c:pt>
-                <c:pt idx="1">
-                  <c:v>2.5</c:v>
-                </c:pt>
-                <c:pt idx="2">
-                  <c:v>3.5</c:v>
-                </c:pt>
-                <c:pt idx="3">
-                  <c:v>4.5</c:v>
-                </c:pt>
-              </c:numCache>
-            </c:numRef>
-          </c:val>
-          <c:extLst>
-            <c:ext xmlns:c16="http://schemas.microsoft.com/office/drawing/2014/chart" uri="{C3380CC4-5D6E-409C-BE32-E72D297353CC}">
-              <c16:uniqueId val="{00000000-922D-4485-AB57-14FBB1C2A731}"/>
-            </c:ext>
-          </c:extLst>
-        </c:ser>
-        <c:ser>
-          <c:idx val="1"/>
-          <c:order val="1"/>
-          <c:tx>
-            <c:strRef>
-              <c:f>Sheet1!$C$1</c:f>
-              <c:strCache>
-                <c:ptCount val="1"/>
-                <c:pt idx="0">
-                  <c:v>Series 2</c:v>
-                </c:pt>
-              </c:strCache>
-            </c:strRef>
-          </c:tx>
-          <c:explosion val="25"/>
-          <c:cat>
-            <c:strRef>
-              <c:f>Sheet1!$A$2:$A$5</c:f>
-              <c:strCache>
-                <c:ptCount val="4"/>
-                <c:pt idx="0">
-                  <c:v>Category 1</c:v>
-                </c:pt>
-                <c:pt idx="1">
-                  <c:v>Category 2</c:v>
-                </c:pt>
-                <c:pt idx="2">
-                  <c:v>Category 3</c:v>
-                </c:pt>
-                <c:pt idx="3">
-                  <c:v>Category 4</c:v>
-                </c:pt>
-              </c:strCache>
-            </c:strRef>
-          </c:cat>
-          <c:val>
-            <c:numRef>
-              <c:f>Sheet1!$C$2:$C$5</c:f>
-              <c:numCache>
-                <c:formatCode>General</c:formatCode>
-                <c:ptCount val="4"/>
-                <c:pt idx="0">
-                  <c:v>2.4</c:v>
-                </c:pt>
-                <c:pt idx="1">
-                  <c:v>4.4</c:v>
-                </c:pt>
-                <c:pt idx="2">
-                  <c:v>1.8</c:v>
-                </c:pt>
-                <c:pt idx="3">
-                  <c:v>2.8</c:v>
-                </c:pt>
-              </c:numCache>
-            </c:numRef>
-          </c:val>
-          <c:extLst>
-            <c:ext xmlns:c16="http://schemas.microsoft.com/office/drawing/2014/chart" uri="{C3380CC4-5D6E-409C-BE32-E72D297353CC}">
-              <c16:uniqueId val="{00000001-922D-4485-AB57-14FBB1C2A731}"/>
-            </c:ext>
-          </c:extLst>
-        </c:ser>
-        <c:ser>
-          <c:idx val="2"/>
-          <c:order val="2"/>
-          <c:tx>
-            <c:strRef>
-              <c:f>Sheet1!$D$1</c:f>
-              <c:strCache>
-                <c:ptCount val="1"/>
-                <c:pt idx="0">
-                  <c:v>Series 3</c:v>
-                </c:pt>
-              </c:strCache>
-            </c:strRef>
-          </c:tx>
-          <c:explosion val="25"/>
-          <c:cat>
-            <c:strRef>
-              <c:f>Sheet1!$A$2:$A$5</c:f>
-              <c:strCache>
-                <c:ptCount val="4"/>
-                <c:pt idx="0">
-                  <c:v>Category 1</c:v>
-                </c:pt>
-                <c:pt idx="1">
-                  <c:v>Category 2</c:v>
-                </c:pt>
-                <c:pt idx="2">
-                  <c:v>Category 3</c:v>
-                </c:pt>
-                <c:pt idx="3">
-                  <c:v>Category 4</c:v>
-                </c:pt>
-              </c:strCache>
-            </c:strRef>
-          </c:cat>
-          <c:val>
-            <c:numRef>
-              <c:f>Sheet1!$D$2:$D$5</c:f>
-              <c:numCache>
-                <c:formatCode>General</c:formatCode>
-                <c:ptCount val="4"/>
-                <c:pt idx="0">
-                  <c:v>2.0</c:v>
-                </c:pt>
-                <c:pt idx="1">
-                  <c:v>2.0</c:v>
-                </c:pt>
-                <c:pt idx="2">
-                  <c:v>3.0</c:v>
-                </c:pt>
-                <c:pt idx="3">
-                  <c:v>5.0</c:v>
-                </c:pt>
-              </c:numCache>
-            </c:numRef>
-          </c:val>
-          <c:extLst>
-            <c:ext xmlns:c16="http://schemas.microsoft.com/office/drawing/2014/chart" uri="{C3380CC4-5D6E-409C-BE32-E72D297353CC}">
-              <c16:uniqueId val="{00000002-922D-4485-AB57-14FBB1C2A731}"/>
-            </c:ext>
-          </c:extLst>
-        </c:ser>
-        <c:dLbls>
-          <c:showLegendKey val="0"/>
-          <c:showVal val="0"/>
-          <c:showCatName val="0"/>
-          <c:showSerName val="0"/>
-          <c:showPercent val="0"/>
-          <c:showBubbleSize val="0"/>
-          <c:showLeaderLines val="0"/>
-        </c:dLbls>
-      </c:pie3DChart>
-    </c:plotArea>
-    <c:legend>
-      <c:legendPos val="r"/>
-      <c:layout/>
-      <c:overlay val="0"/>
-    </c:legend>
-    <c:plotVisOnly val="1"/>
-    <c:dispBlanksAs val="gap"/>
-    <c:showDLblsOverMax val="0"/>
-  </c:chart>
-  <c:txPr>
-    <a:bodyPr/>
-    <a:lstStyle/>
-    <a:p>
-      <a:pPr>
-        <a:defRPr sz="1800"/>
-      </a:pPr>
-      <a:endParaRPr lang="en-US"/>
-    </a:p>
-  </c:txPr>
-  <c:externalData r:id="rId1">
-    <c:autoUpdate val="0"/>
-  </c:externalData>
-</c:chartSpace>
-</file>
-
 <file path=ppt/handoutMasters/handoutMaster1.xml><?xml version="1.0" encoding="utf-8"?>
 <p:handoutMaster xmlns:a="http://schemas.openxmlformats.org/drawingml/2006/main" xmlns:r="http://schemas.openxmlformats.org/officeDocument/2006/relationships" xmlns:p="http://schemas.openxmlformats.org/presentationml/2006/main">
   <p:cSld>
@@ -4603,7 +4343,7 @@
         <p:grpSpPr>
           <a:xfrm>
             <a:off x="1028539" y="455530"/>
-            <a:ext cx="40766644" cy="4239931"/>
+            <a:ext cx="40766644" cy="4776076"/>
             <a:chOff x="1054474" y="495300"/>
             <a:chExt cx="41794578" cy="4610100"/>
           </a:xfrm>
@@ -4901,8 +4641,8 @@
         </p:nvSpPr>
         <p:spPr bwMode="auto">
           <a:xfrm>
-            <a:off x="6615002" y="799556"/>
-            <a:ext cx="29433044" cy="3420211"/>
+            <a:off x="6470650" y="964406"/>
+            <a:ext cx="29653596" cy="3788761"/>
           </a:xfrm>
           <a:prstGeom prst="rect">
             <a:avLst/>
@@ -5046,7 +4786,7 @@
           <a:p>
             <a:pPr algn="ctr"/>
             <a:r>
-              <a:rPr lang="en-US" altLang="zh-CN" sz="6900" b="1" dirty="0" smtClean="0">
+              <a:rPr lang="en-US" altLang="zh-CN" sz="10000" b="1" dirty="0" smtClean="0">
                 <a:solidFill>
                   <a:schemeClr val="bg1"/>
                 </a:solidFill>
@@ -5056,7 +4796,7 @@
               </a:rPr>
               <a:t>Visualization of Dynamic Time Warping</a:t>
             </a:r>
-            <a:endParaRPr lang="en-US" altLang="zh-CN" sz="6900" b="1" dirty="0">
+            <a:endParaRPr lang="en-US" altLang="zh-CN" sz="10000" b="1" dirty="0">
               <a:solidFill>
                 <a:schemeClr val="bg1"/>
               </a:solidFill>
@@ -5072,7 +4812,7 @@
               </a:spcBef>
             </a:pPr>
             <a:r>
-              <a:rPr lang="en-US" altLang="zh-CN" sz="5300" b="1" dirty="0" err="1" smtClean="0">
+              <a:rPr lang="en-US" altLang="zh-CN" sz="7200" b="1" dirty="0" err="1" smtClean="0">
                 <a:solidFill>
                   <a:schemeClr val="bg1"/>
                 </a:solidFill>
@@ -5083,7 +4823,7 @@
               <a:t>Annabell</a:t>
             </a:r>
             <a:r>
-              <a:rPr lang="en-US" altLang="zh-CN" sz="5300" b="1" dirty="0" smtClean="0">
+              <a:rPr lang="en-US" altLang="zh-CN" sz="7200" b="1" dirty="0" smtClean="0">
                 <a:solidFill>
                   <a:schemeClr val="bg1"/>
                 </a:solidFill>
@@ -5094,7 +4834,7 @@
               <a:t> </a:t>
             </a:r>
             <a:r>
-              <a:rPr lang="en-US" altLang="zh-CN" sz="5300" b="1" dirty="0" err="1" smtClean="0">
+              <a:rPr lang="en-US" altLang="zh-CN" sz="7200" b="1" dirty="0" err="1" smtClean="0">
                 <a:solidFill>
                   <a:schemeClr val="bg1"/>
                 </a:solidFill>
@@ -5105,7 +4845,7 @@
               <a:t>Kuldmaa</a:t>
             </a:r>
             <a:r>
-              <a:rPr lang="en-US" altLang="zh-CN" sz="5300" b="1" dirty="0" smtClean="0">
+              <a:rPr lang="en-US" altLang="zh-CN" sz="7200" b="1" dirty="0" smtClean="0">
                 <a:solidFill>
                   <a:schemeClr val="bg1"/>
                 </a:solidFill>
@@ -5116,7 +4856,7 @@
               <a:t>, Liis </a:t>
             </a:r>
             <a:r>
-              <a:rPr lang="en-US" altLang="zh-CN" sz="5300" b="1" dirty="0" err="1" smtClean="0">
+              <a:rPr lang="en-US" altLang="zh-CN" sz="7200" b="1" dirty="0" err="1" smtClean="0">
                 <a:solidFill>
                   <a:schemeClr val="bg1"/>
                 </a:solidFill>
@@ -5126,7 +4866,7 @@
               </a:rPr>
               <a:t>Kolberg</a:t>
             </a:r>
-            <a:endParaRPr lang="en-US" altLang="zh-CN" sz="5300" b="1" dirty="0">
+            <a:endParaRPr lang="en-US" altLang="zh-CN" sz="7200" b="1" dirty="0">
               <a:solidFill>
                 <a:schemeClr val="bg1"/>
               </a:solidFill>
@@ -5138,7 +4878,7 @@
           <a:p>
             <a:pPr algn="ctr"/>
             <a:r>
-              <a:rPr lang="en-US" altLang="zh-CN" sz="4000" b="1" dirty="0" smtClean="0">
+              <a:rPr lang="en-US" altLang="zh-CN" sz="5400" b="1" dirty="0" smtClean="0">
                 <a:solidFill>
                   <a:schemeClr val="bg1"/>
                 </a:solidFill>
@@ -5149,7 +4889,7 @@
               <a:t>Institute of Computer Science</a:t>
             </a:r>
             <a:br>
-              <a:rPr lang="en-US" altLang="zh-CN" sz="4000" b="1" dirty="0" smtClean="0">
+              <a:rPr lang="en-US" altLang="zh-CN" sz="5400" b="1" dirty="0" smtClean="0">
                 <a:solidFill>
                   <a:schemeClr val="bg1"/>
                 </a:solidFill>
@@ -5159,7 +4899,7 @@
               </a:rPr>
             </a:br>
             <a:r>
-              <a:rPr lang="en-US" altLang="zh-CN" sz="4000" b="1" smtClean="0">
+              <a:rPr lang="en-US" altLang="zh-CN" sz="5400" b="1" dirty="0" smtClean="0">
                 <a:solidFill>
                   <a:schemeClr val="bg1"/>
                 </a:solidFill>
@@ -5169,7 +4909,7 @@
               </a:rPr>
               <a:t>University of Tartu</a:t>
             </a:r>
-            <a:endParaRPr lang="en-US" altLang="zh-CN" sz="4000" b="1" dirty="0">
+            <a:endParaRPr lang="en-US" altLang="zh-CN" sz="5400" b="1" dirty="0">
               <a:solidFill>
                 <a:schemeClr val="bg1"/>
               </a:solidFill>
@@ -5191,7 +4931,7 @@
         <p:spPr bwMode="auto">
           <a:xfrm>
             <a:off x="1040563" y="6272836"/>
-            <a:ext cx="10736991" cy="11717470"/>
+            <a:ext cx="10736991" cy="4238499"/>
           </a:xfrm>
           <a:prstGeom prst="rect">
             <a:avLst/>
@@ -5329,7 +5069,7 @@
               <a:buChar char="•"/>
             </a:pPr>
             <a:r>
-              <a:rPr lang="en-US" altLang="ja-JP" sz="2700">
+              <a:rPr lang="en-US" altLang="ja-JP" sz="2700" dirty="0">
                 <a:solidFill>
                   <a:schemeClr val="tx1">
                     <a:lumMod val="75000"/>
@@ -5349,7 +5089,7 @@
               <a:buFontTx/>
               <a:buChar char="•"/>
             </a:pPr>
-            <a:endParaRPr lang="en-US" altLang="ja-JP" sz="2700">
+            <a:endParaRPr lang="en-US" altLang="ja-JP" sz="2700" dirty="0">
               <a:solidFill>
                 <a:schemeClr val="tx1">
                   <a:lumMod val="75000"/>
@@ -5368,7 +5108,7 @@
               <a:buChar char="•"/>
             </a:pPr>
             <a:r>
-              <a:rPr lang="en-AU" sz="2700">
+              <a:rPr lang="en-AU" sz="2700" dirty="0">
                 <a:solidFill>
                   <a:schemeClr val="tx1">
                     <a:lumMod val="75000"/>
@@ -5387,7 +5127,7 @@
               <a:buFontTx/>
               <a:buChar char="•"/>
             </a:pPr>
-            <a:endParaRPr lang="en-US" altLang="ja-JP" sz="2700">
+            <a:endParaRPr lang="en-US" altLang="ja-JP" sz="2700" dirty="0">
               <a:solidFill>
                 <a:schemeClr val="tx1">
                   <a:lumMod val="75000"/>
@@ -5406,7 +5146,7 @@
               <a:buChar char="•"/>
             </a:pPr>
             <a:r>
-              <a:rPr lang="en-US" altLang="ja-JP" sz="2700">
+              <a:rPr lang="en-US" altLang="ja-JP" sz="2700" dirty="0">
                 <a:solidFill>
                   <a:schemeClr val="tx1">
                     <a:lumMod val="75000"/>
@@ -5415,16 +5155,21 @@
                 </a:solidFill>
                 <a:ea typeface="ＭＳ Ｐゴシック" charset="-128"/>
               </a:rPr>
-              <a:t>The background of this template may appear blue on your screen, but it does print lavender.</a:t>
-            </a:r>
-          </a:p>
-          <a:p>
-            <a:pPr algn="just">
-              <a:lnSpc>
-                <a:spcPct val="120000"/>
-              </a:lnSpc>
-            </a:pPr>
-            <a:endParaRPr lang="en-US" altLang="ja-JP" sz="2700">
+              <a:t>The background of this template may appear blue on your screen, but it does print lavender</a:t>
+            </a:r>
+            <a:r>
+              <a:rPr lang="en-US" altLang="ja-JP" sz="2700" dirty="0" smtClean="0">
+                <a:solidFill>
+                  <a:schemeClr val="tx1">
+                    <a:lumMod val="75000"/>
+                    <a:lumOff val="25000"/>
+                  </a:schemeClr>
+                </a:solidFill>
+                <a:ea typeface="ＭＳ Ｐゴシック" charset="-128"/>
+              </a:rPr>
+              <a:t>.</a:t>
+            </a:r>
+            <a:endParaRPr lang="en-US" altLang="ja-JP" sz="2700" dirty="0">
               <a:solidFill>
                 <a:schemeClr val="tx1">
                   <a:lumMod val="75000"/>
@@ -5433,182 +5178,6 @@
               </a:solidFill>
               <a:ea typeface="ＭＳ Ｐゴシック" charset="-128"/>
             </a:endParaRPr>
-          </a:p>
-          <a:p>
-            <a:pPr algn="just">
-              <a:lnSpc>
-                <a:spcPct val="120000"/>
-              </a:lnSpc>
-              <a:buFontTx/>
-              <a:buChar char="•"/>
-            </a:pPr>
-            <a:r>
-              <a:rPr lang="en-US" altLang="ja-JP" sz="2700">
-                <a:solidFill>
-                  <a:schemeClr val="tx1">
-                    <a:lumMod val="75000"/>
-                    <a:lumOff val="25000"/>
-                  </a:schemeClr>
-                </a:solidFill>
-                <a:ea typeface="ＭＳ Ｐゴシック" charset="-128"/>
-              </a:rPr>
-              <a:t>Insert your text here.  You can change the font size to fit your text.</a:t>
-            </a:r>
-          </a:p>
-          <a:p>
-            <a:pPr algn="just">
-              <a:lnSpc>
-                <a:spcPct val="120000"/>
-              </a:lnSpc>
-              <a:buFontTx/>
-              <a:buChar char="•"/>
-            </a:pPr>
-            <a:endParaRPr lang="en-US" altLang="ja-JP" sz="2700">
-              <a:solidFill>
-                <a:schemeClr val="tx1">
-                  <a:lumMod val="75000"/>
-                  <a:lumOff val="25000"/>
-                </a:schemeClr>
-              </a:solidFill>
-              <a:ea typeface="ＭＳ Ｐゴシック" charset="-128"/>
-            </a:endParaRPr>
-          </a:p>
-          <a:p>
-            <a:pPr algn="just">
-              <a:lnSpc>
-                <a:spcPct val="120000"/>
-              </a:lnSpc>
-              <a:buFontTx/>
-              <a:buChar char="•"/>
-            </a:pPr>
-            <a:r>
-              <a:rPr lang="en-US" altLang="ja-JP" sz="2700">
-                <a:solidFill>
-                  <a:schemeClr val="tx1">
-                    <a:lumMod val="75000"/>
-                    <a:lumOff val="25000"/>
-                  </a:schemeClr>
-                </a:solidFill>
-                <a:ea typeface="ＭＳ Ｐゴシック" charset="-128"/>
-              </a:rPr>
-              <a:t>You can also make this box shrink or grow with the amount of text.  Simply double click this text box, go to the “Text Box” tab, and check the option “Resize AutoShape to fit text”.</a:t>
-            </a:r>
-          </a:p>
-          <a:p>
-            <a:pPr algn="just">
-              <a:lnSpc>
-                <a:spcPct val="120000"/>
-              </a:lnSpc>
-              <a:buFontTx/>
-              <a:buChar char="•"/>
-            </a:pPr>
-            <a:endParaRPr lang="en-US" altLang="ja-JP" sz="2700">
-              <a:solidFill>
-                <a:schemeClr val="tx1">
-                  <a:lumMod val="75000"/>
-                  <a:lumOff val="25000"/>
-                </a:schemeClr>
-              </a:solidFill>
-              <a:ea typeface="ＭＳ Ｐゴシック" charset="-128"/>
-            </a:endParaRPr>
-          </a:p>
-          <a:p>
-            <a:pPr algn="just">
-              <a:lnSpc>
-                <a:spcPct val="120000"/>
-              </a:lnSpc>
-              <a:buFontTx/>
-              <a:buChar char="•"/>
-            </a:pPr>
-            <a:r>
-              <a:rPr lang="en-US" altLang="ja-JP" sz="2700">
-                <a:solidFill>
-                  <a:schemeClr val="tx1">
-                    <a:lumMod val="75000"/>
-                    <a:lumOff val="25000"/>
-                  </a:schemeClr>
-                </a:solidFill>
-                <a:ea typeface="ＭＳ Ｐゴシック" charset="-128"/>
-              </a:rPr>
-              <a:t>The background of this template may appear blue on your screen, but it does print lavender.</a:t>
-            </a:r>
-          </a:p>
-          <a:p>
-            <a:pPr algn="just">
-              <a:lnSpc>
-                <a:spcPct val="120000"/>
-              </a:lnSpc>
-              <a:buFontTx/>
-              <a:buChar char="•"/>
-            </a:pPr>
-            <a:endParaRPr lang="en-US" altLang="ja-JP" sz="2700">
-              <a:solidFill>
-                <a:schemeClr val="tx1">
-                  <a:lumMod val="75000"/>
-                  <a:lumOff val="25000"/>
-                </a:schemeClr>
-              </a:solidFill>
-              <a:ea typeface="ＭＳ Ｐゴシック" charset="-128"/>
-            </a:endParaRPr>
-          </a:p>
-          <a:p>
-            <a:pPr>
-              <a:lnSpc>
-                <a:spcPct val="120000"/>
-              </a:lnSpc>
-              <a:buFontTx/>
-              <a:buChar char="•"/>
-            </a:pPr>
-            <a:r>
-              <a:rPr lang="en-US" altLang="ja-JP" sz="2700">
-                <a:solidFill>
-                  <a:schemeClr val="tx1">
-                    <a:lumMod val="75000"/>
-                    <a:lumOff val="25000"/>
-                  </a:schemeClr>
-                </a:solidFill>
-                <a:ea typeface="ＭＳ Ｐゴシック" charset="-128"/>
-              </a:rPr>
-              <a:t>Insert your text here.  You can change the font size to fit your text.  </a:t>
-            </a:r>
-          </a:p>
-          <a:p>
-            <a:pPr>
-              <a:lnSpc>
-                <a:spcPct val="120000"/>
-              </a:lnSpc>
-              <a:buFontTx/>
-              <a:buChar char="•"/>
-            </a:pPr>
-            <a:endParaRPr lang="en-US" altLang="ja-JP" sz="2700">
-              <a:solidFill>
-                <a:schemeClr val="tx1">
-                  <a:lumMod val="75000"/>
-                  <a:lumOff val="25000"/>
-                </a:schemeClr>
-              </a:solidFill>
-              <a:ea typeface="ＭＳ Ｐゴシック" charset="-128"/>
-            </a:endParaRPr>
-          </a:p>
-          <a:p>
-            <a:pPr>
-              <a:lnSpc>
-                <a:spcPct val="120000"/>
-              </a:lnSpc>
-              <a:buFontTx/>
-              <a:buChar char="•"/>
-            </a:pPr>
-            <a:r>
-              <a:rPr lang="en-AU" sz="2700">
-                <a:solidFill>
-                  <a:schemeClr val="tx1">
-                    <a:lumMod val="75000"/>
-                    <a:lumOff val="25000"/>
-                  </a:schemeClr>
-                </a:solidFill>
-              </a:rPr>
-              <a:t>You can also make this box shrink or grow with the amount of text.  Simply double click this text box, go to the “Text Box” tab, and check the option “Resize AutoShape to fit text”.</a:t>
-            </a:r>
           </a:p>
         </p:txBody>
       </p:sp>
@@ -5940,8 +5509,8 @@
         </p:nvGrpSpPr>
         <p:grpSpPr>
           <a:xfrm>
-            <a:off x="1040562" y="5475104"/>
-            <a:ext cx="10736991" cy="819990"/>
+            <a:off x="1040562" y="5475097"/>
+            <a:ext cx="10736991" cy="819989"/>
             <a:chOff x="1066799" y="5958162"/>
             <a:chExt cx="11007725" cy="891580"/>
           </a:xfrm>
@@ -6265,7 +5834,7 @@
             </a:lstStyle>
             <a:p>
               <a:r>
-                <a:rPr lang="en-US" altLang="zh-CN" sz="4200" b="1">
+                <a:rPr lang="en-US" altLang="zh-CN" sz="4200" b="1" dirty="0" smtClean="0">
                   <a:solidFill>
                     <a:schemeClr val="bg1"/>
                   </a:solidFill>
@@ -6273,9 +5842,9 @@
                   <a:ea typeface="SimSun" pitchFamily="2" charset="-122"/>
                   <a:cs typeface="Lucida Sans" pitchFamily="34" charset="0"/>
                 </a:rPr>
-                <a:t>BACKGROUND</a:t>
+                <a:t>INTRODUCTION</a:t>
               </a:r>
-              <a:endParaRPr lang="en-US" altLang="zh-CN" sz="3000" b="1">
+              <a:endParaRPr lang="en-US" altLang="zh-CN" sz="3000" b="1" dirty="0">
                 <a:solidFill>
                   <a:schemeClr val="bg1"/>
                 </a:solidFill>
@@ -6295,8 +5864,8 @@
         </p:nvGrpSpPr>
         <p:grpSpPr>
           <a:xfrm>
-            <a:off x="1040562" y="17755503"/>
-            <a:ext cx="10736991" cy="819990"/>
+            <a:off x="1040562" y="17755496"/>
+            <a:ext cx="10736991" cy="819989"/>
             <a:chOff x="1066799" y="5958162"/>
             <a:chExt cx="11007725" cy="891580"/>
           </a:xfrm>
@@ -6620,7 +6189,7 @@
             </a:lstStyle>
             <a:p>
               <a:r>
-                <a:rPr lang="en-US" altLang="zh-CN" sz="4200" b="1">
+                <a:rPr lang="en-US" altLang="zh-CN" sz="4200" b="1" dirty="0" smtClean="0">
                   <a:solidFill>
                     <a:schemeClr val="bg1"/>
                   </a:solidFill>
@@ -6628,9 +6197,9 @@
                   <a:ea typeface="SimSun" pitchFamily="2" charset="-122"/>
                   <a:cs typeface="Lucida Sans" pitchFamily="34" charset="0"/>
                 </a:rPr>
-                <a:t>PURPOSE</a:t>
+                <a:t>DYNAMIC TIME WARPING</a:t>
               </a:r>
-              <a:endParaRPr lang="en-US" altLang="zh-CN" sz="3000" b="1">
+              <a:endParaRPr lang="en-US" altLang="zh-CN" sz="3000" b="1" dirty="0">
                 <a:solidFill>
                   <a:schemeClr val="bg1"/>
                 </a:solidFill>
@@ -6652,8 +6221,8 @@
         </p:nvSpPr>
         <p:spPr bwMode="auto">
           <a:xfrm>
-            <a:off x="12943851" y="6650570"/>
-            <a:ext cx="16923999" cy="11672456"/>
+            <a:off x="12795251" y="6679406"/>
+            <a:ext cx="14325600" cy="13230575"/>
           </a:xfrm>
           <a:prstGeom prst="rect">
             <a:avLst/>
@@ -6678,7 +6247,7 @@
           </a:extLst>
         </p:spPr>
         <p:txBody>
-          <a:bodyPr lIns="174010" tIns="87005" rIns="174010" bIns="174010">
+          <a:bodyPr wrap="square" lIns="174010" tIns="87005" rIns="174010" bIns="174010">
             <a:spAutoFit/>
           </a:bodyPr>
           <a:lstStyle>
@@ -6789,7 +6358,7 @@
               </a:lnSpc>
             </a:pPr>
             <a:r>
-              <a:rPr lang="en-US" altLang="ja-JP" sz="2700" b="1">
+              <a:rPr lang="en-US" altLang="ja-JP" sz="2700" b="1" dirty="0">
                 <a:ea typeface="ＭＳ Ｐゴシック" charset="-128"/>
               </a:rPr>
               <a:t>Title One</a:t>
@@ -6802,23 +6371,23 @@
               </a:lnSpc>
             </a:pPr>
             <a:r>
-              <a:rPr lang="en-US" altLang="ja-JP" sz="2700">
+              <a:rPr lang="en-US" altLang="ja-JP" sz="2700" dirty="0">
                 <a:ea typeface="ＭＳ Ｐゴシック" charset="-128"/>
               </a:rPr>
               <a:t>Insert your text here.  You can change the font size to fit your text.   </a:t>
             </a:r>
             <a:r>
-              <a:rPr lang="en-AU" sz="2700"/>
+              <a:rPr lang="en-AU" sz="2700" dirty="0"/>
               <a:t>You can also make this box shrink or grow with the amount of text.  Simply double click this text box, go to the “Text Box” tab, and check the option “Resize AutoShape to fit text”.  </a:t>
             </a:r>
             <a:r>
-              <a:rPr lang="en-US" altLang="ja-JP" sz="2700">
+              <a:rPr lang="en-US" altLang="ja-JP" sz="2700" dirty="0">
                 <a:ea typeface="ＭＳ Ｐゴシック" charset="-128"/>
               </a:rPr>
               <a:t>The background of this template may appear blue on your screen, but it does print lavender.  Insert your text here.  You can change the font size to fit your text.   </a:t>
             </a:r>
             <a:r>
-              <a:rPr lang="en-AU" sz="2700"/>
+              <a:rPr lang="en-AU" sz="2700" dirty="0"/>
               <a:t>You can also make this box shrink or grow with the amount of text.  Simply double click this text box, go to the “Text Box” tab, and check the option “Resize AutoShape to fit text”.</a:t>
             </a:r>
           </a:p>
@@ -6828,7 +6397,7 @@
                 <a:spcPct val="125000"/>
               </a:lnSpc>
             </a:pPr>
-            <a:endParaRPr lang="en-AU" altLang="zh-CN" sz="2700">
+            <a:endParaRPr lang="en-AU" altLang="zh-CN" sz="2700" dirty="0">
               <a:ea typeface="SimSun" pitchFamily="2" charset="-122"/>
             </a:endParaRPr>
           </a:p>
@@ -6839,7 +6408,7 @@
               </a:lnSpc>
             </a:pPr>
             <a:r>
-              <a:rPr lang="en-US" altLang="ja-JP" sz="2700" b="1">
+              <a:rPr lang="en-US" altLang="ja-JP" sz="2700" b="1" dirty="0">
                 <a:ea typeface="ＭＳ Ｐゴシック" charset="-128"/>
               </a:rPr>
               <a:t>Title Two</a:t>
@@ -6852,13 +6421,13 @@
               </a:lnSpc>
             </a:pPr>
             <a:r>
-              <a:rPr lang="en-US" altLang="ja-JP" sz="2700">
+              <a:rPr lang="en-US" altLang="ja-JP" sz="2700" dirty="0">
                 <a:ea typeface="ＭＳ Ｐゴシック" charset="-128"/>
               </a:rPr>
               <a:t>Insert your text here.  You can change the font size to fit your text.   </a:t>
             </a:r>
             <a:r>
-              <a:rPr lang="en-AU" sz="2700"/>
+              <a:rPr lang="en-AU" sz="2700" dirty="0"/>
               <a:t>You can also make this box shrink or grow with the amount of text.  Simply double click this text box, go to the “Text Box” tab, and check the option “Resize AutoShape to fit text”.  </a:t>
             </a:r>
           </a:p>
@@ -6871,7 +6440,7 @@
               <a:buChar char="•"/>
             </a:pPr>
             <a:r>
-              <a:rPr lang="en-US" altLang="ja-JP" sz="2700">
+              <a:rPr lang="en-US" altLang="ja-JP" sz="2700" dirty="0">
                 <a:ea typeface="ＭＳ Ｐゴシック" charset="-128"/>
               </a:rPr>
               <a:t>The background of this template may appear blue on your screen, but it does print lavender.  Insert your text here.  </a:t>
@@ -6886,7 +6455,7 @@
               <a:buChar char="•"/>
             </a:pPr>
             <a:r>
-              <a:rPr lang="en-US" altLang="ja-JP" sz="2700">
+              <a:rPr lang="en-US" altLang="ja-JP" sz="2700" dirty="0">
                 <a:ea typeface="ＭＳ Ｐゴシック" charset="-128"/>
               </a:rPr>
               <a:t>You can change the font size to fit your text.   </a:t>
@@ -6901,10 +6470,10 @@
               <a:buChar char="•"/>
             </a:pPr>
             <a:r>
-              <a:rPr lang="en-AU" sz="2700"/>
+              <a:rPr lang="en-AU" sz="2700" dirty="0"/>
               <a:t>You can also make this box shrink or grow with the amount of text.  Simply double click this text box, go to the “Text Box” tab, and check the option “Resize AutoShape to fit text”.</a:t>
             </a:r>
-            <a:endParaRPr lang="en-US" altLang="zh-CN" sz="2700">
+            <a:endParaRPr lang="en-US" altLang="zh-CN" sz="2700" dirty="0">
               <a:ea typeface="SimSun" pitchFamily="2" charset="-122"/>
             </a:endParaRPr>
           </a:p>
@@ -6914,7 +6483,7 @@
                 <a:spcPct val="125000"/>
               </a:lnSpc>
             </a:pPr>
-            <a:endParaRPr lang="en-AU" altLang="zh-CN" sz="2700">
+            <a:endParaRPr lang="en-AU" altLang="zh-CN" sz="2700" dirty="0">
               <a:ea typeface="SimSun" pitchFamily="2" charset="-122"/>
             </a:endParaRPr>
           </a:p>
@@ -6925,7 +6494,7 @@
               </a:lnSpc>
             </a:pPr>
             <a:r>
-              <a:rPr lang="en-US" altLang="ja-JP" sz="2700" b="1">
+              <a:rPr lang="en-US" altLang="ja-JP" sz="2700" b="1" dirty="0">
                 <a:ea typeface="ＭＳ Ｐゴシック" charset="-128"/>
               </a:rPr>
               <a:t>Title Three</a:t>
@@ -6938,26 +6507,26 @@
               </a:lnSpc>
             </a:pPr>
             <a:r>
-              <a:rPr lang="en-US" altLang="ja-JP" sz="2700">
+              <a:rPr lang="en-US" altLang="ja-JP" sz="2700" dirty="0">
                 <a:ea typeface="ＭＳ Ｐゴシック" charset="-128"/>
               </a:rPr>
               <a:t>Insert your text here.  You can change the font size to fit your text.   </a:t>
             </a:r>
             <a:r>
-              <a:rPr lang="en-AU" sz="2700"/>
+              <a:rPr lang="en-AU" sz="2700" dirty="0"/>
               <a:t>You can also make this box shrink or grow with the amount of text.  Simply double click this text box, go to the “Text Box” tab, and check the option “Resize AutoShape to fit text”.  </a:t>
             </a:r>
             <a:r>
-              <a:rPr lang="en-US" altLang="ja-JP" sz="2700">
+              <a:rPr lang="en-US" altLang="ja-JP" sz="2700" dirty="0">
                 <a:ea typeface="ＭＳ Ｐゴシック" charset="-128"/>
               </a:rPr>
               <a:t>The background of this template may appear blue on your screen, but it does print lavender.  Insert your text here.  You can change the font size to fit your text.   </a:t>
             </a:r>
             <a:r>
-              <a:rPr lang="en-AU" sz="2700"/>
+              <a:rPr lang="en-AU" sz="2700" dirty="0"/>
               <a:t>You can also make this box shrink or grow with the amount of text.  Simply double click this text box, go to the “Text Box” tab, and check the option “Resize AutoShape to fit text”.</a:t>
             </a:r>
-            <a:endParaRPr lang="en-US" altLang="zh-CN" sz="2700">
+            <a:endParaRPr lang="en-US" altLang="zh-CN" sz="2700" dirty="0">
               <a:ea typeface="SimSun" pitchFamily="2" charset="-122"/>
             </a:endParaRPr>
           </a:p>
@@ -7124,7 +6693,7 @@
               </a:spcBef>
             </a:pPr>
             <a:r>
-              <a:rPr lang="en-AU" i="1">
+              <a:rPr lang="en-AU" i="1" dirty="0">
                 <a:solidFill>
                   <a:schemeClr val="accent2">
                     <a:lumMod val="50000"/>
@@ -7458,7 +7027,7 @@
               </a:lnSpc>
             </a:pPr>
             <a:r>
-              <a:rPr lang="en-US" altLang="ja-JP" sz="2700" b="1">
+              <a:rPr lang="en-US" altLang="ja-JP" sz="2700" b="1" dirty="0">
                 <a:ea typeface="ＭＳ Ｐゴシック" charset="-128"/>
               </a:rPr>
               <a:t>Title Can Go Here</a:t>
@@ -7471,23 +7040,23 @@
               </a:lnSpc>
             </a:pPr>
             <a:r>
-              <a:rPr lang="en-US" altLang="ja-JP" sz="2700">
+              <a:rPr lang="en-US" altLang="ja-JP" sz="2700" dirty="0">
                 <a:ea typeface="ＭＳ Ｐゴシック" charset="-128"/>
               </a:rPr>
               <a:t>Insert your text here.  You can change the font size to fit your text.   </a:t>
             </a:r>
             <a:r>
-              <a:rPr lang="en-AU" sz="2700"/>
+              <a:rPr lang="en-AU" sz="2700" dirty="0"/>
               <a:t>You can also make this box shrink or grow with the amount of text.  Simply double click this text box, go to the “Text Box” tab, and check the option “Resize AutoShape to fit text”.  </a:t>
             </a:r>
             <a:r>
-              <a:rPr lang="en-US" altLang="ja-JP" sz="2700">
+              <a:rPr lang="en-US" altLang="ja-JP" sz="2700" dirty="0">
                 <a:ea typeface="ＭＳ Ｐゴシック" charset="-128"/>
               </a:rPr>
               <a:t>The background of this template may appear blue on your screen, but it does print lavender.  Insert your text here.  You can change the font size to fit your text.   </a:t>
             </a:r>
             <a:r>
-              <a:rPr lang="en-AU" sz="2700"/>
+              <a:rPr lang="en-AU" sz="2700" dirty="0"/>
               <a:t>You can also make this box shrink or grow with the amount of text.  Simply double click this text box, go to the “Text Box” tab, and check the option “Resize AutoShape to fit text”.</a:t>
             </a:r>
           </a:p>
@@ -7501,10 +7070,10 @@
         </p:nvGrpSpPr>
         <p:grpSpPr>
           <a:xfrm>
-            <a:off x="12935245" y="5475104"/>
-            <a:ext cx="16941212" cy="819990"/>
+            <a:off x="12935244" y="5475100"/>
+            <a:ext cx="28663605" cy="799973"/>
             <a:chOff x="1066799" y="5958162"/>
-            <a:chExt cx="11007725" cy="891580"/>
+            <a:chExt cx="11007725" cy="869816"/>
           </a:xfrm>
         </p:grpSpPr>
         <p:sp>
@@ -7692,7 +7261,7 @@
           </p:nvSpPr>
           <p:spPr bwMode="auto">
             <a:xfrm>
-              <a:off x="1157514" y="6046588"/>
+              <a:off x="1100826" y="6024824"/>
               <a:ext cx="10805886" cy="803154"/>
             </a:xfrm>
             <a:prstGeom prst="rect">
@@ -7826,7 +7395,7 @@
             </a:lstStyle>
             <a:p>
               <a:r>
-                <a:rPr lang="en-US" altLang="zh-CN" sz="4200" b="1">
+                <a:rPr lang="en-US" altLang="zh-CN" sz="4200" b="1" dirty="0" smtClean="0">
                   <a:solidFill>
                     <a:schemeClr val="bg1"/>
                   </a:solidFill>
@@ -7834,9 +7403,9 @@
                   <a:ea typeface="SimSun" pitchFamily="2" charset="-122"/>
                   <a:cs typeface="Lucida Sans" pitchFamily="34" charset="0"/>
                 </a:rPr>
-                <a:t>MATERIALS AND METHODS</a:t>
+                <a:t>VISUALIZATION</a:t>
               </a:r>
-              <a:endParaRPr lang="en-US" altLang="zh-CN" sz="3000" b="1">
+              <a:endParaRPr lang="en-US" altLang="zh-CN" sz="3000" b="1" dirty="0">
                 <a:solidFill>
                   <a:schemeClr val="bg1"/>
                 </a:solidFill>
@@ -8092,8 +7661,8 @@
         </p:nvSpPr>
         <p:spPr bwMode="auto">
           <a:xfrm>
-            <a:off x="31058191" y="20062357"/>
-            <a:ext cx="10623136" cy="6232891"/>
+            <a:off x="31083250" y="22910006"/>
+            <a:ext cx="10623136" cy="3241302"/>
           </a:xfrm>
           <a:prstGeom prst="rect">
             <a:avLst/>
@@ -8231,7 +7800,7 @@
               <a:buChar char="•"/>
             </a:pPr>
             <a:r>
-              <a:rPr lang="en-US" altLang="zh-CN" sz="2700">
+              <a:rPr lang="en-US" altLang="zh-CN" sz="2700" dirty="0">
                 <a:ea typeface="SimSun" pitchFamily="2" charset="-122"/>
               </a:rPr>
               <a:t>You can also make this box shrink or grow with the amount of text.  Simply double click this text box, go to the “Text Box” tab, and check the option “Resize AutoShape to fit text”.</a:t>
@@ -8245,7 +7814,7 @@
               <a:buFont typeface="Arial" charset="0"/>
               <a:buChar char="•"/>
             </a:pPr>
-            <a:endParaRPr lang="en-US" altLang="zh-CN" sz="2700">
+            <a:endParaRPr lang="en-US" altLang="zh-CN" sz="2700" dirty="0">
               <a:ea typeface="SimSun" pitchFamily="2" charset="-122"/>
             </a:endParaRPr>
           </a:p>
@@ -8258,65 +7827,20 @@
               <a:buChar char="•"/>
             </a:pPr>
             <a:r>
-              <a:rPr lang="en-US" altLang="zh-CN" sz="2700">
+              <a:rPr lang="en-US" altLang="zh-CN" sz="2700" dirty="0">
                 <a:ea typeface="SimSun" pitchFamily="2" charset="-122"/>
               </a:rPr>
-              <a:t>The background of this template may appear blue on your screen, but it does print lavender.</a:t>
-            </a:r>
-          </a:p>
-          <a:p>
-            <a:pPr>
-              <a:lnSpc>
-                <a:spcPct val="120000"/>
-              </a:lnSpc>
-              <a:buFont typeface="Arial" charset="0"/>
-              <a:buChar char="•"/>
-            </a:pPr>
-            <a:endParaRPr lang="en-US" altLang="zh-CN" sz="2700">
+              <a:t>The background of this template may appear blue on your screen, but it does print lavender</a:t>
+            </a:r>
+            <a:r>
+              <a:rPr lang="en-US" altLang="zh-CN" sz="2700" dirty="0" smtClean="0">
+                <a:ea typeface="SimSun" pitchFamily="2" charset="-122"/>
+              </a:rPr>
+              <a:t>.</a:t>
+            </a:r>
+            <a:endParaRPr lang="en-US" altLang="zh-CN" sz="2700" dirty="0">
               <a:ea typeface="SimSun" pitchFamily="2" charset="-122"/>
             </a:endParaRPr>
-          </a:p>
-          <a:p>
-            <a:pPr>
-              <a:lnSpc>
-                <a:spcPct val="120000"/>
-              </a:lnSpc>
-              <a:buFont typeface="Arial" charset="0"/>
-              <a:buChar char="•"/>
-            </a:pPr>
-            <a:r>
-              <a:rPr lang="en-US" altLang="zh-CN" sz="2700">
-                <a:ea typeface="SimSun" pitchFamily="2" charset="-122"/>
-              </a:rPr>
-              <a:t>Insert your text here.  You can change the font size to fit your text.  </a:t>
-            </a:r>
-          </a:p>
-          <a:p>
-            <a:pPr>
-              <a:lnSpc>
-                <a:spcPct val="120000"/>
-              </a:lnSpc>
-              <a:buFont typeface="Arial" charset="0"/>
-              <a:buChar char="•"/>
-            </a:pPr>
-            <a:endParaRPr lang="en-US" altLang="zh-CN" sz="2700">
-              <a:ea typeface="SimSun" pitchFamily="2" charset="-122"/>
-            </a:endParaRPr>
-          </a:p>
-          <a:p>
-            <a:pPr>
-              <a:lnSpc>
-                <a:spcPct val="120000"/>
-              </a:lnSpc>
-              <a:buFont typeface="Arial" charset="0"/>
-              <a:buChar char="•"/>
-            </a:pPr>
-            <a:r>
-              <a:rPr lang="en-US" altLang="zh-CN" sz="2700">
-                <a:ea typeface="SimSun" pitchFamily="2" charset="-122"/>
-              </a:rPr>
-              <a:t>You can also make this box shrink or grow with the amount of text. Double click this text box, go to the “Text Box” tab, and check the option “Resize AutoShape to fit text”.</a:t>
-            </a:r>
           </a:p>
         </p:txBody>
       </p:sp>
@@ -8477,7 +8001,7 @@
           <a:p>
             <a:pPr algn="r"/>
             <a:r>
-              <a:rPr lang="en-US" altLang="zh-CN" sz="2700">
+              <a:rPr lang="en-US" altLang="zh-CN" sz="2700" dirty="0">
                 <a:effectLst>
                   <a:outerShdw blurRad="38100" dist="38100" dir="2700000" algn="tl">
                     <a:srgbClr val="C0C0C0"/>
@@ -8487,7 +8011,7 @@
               </a:rPr>
               <a:t>Insert your acknowledgements  here.  This research supported by…</a:t>
             </a:r>
-            <a:endParaRPr lang="zh-CN" altLang="en-US" sz="2700">
+            <a:endParaRPr lang="zh-CN" altLang="en-US" sz="2700" dirty="0">
               <a:effectLst>
                 <a:outerShdw blurRad="38100" dist="38100" dir="2700000" algn="tl">
                   <a:srgbClr val="C0C0C0"/>
@@ -8498,765 +8022,6 @@
           </a:p>
         </p:txBody>
       </p:sp>
-      <p:sp>
-        <p:nvSpPr>
-          <p:cNvPr id="57" name="Text Box 263"/>
-          <p:cNvSpPr txBox="1">
-            <a:spLocks noChangeArrowheads="1"/>
-          </p:cNvSpPr>
-          <p:nvPr/>
-        </p:nvSpPr>
-        <p:spPr bwMode="auto">
-          <a:xfrm>
-            <a:off x="31058191" y="6550980"/>
-            <a:ext cx="10638619" cy="8036846"/>
-          </a:xfrm>
-          <a:prstGeom prst="rect">
-            <a:avLst/>
-          </a:prstGeom>
-          <a:solidFill>
-            <a:schemeClr val="accent3">
-              <a:lumMod val="40000"/>
-              <a:lumOff val="60000"/>
-            </a:schemeClr>
-          </a:solidFill>
-          <a:ln w="57150" cmpd="thinThick">
-            <a:noFill/>
-            <a:miter lim="800000"/>
-          </a:ln>
-          <a:extLst/>
-        </p:spPr>
-        <p:txBody>
-          <a:bodyPr wrap="square" lIns="174010" tIns="87005" rIns="174010" bIns="174010">
-            <a:spAutoFit/>
-          </a:bodyPr>
-          <a:lstStyle>
-            <a:defPPr>
-              <a:defRPr kern="1200" smtId="4294967295"/>
-            </a:defPPr>
-            <a:lvl1pPr>
-              <a:defRPr sz="2400">
-                <a:solidFill>
-                  <a:schemeClr val="tx1"/>
-                </a:solidFill>
-                <a:latin typeface="Times New Roman" pitchFamily="18" charset="0"/>
-              </a:defRPr>
-            </a:lvl1pPr>
-            <a:lvl2pPr marL="685800" indent="-228600">
-              <a:defRPr sz="2400">
-                <a:solidFill>
-                  <a:schemeClr val="tx1"/>
-                </a:solidFill>
-                <a:latin typeface="Times New Roman" pitchFamily="18" charset="0"/>
-              </a:defRPr>
-            </a:lvl2pPr>
-            <a:lvl3pPr marL="1143000" indent="-228600">
-              <a:defRPr sz="2400">
-                <a:solidFill>
-                  <a:schemeClr val="tx1"/>
-                </a:solidFill>
-                <a:latin typeface="Times New Roman" pitchFamily="18" charset="0"/>
-              </a:defRPr>
-            </a:lvl3pPr>
-            <a:lvl4pPr marL="1600200" indent="-228600">
-              <a:defRPr sz="2400">
-                <a:solidFill>
-                  <a:schemeClr val="tx1"/>
-                </a:solidFill>
-                <a:latin typeface="Times New Roman" pitchFamily="18" charset="0"/>
-              </a:defRPr>
-            </a:lvl4pPr>
-            <a:lvl5pPr marL="2057400" indent="-228600">
-              <a:defRPr sz="2400">
-                <a:solidFill>
-                  <a:schemeClr val="tx1"/>
-                </a:solidFill>
-                <a:latin typeface="Times New Roman" pitchFamily="18" charset="0"/>
-              </a:defRPr>
-            </a:lvl5pPr>
-            <a:lvl6pPr marL="2514600" indent="-228600" eaLnBrk="0" fontAlgn="base" hangingPunct="0">
-              <a:spcBef>
-                <a:spcPct val="0"/>
-              </a:spcBef>
-              <a:spcAft>
-                <a:spcPct val="0"/>
-              </a:spcAft>
-              <a:defRPr sz="2400">
-                <a:solidFill>
-                  <a:schemeClr val="tx1"/>
-                </a:solidFill>
-                <a:latin typeface="Times New Roman" pitchFamily="18" charset="0"/>
-              </a:defRPr>
-            </a:lvl6pPr>
-            <a:lvl7pPr marL="2971800" indent="-228600" eaLnBrk="0" fontAlgn="base" hangingPunct="0">
-              <a:spcBef>
-                <a:spcPct val="0"/>
-              </a:spcBef>
-              <a:spcAft>
-                <a:spcPct val="0"/>
-              </a:spcAft>
-              <a:defRPr sz="2400">
-                <a:solidFill>
-                  <a:schemeClr val="tx1"/>
-                </a:solidFill>
-                <a:latin typeface="Times New Roman" pitchFamily="18" charset="0"/>
-              </a:defRPr>
-            </a:lvl7pPr>
-            <a:lvl8pPr marL="3429000" indent="-228600" eaLnBrk="0" fontAlgn="base" hangingPunct="0">
-              <a:spcBef>
-                <a:spcPct val="0"/>
-              </a:spcBef>
-              <a:spcAft>
-                <a:spcPct val="0"/>
-              </a:spcAft>
-              <a:defRPr sz="2400">
-                <a:solidFill>
-                  <a:schemeClr val="tx1"/>
-                </a:solidFill>
-                <a:latin typeface="Times New Roman" pitchFamily="18" charset="0"/>
-              </a:defRPr>
-            </a:lvl8pPr>
-            <a:lvl9pPr marL="3886200" indent="-228600" eaLnBrk="0" fontAlgn="base" hangingPunct="0">
-              <a:spcBef>
-                <a:spcPct val="0"/>
-              </a:spcBef>
-              <a:spcAft>
-                <a:spcPct val="0"/>
-              </a:spcAft>
-              <a:defRPr sz="2400">
-                <a:solidFill>
-                  <a:schemeClr val="tx1"/>
-                </a:solidFill>
-                <a:latin typeface="Times New Roman" pitchFamily="18" charset="0"/>
-              </a:defRPr>
-            </a:lvl9pPr>
-          </a:lstStyle>
-          <a:p>
-            <a:pPr>
-              <a:lnSpc>
-                <a:spcPct val="125000"/>
-              </a:lnSpc>
-            </a:pPr>
-            <a:r>
-              <a:rPr lang="en-US" altLang="ja-JP" sz="2700" b="1">
-                <a:ea typeface="ＭＳ Ｐゴシック" charset="-128"/>
-              </a:rPr>
-              <a:t>Title Here</a:t>
-            </a:r>
-          </a:p>
-          <a:p>
-            <a:pPr>
-              <a:lnSpc>
-                <a:spcPct val="125000"/>
-              </a:lnSpc>
-            </a:pPr>
-            <a:r>
-              <a:rPr lang="en-US" altLang="ja-JP" sz="2700">
-                <a:ea typeface="ＭＳ Ｐゴシック" charset="-128"/>
-              </a:rPr>
-              <a:t>Insert your text here.  You can change the font size to fit your text.   </a:t>
-            </a:r>
-            <a:r>
-              <a:rPr lang="en-AU" sz="2700"/>
-              <a:t>You can also make this box shrink or grow with the amount of text.  Simply double click this text box, go to the “Text Box” tab, and check the option “Resize AutoShape to fit text”.  </a:t>
-            </a:r>
-          </a:p>
-          <a:p>
-            <a:pPr lvl="1">
-              <a:lnSpc>
-                <a:spcPct val="125000"/>
-              </a:lnSpc>
-              <a:buFontTx/>
-              <a:buChar char="•"/>
-            </a:pPr>
-            <a:r>
-              <a:rPr lang="en-US" altLang="ja-JP" sz="2700">
-                <a:ea typeface="ＭＳ Ｐゴシック" charset="-128"/>
-              </a:rPr>
-              <a:t>The background of this template may appear blue on your screen, but it does print lavender.  Insert your text here.  </a:t>
-            </a:r>
-          </a:p>
-          <a:p>
-            <a:pPr lvl="1">
-              <a:lnSpc>
-                <a:spcPct val="125000"/>
-              </a:lnSpc>
-              <a:buFontTx/>
-              <a:buChar char="•"/>
-            </a:pPr>
-            <a:r>
-              <a:rPr lang="en-US" altLang="ja-JP" sz="2700">
-                <a:ea typeface="ＭＳ Ｐゴシック" charset="-128"/>
-              </a:rPr>
-              <a:t>You can change the font size to fit your text.   </a:t>
-            </a:r>
-          </a:p>
-          <a:p>
-            <a:pPr lvl="1">
-              <a:lnSpc>
-                <a:spcPct val="125000"/>
-              </a:lnSpc>
-              <a:buFontTx/>
-              <a:buChar char="•"/>
-            </a:pPr>
-            <a:r>
-              <a:rPr lang="en-AU" sz="2700"/>
-              <a:t>You can also make this box shrink or grow with the amount of text.  Simply double click this text box, go to the “Text Box” tab, and check the option “Resize AutoShape to fit text”.</a:t>
-            </a:r>
-          </a:p>
-          <a:p>
-            <a:pPr lvl="1">
-              <a:lnSpc>
-                <a:spcPct val="125000"/>
-              </a:lnSpc>
-              <a:buFontTx/>
-              <a:buChar char="•"/>
-            </a:pPr>
-            <a:r>
-              <a:rPr lang="en-US" altLang="ja-JP" sz="2700">
-                <a:ea typeface="ＭＳ Ｐゴシック" charset="-128"/>
-              </a:rPr>
-              <a:t>Insert your text here.  You can change the font size to fit your text.   </a:t>
-            </a:r>
-            <a:r>
-              <a:rPr lang="en-AU" sz="2700"/>
-              <a:t>You can also make this box shrink or grow with the amount of text.  Simply double click this text box, go to the “Text Box” tab, and check the option “Resize AutoShape to fit text”.</a:t>
-            </a:r>
-            <a:endParaRPr lang="en-US" altLang="zh-CN" sz="2700">
-              <a:ea typeface="SimSun" pitchFamily="2" charset="-122"/>
-            </a:endParaRPr>
-          </a:p>
-        </p:txBody>
-      </p:sp>
-      <p:sp>
-        <p:nvSpPr>
-          <p:cNvPr id="58" name="Text Box 265"/>
-          <p:cNvSpPr txBox="1">
-            <a:spLocks noChangeArrowheads="1"/>
-          </p:cNvSpPr>
-          <p:nvPr/>
-        </p:nvSpPr>
-        <p:spPr bwMode="auto">
-          <a:xfrm>
-            <a:off x="31146677" y="18393542"/>
-            <a:ext cx="6319247" cy="457188"/>
-          </a:xfrm>
-          <a:prstGeom prst="rect">
-            <a:avLst/>
-          </a:prstGeom>
-          <a:noFill/>
-          <a:ln>
-            <a:noFill/>
-          </a:ln>
-          <a:extLst>
-            <a:ext uri="{909E8E84-426E-40dd-AFC4-6F175D3DCCD1}">
-              <a14:hiddenFill xmlns:a14="http://schemas.microsoft.com/office/drawing/2010/main">
-                <a:solidFill>
-                  <a:schemeClr val="accent1"/>
-                </a:solidFill>
-              </a14:hiddenFill>
-            </a:ext>
-            <a:ext uri="{91240B29-F687-4f45-9708-019B960494DF}">
-              <a14:hiddenLine xmlns:a14="http://schemas.microsoft.com/office/drawing/2010/main" w="9525">
-                <a:solidFill>
-                  <a:schemeClr val="tx1"/>
-                </a:solidFill>
-                <a:miter lim="800000"/>
-                <a:headEnd/>
-                <a:tailEnd/>
-              </a14:hiddenLine>
-            </a:ext>
-            <a:ext uri="{AF507438-7753-43e0-B8FC-AC1667EBCBE1}">
-              <a14:hiddenEffects xmlns:a14="http://schemas.microsoft.com/office/drawing/2010/main">
-                <a:effectLst>
-                  <a:outerShdw dist="17961" dir="2700000" algn="ctr" rotWithShape="0">
-                    <a:srgbClr val="FFFFFF"/>
-                  </a:outerShdw>
-                </a:effectLst>
-              </a14:hiddenEffects>
-            </a:ext>
-          </a:extLst>
-        </p:spPr>
-        <p:txBody>
-          <a:bodyPr lIns="0" tIns="43503" rIns="0" bIns="43503">
-            <a:spAutoFit/>
-          </a:bodyPr>
-          <a:lstStyle>
-            <a:defPPr>
-              <a:defRPr kern="1200" smtId="4294967295"/>
-            </a:defPPr>
-            <a:lvl1pPr>
-              <a:defRPr sz="2400">
-                <a:solidFill>
-                  <a:schemeClr val="tx1"/>
-                </a:solidFill>
-                <a:latin typeface="Times New Roman" pitchFamily="18" charset="0"/>
-              </a:defRPr>
-            </a:lvl1pPr>
-            <a:lvl2pPr marL="742950" indent="-285750">
-              <a:defRPr sz="2400">
-                <a:solidFill>
-                  <a:schemeClr val="tx1"/>
-                </a:solidFill>
-                <a:latin typeface="Times New Roman" pitchFamily="18" charset="0"/>
-              </a:defRPr>
-            </a:lvl2pPr>
-            <a:lvl3pPr marL="1143000" indent="-228600">
-              <a:defRPr sz="2400">
-                <a:solidFill>
-                  <a:schemeClr val="tx1"/>
-                </a:solidFill>
-                <a:latin typeface="Times New Roman" pitchFamily="18" charset="0"/>
-              </a:defRPr>
-            </a:lvl3pPr>
-            <a:lvl4pPr marL="1600200" indent="-228600">
-              <a:defRPr sz="2400">
-                <a:solidFill>
-                  <a:schemeClr val="tx1"/>
-                </a:solidFill>
-                <a:latin typeface="Times New Roman" pitchFamily="18" charset="0"/>
-              </a:defRPr>
-            </a:lvl4pPr>
-            <a:lvl5pPr marL="2057400" indent="-228600">
-              <a:defRPr sz="2400">
-                <a:solidFill>
-                  <a:schemeClr val="tx1"/>
-                </a:solidFill>
-                <a:latin typeface="Times New Roman" pitchFamily="18" charset="0"/>
-              </a:defRPr>
-            </a:lvl5pPr>
-            <a:lvl6pPr marL="2514600" indent="-228600" eaLnBrk="0" fontAlgn="base" hangingPunct="0">
-              <a:spcBef>
-                <a:spcPct val="0"/>
-              </a:spcBef>
-              <a:spcAft>
-                <a:spcPct val="0"/>
-              </a:spcAft>
-              <a:defRPr sz="2400">
-                <a:solidFill>
-                  <a:schemeClr val="tx1"/>
-                </a:solidFill>
-                <a:latin typeface="Times New Roman" pitchFamily="18" charset="0"/>
-              </a:defRPr>
-            </a:lvl6pPr>
-            <a:lvl7pPr marL="2971800" indent="-228600" eaLnBrk="0" fontAlgn="base" hangingPunct="0">
-              <a:spcBef>
-                <a:spcPct val="0"/>
-              </a:spcBef>
-              <a:spcAft>
-                <a:spcPct val="0"/>
-              </a:spcAft>
-              <a:defRPr sz="2400">
-                <a:solidFill>
-                  <a:schemeClr val="tx1"/>
-                </a:solidFill>
-                <a:latin typeface="Times New Roman" pitchFamily="18" charset="0"/>
-              </a:defRPr>
-            </a:lvl7pPr>
-            <a:lvl8pPr marL="3429000" indent="-228600" eaLnBrk="0" fontAlgn="base" hangingPunct="0">
-              <a:spcBef>
-                <a:spcPct val="0"/>
-              </a:spcBef>
-              <a:spcAft>
-                <a:spcPct val="0"/>
-              </a:spcAft>
-              <a:defRPr sz="2400">
-                <a:solidFill>
-                  <a:schemeClr val="tx1"/>
-                </a:solidFill>
-                <a:latin typeface="Times New Roman" pitchFamily="18" charset="0"/>
-              </a:defRPr>
-            </a:lvl8pPr>
-            <a:lvl9pPr marL="3886200" indent="-228600" eaLnBrk="0" fontAlgn="base" hangingPunct="0">
-              <a:spcBef>
-                <a:spcPct val="0"/>
-              </a:spcBef>
-              <a:spcAft>
-                <a:spcPct val="0"/>
-              </a:spcAft>
-              <a:defRPr sz="2400">
-                <a:solidFill>
-                  <a:schemeClr val="tx1"/>
-                </a:solidFill>
-                <a:latin typeface="Times New Roman" pitchFamily="18" charset="0"/>
-              </a:defRPr>
-            </a:lvl9pPr>
-          </a:lstStyle>
-          <a:p>
-            <a:pPr>
-              <a:spcBef>
-                <a:spcPct val="50000"/>
-              </a:spcBef>
-            </a:pPr>
-            <a:r>
-              <a:rPr lang="en-AU" i="1">
-                <a:solidFill>
-                  <a:schemeClr val="accent2">
-                    <a:lumMod val="50000"/>
-                  </a:schemeClr>
-                </a:solidFill>
-                <a:latin typeface="Arial"/>
-              </a:rPr>
-              <a:t>Your caption can go here.</a:t>
-            </a:r>
-          </a:p>
-        </p:txBody>
-      </p:sp>
-      <p:grpSp>
-        <p:nvGrpSpPr>
-          <p:cNvPr id="59" name="Group 58"/>
-          <p:cNvGrpSpPr/>
-          <p:nvPr/>
-        </p:nvGrpSpPr>
-        <p:grpSpPr>
-          <a:xfrm>
-            <a:off x="31058194" y="5475104"/>
-            <a:ext cx="10736991" cy="819990"/>
-            <a:chOff x="1066799" y="5958162"/>
-            <a:chExt cx="11007725" cy="891580"/>
-          </a:xfrm>
-        </p:grpSpPr>
-        <p:sp>
-          <p:nvSpPr>
-            <p:cNvPr id="60" name="Text Box 248"/>
-            <p:cNvSpPr txBox="1">
-              <a:spLocks noChangeArrowheads="1"/>
-            </p:cNvSpPr>
-            <p:nvPr/>
-          </p:nvSpPr>
-          <p:spPr bwMode="auto">
-            <a:xfrm>
-              <a:off x="1066799" y="5958162"/>
-              <a:ext cx="11007725" cy="669294"/>
-            </a:xfrm>
-            <a:prstGeom prst="rect">
-              <a:avLst/>
-            </a:prstGeom>
-            <a:gradFill rotWithShape="0">
-              <a:gsLst>
-                <a:gs pos="0">
-                  <a:schemeClr val="accent2">
-                    <a:lumMod val="40000"/>
-                    <a:lumOff val="60000"/>
-                  </a:schemeClr>
-                </a:gs>
-                <a:gs pos="13000">
-                  <a:schemeClr val="accent3">
-                    <a:lumMod val="60000"/>
-                    <a:lumOff val="40000"/>
-                  </a:schemeClr>
-                </a:gs>
-                <a:gs pos="43000">
-                  <a:schemeClr val="accent2">
-                    <a:lumMod val="60000"/>
-                    <a:lumOff val="40000"/>
-                  </a:schemeClr>
-                </a:gs>
-                <a:gs pos="67000">
-                  <a:schemeClr val="accent2">
-                    <a:lumMod val="75000"/>
-                  </a:schemeClr>
-                </a:gs>
-                <a:gs pos="83000">
-                  <a:schemeClr val="accent2">
-                    <a:lumMod val="75000"/>
-                  </a:schemeClr>
-                </a:gs>
-                <a:gs pos="100000">
-                  <a:schemeClr val="accent3">
-                    <a:lumMod val="60000"/>
-                    <a:lumOff val="40000"/>
-                  </a:schemeClr>
-                </a:gs>
-              </a:gsLst>
-              <a:lin ang="0" scaled="1"/>
-              <a:tileRect/>
-            </a:gradFill>
-            <a:ln w="19050">
-              <a:noFill/>
-              <a:miter lim="800000"/>
-            </a:ln>
-          </p:spPr>
-          <p:txBody>
-            <a:bodyPr>
-              <a:spAutoFit/>
-            </a:bodyPr>
-            <a:lstStyle>
-              <a:defPPr>
-                <a:defRPr kern="1200" smtId="4294967295"/>
-              </a:defPPr>
-              <a:lvl1pPr>
-                <a:defRPr sz="2400">
-                  <a:solidFill>
-                    <a:schemeClr val="tx1"/>
-                  </a:solidFill>
-                  <a:latin typeface="Times New Roman" pitchFamily="18" charset="0"/>
-                </a:defRPr>
-              </a:lvl1pPr>
-              <a:lvl2pPr marL="742950" indent="-285750">
-                <a:defRPr sz="2400">
-                  <a:solidFill>
-                    <a:schemeClr val="tx1"/>
-                  </a:solidFill>
-                  <a:latin typeface="Times New Roman" pitchFamily="18" charset="0"/>
-                </a:defRPr>
-              </a:lvl2pPr>
-              <a:lvl3pPr marL="1143000" indent="-228600">
-                <a:defRPr sz="2400">
-                  <a:solidFill>
-                    <a:schemeClr val="tx1"/>
-                  </a:solidFill>
-                  <a:latin typeface="Times New Roman" pitchFamily="18" charset="0"/>
-                </a:defRPr>
-              </a:lvl3pPr>
-              <a:lvl4pPr marL="1600200" indent="-228600">
-                <a:defRPr sz="2400">
-                  <a:solidFill>
-                    <a:schemeClr val="tx1"/>
-                  </a:solidFill>
-                  <a:latin typeface="Times New Roman" pitchFamily="18" charset="0"/>
-                </a:defRPr>
-              </a:lvl4pPr>
-              <a:lvl5pPr marL="2057400" indent="-228600">
-                <a:defRPr sz="2400">
-                  <a:solidFill>
-                    <a:schemeClr val="tx1"/>
-                  </a:solidFill>
-                  <a:latin typeface="Times New Roman" pitchFamily="18" charset="0"/>
-                </a:defRPr>
-              </a:lvl5pPr>
-              <a:lvl6pPr marL="2514600" indent="-228600" eaLnBrk="0" fontAlgn="base" hangingPunct="0">
-                <a:spcBef>
-                  <a:spcPct val="0"/>
-                </a:spcBef>
-                <a:spcAft>
-                  <a:spcPct val="0"/>
-                </a:spcAft>
-                <a:defRPr sz="2400">
-                  <a:solidFill>
-                    <a:schemeClr val="tx1"/>
-                  </a:solidFill>
-                  <a:latin typeface="Times New Roman" pitchFamily="18" charset="0"/>
-                </a:defRPr>
-              </a:lvl6pPr>
-              <a:lvl7pPr marL="2971800" indent="-228600" eaLnBrk="0" fontAlgn="base" hangingPunct="0">
-                <a:spcBef>
-                  <a:spcPct val="0"/>
-                </a:spcBef>
-                <a:spcAft>
-                  <a:spcPct val="0"/>
-                </a:spcAft>
-                <a:defRPr sz="2400">
-                  <a:solidFill>
-                    <a:schemeClr val="tx1"/>
-                  </a:solidFill>
-                  <a:latin typeface="Times New Roman" pitchFamily="18" charset="0"/>
-                </a:defRPr>
-              </a:lvl7pPr>
-              <a:lvl8pPr marL="3429000" indent="-228600" eaLnBrk="0" fontAlgn="base" hangingPunct="0">
-                <a:spcBef>
-                  <a:spcPct val="0"/>
-                </a:spcBef>
-                <a:spcAft>
-                  <a:spcPct val="0"/>
-                </a:spcAft>
-                <a:defRPr sz="2400">
-                  <a:solidFill>
-                    <a:schemeClr val="tx1"/>
-                  </a:solidFill>
-                  <a:latin typeface="Times New Roman" pitchFamily="18" charset="0"/>
-                </a:defRPr>
-              </a:lvl8pPr>
-              <a:lvl9pPr marL="3886200" indent="-228600" eaLnBrk="0" fontAlgn="base" hangingPunct="0">
-                <a:spcBef>
-                  <a:spcPct val="0"/>
-                </a:spcBef>
-                <a:spcAft>
-                  <a:spcPct val="0"/>
-                </a:spcAft>
-                <a:defRPr sz="2400">
-                  <a:solidFill>
-                    <a:schemeClr val="tx1"/>
-                  </a:solidFill>
-                  <a:latin typeface="Times New Roman" pitchFamily="18" charset="0"/>
-                </a:defRPr>
-              </a:lvl9pPr>
-            </a:lstStyle>
-            <a:p>
-              <a:endParaRPr lang="en-US" altLang="zh-CN" sz="3400" b="1">
-                <a:latin typeface="Lucida Sans" pitchFamily="34" charset="0"/>
-                <a:ea typeface="SimSun" pitchFamily="2" charset="-122"/>
-                <a:cs typeface="Lucida Sans" pitchFamily="34" charset="0"/>
-              </a:endParaRPr>
-            </a:p>
-          </p:txBody>
-        </p:sp>
-        <p:sp>
-          <p:nvSpPr>
-            <p:cNvPr id="61" name="Text Box 248"/>
-            <p:cNvSpPr txBox="1">
-              <a:spLocks noChangeArrowheads="1"/>
-            </p:cNvSpPr>
-            <p:nvPr/>
-          </p:nvSpPr>
-          <p:spPr bwMode="auto">
-            <a:xfrm>
-              <a:off x="1157514" y="6046588"/>
-              <a:ext cx="10805886" cy="803154"/>
-            </a:xfrm>
-            <a:prstGeom prst="rect">
-              <a:avLst/>
-            </a:prstGeom>
-            <a:gradFill>
-              <a:gsLst>
-                <a:gs pos="56000">
-                  <a:schemeClr val="accent2">
-                    <a:lumMod val="50000"/>
-                  </a:schemeClr>
-                </a:gs>
-                <a:gs pos="100000">
-                  <a:schemeClr val="bg1">
-                    <a:alpha val="0"/>
-                  </a:schemeClr>
-                </a:gs>
-              </a:gsLst>
-              <a:lin ang="0" scaled="1"/>
-              <a:tileRect/>
-            </a:gradFill>
-            <a:ln w="19050">
-              <a:noFill/>
-              <a:miter lim="800000"/>
-            </a:ln>
-          </p:spPr>
-          <p:txBody>
-            <a:bodyPr wrap="square">
-              <a:spAutoFit/>
-            </a:bodyPr>
-            <a:lstStyle>
-              <a:defPPr>
-                <a:defRPr kern="1200" smtId="4294967295"/>
-              </a:defPPr>
-              <a:lvl1pPr>
-                <a:defRPr sz="2400">
-                  <a:solidFill>
-                    <a:schemeClr val="tx1"/>
-                  </a:solidFill>
-                  <a:latin typeface="Times New Roman" pitchFamily="18" charset="0"/>
-                </a:defRPr>
-              </a:lvl1pPr>
-              <a:lvl2pPr marL="742950" indent="-285750">
-                <a:defRPr sz="2400">
-                  <a:solidFill>
-                    <a:schemeClr val="tx1"/>
-                  </a:solidFill>
-                  <a:latin typeface="Times New Roman" pitchFamily="18" charset="0"/>
-                </a:defRPr>
-              </a:lvl2pPr>
-              <a:lvl3pPr marL="1143000" indent="-228600">
-                <a:defRPr sz="2400">
-                  <a:solidFill>
-                    <a:schemeClr val="tx1"/>
-                  </a:solidFill>
-                  <a:latin typeface="Times New Roman" pitchFamily="18" charset="0"/>
-                </a:defRPr>
-              </a:lvl3pPr>
-              <a:lvl4pPr marL="1600200" indent="-228600">
-                <a:defRPr sz="2400">
-                  <a:solidFill>
-                    <a:schemeClr val="tx1"/>
-                  </a:solidFill>
-                  <a:latin typeface="Times New Roman" pitchFamily="18" charset="0"/>
-                </a:defRPr>
-              </a:lvl4pPr>
-              <a:lvl5pPr marL="2057400" indent="-228600">
-                <a:defRPr sz="2400">
-                  <a:solidFill>
-                    <a:schemeClr val="tx1"/>
-                  </a:solidFill>
-                  <a:latin typeface="Times New Roman" pitchFamily="18" charset="0"/>
-                </a:defRPr>
-              </a:lvl5pPr>
-              <a:lvl6pPr marL="2514600" indent="-228600" eaLnBrk="0" fontAlgn="base" hangingPunct="0">
-                <a:spcBef>
-                  <a:spcPct val="0"/>
-                </a:spcBef>
-                <a:spcAft>
-                  <a:spcPct val="0"/>
-                </a:spcAft>
-                <a:defRPr sz="2400">
-                  <a:solidFill>
-                    <a:schemeClr val="tx1"/>
-                  </a:solidFill>
-                  <a:latin typeface="Times New Roman" pitchFamily="18" charset="0"/>
-                </a:defRPr>
-              </a:lvl6pPr>
-              <a:lvl7pPr marL="2971800" indent="-228600" eaLnBrk="0" fontAlgn="base" hangingPunct="0">
-                <a:spcBef>
-                  <a:spcPct val="0"/>
-                </a:spcBef>
-                <a:spcAft>
-                  <a:spcPct val="0"/>
-                </a:spcAft>
-                <a:defRPr sz="2400">
-                  <a:solidFill>
-                    <a:schemeClr val="tx1"/>
-                  </a:solidFill>
-                  <a:latin typeface="Times New Roman" pitchFamily="18" charset="0"/>
-                </a:defRPr>
-              </a:lvl7pPr>
-              <a:lvl8pPr marL="3429000" indent="-228600" eaLnBrk="0" fontAlgn="base" hangingPunct="0">
-                <a:spcBef>
-                  <a:spcPct val="0"/>
-                </a:spcBef>
-                <a:spcAft>
-                  <a:spcPct val="0"/>
-                </a:spcAft>
-                <a:defRPr sz="2400">
-                  <a:solidFill>
-                    <a:schemeClr val="tx1"/>
-                  </a:solidFill>
-                  <a:latin typeface="Times New Roman" pitchFamily="18" charset="0"/>
-                </a:defRPr>
-              </a:lvl8pPr>
-              <a:lvl9pPr marL="3886200" indent="-228600" eaLnBrk="0" fontAlgn="base" hangingPunct="0">
-                <a:spcBef>
-                  <a:spcPct val="0"/>
-                </a:spcBef>
-                <a:spcAft>
-                  <a:spcPct val="0"/>
-                </a:spcAft>
-                <a:defRPr sz="2400">
-                  <a:solidFill>
-                    <a:schemeClr val="tx1"/>
-                  </a:solidFill>
-                  <a:latin typeface="Times New Roman" pitchFamily="18" charset="0"/>
-                </a:defRPr>
-              </a:lvl9pPr>
-            </a:lstStyle>
-            <a:p>
-              <a:r>
-                <a:rPr lang="en-US" altLang="zh-CN" sz="4200" b="1">
-                  <a:solidFill>
-                    <a:schemeClr val="bg1"/>
-                  </a:solidFill>
-                  <a:latin typeface="Lucida Sans" pitchFamily="34" charset="0"/>
-                  <a:ea typeface="SimSun" pitchFamily="2" charset="-122"/>
-                  <a:cs typeface="Lucida Sans" pitchFamily="34" charset="0"/>
-                </a:rPr>
-                <a:t>RESULTS</a:t>
-              </a:r>
-              <a:endParaRPr lang="en-US" altLang="zh-CN" sz="3000" b="1">
-                <a:solidFill>
-                  <a:schemeClr val="bg1"/>
-                </a:solidFill>
-                <a:latin typeface="Lucida Sans" pitchFamily="34" charset="0"/>
-                <a:ea typeface="SimSun" pitchFamily="2" charset="-122"/>
-                <a:cs typeface="Lucida Sans" pitchFamily="34" charset="0"/>
-              </a:endParaRPr>
-            </a:p>
-          </p:txBody>
-        </p:sp>
-      </p:grpSp>
       <p:grpSp>
         <p:nvGrpSpPr>
           <p:cNvPr id="62" name="Group 61"/>
@@ -9265,7 +8030,7 @@
         </p:nvGrpSpPr>
         <p:grpSpPr>
           <a:xfrm>
-            <a:off x="31058194" y="19041227"/>
+            <a:off x="31007050" y="21919406"/>
             <a:ext cx="10736991" cy="819990"/>
             <a:chOff x="1066799" y="5958162"/>
             <a:chExt cx="11007725" cy="891580"/>
@@ -9967,28 +8732,66 @@
           </p:txBody>
         </p:sp>
       </p:grpSp>
-      <p:graphicFrame>
-        <p:nvGraphicFramePr>
-          <p:cNvPr id="68" name="Chart 67"/>
-          <p:cNvGraphicFramePr/>
-          <p:nvPr>
-            <p:extLst>
-              <p:ext uri="{D42A27DB-BD31-4B8C-83A1-F6EECF244321}">
-                <p14:modId xmlns:p14="http://schemas.microsoft.com/office/powerpoint/2010/main" val="20291635"/>
-              </p:ext>
-            </p:extLst>
-          </p:nvPr>
-        </p:nvGraphicFramePr>
-        <p:xfrm>
-          <a:off x="31146676" y="14326493"/>
-          <a:ext cx="10648507" cy="4067050"/>
-        </p:xfrm>
-        <a:graphic>
-          <a:graphicData uri="http://schemas.openxmlformats.org/drawingml/2006/chart">
-            <c:chart xmlns:c="http://schemas.openxmlformats.org/drawingml/2006/chart" xmlns:r="http://schemas.openxmlformats.org/officeDocument/2006/relationships" r:id="rId5"/>
-          </a:graphicData>
-        </a:graphic>
-      </p:graphicFrame>
+      <p:pic>
+        <p:nvPicPr>
+          <p:cNvPr id="3" name="Picture 2" descr="Screen Shot 2017-01-11 at 14.19.38.png"/>
+          <p:cNvPicPr>
+            <a:picLocks noChangeAspect="1"/>
+          </p:cNvPicPr>
+          <p:nvPr/>
+        </p:nvPicPr>
+        <p:blipFill>
+          <a:blip r:embed="rId5">
+            <a:extLst>
+              <a:ext uri="{28A0092B-C50C-407E-A947-70E740481C1C}">
+                <a14:useLocalDpi xmlns:a14="http://schemas.microsoft.com/office/drawing/2010/main" val="0"/>
+              </a:ext>
+            </a:extLst>
+          </a:blip>
+          <a:stretch>
+            <a:fillRect/>
+          </a:stretch>
+        </p:blipFill>
+        <p:spPr>
+          <a:xfrm>
+            <a:off x="29989373" y="7060406"/>
+            <a:ext cx="9920377" cy="9144000"/>
+          </a:xfrm>
+          <a:prstGeom prst="rect">
+            <a:avLst/>
+          </a:prstGeom>
+        </p:spPr>
+      </p:pic>
+      <p:pic>
+        <p:nvPicPr>
+          <p:cNvPr id="4" name="Picture 3" descr="Screen Shot 2017-01-11 at 14.21.34.png"/>
+          <p:cNvPicPr>
+            <a:picLocks noChangeAspect="1"/>
+          </p:cNvPicPr>
+          <p:nvPr/>
+        </p:nvPicPr>
+        <p:blipFill>
+          <a:blip r:embed="rId6">
+            <a:extLst>
+              <a:ext uri="{28A0092B-C50C-407E-A947-70E740481C1C}">
+                <a14:useLocalDpi xmlns:a14="http://schemas.microsoft.com/office/drawing/2010/main" val="0"/>
+              </a:ext>
+            </a:extLst>
+          </a:blip>
+          <a:stretch>
+            <a:fillRect/>
+          </a:stretch>
+        </p:blipFill>
+        <p:spPr>
+          <a:xfrm>
+            <a:off x="1060450" y="10794206"/>
+            <a:ext cx="10774680" cy="6543675"/>
+          </a:xfrm>
+          <a:prstGeom prst="rect">
+            <a:avLst/>
+          </a:prstGeom>
+        </p:spPr>
+      </p:pic>
     </p:spTree>
   </p:cSld>
   <p:clrMapOvr>

--- a/poster.pptx
+++ b/poster.pptx
@@ -16,7 +16,7 @@
   <p:sldSz cx="42811700" cy="30275213"/>
   <p:notesSz cx="9239250" cy="11982450"/>
   <p:custDataLst>
-    <p:tags r:id="rId6"/>
+    <p:tags r:id="rId5"/>
   </p:custDataLst>
   <p:defaultTextStyle>
     <a:defPPr>
@@ -208,7 +208,7 @@
   </p:defaultTextStyle>
   <p:extLst>
     <p:ext uri="{EFAFB233-063F-42B5-8137-9DF3F51BA10A}">
-      <p15:sldGuideLst xmlns:p15="http://schemas.microsoft.com/office/powerpoint/2012/main" xmlns="">
+      <p15:sldGuideLst xmlns:p15="http://schemas.microsoft.com/office/powerpoint/2012/main">
         <p15:guide id="1" orient="horz" pos="11088">
           <p15:clr>
             <a:srgbClr val="A4A3A4"/>
@@ -219,10 +219,20 @@
             <a:srgbClr val="A4A3A4"/>
           </p15:clr>
         </p15:guide>
+        <p15:guide id="3" orient="horz" pos="10198">
+          <p15:clr>
+            <a:srgbClr val="A4A3A4"/>
+          </p15:clr>
+        </p15:guide>
+        <p15:guide id="4" pos="13109">
+          <p15:clr>
+            <a:srgbClr val="A4A3A4"/>
+          </p15:clr>
+        </p15:guide>
       </p15:sldGuideLst>
     </p:ext>
     <p:ext uri="{2D200454-40CA-4A62-9FC3-DE9A4176ACB9}">
-      <p15:notesGuideLst xmlns:p15="http://schemas.microsoft.com/office/powerpoint/2012/main" xmlns="">
+      <p15:notesGuideLst xmlns:p15="http://schemas.microsoft.com/office/powerpoint/2012/main">
         <p15:guide id="1" orient="horz" pos="3774">
           <p15:clr>
             <a:srgbClr val="A4A3A4"/>
@@ -237,579 +247,6 @@
     </p:ext>
   </p:extLst>
 </p:presentation>
-</file>
-
-<file path=ppt/charts/chart1.xml><?xml version="1.0" encoding="utf-8"?>
-<c:chartSpace xmlns:c="http://schemas.openxmlformats.org/drawingml/2006/chart" xmlns:a="http://schemas.openxmlformats.org/drawingml/2006/main" xmlns:r="http://schemas.openxmlformats.org/officeDocument/2006/relationships">
-  <c:date1904 val="0"/>
-  <c:lang val="en-US"/>
-  <c:roundedCorners val="0"/>
-  <mc:AlternateContent xmlns:mc="http://schemas.openxmlformats.org/markup-compatibility/2006">
-    <mc:Choice xmlns:c14="http://schemas.microsoft.com/office/drawing/2007/8/2/chart" Requires="c14">
-      <c14:style val="105"/>
-    </mc:Choice>
-    <mc:Fallback>
-      <c:style val="5"/>
-    </mc:Fallback>
-  </mc:AlternateContent>
-  <c:chart>
-    <c:autoTitleDeleted val="1"/>
-    <c:plotArea>
-      <c:layout/>
-      <c:barChart>
-        <c:barDir val="col"/>
-        <c:grouping val="clustered"/>
-        <c:varyColors val="0"/>
-        <c:ser>
-          <c:idx val="0"/>
-          <c:order val="0"/>
-          <c:tx>
-            <c:strRef>
-              <c:f>Sheet1!$B$1</c:f>
-              <c:strCache>
-                <c:ptCount val="1"/>
-                <c:pt idx="0">
-                  <c:v>Series 1</c:v>
-                </c:pt>
-              </c:strCache>
-            </c:strRef>
-          </c:tx>
-          <c:invertIfNegative val="0"/>
-          <c:cat>
-            <c:strRef>
-              <c:f>Sheet1!$A$2:$A$5</c:f>
-              <c:strCache>
-                <c:ptCount val="4"/>
-                <c:pt idx="0">
-                  <c:v>Category 1</c:v>
-                </c:pt>
-                <c:pt idx="1">
-                  <c:v>Category 2</c:v>
-                </c:pt>
-                <c:pt idx="2">
-                  <c:v>Category 3</c:v>
-                </c:pt>
-                <c:pt idx="3">
-                  <c:v>Category 4</c:v>
-                </c:pt>
-              </c:strCache>
-            </c:strRef>
-          </c:cat>
-          <c:val>
-            <c:numRef>
-              <c:f>Sheet1!$B$2:$B$5</c:f>
-              <c:numCache>
-                <c:formatCode>General</c:formatCode>
-                <c:ptCount val="4"/>
-                <c:pt idx="0">
-                  <c:v>4.3</c:v>
-                </c:pt>
-                <c:pt idx="1">
-                  <c:v>2.5</c:v>
-                </c:pt>
-                <c:pt idx="2">
-                  <c:v>3.5</c:v>
-                </c:pt>
-                <c:pt idx="3">
-                  <c:v>4.5</c:v>
-                </c:pt>
-              </c:numCache>
-            </c:numRef>
-          </c:val>
-          <c:extLst>
-            <c:ext xmlns:c16="http://schemas.microsoft.com/office/drawing/2014/chart" uri="{C3380CC4-5D6E-409C-BE32-E72D297353CC}">
-              <c16:uniqueId val="{00000000-B827-44D9-84F8-C130E0E4733D}"/>
-            </c:ext>
-          </c:extLst>
-        </c:ser>
-        <c:ser>
-          <c:idx val="1"/>
-          <c:order val="1"/>
-          <c:tx>
-            <c:strRef>
-              <c:f>Sheet1!$C$1</c:f>
-              <c:strCache>
-                <c:ptCount val="1"/>
-                <c:pt idx="0">
-                  <c:v>Series 2</c:v>
-                </c:pt>
-              </c:strCache>
-            </c:strRef>
-          </c:tx>
-          <c:spPr>
-            <a:solidFill>
-              <a:schemeClr val="accent2">
-                <a:lumMod val="40000"/>
-                <a:lumOff val="60000"/>
-              </a:schemeClr>
-            </a:solidFill>
-          </c:spPr>
-          <c:invertIfNegative val="0"/>
-          <c:cat>
-            <c:strRef>
-              <c:f>Sheet1!$A$2:$A$5</c:f>
-              <c:strCache>
-                <c:ptCount val="4"/>
-                <c:pt idx="0">
-                  <c:v>Category 1</c:v>
-                </c:pt>
-                <c:pt idx="1">
-                  <c:v>Category 2</c:v>
-                </c:pt>
-                <c:pt idx="2">
-                  <c:v>Category 3</c:v>
-                </c:pt>
-                <c:pt idx="3">
-                  <c:v>Category 4</c:v>
-                </c:pt>
-              </c:strCache>
-            </c:strRef>
-          </c:cat>
-          <c:val>
-            <c:numRef>
-              <c:f>Sheet1!$C$2:$C$5</c:f>
-              <c:numCache>
-                <c:formatCode>General</c:formatCode>
-                <c:ptCount val="4"/>
-                <c:pt idx="0">
-                  <c:v>2.4</c:v>
-                </c:pt>
-                <c:pt idx="1">
-                  <c:v>4.4</c:v>
-                </c:pt>
-                <c:pt idx="2">
-                  <c:v>1.8</c:v>
-                </c:pt>
-                <c:pt idx="3">
-                  <c:v>2.8</c:v>
-                </c:pt>
-              </c:numCache>
-            </c:numRef>
-          </c:val>
-          <c:extLst>
-            <c:ext xmlns:c16="http://schemas.microsoft.com/office/drawing/2014/chart" uri="{C3380CC4-5D6E-409C-BE32-E72D297353CC}">
-              <c16:uniqueId val="{00000001-B827-44D9-84F8-C130E0E4733D}"/>
-            </c:ext>
-          </c:extLst>
-        </c:ser>
-        <c:ser>
-          <c:idx val="2"/>
-          <c:order val="2"/>
-          <c:tx>
-            <c:strRef>
-              <c:f>Sheet1!$D$1</c:f>
-              <c:strCache>
-                <c:ptCount val="1"/>
-                <c:pt idx="0">
-                  <c:v>Series 3</c:v>
-                </c:pt>
-              </c:strCache>
-            </c:strRef>
-          </c:tx>
-          <c:spPr>
-            <a:solidFill>
-              <a:schemeClr val="accent2">
-                <a:lumMod val="50000"/>
-              </a:schemeClr>
-            </a:solidFill>
-          </c:spPr>
-          <c:invertIfNegative val="0"/>
-          <c:cat>
-            <c:strRef>
-              <c:f>Sheet1!$A$2:$A$5</c:f>
-              <c:strCache>
-                <c:ptCount val="4"/>
-                <c:pt idx="0">
-                  <c:v>Category 1</c:v>
-                </c:pt>
-                <c:pt idx="1">
-                  <c:v>Category 2</c:v>
-                </c:pt>
-                <c:pt idx="2">
-                  <c:v>Category 3</c:v>
-                </c:pt>
-                <c:pt idx="3">
-                  <c:v>Category 4</c:v>
-                </c:pt>
-              </c:strCache>
-            </c:strRef>
-          </c:cat>
-          <c:val>
-            <c:numRef>
-              <c:f>Sheet1!$D$2:$D$5</c:f>
-              <c:numCache>
-                <c:formatCode>General</c:formatCode>
-                <c:ptCount val="4"/>
-                <c:pt idx="0">
-                  <c:v>2.0</c:v>
-                </c:pt>
-                <c:pt idx="1">
-                  <c:v>2.0</c:v>
-                </c:pt>
-                <c:pt idx="2">
-                  <c:v>3.0</c:v>
-                </c:pt>
-                <c:pt idx="3">
-                  <c:v>5.0</c:v>
-                </c:pt>
-              </c:numCache>
-            </c:numRef>
-          </c:val>
-          <c:extLst>
-            <c:ext xmlns:c16="http://schemas.microsoft.com/office/drawing/2014/chart" uri="{C3380CC4-5D6E-409C-BE32-E72D297353CC}">
-              <c16:uniqueId val="{00000002-B827-44D9-84F8-C130E0E4733D}"/>
-            </c:ext>
-          </c:extLst>
-        </c:ser>
-        <c:dLbls>
-          <c:showLegendKey val="0"/>
-          <c:showVal val="0"/>
-          <c:showCatName val="0"/>
-          <c:showSerName val="0"/>
-          <c:showPercent val="0"/>
-          <c:showBubbleSize val="0"/>
-        </c:dLbls>
-        <c:gapWidth val="150"/>
-        <c:axId val="-2128277048"/>
-        <c:axId val="-2128279976"/>
-      </c:barChart>
-      <c:catAx>
-        <c:axId val="-2128277048"/>
-        <c:scaling>
-          <c:orientation val="minMax"/>
-        </c:scaling>
-        <c:delete val="0"/>
-        <c:axPos val="b"/>
-        <c:numFmt formatCode="General" sourceLinked="0"/>
-        <c:majorTickMark val="out"/>
-        <c:minorTickMark val="none"/>
-        <c:tickLblPos val="nextTo"/>
-        <c:crossAx val="-2128279976"/>
-        <c:crosses val="autoZero"/>
-        <c:auto val="0"/>
-        <c:lblAlgn val="ctr"/>
-        <c:lblOffset val="100"/>
-        <c:noMultiLvlLbl val="0"/>
-      </c:catAx>
-      <c:valAx>
-        <c:axId val="-2128279976"/>
-        <c:scaling>
-          <c:orientation val="minMax"/>
-        </c:scaling>
-        <c:delete val="0"/>
-        <c:axPos val="l"/>
-        <c:majorGridlines/>
-        <c:numFmt formatCode="General" sourceLinked="1"/>
-        <c:majorTickMark val="out"/>
-        <c:minorTickMark val="none"/>
-        <c:tickLblPos val="nextTo"/>
-        <c:crossAx val="-2128277048"/>
-        <c:crosses val="autoZero"/>
-        <c:crossBetween val="between"/>
-      </c:valAx>
-    </c:plotArea>
-    <c:legend>
-      <c:legendPos val="r"/>
-      <c:layout/>
-      <c:overlay val="0"/>
-    </c:legend>
-    <c:plotVisOnly val="1"/>
-    <c:dispBlanksAs val="gap"/>
-    <c:showDLblsOverMax val="0"/>
-  </c:chart>
-  <c:txPr>
-    <a:bodyPr/>
-    <a:lstStyle/>
-    <a:p>
-      <a:pPr>
-        <a:defRPr sz="1800"/>
-      </a:pPr>
-      <a:endParaRPr lang="en-US"/>
-    </a:p>
-  </c:txPr>
-  <c:externalData r:id="rId1">
-    <c:autoUpdate val="0"/>
-  </c:externalData>
-</c:chartSpace>
-</file>
-
-<file path=ppt/charts/chart2.xml><?xml version="1.0" encoding="utf-8"?>
-<c:chartSpace xmlns:c="http://schemas.openxmlformats.org/drawingml/2006/chart" xmlns:a="http://schemas.openxmlformats.org/drawingml/2006/main" xmlns:r="http://schemas.openxmlformats.org/officeDocument/2006/relationships">
-  <c:date1904 val="0"/>
-  <c:lang val="en-US"/>
-  <c:roundedCorners val="0"/>
-  <mc:AlternateContent xmlns:mc="http://schemas.openxmlformats.org/markup-compatibility/2006">
-    <mc:Choice xmlns:c14="http://schemas.microsoft.com/office/drawing/2007/8/2/chart" Requires="c14">
-      <c14:style val="104"/>
-    </mc:Choice>
-    <mc:Fallback>
-      <c:style val="4"/>
-    </mc:Fallback>
-  </mc:AlternateContent>
-  <c:chart>
-    <c:autoTitleDeleted val="1"/>
-    <c:plotArea>
-      <c:layout/>
-      <c:lineChart>
-        <c:grouping val="stacked"/>
-        <c:varyColors val="0"/>
-        <c:ser>
-          <c:idx val="0"/>
-          <c:order val="0"/>
-          <c:tx>
-            <c:strRef>
-              <c:f>Sheet1!$B$1</c:f>
-              <c:strCache>
-                <c:ptCount val="1"/>
-                <c:pt idx="0">
-                  <c:v>Series 1</c:v>
-                </c:pt>
-              </c:strCache>
-            </c:strRef>
-          </c:tx>
-          <c:cat>
-            <c:strRef>
-              <c:f>Sheet1!$A$2:$A$5</c:f>
-              <c:strCache>
-                <c:ptCount val="4"/>
-                <c:pt idx="0">
-                  <c:v>Category 1</c:v>
-                </c:pt>
-                <c:pt idx="1">
-                  <c:v>Category 2</c:v>
-                </c:pt>
-                <c:pt idx="2">
-                  <c:v>Category 3</c:v>
-                </c:pt>
-                <c:pt idx="3">
-                  <c:v>Category 4</c:v>
-                </c:pt>
-              </c:strCache>
-            </c:strRef>
-          </c:cat>
-          <c:val>
-            <c:numRef>
-              <c:f>Sheet1!$B$2:$B$5</c:f>
-              <c:numCache>
-                <c:formatCode>General</c:formatCode>
-                <c:ptCount val="4"/>
-                <c:pt idx="0">
-                  <c:v>4.3</c:v>
-                </c:pt>
-                <c:pt idx="1">
-                  <c:v>2.5</c:v>
-                </c:pt>
-                <c:pt idx="2">
-                  <c:v>3.5</c:v>
-                </c:pt>
-                <c:pt idx="3">
-                  <c:v>4.5</c:v>
-                </c:pt>
-              </c:numCache>
-            </c:numRef>
-          </c:val>
-          <c:smooth val="0"/>
-          <c:extLst>
-            <c:ext xmlns:c16="http://schemas.microsoft.com/office/drawing/2014/chart" uri="{C3380CC4-5D6E-409C-BE32-E72D297353CC}">
-              <c16:uniqueId val="{00000000-1E58-411B-BC33-A5DF328616F1}"/>
-            </c:ext>
-          </c:extLst>
-        </c:ser>
-        <c:ser>
-          <c:idx val="1"/>
-          <c:order val="1"/>
-          <c:tx>
-            <c:strRef>
-              <c:f>Sheet1!$C$1</c:f>
-              <c:strCache>
-                <c:ptCount val="1"/>
-                <c:pt idx="0">
-                  <c:v>Series 2</c:v>
-                </c:pt>
-              </c:strCache>
-            </c:strRef>
-          </c:tx>
-          <c:cat>
-            <c:strRef>
-              <c:f>Sheet1!$A$2:$A$5</c:f>
-              <c:strCache>
-                <c:ptCount val="4"/>
-                <c:pt idx="0">
-                  <c:v>Category 1</c:v>
-                </c:pt>
-                <c:pt idx="1">
-                  <c:v>Category 2</c:v>
-                </c:pt>
-                <c:pt idx="2">
-                  <c:v>Category 3</c:v>
-                </c:pt>
-                <c:pt idx="3">
-                  <c:v>Category 4</c:v>
-                </c:pt>
-              </c:strCache>
-            </c:strRef>
-          </c:cat>
-          <c:val>
-            <c:numRef>
-              <c:f>Sheet1!$C$2:$C$5</c:f>
-              <c:numCache>
-                <c:formatCode>General</c:formatCode>
-                <c:ptCount val="4"/>
-                <c:pt idx="0">
-                  <c:v>2.4</c:v>
-                </c:pt>
-                <c:pt idx="1">
-                  <c:v>4.4</c:v>
-                </c:pt>
-                <c:pt idx="2">
-                  <c:v>1.8</c:v>
-                </c:pt>
-                <c:pt idx="3">
-                  <c:v>2.8</c:v>
-                </c:pt>
-              </c:numCache>
-            </c:numRef>
-          </c:val>
-          <c:smooth val="0"/>
-          <c:extLst>
-            <c:ext xmlns:c16="http://schemas.microsoft.com/office/drawing/2014/chart" uri="{C3380CC4-5D6E-409C-BE32-E72D297353CC}">
-              <c16:uniqueId val="{00000001-1E58-411B-BC33-A5DF328616F1}"/>
-            </c:ext>
-          </c:extLst>
-        </c:ser>
-        <c:ser>
-          <c:idx val="2"/>
-          <c:order val="2"/>
-          <c:tx>
-            <c:strRef>
-              <c:f>Sheet1!$D$1</c:f>
-              <c:strCache>
-                <c:ptCount val="1"/>
-                <c:pt idx="0">
-                  <c:v>Series 3</c:v>
-                </c:pt>
-              </c:strCache>
-            </c:strRef>
-          </c:tx>
-          <c:cat>
-            <c:strRef>
-              <c:f>Sheet1!$A$2:$A$5</c:f>
-              <c:strCache>
-                <c:ptCount val="4"/>
-                <c:pt idx="0">
-                  <c:v>Category 1</c:v>
-                </c:pt>
-                <c:pt idx="1">
-                  <c:v>Category 2</c:v>
-                </c:pt>
-                <c:pt idx="2">
-                  <c:v>Category 3</c:v>
-                </c:pt>
-                <c:pt idx="3">
-                  <c:v>Category 4</c:v>
-                </c:pt>
-              </c:strCache>
-            </c:strRef>
-          </c:cat>
-          <c:val>
-            <c:numRef>
-              <c:f>Sheet1!$D$2:$D$5</c:f>
-              <c:numCache>
-                <c:formatCode>General</c:formatCode>
-                <c:ptCount val="4"/>
-                <c:pt idx="0">
-                  <c:v>2.0</c:v>
-                </c:pt>
-                <c:pt idx="1">
-                  <c:v>2.0</c:v>
-                </c:pt>
-                <c:pt idx="2">
-                  <c:v>3.0</c:v>
-                </c:pt>
-                <c:pt idx="3">
-                  <c:v>5.0</c:v>
-                </c:pt>
-              </c:numCache>
-            </c:numRef>
-          </c:val>
-          <c:smooth val="0"/>
-          <c:extLst>
-            <c:ext xmlns:c16="http://schemas.microsoft.com/office/drawing/2014/chart" uri="{C3380CC4-5D6E-409C-BE32-E72D297353CC}">
-              <c16:uniqueId val="{00000002-1E58-411B-BC33-A5DF328616F1}"/>
-            </c:ext>
-          </c:extLst>
-        </c:ser>
-        <c:dLbls>
-          <c:showLegendKey val="0"/>
-          <c:showVal val="0"/>
-          <c:showCatName val="0"/>
-          <c:showSerName val="0"/>
-          <c:showPercent val="0"/>
-          <c:showBubbleSize val="0"/>
-        </c:dLbls>
-        <c:marker val="1"/>
-        <c:smooth val="0"/>
-        <c:axId val="-2094822024"/>
-        <c:axId val="-2094804904"/>
-      </c:lineChart>
-      <c:catAx>
-        <c:axId val="-2094822024"/>
-        <c:scaling>
-          <c:orientation val="minMax"/>
-        </c:scaling>
-        <c:delete val="0"/>
-        <c:axPos val="b"/>
-        <c:numFmt formatCode="General" sourceLinked="0"/>
-        <c:majorTickMark val="out"/>
-        <c:minorTickMark val="none"/>
-        <c:tickLblPos val="nextTo"/>
-        <c:crossAx val="-2094804904"/>
-        <c:crosses val="autoZero"/>
-        <c:auto val="0"/>
-        <c:lblAlgn val="ctr"/>
-        <c:lblOffset val="100"/>
-        <c:noMultiLvlLbl val="0"/>
-      </c:catAx>
-      <c:valAx>
-        <c:axId val="-2094804904"/>
-        <c:scaling>
-          <c:orientation val="minMax"/>
-        </c:scaling>
-        <c:delete val="0"/>
-        <c:axPos val="l"/>
-        <c:majorGridlines/>
-        <c:numFmt formatCode="General" sourceLinked="1"/>
-        <c:majorTickMark val="out"/>
-        <c:minorTickMark val="none"/>
-        <c:tickLblPos val="nextTo"/>
-        <c:crossAx val="-2094822024"/>
-        <c:crosses val="autoZero"/>
-        <c:crossBetween val="between"/>
-      </c:valAx>
-    </c:plotArea>
-    <c:legend>
-      <c:legendPos val="r"/>
-      <c:layout/>
-      <c:overlay val="0"/>
-    </c:legend>
-    <c:plotVisOnly val="1"/>
-    <c:dispBlanksAs val="gap"/>
-    <c:showDLblsOverMax val="0"/>
-  </c:chart>
-  <c:txPr>
-    <a:bodyPr/>
-    <a:lstStyle/>
-    <a:p>
-      <a:pPr>
-        <a:defRPr sz="1800"/>
-      </a:pPr>
-      <a:endParaRPr lang="en-US"/>
-    </a:p>
-  </c:txPr>
-  <c:externalData r:id="rId1">
-    <c:autoUpdate val="0"/>
-  </c:externalData>
-</c:chartSpace>
 </file>
 
 <file path=ppt/handoutMasters/handoutMaster1.xml><?xml version="1.0" encoding="utf-8"?>
@@ -861,14 +298,14 @@
           </a:ln>
           <a:extLst>
             <a:ext uri="{909E8E84-426E-40dd-AFC4-6F175D3DCCD1}">
-              <a14:hiddenFill xmlns:a14="http://schemas.microsoft.com/office/drawing/2010/main">
+              <a14:hiddenFill xmlns:a14="http://schemas.microsoft.com/office/drawing/2010/main" xmlns="">
                 <a:solidFill>
                   <a:schemeClr val="accent1"/>
                 </a:solidFill>
               </a14:hiddenFill>
             </a:ext>
             <a:ext uri="{91240B29-F687-4f45-9708-019B960494DF}">
-              <a14:hiddenLine xmlns:a14="http://schemas.microsoft.com/office/drawing/2010/main" w="9525">
+              <a14:hiddenLine xmlns:a14="http://schemas.microsoft.com/office/drawing/2010/main" xmlns="" w="9525">
                 <a:solidFill>
                   <a:schemeClr val="tx1"/>
                 </a:solidFill>
@@ -878,7 +315,7 @@
               </a14:hiddenLine>
             </a:ext>
             <a:ext uri="{AF507438-7753-43e0-B8FC-AC1667EBCBE1}">
-              <a14:hiddenEffects xmlns:a14="http://schemas.microsoft.com/office/drawing/2010/main">
+              <a14:hiddenEffects xmlns:a14="http://schemas.microsoft.com/office/drawing/2010/main" xmlns="">
                 <a:effectLst>
                   <a:outerShdw dist="35921" dir="2700000" algn="ctr" rotWithShape="0">
                     <a:schemeClr val="bg2"/>
@@ -931,14 +368,14 @@
           </a:ln>
           <a:extLst>
             <a:ext uri="{909E8E84-426E-40dd-AFC4-6F175D3DCCD1}">
-              <a14:hiddenFill xmlns:a14="http://schemas.microsoft.com/office/drawing/2010/main">
+              <a14:hiddenFill xmlns:a14="http://schemas.microsoft.com/office/drawing/2010/main" xmlns="">
                 <a:solidFill>
                   <a:schemeClr val="accent1"/>
                 </a:solidFill>
               </a14:hiddenFill>
             </a:ext>
             <a:ext uri="{91240B29-F687-4f45-9708-019B960494DF}">
-              <a14:hiddenLine xmlns:a14="http://schemas.microsoft.com/office/drawing/2010/main" w="9525">
+              <a14:hiddenLine xmlns:a14="http://schemas.microsoft.com/office/drawing/2010/main" xmlns="" w="9525">
                 <a:solidFill>
                   <a:schemeClr val="tx1"/>
                 </a:solidFill>
@@ -948,7 +385,7 @@
               </a14:hiddenLine>
             </a:ext>
             <a:ext uri="{AF507438-7753-43e0-B8FC-AC1667EBCBE1}">
-              <a14:hiddenEffects xmlns:a14="http://schemas.microsoft.com/office/drawing/2010/main">
+              <a14:hiddenEffects xmlns:a14="http://schemas.microsoft.com/office/drawing/2010/main" xmlns="">
                 <a:effectLst>
                   <a:outerShdw dist="35921" dir="2700000" algn="ctr" rotWithShape="0">
                     <a:schemeClr val="bg2"/>
@@ -1001,14 +438,14 @@
           </a:ln>
           <a:extLst>
             <a:ext uri="{909E8E84-426E-40dd-AFC4-6F175D3DCCD1}">
-              <a14:hiddenFill xmlns:a14="http://schemas.microsoft.com/office/drawing/2010/main">
+              <a14:hiddenFill xmlns:a14="http://schemas.microsoft.com/office/drawing/2010/main" xmlns="">
                 <a:solidFill>
                   <a:schemeClr val="accent1"/>
                 </a:solidFill>
               </a14:hiddenFill>
             </a:ext>
             <a:ext uri="{91240B29-F687-4f45-9708-019B960494DF}">
-              <a14:hiddenLine xmlns:a14="http://schemas.microsoft.com/office/drawing/2010/main" w="9525">
+              <a14:hiddenLine xmlns:a14="http://schemas.microsoft.com/office/drawing/2010/main" xmlns="" w="9525">
                 <a:solidFill>
                   <a:schemeClr val="tx1"/>
                 </a:solidFill>
@@ -1018,7 +455,7 @@
               </a14:hiddenLine>
             </a:ext>
             <a:ext uri="{AF507438-7753-43e0-B8FC-AC1667EBCBE1}">
-              <a14:hiddenEffects xmlns:a14="http://schemas.microsoft.com/office/drawing/2010/main">
+              <a14:hiddenEffects xmlns:a14="http://schemas.microsoft.com/office/drawing/2010/main" xmlns="">
                 <a:effectLst>
                   <a:outerShdw dist="35921" dir="2700000" algn="ctr" rotWithShape="0">
                     <a:schemeClr val="bg2"/>
@@ -1071,14 +508,14 @@
           </a:ln>
           <a:extLst>
             <a:ext uri="{909E8E84-426E-40dd-AFC4-6F175D3DCCD1}">
-              <a14:hiddenFill xmlns:a14="http://schemas.microsoft.com/office/drawing/2010/main">
+              <a14:hiddenFill xmlns:a14="http://schemas.microsoft.com/office/drawing/2010/main" xmlns="">
                 <a:solidFill>
                   <a:schemeClr val="accent1"/>
                 </a:solidFill>
               </a14:hiddenFill>
             </a:ext>
             <a:ext uri="{91240B29-F687-4f45-9708-019B960494DF}">
-              <a14:hiddenLine xmlns:a14="http://schemas.microsoft.com/office/drawing/2010/main" w="9525">
+              <a14:hiddenLine xmlns:a14="http://schemas.microsoft.com/office/drawing/2010/main" xmlns="" w="9525">
                 <a:solidFill>
                   <a:schemeClr val="tx1"/>
                 </a:solidFill>
@@ -1088,7 +525,7 @@
               </a14:hiddenLine>
             </a:ext>
             <a:ext uri="{AF507438-7753-43e0-B8FC-AC1667EBCBE1}">
-              <a14:hiddenEffects xmlns:a14="http://schemas.microsoft.com/office/drawing/2010/main">
+              <a14:hiddenEffects xmlns:a14="http://schemas.microsoft.com/office/drawing/2010/main" xmlns="">
                 <a:effectLst>
                   <a:outerShdw dist="35921" dir="2700000" algn="ctr" rotWithShape="0">
                     <a:schemeClr val="bg2"/>
@@ -1181,14 +618,14 @@
           </a:ln>
           <a:extLst>
             <a:ext uri="{909E8E84-426E-40dd-AFC4-6F175D3DCCD1}">
-              <a14:hiddenFill xmlns:a14="http://schemas.microsoft.com/office/drawing/2010/main">
+              <a14:hiddenFill xmlns:a14="http://schemas.microsoft.com/office/drawing/2010/main" xmlns="">
                 <a:solidFill>
                   <a:schemeClr val="accent1"/>
                 </a:solidFill>
               </a14:hiddenFill>
             </a:ext>
             <a:ext uri="{91240B29-F687-4f45-9708-019B960494DF}">
-              <a14:hiddenLine xmlns:a14="http://schemas.microsoft.com/office/drawing/2010/main" w="9525">
+              <a14:hiddenLine xmlns:a14="http://schemas.microsoft.com/office/drawing/2010/main" xmlns="" w="9525">
                 <a:solidFill>
                   <a:schemeClr val="tx1"/>
                 </a:solidFill>
@@ -1198,7 +635,7 @@
               </a14:hiddenLine>
             </a:ext>
             <a:ext uri="{AF507438-7753-43e0-B8FC-AC1667EBCBE1}">
-              <a14:hiddenEffects xmlns:a14="http://schemas.microsoft.com/office/drawing/2010/main">
+              <a14:hiddenEffects xmlns:a14="http://schemas.microsoft.com/office/drawing/2010/main" xmlns="">
                 <a:effectLst>
                   <a:outerShdw dist="35921" dir="2700000" algn="ctr" rotWithShape="0">
                     <a:schemeClr val="bg2"/>
@@ -1251,14 +688,14 @@
           </a:ln>
           <a:extLst>
             <a:ext uri="{909E8E84-426E-40dd-AFC4-6F175D3DCCD1}">
-              <a14:hiddenFill xmlns:a14="http://schemas.microsoft.com/office/drawing/2010/main">
+              <a14:hiddenFill xmlns:a14="http://schemas.microsoft.com/office/drawing/2010/main" xmlns="">
                 <a:solidFill>
                   <a:schemeClr val="accent1"/>
                 </a:solidFill>
               </a14:hiddenFill>
             </a:ext>
             <a:ext uri="{91240B29-F687-4f45-9708-019B960494DF}">
-              <a14:hiddenLine xmlns:a14="http://schemas.microsoft.com/office/drawing/2010/main" w="9525">
+              <a14:hiddenLine xmlns:a14="http://schemas.microsoft.com/office/drawing/2010/main" xmlns="" w="9525">
                 <a:solidFill>
                   <a:schemeClr val="tx1"/>
                 </a:solidFill>
@@ -1268,7 +705,7 @@
               </a14:hiddenLine>
             </a:ext>
             <a:ext uri="{AF507438-7753-43e0-B8FC-AC1667EBCBE1}">
-              <a14:hiddenEffects xmlns:a14="http://schemas.microsoft.com/office/drawing/2010/main">
+              <a14:hiddenEffects xmlns:a14="http://schemas.microsoft.com/office/drawing/2010/main" xmlns="">
                 <a:effectLst>
                   <a:outerShdw dist="35921" dir="2700000" algn="ctr" rotWithShape="0">
                     <a:schemeClr val="bg2"/>
@@ -1324,14 +761,14 @@
           </a:ln>
           <a:extLst>
             <a:ext uri="{909E8E84-426E-40dd-AFC4-6F175D3DCCD1}">
-              <a14:hiddenFill xmlns:a14="http://schemas.microsoft.com/office/drawing/2010/main">
+              <a14:hiddenFill xmlns:a14="http://schemas.microsoft.com/office/drawing/2010/main" xmlns="">
                 <a:solidFill>
                   <a:srgbClr val="FFFFFF"/>
                 </a:solidFill>
               </a14:hiddenFill>
             </a:ext>
             <a:ext uri="{AF507438-7753-43e0-B8FC-AC1667EBCBE1}">
-              <a14:hiddenEffects xmlns:a14="http://schemas.microsoft.com/office/drawing/2010/main">
+              <a14:hiddenEffects xmlns:a14="http://schemas.microsoft.com/office/drawing/2010/main" xmlns="">
                 <a:effectLst>
                   <a:outerShdw dist="35921" dir="2700000" algn="ctr" rotWithShape="0">
                     <a:srgbClr val="808080"/>
@@ -1340,7 +777,7 @@
               </a14:hiddenEffects>
             </a:ext>
             <a:ext uri="{53640926-AAD7-44d8-BBD7-CCE9431645EC}">
-              <a14:shadowObscured xmlns:a14="http://schemas.microsoft.com/office/drawing/2010/main" val="1"/>
+              <a14:shadowObscured xmlns:a14="http://schemas.microsoft.com/office/drawing/2010/main" xmlns="" val="1"/>
             </a:ext>
           </a:extLst>
         </p:spPr>
@@ -1369,14 +806,14 @@
           </a:ln>
           <a:extLst>
             <a:ext uri="{909E8E84-426E-40dd-AFC4-6F175D3DCCD1}">
-              <a14:hiddenFill xmlns:a14="http://schemas.microsoft.com/office/drawing/2010/main">
+              <a14:hiddenFill xmlns:a14="http://schemas.microsoft.com/office/drawing/2010/main" xmlns="">
                 <a:solidFill>
                   <a:schemeClr val="accent1"/>
                 </a:solidFill>
               </a14:hiddenFill>
             </a:ext>
             <a:ext uri="{91240B29-F687-4f45-9708-019B960494DF}">
-              <a14:hiddenLine xmlns:a14="http://schemas.microsoft.com/office/drawing/2010/main" w="9525">
+              <a14:hiddenLine xmlns:a14="http://schemas.microsoft.com/office/drawing/2010/main" xmlns="" w="9525">
                 <a:solidFill>
                   <a:schemeClr val="tx1"/>
                 </a:solidFill>
@@ -1386,7 +823,7 @@
               </a14:hiddenLine>
             </a:ext>
             <a:ext uri="{AF507438-7753-43e0-B8FC-AC1667EBCBE1}">
-              <a14:hiddenEffects xmlns:a14="http://schemas.microsoft.com/office/drawing/2010/main">
+              <a14:hiddenEffects xmlns:a14="http://schemas.microsoft.com/office/drawing/2010/main" xmlns="">
                 <a:effectLst>
                   <a:outerShdw dist="35921" dir="2700000" algn="ctr" rotWithShape="0">
                     <a:schemeClr val="bg2"/>
@@ -1468,14 +905,14 @@
           </a:ln>
           <a:extLst>
             <a:ext uri="{909E8E84-426E-40dd-AFC4-6F175D3DCCD1}">
-              <a14:hiddenFill xmlns:a14="http://schemas.microsoft.com/office/drawing/2010/main">
+              <a14:hiddenFill xmlns:a14="http://schemas.microsoft.com/office/drawing/2010/main" xmlns="">
                 <a:solidFill>
                   <a:schemeClr val="accent1"/>
                 </a:solidFill>
               </a14:hiddenFill>
             </a:ext>
             <a:ext uri="{91240B29-F687-4f45-9708-019B960494DF}">
-              <a14:hiddenLine xmlns:a14="http://schemas.microsoft.com/office/drawing/2010/main" w="9525">
+              <a14:hiddenLine xmlns:a14="http://schemas.microsoft.com/office/drawing/2010/main" xmlns="" w="9525">
                 <a:solidFill>
                   <a:schemeClr val="tx1"/>
                 </a:solidFill>
@@ -1485,7 +922,7 @@
               </a14:hiddenLine>
             </a:ext>
             <a:ext uri="{AF507438-7753-43e0-B8FC-AC1667EBCBE1}">
-              <a14:hiddenEffects xmlns:a14="http://schemas.microsoft.com/office/drawing/2010/main">
+              <a14:hiddenEffects xmlns:a14="http://schemas.microsoft.com/office/drawing/2010/main" xmlns="">
                 <a:effectLst>
                   <a:outerShdw dist="35921" dir="2700000" algn="ctr" rotWithShape="0">
                     <a:schemeClr val="bg2"/>
@@ -1538,14 +975,14 @@
           </a:ln>
           <a:extLst>
             <a:ext uri="{909E8E84-426E-40dd-AFC4-6F175D3DCCD1}">
-              <a14:hiddenFill xmlns:a14="http://schemas.microsoft.com/office/drawing/2010/main">
+              <a14:hiddenFill xmlns:a14="http://schemas.microsoft.com/office/drawing/2010/main" xmlns="">
                 <a:solidFill>
                   <a:schemeClr val="accent1"/>
                 </a:solidFill>
               </a14:hiddenFill>
             </a:ext>
             <a:ext uri="{91240B29-F687-4f45-9708-019B960494DF}">
-              <a14:hiddenLine xmlns:a14="http://schemas.microsoft.com/office/drawing/2010/main" w="9525">
+              <a14:hiddenLine xmlns:a14="http://schemas.microsoft.com/office/drawing/2010/main" xmlns="" w="9525">
                 <a:solidFill>
                   <a:schemeClr val="tx1"/>
                 </a:solidFill>
@@ -1555,7 +992,7 @@
               </a14:hiddenLine>
             </a:ext>
             <a:ext uri="{AF507438-7753-43e0-B8FC-AC1667EBCBE1}">
-              <a14:hiddenEffects xmlns:a14="http://schemas.microsoft.com/office/drawing/2010/main">
+              <a14:hiddenEffects xmlns:a14="http://schemas.microsoft.com/office/drawing/2010/main" xmlns="">
                 <a:effectLst>
                   <a:outerShdw dist="35921" dir="2700000" algn="ctr" rotWithShape="0">
                     <a:schemeClr val="bg2"/>
@@ -1906,6 +1343,11 @@
         </p:txBody>
       </p:sp>
     </p:spTree>
+    <p:extLst>
+      <p:ext uri="{BB962C8B-B14F-4D97-AF65-F5344CB8AC3E}">
+        <p14:creationId xmlns:p14="http://schemas.microsoft.com/office/powerpoint/2010/main" val="88943571"/>
+      </p:ext>
+    </p:extLst>
   </p:cSld>
   <p:clrMapOvr>
     <a:masterClrMapping/>
@@ -2046,7 +1488,7 @@
   <p:clrMapOvr>
     <a:masterClrMapping/>
   </p:clrMapOvr>
-  <p:transition xmlns:p14="http://schemas.microsoft.com/office/powerpoint/2010/main"/>
+  <p:transition/>
 </p:sldLayout>
 </file>
 
@@ -2176,7 +1618,7 @@
   <p:clrMapOvr>
     <a:masterClrMapping/>
   </p:clrMapOvr>
-  <p:transition xmlns:p14="http://schemas.microsoft.com/office/powerpoint/2010/main"/>
+  <p:transition/>
 </p:sldLayout>
 </file>
 
@@ -2306,7 +1748,7 @@
   <p:clrMapOvr>
     <a:masterClrMapping/>
   </p:clrMapOvr>
-  <p:transition xmlns:p14="http://schemas.microsoft.com/office/powerpoint/2010/main"/>
+  <p:transition/>
 </p:sldLayout>
 </file>
 
@@ -2436,7 +1878,7 @@
   <p:clrMapOvr>
     <a:masterClrMapping/>
   </p:clrMapOvr>
-  <p:transition xmlns:p14="http://schemas.microsoft.com/office/powerpoint/2010/main"/>
+  <p:transition/>
 </p:sldLayout>
 </file>
 
@@ -2576,7 +2018,7 @@
   <p:clrMapOvr>
     <a:masterClrMapping/>
   </p:clrMapOvr>
-  <p:transition xmlns:p14="http://schemas.microsoft.com/office/powerpoint/2010/main"/>
+  <p:transition/>
 </p:sldLayout>
 </file>
 
@@ -2824,7 +2266,7 @@
   <p:clrMapOvr>
     <a:masterClrMapping/>
   </p:clrMapOvr>
-  <p:transition xmlns:p14="http://schemas.microsoft.com/office/powerpoint/2010/main"/>
+  <p:transition/>
 </p:sldLayout>
 </file>
 
@@ -3217,7 +2659,7 @@
   <p:clrMapOvr>
     <a:masterClrMapping/>
   </p:clrMapOvr>
-  <p:transition xmlns:p14="http://schemas.microsoft.com/office/powerpoint/2010/main"/>
+  <p:transition/>
 </p:sldLayout>
 </file>
 
@@ -3283,7 +2725,7 @@
   <p:clrMapOvr>
     <a:masterClrMapping/>
   </p:clrMapOvr>
-  <p:transition xmlns:p14="http://schemas.microsoft.com/office/powerpoint/2010/main"/>
+  <p:transition/>
 </p:sldLayout>
 </file>
 
@@ -3314,7 +2756,7 @@
   <p:clrMapOvr>
     <a:masterClrMapping/>
   </p:clrMapOvr>
-  <p:transition xmlns:p14="http://schemas.microsoft.com/office/powerpoint/2010/main"/>
+  <p:transition/>
 </p:sldLayout>
 </file>
 
@@ -3545,7 +2987,7 @@
   <p:clrMapOvr>
     <a:masterClrMapping/>
   </p:clrMapOvr>
-  <p:transition xmlns:p14="http://schemas.microsoft.com/office/powerpoint/2010/main"/>
+  <p:transition/>
 </p:sldLayout>
 </file>
 
@@ -3753,7 +3195,7 @@
   <p:clrMapOvr>
     <a:masterClrMapping/>
   </p:clrMapOvr>
-  <p:transition xmlns:p14="http://schemas.microsoft.com/office/powerpoint/2010/main"/>
+  <p:transition/>
 </p:sldLayout>
 </file>
 
@@ -3919,7 +3361,7 @@
     <p:sldLayoutId id="2147483658" r:id="rId10"/>
     <p:sldLayoutId id="2147483659" r:id="rId11"/>
   </p:sldLayoutIdLst>
-  <p:transition xmlns:p14="http://schemas.microsoft.com/office/powerpoint/2010/main"/>
+  <p:transition/>
   <p:txStyles>
     <p:titleStyle>
       <a:defPPr>
@@ -4653,14 +4095,14 @@
           </a:ln>
           <a:extLst>
             <a:ext uri="{909E8E84-426E-40dd-AFC4-6F175D3DCCD1}">
-              <a14:hiddenFill xmlns:a14="http://schemas.microsoft.com/office/drawing/2010/main">
+              <a14:hiddenFill xmlns:a14="http://schemas.microsoft.com/office/drawing/2010/main" xmlns="">
                 <a:solidFill>
                   <a:srgbClr val="000000"/>
                 </a:solidFill>
               </a14:hiddenFill>
             </a:ext>
             <a:ext uri="{91240B29-F687-4f45-9708-019B960494DF}">
-              <a14:hiddenLine xmlns:a14="http://schemas.microsoft.com/office/drawing/2010/main" w="9525">
+              <a14:hiddenLine xmlns:a14="http://schemas.microsoft.com/office/drawing/2010/main" xmlns="" w="9525">
                 <a:solidFill>
                   <a:schemeClr val="tx1"/>
                 </a:solidFill>
@@ -4670,7 +4112,7 @@
               </a14:hiddenLine>
             </a:ext>
             <a:ext uri="{AF507438-7753-43e0-B8FC-AC1667EBCBE1}">
-              <a14:hiddenEffects xmlns:a14="http://schemas.microsoft.com/office/drawing/2010/main">
+              <a14:hiddenEffects xmlns:a14="http://schemas.microsoft.com/office/drawing/2010/main" xmlns="">
                 <a:effectLst>
                   <a:outerShdw dist="35921" dir="2700000" algn="ctr" rotWithShape="0">
                     <a:srgbClr val="FFBF0B"/>
@@ -4930,8 +4372,8 @@
         </p:nvSpPr>
         <p:spPr bwMode="auto">
           <a:xfrm>
-            <a:off x="1040563" y="6272836"/>
-            <a:ext cx="10736991" cy="4238499"/>
+            <a:off x="1040562" y="6539517"/>
+            <a:ext cx="10736991" cy="6188712"/>
           </a:xfrm>
           <a:prstGeom prst="rect">
             <a:avLst/>
@@ -4945,7 +4387,7 @@
           </a:ln>
           <a:extLst>
             <a:ext uri="{AF507438-7753-43e0-B8FC-AC1667EBCBE1}">
-              <a14:hiddenEffects xmlns:a14="http://schemas.microsoft.com/office/drawing/2010/main">
+              <a14:hiddenEffects xmlns:a14="http://schemas.microsoft.com/office/drawing/2010/main" xmlns="">
                 <a:effectLst>
                   <a:outerShdw dist="35921" dir="2700000" algn="ctr" rotWithShape="0">
                     <a:schemeClr val="bg2"/>
@@ -5061,446 +4503,1220 @@
             </a:lvl9pPr>
           </a:lstStyle>
           <a:p>
-            <a:pPr algn="just">
+            <a:pPr marL="0" indent="0" algn="just">
               <a:lnSpc>
                 <a:spcPct val="120000"/>
               </a:lnSpc>
-              <a:buFontTx/>
-              <a:buChar char="•"/>
             </a:pPr>
             <a:r>
-              <a:rPr lang="en-US" altLang="ja-JP" sz="2700" dirty="0">
-                <a:solidFill>
-                  <a:schemeClr val="tx1">
-                    <a:lumMod val="75000"/>
-                    <a:lumOff val="25000"/>
-                  </a:schemeClr>
-                </a:solidFill>
+              <a:rPr lang="et-EE" altLang="ja-JP" sz="3600" dirty="0" err="1" smtClean="0">
                 <a:ea typeface="ＭＳ Ｐゴシック" charset="-128"/>
               </a:rPr>
-              <a:t>Insert your text here.  You can change the font size to fit your text.  </a:t>
-            </a:r>
-          </a:p>
-          <a:p>
-            <a:pPr algn="just">
-              <a:lnSpc>
-                <a:spcPct val="120000"/>
-              </a:lnSpc>
-              <a:buFontTx/>
-              <a:buChar char="•"/>
-            </a:pPr>
-            <a:endParaRPr lang="en-US" altLang="ja-JP" sz="2700" dirty="0">
-              <a:solidFill>
-                <a:schemeClr val="tx1">
-                  <a:lumMod val="75000"/>
-                  <a:lumOff val="25000"/>
-                </a:schemeClr>
-              </a:solidFill>
-              <a:ea typeface="ＭＳ Ｐゴシック" charset="-128"/>
-            </a:endParaRPr>
-          </a:p>
-          <a:p>
-            <a:pPr algn="just">
-              <a:lnSpc>
-                <a:spcPct val="120000"/>
-              </a:lnSpc>
-              <a:buFontTx/>
-              <a:buChar char="•"/>
-            </a:pPr>
-            <a:r>
-              <a:rPr lang="en-AU" sz="2700" dirty="0">
-                <a:solidFill>
-                  <a:schemeClr val="tx1">
-                    <a:lumMod val="75000"/>
-                    <a:lumOff val="25000"/>
-                  </a:schemeClr>
-                </a:solidFill>
-              </a:rPr>
-              <a:t>You can also make this box shrink or grow with the amount of text.  Simply double click this text box, go to the “Text Box” tab, and check the option “Resize AutoShape to fit text”.</a:t>
-            </a:r>
-          </a:p>
-          <a:p>
-            <a:pPr algn="just">
-              <a:lnSpc>
-                <a:spcPct val="120000"/>
-              </a:lnSpc>
-              <a:buFontTx/>
-              <a:buChar char="•"/>
-            </a:pPr>
-            <a:endParaRPr lang="en-US" altLang="ja-JP" sz="2700" dirty="0">
-              <a:solidFill>
-                <a:schemeClr val="tx1">
-                  <a:lumMod val="75000"/>
-                  <a:lumOff val="25000"/>
-                </a:schemeClr>
-              </a:solidFill>
-              <a:ea typeface="ＭＳ Ｐゴシック" charset="-128"/>
-            </a:endParaRPr>
-          </a:p>
-          <a:p>
-            <a:pPr algn="just">
-              <a:lnSpc>
-                <a:spcPct val="120000"/>
-              </a:lnSpc>
-              <a:buFontTx/>
-              <a:buChar char="•"/>
-            </a:pPr>
-            <a:r>
-              <a:rPr lang="en-US" altLang="ja-JP" sz="2700" dirty="0">
-                <a:solidFill>
-                  <a:schemeClr val="tx1">
-                    <a:lumMod val="75000"/>
-                    <a:lumOff val="25000"/>
-                  </a:schemeClr>
-                </a:solidFill>
+              <a:t>The</a:t>
+            </a:r>
+            <a:r>
+              <a:rPr lang="et-EE" altLang="ja-JP" sz="3600" dirty="0" smtClean="0">
                 <a:ea typeface="ＭＳ Ｐゴシック" charset="-128"/>
               </a:rPr>
-              <a:t>The background of this template may appear blue on your screen, but it does print lavender</a:t>
-            </a:r>
-            <a:r>
-              <a:rPr lang="en-US" altLang="ja-JP" sz="2700" dirty="0" smtClean="0">
-                <a:solidFill>
-                  <a:schemeClr val="tx1">
-                    <a:lumMod val="75000"/>
-                    <a:lumOff val="25000"/>
-                  </a:schemeClr>
-                </a:solidFill>
+              <a:t> </a:t>
+            </a:r>
+            <a:r>
+              <a:rPr lang="et-EE" altLang="ja-JP" sz="3600" dirty="0" err="1" smtClean="0">
                 <a:ea typeface="ＭＳ Ｐゴシック" charset="-128"/>
               </a:rPr>
+              <a:t>goal</a:t>
+            </a:r>
+            <a:r>
+              <a:rPr lang="et-EE" altLang="ja-JP" sz="3600" dirty="0" smtClean="0">
+                <a:ea typeface="ＭＳ Ｐゴシック" charset="-128"/>
+              </a:rPr>
+              <a:t> of </a:t>
+            </a:r>
+            <a:r>
+              <a:rPr lang="et-EE" altLang="ja-JP" sz="3600" dirty="0" err="1" smtClean="0">
+                <a:ea typeface="ＭＳ Ｐゴシック" charset="-128"/>
+              </a:rPr>
+              <a:t>this</a:t>
+            </a:r>
+            <a:r>
+              <a:rPr lang="et-EE" altLang="ja-JP" sz="3600" dirty="0" smtClean="0">
+                <a:ea typeface="ＭＳ Ｐゴシック" charset="-128"/>
+              </a:rPr>
+              <a:t> </a:t>
+            </a:r>
+            <a:r>
+              <a:rPr lang="et-EE" altLang="ja-JP" sz="3600" dirty="0" err="1" smtClean="0">
+                <a:ea typeface="ＭＳ Ｐゴシック" charset="-128"/>
+              </a:rPr>
+              <a:t>project</a:t>
+            </a:r>
+            <a:r>
+              <a:rPr lang="et-EE" altLang="ja-JP" sz="3600" dirty="0" smtClean="0">
+                <a:ea typeface="ＭＳ Ｐゴシック" charset="-128"/>
+              </a:rPr>
+              <a:t> </a:t>
+            </a:r>
+            <a:r>
+              <a:rPr lang="et-EE" altLang="ja-JP" sz="3600" dirty="0" err="1" smtClean="0">
+                <a:ea typeface="ＭＳ Ｐゴシック" charset="-128"/>
+              </a:rPr>
+              <a:t>is</a:t>
+            </a:r>
+            <a:r>
+              <a:rPr lang="et-EE" altLang="ja-JP" sz="3600" dirty="0" smtClean="0">
+                <a:ea typeface="ＭＳ Ｐゴシック" charset="-128"/>
+              </a:rPr>
+              <a:t> a </a:t>
+            </a:r>
+            <a:r>
+              <a:rPr lang="et-EE" altLang="ja-JP" sz="3600" dirty="0" err="1" smtClean="0">
+                <a:ea typeface="ＭＳ Ｐゴシック" charset="-128"/>
+              </a:rPr>
+              <a:t>web</a:t>
+            </a:r>
+            <a:r>
+              <a:rPr lang="et-EE" altLang="ja-JP" sz="3600" dirty="0" smtClean="0">
+                <a:ea typeface="ＭＳ Ｐゴシック" charset="-128"/>
+              </a:rPr>
+              <a:t> tool </a:t>
+            </a:r>
+            <a:r>
+              <a:rPr lang="et-EE" altLang="ja-JP" sz="3600" dirty="0" err="1" smtClean="0">
+                <a:ea typeface="ＭＳ Ｐゴシック" charset="-128"/>
+              </a:rPr>
+              <a:t>for</a:t>
+            </a:r>
+            <a:r>
+              <a:rPr lang="et-EE" altLang="ja-JP" sz="3600" dirty="0" smtClean="0">
+                <a:ea typeface="ＭＳ Ｐゴシック" charset="-128"/>
+              </a:rPr>
+              <a:t> </a:t>
+            </a:r>
+            <a:r>
+              <a:rPr lang="et-EE" altLang="ja-JP" sz="3600" dirty="0" err="1" smtClean="0">
+                <a:ea typeface="ＭＳ Ｐゴシック" charset="-128"/>
+              </a:rPr>
+              <a:t>vizualizing</a:t>
+            </a:r>
+            <a:r>
+              <a:rPr lang="et-EE" altLang="ja-JP" sz="3600" dirty="0" smtClean="0">
+                <a:ea typeface="ＭＳ Ｐゴシック" charset="-128"/>
+              </a:rPr>
+              <a:t> </a:t>
+            </a:r>
+            <a:r>
+              <a:rPr lang="et-EE" altLang="ja-JP" sz="3600" dirty="0" err="1" smtClean="0">
+                <a:ea typeface="ＭＳ Ｐゴシック" charset="-128"/>
+              </a:rPr>
+              <a:t>the</a:t>
+            </a:r>
+            <a:r>
+              <a:rPr lang="et-EE" altLang="ja-JP" sz="3600" dirty="0" smtClean="0">
+                <a:ea typeface="ＭＳ Ｐゴシック" charset="-128"/>
+              </a:rPr>
+              <a:t> </a:t>
+            </a:r>
+            <a:r>
+              <a:rPr lang="et-EE" altLang="ja-JP" sz="3600" b="1" dirty="0" err="1" smtClean="0">
+                <a:ea typeface="ＭＳ Ｐゴシック" charset="-128"/>
+              </a:rPr>
+              <a:t>Dynamic</a:t>
+            </a:r>
+            <a:r>
+              <a:rPr lang="et-EE" altLang="ja-JP" sz="3600" b="1" dirty="0" smtClean="0">
+                <a:ea typeface="ＭＳ Ｐゴシック" charset="-128"/>
+              </a:rPr>
+              <a:t> Time </a:t>
+            </a:r>
+            <a:r>
+              <a:rPr lang="et-EE" altLang="ja-JP" sz="3600" b="1" dirty="0" err="1" smtClean="0">
+                <a:ea typeface="ＭＳ Ｐゴシック" charset="-128"/>
+              </a:rPr>
+              <a:t>Warping</a:t>
+            </a:r>
+            <a:r>
+              <a:rPr lang="et-EE" altLang="ja-JP" sz="3600" b="1" dirty="0" smtClean="0">
+                <a:ea typeface="ＭＳ Ｐゴシック" charset="-128"/>
+              </a:rPr>
+              <a:t> </a:t>
+            </a:r>
+            <a:r>
+              <a:rPr lang="et-EE" altLang="ja-JP" sz="3600" dirty="0" smtClean="0">
+                <a:ea typeface="ＭＳ Ｐゴシック" charset="-128"/>
+              </a:rPr>
+              <a:t>(DTW) </a:t>
+            </a:r>
+            <a:r>
+              <a:rPr lang="et-EE" altLang="ja-JP" sz="3600" dirty="0" err="1" smtClean="0">
+                <a:ea typeface="ＭＳ Ｐゴシック" charset="-128"/>
+              </a:rPr>
+              <a:t>for</a:t>
+            </a:r>
+            <a:r>
+              <a:rPr lang="et-EE" altLang="ja-JP" sz="3600" dirty="0" smtClean="0">
+                <a:ea typeface="ＭＳ Ｐゴシック" charset="-128"/>
+              </a:rPr>
+              <a:t> </a:t>
+            </a:r>
+            <a:r>
+              <a:rPr lang="et-EE" altLang="ja-JP" sz="3600" dirty="0" err="1" smtClean="0">
+                <a:ea typeface="ＭＳ Ｐゴシック" charset="-128"/>
+              </a:rPr>
+              <a:t>educational</a:t>
+            </a:r>
+            <a:r>
+              <a:rPr lang="et-EE" altLang="ja-JP" sz="3600" dirty="0" smtClean="0">
+                <a:ea typeface="ＭＳ Ｐゴシック" charset="-128"/>
+              </a:rPr>
+              <a:t> </a:t>
+            </a:r>
+            <a:r>
+              <a:rPr lang="et-EE" altLang="ja-JP" sz="3600" dirty="0" err="1" smtClean="0">
+                <a:ea typeface="ＭＳ Ｐゴシック" charset="-128"/>
+              </a:rPr>
+              <a:t>purposes</a:t>
+            </a:r>
+            <a:r>
+              <a:rPr lang="et-EE" altLang="ja-JP" sz="3600" dirty="0" smtClean="0">
+                <a:ea typeface="ＭＳ Ｐゴシック" charset="-128"/>
+              </a:rPr>
+              <a:t>- </a:t>
+            </a:r>
+            <a:r>
+              <a:rPr lang="en-US" altLang="ja-JP" sz="3600" dirty="0" smtClean="0">
+                <a:ea typeface="ＭＳ Ｐゴシック" charset="-128"/>
+              </a:rPr>
+              <a:t>The </a:t>
+            </a:r>
+            <a:r>
+              <a:rPr lang="en-US" altLang="ja-JP" sz="3600" dirty="0">
+                <a:ea typeface="ＭＳ Ｐゴシック" charset="-128"/>
+              </a:rPr>
+              <a:t>task of </a:t>
+            </a:r>
+            <a:r>
+              <a:rPr lang="en-US" altLang="ja-JP" sz="3600" dirty="0" smtClean="0">
+                <a:ea typeface="ＭＳ Ｐゴシック" charset="-128"/>
+              </a:rPr>
+              <a:t>(</a:t>
+            </a:r>
+            <a:r>
+              <a:rPr lang="en-US" altLang="ja-JP" sz="3600" dirty="0">
+                <a:ea typeface="ＭＳ Ｐゴシック" charset="-128"/>
+              </a:rPr>
+              <a:t>DTW) algorithm is to measure the similarity between two sequences. DTW algorithm was introduced in </a:t>
+            </a:r>
+            <a:r>
+              <a:rPr lang="et-EE" altLang="ja-JP" sz="3600" dirty="0" smtClean="0">
+                <a:ea typeface="ＭＳ Ｐゴシック" charset="-128"/>
+              </a:rPr>
+              <a:t>[SC78] </a:t>
+            </a:r>
+            <a:r>
+              <a:rPr lang="en-US" altLang="ja-JP" sz="3600" dirty="0">
+                <a:ea typeface="ＭＳ Ｐゴシック" charset="-128"/>
+              </a:rPr>
+              <a:t>for speech recognition and since then has been applied to different problems in various fields. The algorithm is </a:t>
+            </a:r>
+            <a:r>
+              <a:rPr lang="en-US" altLang="ja-JP" sz="3600" dirty="0" smtClean="0">
+                <a:ea typeface="ＭＳ Ｐゴシック" charset="-128"/>
+              </a:rPr>
+              <a:t>one </a:t>
+            </a:r>
+            <a:r>
+              <a:rPr lang="en-US" altLang="ja-JP" sz="3600" dirty="0">
+                <a:ea typeface="ＭＳ Ｐゴシック" charset="-128"/>
+              </a:rPr>
+              <a:t>of the most important dynamic programming algorithms and it is crucial to understand its steps</a:t>
+            </a:r>
+            <a:r>
+              <a:rPr lang="en-US" altLang="ja-JP" sz="3600" dirty="0" smtClean="0">
+                <a:ea typeface="ＭＳ Ｐゴシック" charset="-128"/>
+              </a:rPr>
               <a:t>.</a:t>
             </a:r>
-            <a:endParaRPr lang="en-US" altLang="ja-JP" sz="2700" dirty="0">
-              <a:solidFill>
-                <a:schemeClr val="tx1">
-                  <a:lumMod val="75000"/>
-                  <a:lumOff val="25000"/>
-                </a:schemeClr>
-              </a:solidFill>
+            <a:r>
+              <a:rPr lang="et-EE" altLang="ja-JP" sz="3600" dirty="0" smtClean="0">
+                <a:ea typeface="ＭＳ Ｐゴシック" charset="-128"/>
+              </a:rPr>
+              <a:t> </a:t>
+            </a:r>
+            <a:endParaRPr lang="en-US" altLang="ja-JP" sz="3600" dirty="0">
               <a:ea typeface="ＭＳ Ｐゴシック" charset="-128"/>
             </a:endParaRPr>
           </a:p>
         </p:txBody>
       </p:sp>
-      <p:sp>
-        <p:nvSpPr>
-          <p:cNvPr id="38" name="Text Box 247"/>
-          <p:cNvSpPr txBox="1">
-            <a:spLocks noChangeArrowheads="1"/>
-          </p:cNvSpPr>
-          <p:nvPr/>
-        </p:nvSpPr>
-        <p:spPr bwMode="auto">
-          <a:xfrm>
-            <a:off x="1040562" y="18592308"/>
-            <a:ext cx="10777251" cy="11717470"/>
-          </a:xfrm>
-          <a:prstGeom prst="rect">
-            <a:avLst/>
-          </a:prstGeom>
-          <a:solidFill>
-            <a:schemeClr val="accent3">
-              <a:lumMod val="20000"/>
-              <a:lumOff val="80000"/>
-            </a:schemeClr>
-          </a:solidFill>
-          <a:ln w="57150" cmpd="thinThick">
-            <a:noFill/>
-            <a:miter lim="800000"/>
-          </a:ln>
-          <a:extLst/>
-        </p:spPr>
-        <p:txBody>
-          <a:bodyPr lIns="174010" tIns="87005" rIns="174010" bIns="174010">
-            <a:spAutoFit/>
-          </a:bodyPr>
-          <a:lstStyle>
-            <a:defPPr>
-              <a:defRPr kern="1200" smtId="4294967295"/>
-            </a:defPPr>
-            <a:lvl1pPr defTabSz="612775">
-              <a:defRPr sz="2400">
-                <a:solidFill>
-                  <a:schemeClr val="tx1"/>
-                </a:solidFill>
-                <a:latin typeface="Times New Roman" pitchFamily="18" charset="0"/>
-              </a:defRPr>
-            </a:lvl1pPr>
-            <a:lvl2pPr marL="685800" indent="-227013" defTabSz="612775">
-              <a:defRPr sz="2400">
-                <a:solidFill>
-                  <a:schemeClr val="tx1"/>
-                </a:solidFill>
-                <a:latin typeface="Times New Roman" pitchFamily="18" charset="0"/>
-              </a:defRPr>
-            </a:lvl2pPr>
-            <a:lvl3pPr marL="1143000" indent="-228600" defTabSz="612775">
-              <a:defRPr sz="2400">
-                <a:solidFill>
-                  <a:schemeClr val="tx1"/>
-                </a:solidFill>
-                <a:latin typeface="Times New Roman" pitchFamily="18" charset="0"/>
-              </a:defRPr>
-            </a:lvl3pPr>
-            <a:lvl4pPr marL="1600200" indent="-228600" defTabSz="612775">
-              <a:defRPr sz="2400">
-                <a:solidFill>
-                  <a:schemeClr val="tx1"/>
-                </a:solidFill>
-                <a:latin typeface="Times New Roman" pitchFamily="18" charset="0"/>
-              </a:defRPr>
-            </a:lvl4pPr>
-            <a:lvl5pPr marL="2057400" indent="-228600" defTabSz="612775">
-              <a:defRPr sz="2400">
-                <a:solidFill>
-                  <a:schemeClr val="tx1"/>
-                </a:solidFill>
-                <a:latin typeface="Times New Roman" pitchFamily="18" charset="0"/>
-              </a:defRPr>
-            </a:lvl5pPr>
-            <a:lvl6pPr marL="2514600" indent="-228600" defTabSz="612775" eaLnBrk="0" fontAlgn="base" hangingPunct="0">
-              <a:spcBef>
-                <a:spcPct val="0"/>
-              </a:spcBef>
-              <a:spcAft>
-                <a:spcPct val="0"/>
-              </a:spcAft>
-              <a:defRPr sz="2400">
-                <a:solidFill>
-                  <a:schemeClr val="tx1"/>
-                </a:solidFill>
-                <a:latin typeface="Times New Roman" pitchFamily="18" charset="0"/>
-              </a:defRPr>
-            </a:lvl6pPr>
-            <a:lvl7pPr marL="2971800" indent="-228600" defTabSz="612775" eaLnBrk="0" fontAlgn="base" hangingPunct="0">
-              <a:spcBef>
-                <a:spcPct val="0"/>
-              </a:spcBef>
-              <a:spcAft>
-                <a:spcPct val="0"/>
-              </a:spcAft>
-              <a:defRPr sz="2400">
-                <a:solidFill>
-                  <a:schemeClr val="tx1"/>
-                </a:solidFill>
-                <a:latin typeface="Times New Roman" pitchFamily="18" charset="0"/>
-              </a:defRPr>
-            </a:lvl7pPr>
-            <a:lvl8pPr marL="3429000" indent="-228600" defTabSz="612775" eaLnBrk="0" fontAlgn="base" hangingPunct="0">
-              <a:spcBef>
-                <a:spcPct val="0"/>
-              </a:spcBef>
-              <a:spcAft>
-                <a:spcPct val="0"/>
-              </a:spcAft>
-              <a:defRPr sz="2400">
-                <a:solidFill>
-                  <a:schemeClr val="tx1"/>
-                </a:solidFill>
-                <a:latin typeface="Times New Roman" pitchFamily="18" charset="0"/>
-              </a:defRPr>
-            </a:lvl8pPr>
-            <a:lvl9pPr marL="3886200" indent="-228600" defTabSz="612775" eaLnBrk="0" fontAlgn="base" hangingPunct="0">
-              <a:spcBef>
-                <a:spcPct val="0"/>
-              </a:spcBef>
-              <a:spcAft>
-                <a:spcPct val="0"/>
-              </a:spcAft>
-              <a:defRPr sz="2400">
-                <a:solidFill>
-                  <a:schemeClr val="tx1"/>
-                </a:solidFill>
-                <a:latin typeface="Times New Roman" pitchFamily="18" charset="0"/>
-              </a:defRPr>
-            </a:lvl9pPr>
-          </a:lstStyle>
-          <a:p>
-            <a:pPr>
-              <a:lnSpc>
-                <a:spcPct val="120000"/>
-              </a:lnSpc>
-            </a:pPr>
-            <a:r>
-              <a:rPr lang="en-US" altLang="ja-JP" sz="2700">
-                <a:ea typeface="ＭＳ Ｐゴシック" charset="-128"/>
-              </a:rPr>
-              <a:t>Insert your text here.  You can change the font size to fit your text.  </a:t>
-            </a:r>
-          </a:p>
-          <a:p>
-            <a:pPr>
-              <a:lnSpc>
-                <a:spcPct val="120000"/>
-              </a:lnSpc>
-            </a:pPr>
-            <a:endParaRPr lang="en-US" altLang="ja-JP" sz="2700">
-              <a:ea typeface="ＭＳ Ｐゴシック" charset="-128"/>
-            </a:endParaRPr>
-          </a:p>
-          <a:p>
-            <a:pPr>
-              <a:lnSpc>
-                <a:spcPct val="120000"/>
-              </a:lnSpc>
-            </a:pPr>
-            <a:r>
-              <a:rPr lang="en-AU" sz="2700"/>
-              <a:t>You can also make this box shrink or grow with the amount of text.  Simply double click this text box, go to the “Text Box” tab, and check the option “Resize AutoShape to fit text”.</a:t>
-            </a:r>
-          </a:p>
-          <a:p>
-            <a:pPr>
-              <a:lnSpc>
-                <a:spcPct val="120000"/>
-              </a:lnSpc>
-            </a:pPr>
-            <a:endParaRPr lang="en-US" altLang="ja-JP" sz="2700">
-              <a:ea typeface="ＭＳ Ｐゴシック" charset="-128"/>
-            </a:endParaRPr>
-          </a:p>
-          <a:p>
-            <a:pPr>
-              <a:lnSpc>
-                <a:spcPct val="120000"/>
-              </a:lnSpc>
-            </a:pPr>
-            <a:r>
-              <a:rPr lang="en-US" altLang="ja-JP" sz="2700">
-                <a:ea typeface="ＭＳ Ｐゴシック" charset="-128"/>
-              </a:rPr>
-              <a:t>The background of this template may appear blue on your screen, but it does print lavender.</a:t>
-            </a:r>
-          </a:p>
-          <a:p>
-            <a:pPr>
-              <a:lnSpc>
-                <a:spcPct val="120000"/>
-              </a:lnSpc>
-            </a:pPr>
-            <a:endParaRPr lang="en-US" altLang="ja-JP" sz="2700">
-              <a:ea typeface="ＭＳ Ｐゴシック" charset="-128"/>
-            </a:endParaRPr>
-          </a:p>
-          <a:p>
-            <a:pPr>
-              <a:lnSpc>
-                <a:spcPct val="120000"/>
-              </a:lnSpc>
-            </a:pPr>
-            <a:r>
-              <a:rPr lang="en-AU" sz="2700"/>
-              <a:t>You can also make this box shrink or grow with the amount of text.  Simply double click this text box, go to the “Text Box” tab, and check the option “Resize AutoShape to fit text”.</a:t>
-            </a:r>
-          </a:p>
-          <a:p>
-            <a:pPr>
-              <a:lnSpc>
-                <a:spcPct val="120000"/>
-              </a:lnSpc>
-            </a:pPr>
-            <a:endParaRPr lang="en-AU" altLang="zh-CN" sz="2700">
-              <a:ea typeface="SimSun" pitchFamily="2" charset="-122"/>
-            </a:endParaRPr>
-          </a:p>
-          <a:p>
-            <a:pPr lvl="1">
-              <a:lnSpc>
-                <a:spcPct val="120000"/>
-              </a:lnSpc>
-              <a:buFontTx/>
-              <a:buChar char="•"/>
-            </a:pPr>
-            <a:r>
-              <a:rPr lang="en-US" altLang="ja-JP" sz="2700">
-                <a:ea typeface="ＭＳ Ｐゴシック" charset="-128"/>
-              </a:rPr>
-              <a:t>Insert your text here.  You can change the font size to fit your text.  </a:t>
-            </a:r>
-          </a:p>
-          <a:p>
-            <a:pPr lvl="1">
-              <a:lnSpc>
-                <a:spcPct val="120000"/>
-              </a:lnSpc>
-              <a:buFontTx/>
-              <a:buChar char="•"/>
-            </a:pPr>
-            <a:endParaRPr lang="en-US" altLang="ja-JP" sz="2700">
-              <a:ea typeface="ＭＳ Ｐゴシック" charset="-128"/>
-            </a:endParaRPr>
-          </a:p>
-          <a:p>
-            <a:pPr lvl="1">
-              <a:lnSpc>
-                <a:spcPct val="120000"/>
-              </a:lnSpc>
-              <a:buFontTx/>
-              <a:buChar char="•"/>
-            </a:pPr>
-            <a:r>
-              <a:rPr lang="en-AU" sz="2700"/>
-              <a:t>You can also make this box shrink or grow with the amount of text.  Simply double click this text box, go to the “Text Box” tab, and check the option “Resize AutoShape to fit text”.</a:t>
-            </a:r>
-          </a:p>
-          <a:p>
-            <a:pPr lvl="1">
-              <a:lnSpc>
-                <a:spcPct val="120000"/>
-              </a:lnSpc>
-              <a:buFontTx/>
-              <a:buChar char="•"/>
-            </a:pPr>
-            <a:endParaRPr lang="en-US" altLang="ja-JP" sz="2700">
-              <a:ea typeface="ＭＳ Ｐゴシック" charset="-128"/>
-            </a:endParaRPr>
-          </a:p>
-          <a:p>
-            <a:pPr lvl="1">
-              <a:lnSpc>
-                <a:spcPct val="120000"/>
-              </a:lnSpc>
-              <a:buFontTx/>
-              <a:buChar char="•"/>
-            </a:pPr>
-            <a:r>
-              <a:rPr lang="en-US" altLang="ja-JP" sz="2700">
-                <a:ea typeface="ＭＳ Ｐゴシック" charset="-128"/>
-              </a:rPr>
-              <a:t>The background of this template may appear blue on your screen, but it does print lavender</a:t>
-            </a:r>
-            <a:r>
-              <a:rPr lang="en-US" altLang="ja-JP" sz="2700">
-                <a:ea typeface="ＭＳ Ｐゴシック" charset="-128"/>
-              </a:rPr>
-              <a:t>.</a:t>
-            </a:r>
-          </a:p>
-          <a:p>
-            <a:pPr lvl="1">
-              <a:lnSpc>
-                <a:spcPct val="120000"/>
-              </a:lnSpc>
-              <a:buFontTx/>
-              <a:buChar char="•"/>
-            </a:pPr>
-            <a:endParaRPr lang="en-US" altLang="zh-CN" sz="2700">
-              <a:ea typeface="ＭＳ Ｐゴシック" charset="-128"/>
-            </a:endParaRPr>
-          </a:p>
-          <a:p>
-            <a:pPr lvl="1">
-              <a:lnSpc>
-                <a:spcPct val="120000"/>
-              </a:lnSpc>
-              <a:buFontTx/>
-              <a:buChar char="•"/>
-            </a:pPr>
-            <a:endParaRPr lang="en-US" altLang="zh-CN" sz="2700">
-              <a:ea typeface="SimSun" pitchFamily="2" charset="-122"/>
-            </a:endParaRPr>
-          </a:p>
-        </p:txBody>
-      </p:sp>
+      <mc:AlternateContent xmlns:mc="http://schemas.openxmlformats.org/markup-compatibility/2006">
+        <mc:Choice xmlns:a14="http://schemas.microsoft.com/office/drawing/2010/main" Requires="a14">
+          <p:sp>
+            <p:nvSpPr>
+              <p:cNvPr id="38" name="Text Box 247"/>
+              <p:cNvSpPr txBox="1">
+                <a:spLocks noChangeArrowheads="1"/>
+              </p:cNvSpPr>
+              <p:nvPr/>
+            </p:nvSpPr>
+            <p:spPr bwMode="auto">
+              <a:xfrm>
+                <a:off x="1028540" y="21301654"/>
+                <a:ext cx="10887078" cy="7877443"/>
+              </a:xfrm>
+              <a:prstGeom prst="rect">
+                <a:avLst/>
+              </a:prstGeom>
+              <a:solidFill>
+                <a:schemeClr val="bg1"/>
+              </a:solidFill>
+              <a:ln w="57150" cmpd="thinThick">
+                <a:noFill/>
+                <a:miter lim="800000"/>
+              </a:ln>
+              <a:extLst/>
+            </p:spPr>
+            <p:txBody>
+              <a:bodyPr wrap="square" lIns="174010" tIns="87005" rIns="174010" bIns="174010">
+                <a:spAutoFit/>
+              </a:bodyPr>
+              <a:lstStyle>
+                <a:defPPr>
+                  <a:defRPr kern="1200" smtId="4294967295"/>
+                </a:defPPr>
+                <a:lvl1pPr defTabSz="612775">
+                  <a:defRPr sz="2400">
+                    <a:solidFill>
+                      <a:schemeClr val="tx1"/>
+                    </a:solidFill>
+                    <a:latin typeface="Times New Roman" pitchFamily="18" charset="0"/>
+                  </a:defRPr>
+                </a:lvl1pPr>
+                <a:lvl2pPr marL="685800" indent="-227013" defTabSz="612775">
+                  <a:defRPr sz="2400">
+                    <a:solidFill>
+                      <a:schemeClr val="tx1"/>
+                    </a:solidFill>
+                    <a:latin typeface="Times New Roman" pitchFamily="18" charset="0"/>
+                  </a:defRPr>
+                </a:lvl2pPr>
+                <a:lvl3pPr marL="1143000" indent="-228600" defTabSz="612775">
+                  <a:defRPr sz="2400">
+                    <a:solidFill>
+                      <a:schemeClr val="tx1"/>
+                    </a:solidFill>
+                    <a:latin typeface="Times New Roman" pitchFamily="18" charset="0"/>
+                  </a:defRPr>
+                </a:lvl3pPr>
+                <a:lvl4pPr marL="1600200" indent="-228600" defTabSz="612775">
+                  <a:defRPr sz="2400">
+                    <a:solidFill>
+                      <a:schemeClr val="tx1"/>
+                    </a:solidFill>
+                    <a:latin typeface="Times New Roman" pitchFamily="18" charset="0"/>
+                  </a:defRPr>
+                </a:lvl4pPr>
+                <a:lvl5pPr marL="2057400" indent="-228600" defTabSz="612775">
+                  <a:defRPr sz="2400">
+                    <a:solidFill>
+                      <a:schemeClr val="tx1"/>
+                    </a:solidFill>
+                    <a:latin typeface="Times New Roman" pitchFamily="18" charset="0"/>
+                  </a:defRPr>
+                </a:lvl5pPr>
+                <a:lvl6pPr marL="2514600" indent="-228600" defTabSz="612775" eaLnBrk="0" fontAlgn="base" hangingPunct="0">
+                  <a:spcBef>
+                    <a:spcPct val="0"/>
+                  </a:spcBef>
+                  <a:spcAft>
+                    <a:spcPct val="0"/>
+                  </a:spcAft>
+                  <a:defRPr sz="2400">
+                    <a:solidFill>
+                      <a:schemeClr val="tx1"/>
+                    </a:solidFill>
+                    <a:latin typeface="Times New Roman" pitchFamily="18" charset="0"/>
+                  </a:defRPr>
+                </a:lvl6pPr>
+                <a:lvl7pPr marL="2971800" indent="-228600" defTabSz="612775" eaLnBrk="0" fontAlgn="base" hangingPunct="0">
+                  <a:spcBef>
+                    <a:spcPct val="0"/>
+                  </a:spcBef>
+                  <a:spcAft>
+                    <a:spcPct val="0"/>
+                  </a:spcAft>
+                  <a:defRPr sz="2400">
+                    <a:solidFill>
+                      <a:schemeClr val="tx1"/>
+                    </a:solidFill>
+                    <a:latin typeface="Times New Roman" pitchFamily="18" charset="0"/>
+                  </a:defRPr>
+                </a:lvl7pPr>
+                <a:lvl8pPr marL="3429000" indent="-228600" defTabSz="612775" eaLnBrk="0" fontAlgn="base" hangingPunct="0">
+                  <a:spcBef>
+                    <a:spcPct val="0"/>
+                  </a:spcBef>
+                  <a:spcAft>
+                    <a:spcPct val="0"/>
+                  </a:spcAft>
+                  <a:defRPr sz="2400">
+                    <a:solidFill>
+                      <a:schemeClr val="tx1"/>
+                    </a:solidFill>
+                    <a:latin typeface="Times New Roman" pitchFamily="18" charset="0"/>
+                  </a:defRPr>
+                </a:lvl8pPr>
+                <a:lvl9pPr marL="3886200" indent="-228600" defTabSz="612775" eaLnBrk="0" fontAlgn="base" hangingPunct="0">
+                  <a:spcBef>
+                    <a:spcPct val="0"/>
+                  </a:spcBef>
+                  <a:spcAft>
+                    <a:spcPct val="0"/>
+                  </a:spcAft>
+                  <a:defRPr sz="2400">
+                    <a:solidFill>
+                      <a:schemeClr val="tx1"/>
+                    </a:solidFill>
+                    <a:latin typeface="Times New Roman" pitchFamily="18" charset="0"/>
+                  </a:defRPr>
+                </a:lvl9pPr>
+              </a:lstStyle>
+              <a:p>
+                <a:pPr marL="458787" lvl="1" indent="0" algn="just">
+                  <a:lnSpc>
+                    <a:spcPct val="120000"/>
+                  </a:lnSpc>
+                </a:pPr>
+                <a:r>
+                  <a:rPr lang="en-US" altLang="zh-CN" sz="3600" dirty="0" smtClean="0">
+                    <a:solidFill>
+                      <a:schemeClr val="tx1"/>
+                    </a:solidFill>
+                    <a:ea typeface="ＭＳ Ｐゴシック" charset="-128"/>
+                  </a:rPr>
+                  <a:t>DTW </a:t>
+                </a:r>
+                <a:r>
+                  <a:rPr lang="en-US" altLang="zh-CN" sz="3600" dirty="0">
+                    <a:solidFill>
+                      <a:schemeClr val="tx1"/>
+                    </a:solidFill>
+                    <a:ea typeface="ＭＳ Ｐゴシック" charset="-128"/>
+                  </a:rPr>
+                  <a:t>algorithm calculates an optimal match between two sequences having time complexity </a:t>
+                </a:r>
+                <a:r>
+                  <a:rPr lang="et-EE" altLang="zh-CN" sz="3600" dirty="0" smtClean="0">
+                    <a:solidFill>
+                      <a:schemeClr val="tx1"/>
+                    </a:solidFill>
+                    <a:ea typeface="ＭＳ Ｐゴシック" charset="-128"/>
+                  </a:rPr>
+                  <a:t>O(</a:t>
+                </a:r>
+                <a:r>
+                  <a:rPr lang="et-EE" altLang="zh-CN" sz="3600" dirty="0" err="1" smtClean="0">
+                    <a:solidFill>
+                      <a:schemeClr val="tx1"/>
+                    </a:solidFill>
+                    <a:ea typeface="ＭＳ Ｐゴシック" charset="-128"/>
+                  </a:rPr>
+                  <a:t>mn</a:t>
+                </a:r>
+                <a:r>
+                  <a:rPr lang="et-EE" altLang="zh-CN" sz="3600" dirty="0" smtClean="0">
+                    <a:solidFill>
+                      <a:schemeClr val="tx1"/>
+                    </a:solidFill>
+                    <a:ea typeface="ＭＳ Ｐゴシック" charset="-128"/>
+                  </a:rPr>
+                  <a:t>). </a:t>
+                </a:r>
+                <a:r>
+                  <a:rPr lang="en-US" altLang="zh-CN" sz="3600" dirty="0" smtClean="0">
+                    <a:solidFill>
+                      <a:schemeClr val="tx1"/>
+                    </a:solidFill>
+                    <a:ea typeface="ＭＳ Ｐゴシック" charset="-128"/>
+                  </a:rPr>
+                  <a:t>The </a:t>
+                </a:r>
+                <a:r>
+                  <a:rPr lang="en-US" altLang="zh-CN" sz="3600" dirty="0">
+                    <a:solidFill>
+                      <a:schemeClr val="tx1"/>
+                    </a:solidFill>
+                    <a:ea typeface="ＭＳ Ｐゴシック" charset="-128"/>
+                  </a:rPr>
+                  <a:t>original version of the algorithm uses Euclidean distance, but other </a:t>
+                </a:r>
+                <a:r>
+                  <a:rPr lang="en-US" altLang="zh-CN" sz="3600" dirty="0" err="1" smtClean="0">
+                    <a:solidFill>
+                      <a:schemeClr val="tx1"/>
+                    </a:solidFill>
+                    <a:ea typeface="ＭＳ Ｐゴシック" charset="-128"/>
+                  </a:rPr>
+                  <a:t>metrcs</a:t>
+                </a:r>
+                <a:r>
+                  <a:rPr lang="en-US" altLang="zh-CN" sz="3600" dirty="0" smtClean="0">
+                    <a:solidFill>
+                      <a:schemeClr val="tx1"/>
+                    </a:solidFill>
+                    <a:ea typeface="ＭＳ Ｐゴシック" charset="-128"/>
+                  </a:rPr>
+                  <a:t> </a:t>
+                </a:r>
+                <a:r>
+                  <a:rPr lang="en-US" altLang="zh-CN" sz="3600" dirty="0">
+                    <a:solidFill>
+                      <a:schemeClr val="tx1"/>
+                    </a:solidFill>
+                    <a:ea typeface="ＭＳ Ｐゴシック" charset="-128"/>
+                  </a:rPr>
+                  <a:t>can be applied. In particular, most important of other metrics are </a:t>
+                </a:r>
+                <a:r>
+                  <a:rPr lang="en-US" altLang="zh-CN" sz="3600" dirty="0" smtClean="0">
+                    <a:solidFill>
+                      <a:schemeClr val="tx1"/>
+                    </a:solidFill>
+                    <a:ea typeface="ＭＳ Ｐゴシック" charset="-128"/>
+                  </a:rPr>
+                  <a:t>Canberra </a:t>
+                </a:r>
+                <a:r>
+                  <a:rPr lang="en-US" altLang="zh-CN" sz="3600" dirty="0">
+                    <a:solidFill>
+                      <a:schemeClr val="tx1"/>
+                    </a:solidFill>
+                    <a:ea typeface="ＭＳ Ｐゴシック" charset="-128"/>
+                  </a:rPr>
+                  <a:t>and </a:t>
+                </a:r>
+                <a:r>
+                  <a:rPr lang="en-US" altLang="zh-CN" sz="3600" dirty="0" err="1">
+                    <a:solidFill>
+                      <a:schemeClr val="tx1"/>
+                    </a:solidFill>
+                    <a:ea typeface="ＭＳ Ｐゴシック" charset="-128"/>
+                  </a:rPr>
+                  <a:t>Minkowski</a:t>
+                </a:r>
+                <a:r>
+                  <a:rPr lang="en-US" altLang="zh-CN" sz="3600" dirty="0">
+                    <a:solidFill>
+                      <a:schemeClr val="tx1"/>
+                    </a:solidFill>
+                    <a:ea typeface="ＭＳ Ｐゴシック" charset="-128"/>
+                  </a:rPr>
+                  <a:t> </a:t>
+                </a:r>
+                <a:r>
+                  <a:rPr lang="en-US" altLang="zh-CN" sz="3600" dirty="0" smtClean="0">
+                    <a:solidFill>
+                      <a:schemeClr val="tx1"/>
+                    </a:solidFill>
+                    <a:ea typeface="ＭＳ Ｐゴシック" charset="-128"/>
+                  </a:rPr>
+                  <a:t>distances</a:t>
+                </a:r>
+                <a:r>
+                  <a:rPr lang="et-EE" altLang="zh-CN" sz="3600" dirty="0" smtClean="0">
+                    <a:solidFill>
+                      <a:schemeClr val="tx1"/>
+                    </a:solidFill>
+                    <a:ea typeface="ＭＳ Ｐゴシック" charset="-128"/>
+                  </a:rPr>
+                  <a:t>, and of </a:t>
+                </a:r>
+                <a:r>
+                  <a:rPr lang="et-EE" altLang="zh-CN" sz="3600" dirty="0" err="1" smtClean="0">
+                    <a:solidFill>
+                      <a:schemeClr val="tx1"/>
+                    </a:solidFill>
+                    <a:ea typeface="ＭＳ Ｐゴシック" charset="-128"/>
+                  </a:rPr>
+                  <a:t>course</a:t>
+                </a:r>
+                <a:r>
+                  <a:rPr lang="et-EE" altLang="zh-CN" sz="3600" dirty="0" smtClean="0">
+                    <a:solidFill>
+                      <a:schemeClr val="tx1"/>
+                    </a:solidFill>
+                    <a:ea typeface="ＭＳ Ｐゴシック" charset="-128"/>
+                  </a:rPr>
+                  <a:t> </a:t>
+                </a:r>
+                <a:r>
+                  <a:rPr lang="et-EE" altLang="zh-CN" sz="3600" dirty="0" err="1" smtClean="0">
+                    <a:solidFill>
+                      <a:schemeClr val="tx1"/>
+                    </a:solidFill>
+                    <a:ea typeface="ＭＳ Ｐゴシック" charset="-128"/>
+                  </a:rPr>
+                  <a:t>the</a:t>
+                </a:r>
+                <a:r>
+                  <a:rPr lang="et-EE" altLang="zh-CN" sz="3600" dirty="0" smtClean="0">
+                    <a:solidFill>
+                      <a:schemeClr val="tx1"/>
+                    </a:solidFill>
+                    <a:ea typeface="ＭＳ Ｐゴシック" charset="-128"/>
+                  </a:rPr>
+                  <a:t> </a:t>
+                </a:r>
+                <a:r>
+                  <a:rPr lang="et-EE" altLang="zh-CN" sz="3600" dirty="0" err="1" smtClean="0">
+                    <a:solidFill>
+                      <a:schemeClr val="tx1"/>
+                    </a:solidFill>
+                    <a:ea typeface="ＭＳ Ｐゴシック" charset="-128"/>
+                  </a:rPr>
+                  <a:t>absolute</a:t>
+                </a:r>
+                <a:r>
+                  <a:rPr lang="et-EE" altLang="zh-CN" sz="3600" dirty="0" smtClean="0">
+                    <a:solidFill>
+                      <a:schemeClr val="tx1"/>
+                    </a:solidFill>
+                    <a:ea typeface="ＭＳ Ｐゴシック" charset="-128"/>
+                  </a:rPr>
+                  <a:t> </a:t>
+                </a:r>
+                <a:r>
+                  <a:rPr lang="et-EE" altLang="zh-CN" sz="3600" dirty="0" err="1" smtClean="0">
+                    <a:solidFill>
+                      <a:schemeClr val="tx1"/>
+                    </a:solidFill>
+                    <a:ea typeface="ＭＳ Ｐゴシック" charset="-128"/>
+                  </a:rPr>
+                  <a:t>difference</a:t>
+                </a:r>
+                <a:r>
+                  <a:rPr lang="et-EE" altLang="zh-CN" sz="3600" dirty="0" smtClean="0">
+                    <a:solidFill>
+                      <a:schemeClr val="tx1"/>
+                    </a:solidFill>
+                    <a:ea typeface="ＭＳ Ｐゴシック" charset="-128"/>
+                  </a:rPr>
+                  <a:t>. </a:t>
+                </a:r>
+                <a:r>
+                  <a:rPr lang="et-EE" altLang="zh-CN" sz="3600" dirty="0" err="1" smtClean="0">
+                    <a:solidFill>
+                      <a:schemeClr val="tx1"/>
+                    </a:solidFill>
+                    <a:ea typeface="ＭＳ Ｐゴシック" charset="-128"/>
+                  </a:rPr>
+                  <a:t>We</a:t>
+                </a:r>
+                <a:r>
+                  <a:rPr lang="et-EE" altLang="zh-CN" sz="3600" dirty="0" smtClean="0">
+                    <a:solidFill>
+                      <a:schemeClr val="tx1"/>
+                    </a:solidFill>
+                    <a:ea typeface="ＭＳ Ｐゴシック" charset="-128"/>
+                  </a:rPr>
+                  <a:t> </a:t>
+                </a:r>
+                <a:r>
+                  <a:rPr lang="et-EE" altLang="zh-CN" sz="3600" dirty="0" err="1" smtClean="0">
+                    <a:solidFill>
+                      <a:schemeClr val="tx1"/>
+                    </a:solidFill>
+                    <a:ea typeface="ＭＳ Ｐゴシック" charset="-128"/>
+                  </a:rPr>
+                  <a:t>have</a:t>
+                </a:r>
+                <a:r>
+                  <a:rPr lang="et-EE" altLang="zh-CN" sz="3600" dirty="0" smtClean="0">
+                    <a:solidFill>
+                      <a:schemeClr val="tx1"/>
+                    </a:solidFill>
+                    <a:ea typeface="ＭＳ Ｐゴシック" charset="-128"/>
+                  </a:rPr>
+                  <a:t> </a:t>
+                </a:r>
+                <a:r>
+                  <a:rPr lang="et-EE" altLang="zh-CN" sz="3600" dirty="0" err="1" smtClean="0">
+                    <a:solidFill>
+                      <a:schemeClr val="tx1"/>
+                    </a:solidFill>
+                    <a:ea typeface="ＭＳ Ｐゴシック" charset="-128"/>
+                  </a:rPr>
+                  <a:t>that</a:t>
+                </a:r>
+                <a:r>
+                  <a:rPr lang="et-EE" altLang="zh-CN" sz="3600" dirty="0" smtClean="0">
+                    <a:solidFill>
+                      <a:schemeClr val="tx1"/>
+                    </a:solidFill>
+                    <a:ea typeface="ＭＳ Ｐゴシック" charset="-128"/>
+                  </a:rPr>
+                  <a:t> </a:t>
+                </a:r>
+                <a:r>
+                  <a:rPr lang="et-EE" altLang="zh-CN" sz="3600" dirty="0" err="1" smtClean="0">
+                    <a:solidFill>
+                      <a:schemeClr val="tx1"/>
+                    </a:solidFill>
+                    <a:ea typeface="ＭＳ Ｐゴシック" charset="-128"/>
+                  </a:rPr>
+                  <a:t>given</a:t>
+                </a:r>
+                <a:r>
+                  <a:rPr lang="et-EE" altLang="zh-CN" sz="3600" dirty="0" smtClean="0">
+                    <a:solidFill>
+                      <a:schemeClr val="tx1"/>
+                    </a:solidFill>
+                    <a:ea typeface="ＭＳ Ｐゴシック" charset="-128"/>
+                  </a:rPr>
+                  <a:t> A and B, </a:t>
+                </a:r>
+                <a:endParaRPr lang="et-EE" altLang="zh-CN" sz="3600" dirty="0">
+                  <a:solidFill>
+                    <a:schemeClr val="tx1"/>
+                  </a:solidFill>
+                  <a:ea typeface="ＭＳ Ｐゴシック" charset="-128"/>
+                </a:endParaRPr>
+              </a:p>
+              <a:p>
+                <a:pPr marL="458787" lvl="1" indent="0" algn="just">
+                  <a:lnSpc>
+                    <a:spcPct val="120000"/>
+                  </a:lnSpc>
+                </a:pPr>
+                <a14:m>
+                  <m:oMath xmlns:m="http://schemas.openxmlformats.org/officeDocument/2006/math">
+                    <m:r>
+                      <a:rPr lang="et-EE" altLang="zh-CN" sz="3600" b="0" i="1" smtClean="0">
+                        <a:solidFill>
+                          <a:schemeClr val="tx1"/>
+                        </a:solidFill>
+                        <a:latin typeface="Cambria Math" panose="02040503050406030204" pitchFamily="18" charset="0"/>
+                        <a:ea typeface="ＭＳ Ｐゴシック" charset="-128"/>
+                      </a:rPr>
+                      <m:t>𝑑</m:t>
+                    </m:r>
+                    <m:r>
+                      <a:rPr lang="et-EE" altLang="zh-CN" sz="3600" b="0" i="1" smtClean="0">
+                        <a:solidFill>
+                          <a:schemeClr val="tx1"/>
+                        </a:solidFill>
+                        <a:latin typeface="Cambria Math" panose="02040503050406030204" pitchFamily="18" charset="0"/>
+                        <a:ea typeface="ＭＳ Ｐゴシック" charset="-128"/>
+                      </a:rPr>
+                      <m:t>(</m:t>
+                    </m:r>
+                    <m:r>
+                      <a:rPr lang="et-EE" altLang="zh-CN" sz="3600" b="0" i="1" smtClean="0">
+                        <a:solidFill>
+                          <a:schemeClr val="tx1"/>
+                        </a:solidFill>
+                        <a:latin typeface="Cambria Math" panose="02040503050406030204" pitchFamily="18" charset="0"/>
+                        <a:ea typeface="ＭＳ Ｐゴシック" charset="-128"/>
+                      </a:rPr>
+                      <m:t>𝑖</m:t>
+                    </m:r>
+                    <m:r>
+                      <a:rPr lang="et-EE" altLang="zh-CN" sz="3600" b="0" i="1" smtClean="0">
+                        <a:solidFill>
+                          <a:schemeClr val="tx1"/>
+                        </a:solidFill>
+                        <a:latin typeface="Cambria Math" panose="02040503050406030204" pitchFamily="18" charset="0"/>
+                        <a:ea typeface="ＭＳ Ｐゴシック" charset="-128"/>
+                      </a:rPr>
+                      <m:t>,</m:t>
+                    </m:r>
+                    <m:r>
+                      <a:rPr lang="et-EE" altLang="zh-CN" sz="3600" b="0" i="1" smtClean="0">
+                        <a:solidFill>
+                          <a:schemeClr val="tx1"/>
+                        </a:solidFill>
+                        <a:latin typeface="Cambria Math" panose="02040503050406030204" pitchFamily="18" charset="0"/>
+                        <a:ea typeface="ＭＳ Ｐゴシック" charset="-128"/>
+                      </a:rPr>
+                      <m:t>𝑗</m:t>
+                    </m:r>
+                    <m:r>
+                      <a:rPr lang="et-EE" altLang="zh-CN" sz="3600" b="0" i="1" smtClean="0">
+                        <a:solidFill>
+                          <a:schemeClr val="tx1"/>
+                        </a:solidFill>
+                        <a:latin typeface="Cambria Math" panose="02040503050406030204" pitchFamily="18" charset="0"/>
+                        <a:ea typeface="ＭＳ Ｐゴシック" charset="-128"/>
+                      </a:rPr>
+                      <m:t>)</m:t>
+                    </m:r>
+                  </m:oMath>
+                </a14:m>
+                <a:r>
+                  <a:rPr lang="et-EE" altLang="zh-CN" sz="3600" dirty="0" smtClean="0">
+                    <a:solidFill>
+                      <a:schemeClr val="tx1"/>
+                    </a:solidFill>
+                    <a:ea typeface="ＭＳ Ｐゴシック" charset="-128"/>
+                  </a:rPr>
+                  <a:t> = </a:t>
+                </a:r>
+                <a14:m>
+                  <m:oMath xmlns:m="http://schemas.openxmlformats.org/officeDocument/2006/math">
+                    <m:r>
+                      <a:rPr lang="et-EE" altLang="zh-CN" sz="3600" b="0" i="1" smtClean="0">
+                        <a:solidFill>
+                          <a:schemeClr val="tx1"/>
+                        </a:solidFill>
+                        <a:latin typeface="Cambria Math" panose="02040503050406030204" pitchFamily="18" charset="0"/>
+                        <a:ea typeface="ＭＳ Ｐゴシック" charset="-128"/>
+                      </a:rPr>
+                      <m:t>𝑑𝑖𝑠𝑡𝑎𝑛𝑐𝑒</m:t>
+                    </m:r>
+                    <m:d>
+                      <m:dPr>
+                        <m:ctrlPr>
+                          <a:rPr lang="et-EE" altLang="zh-CN" sz="3600" b="0" i="1" smtClean="0">
+                            <a:solidFill>
+                              <a:schemeClr val="tx1"/>
+                            </a:solidFill>
+                            <a:latin typeface="Cambria Math" panose="02040503050406030204" pitchFamily="18" charset="0"/>
+                            <a:ea typeface="ＭＳ Ｐゴシック" charset="-128"/>
+                          </a:rPr>
+                        </m:ctrlPr>
+                      </m:dPr>
+                      <m:e>
+                        <m:r>
+                          <a:rPr lang="et-EE" altLang="zh-CN" sz="3600" b="0" i="1" smtClean="0">
+                            <a:solidFill>
+                              <a:schemeClr val="tx1"/>
+                            </a:solidFill>
+                            <a:latin typeface="Cambria Math" panose="02040503050406030204" pitchFamily="18" charset="0"/>
+                            <a:ea typeface="ＭＳ Ｐゴシック" charset="-128"/>
+                          </a:rPr>
+                          <m:t>𝐴</m:t>
+                        </m:r>
+                        <m:d>
+                          <m:dPr>
+                            <m:ctrlPr>
+                              <a:rPr lang="et-EE" altLang="zh-CN" sz="3600" b="0" i="1" smtClean="0">
+                                <a:solidFill>
+                                  <a:schemeClr val="tx1"/>
+                                </a:solidFill>
+                                <a:latin typeface="Cambria Math" panose="02040503050406030204" pitchFamily="18" charset="0"/>
+                                <a:ea typeface="ＭＳ Ｐゴシック" charset="-128"/>
+                              </a:rPr>
+                            </m:ctrlPr>
+                          </m:dPr>
+                          <m:e>
+                            <m:r>
+                              <a:rPr lang="et-EE" altLang="zh-CN" sz="3600" b="0" i="1" smtClean="0">
+                                <a:solidFill>
+                                  <a:schemeClr val="tx1"/>
+                                </a:solidFill>
+                                <a:latin typeface="Cambria Math" panose="02040503050406030204" pitchFamily="18" charset="0"/>
+                                <a:ea typeface="ＭＳ Ｐゴシック" charset="-128"/>
+                              </a:rPr>
+                              <m:t>𝑖</m:t>
+                            </m:r>
+                          </m:e>
+                        </m:d>
+                        <m:r>
+                          <a:rPr lang="et-EE" altLang="zh-CN" sz="3600" b="0" i="1" smtClean="0">
+                            <a:solidFill>
+                              <a:schemeClr val="tx1"/>
+                            </a:solidFill>
+                            <a:latin typeface="Cambria Math" panose="02040503050406030204" pitchFamily="18" charset="0"/>
+                            <a:ea typeface="ＭＳ Ｐゴシック" charset="-128"/>
+                          </a:rPr>
+                          <m:t>, </m:t>
+                        </m:r>
+                        <m:r>
+                          <a:rPr lang="et-EE" altLang="zh-CN" sz="3600" b="0" i="1" smtClean="0">
+                            <a:solidFill>
+                              <a:schemeClr val="tx1"/>
+                            </a:solidFill>
+                            <a:latin typeface="Cambria Math" panose="02040503050406030204" pitchFamily="18" charset="0"/>
+                            <a:ea typeface="ＭＳ Ｐゴシック" charset="-128"/>
+                          </a:rPr>
+                          <m:t>𝐵</m:t>
+                        </m:r>
+                        <m:d>
+                          <m:dPr>
+                            <m:ctrlPr>
+                              <a:rPr lang="et-EE" altLang="zh-CN" sz="3600" b="0" i="1" smtClean="0">
+                                <a:solidFill>
+                                  <a:schemeClr val="tx1"/>
+                                </a:solidFill>
+                                <a:latin typeface="Cambria Math" panose="02040503050406030204" pitchFamily="18" charset="0"/>
+                                <a:ea typeface="ＭＳ Ｐゴシック" charset="-128"/>
+                              </a:rPr>
+                            </m:ctrlPr>
+                          </m:dPr>
+                          <m:e>
+                            <m:r>
+                              <a:rPr lang="et-EE" altLang="zh-CN" sz="3600" b="0" i="1" smtClean="0">
+                                <a:solidFill>
+                                  <a:schemeClr val="tx1"/>
+                                </a:solidFill>
+                                <a:latin typeface="Cambria Math" panose="02040503050406030204" pitchFamily="18" charset="0"/>
+                                <a:ea typeface="ＭＳ Ｐゴシック" charset="-128"/>
+                              </a:rPr>
+                              <m:t>𝑗</m:t>
+                            </m:r>
+                          </m:e>
+                        </m:d>
+                      </m:e>
+                    </m:d>
+                    <m:r>
+                      <a:rPr lang="et-EE" altLang="zh-CN" sz="3600" b="0" i="1" smtClean="0">
+                        <a:solidFill>
+                          <a:schemeClr val="tx1"/>
+                        </a:solidFill>
+                        <a:latin typeface="Cambria Math" panose="02040503050406030204" pitchFamily="18" charset="0"/>
+                        <a:ea typeface="ＭＳ Ｐゴシック" charset="-128"/>
+                      </a:rPr>
+                      <m:t>+ </m:t>
+                    </m:r>
+                  </m:oMath>
+                </a14:m>
+                <a:r>
+                  <a:rPr lang="et-EE" altLang="zh-CN" sz="3600" dirty="0" smtClean="0">
+                    <a:solidFill>
+                      <a:schemeClr val="tx1"/>
+                    </a:solidFill>
+                    <a:ea typeface="ＭＳ Ｐゴシック" charset="-128"/>
+                  </a:rPr>
+                  <a:t>min </a:t>
+                </a:r>
+                <a14:m>
+                  <m:oMath xmlns:m="http://schemas.openxmlformats.org/officeDocument/2006/math">
+                    <m:d>
+                      <m:dPr>
+                        <m:begChr m:val="{"/>
+                        <m:endChr m:val=""/>
+                        <m:ctrlPr>
+                          <a:rPr lang="et-EE" altLang="zh-CN" sz="3600" i="1" smtClean="0">
+                            <a:solidFill>
+                              <a:schemeClr val="tx1"/>
+                            </a:solidFill>
+                            <a:latin typeface="Cambria Math" panose="02040503050406030204" pitchFamily="18" charset="0"/>
+                            <a:ea typeface="ＭＳ Ｐゴシック" charset="-128"/>
+                          </a:rPr>
+                        </m:ctrlPr>
+                      </m:dPr>
+                      <m:e>
+                        <m:eqArr>
+                          <m:eqArrPr>
+                            <m:ctrlPr>
+                              <a:rPr lang="et-EE" altLang="zh-CN" sz="3600" i="1" smtClean="0">
+                                <a:solidFill>
+                                  <a:schemeClr val="tx1"/>
+                                </a:solidFill>
+                                <a:latin typeface="Cambria Math" panose="02040503050406030204" pitchFamily="18" charset="0"/>
+                                <a:ea typeface="ＭＳ Ｐゴシック" charset="-128"/>
+                              </a:rPr>
+                            </m:ctrlPr>
+                          </m:eqArrPr>
+                          <m:e>
+                            <m:r>
+                              <a:rPr lang="et-EE" altLang="zh-CN" sz="3600" b="0" i="1" smtClean="0">
+                                <a:solidFill>
+                                  <a:schemeClr val="tx1"/>
+                                </a:solidFill>
+                                <a:latin typeface="Cambria Math" panose="02040503050406030204" pitchFamily="18" charset="0"/>
+                                <a:ea typeface="ＭＳ Ｐゴシック" charset="-128"/>
+                              </a:rPr>
+                              <m:t>𝑑</m:t>
+                            </m:r>
+                            <m:r>
+                              <a:rPr lang="et-EE" altLang="zh-CN" sz="3600" b="0" i="1" smtClean="0">
+                                <a:solidFill>
+                                  <a:schemeClr val="tx1"/>
+                                </a:solidFill>
+                                <a:latin typeface="Cambria Math" panose="02040503050406030204" pitchFamily="18" charset="0"/>
+                                <a:ea typeface="ＭＳ Ｐゴシック" charset="-128"/>
+                              </a:rPr>
+                              <m:t>(</m:t>
+                            </m:r>
+                            <m:r>
+                              <a:rPr lang="et-EE" altLang="zh-CN" sz="3600" b="0" i="1" smtClean="0">
+                                <a:solidFill>
+                                  <a:schemeClr val="tx1"/>
+                                </a:solidFill>
+                                <a:latin typeface="Cambria Math" panose="02040503050406030204" pitchFamily="18" charset="0"/>
+                                <a:ea typeface="ＭＳ Ｐゴシック" charset="-128"/>
+                              </a:rPr>
+                              <m:t>𝑖</m:t>
+                            </m:r>
+                            <m:r>
+                              <a:rPr lang="et-EE" altLang="zh-CN" sz="3600" b="0" i="1" smtClean="0">
+                                <a:solidFill>
+                                  <a:schemeClr val="tx1"/>
+                                </a:solidFill>
+                                <a:latin typeface="Cambria Math" panose="02040503050406030204" pitchFamily="18" charset="0"/>
+                                <a:ea typeface="ＭＳ Ｐゴシック" charset="-128"/>
+                              </a:rPr>
+                              <m:t>−</m:t>
+                            </m:r>
+                            <m:r>
+                              <a:rPr lang="et-EE" altLang="zh-CN" sz="3600" b="0" i="1" smtClean="0">
+                                <a:solidFill>
+                                  <a:schemeClr val="tx1"/>
+                                </a:solidFill>
+                                <a:latin typeface="Cambria Math" panose="02040503050406030204" pitchFamily="18" charset="0"/>
+                                <a:ea typeface="ＭＳ Ｐゴシック" charset="-128"/>
+                              </a:rPr>
+                              <m:t>𝑖</m:t>
+                            </m:r>
+                            <m:r>
+                              <a:rPr lang="et-EE" altLang="zh-CN" sz="3600" b="0" i="1" smtClean="0">
+                                <a:solidFill>
+                                  <a:schemeClr val="tx1"/>
+                                </a:solidFill>
+                                <a:latin typeface="Cambria Math" panose="02040503050406030204" pitchFamily="18" charset="0"/>
+                                <a:ea typeface="ＭＳ Ｐゴシック" charset="-128"/>
+                              </a:rPr>
+                              <m:t>, </m:t>
+                            </m:r>
+                            <m:r>
+                              <a:rPr lang="et-EE" altLang="zh-CN" sz="3600" b="0" i="1" smtClean="0">
+                                <a:solidFill>
+                                  <a:schemeClr val="tx1"/>
+                                </a:solidFill>
+                                <a:latin typeface="Cambria Math" panose="02040503050406030204" pitchFamily="18" charset="0"/>
+                                <a:ea typeface="ＭＳ Ｐゴシック" charset="-128"/>
+                              </a:rPr>
+                              <m:t>𝑗</m:t>
+                            </m:r>
+                            <m:r>
+                              <a:rPr lang="et-EE" altLang="zh-CN" sz="3600" b="0" i="1" smtClean="0">
+                                <a:solidFill>
+                                  <a:schemeClr val="tx1"/>
+                                </a:solidFill>
+                                <a:latin typeface="Cambria Math" panose="02040503050406030204" pitchFamily="18" charset="0"/>
+                                <a:ea typeface="ＭＳ Ｐゴシック" charset="-128"/>
+                              </a:rPr>
+                              <m:t>−1)</m:t>
+                            </m:r>
+                          </m:e>
+                          <m:e>
+                            <m:r>
+                              <a:rPr lang="et-EE" altLang="zh-CN" sz="3600" b="0" i="1" smtClean="0">
+                                <a:solidFill>
+                                  <a:schemeClr val="tx1"/>
+                                </a:solidFill>
+                                <a:latin typeface="Cambria Math" panose="02040503050406030204" pitchFamily="18" charset="0"/>
+                                <a:ea typeface="ＭＳ Ｐゴシック" charset="-128"/>
+                              </a:rPr>
+                              <m:t>𝑑</m:t>
+                            </m:r>
+                            <m:r>
+                              <a:rPr lang="et-EE" altLang="zh-CN" sz="3600" b="0" i="1" smtClean="0">
+                                <a:solidFill>
+                                  <a:schemeClr val="tx1"/>
+                                </a:solidFill>
+                                <a:latin typeface="Cambria Math" panose="02040503050406030204" pitchFamily="18" charset="0"/>
+                                <a:ea typeface="ＭＳ Ｐゴシック" charset="-128"/>
+                              </a:rPr>
+                              <m:t>(</m:t>
+                            </m:r>
+                            <m:r>
+                              <a:rPr lang="et-EE" altLang="zh-CN" sz="3600" b="0" i="1" smtClean="0">
+                                <a:solidFill>
+                                  <a:schemeClr val="tx1"/>
+                                </a:solidFill>
+                                <a:latin typeface="Cambria Math" panose="02040503050406030204" pitchFamily="18" charset="0"/>
+                                <a:ea typeface="ＭＳ Ｐゴシック" charset="-128"/>
+                              </a:rPr>
+                              <m:t>𝑖</m:t>
+                            </m:r>
+                            <m:r>
+                              <a:rPr lang="et-EE" altLang="zh-CN" sz="3600" b="0" i="1" smtClean="0">
+                                <a:solidFill>
+                                  <a:schemeClr val="tx1"/>
+                                </a:solidFill>
+                                <a:latin typeface="Cambria Math" panose="02040503050406030204" pitchFamily="18" charset="0"/>
+                                <a:ea typeface="ＭＳ Ｐゴシック" charset="-128"/>
+                              </a:rPr>
+                              <m:t>−</m:t>
+                            </m:r>
+                            <m:r>
+                              <a:rPr lang="et-EE" altLang="zh-CN" sz="3600" b="0" i="1" smtClean="0">
+                                <a:solidFill>
+                                  <a:schemeClr val="tx1"/>
+                                </a:solidFill>
+                                <a:latin typeface="Cambria Math" panose="02040503050406030204" pitchFamily="18" charset="0"/>
+                                <a:ea typeface="ＭＳ Ｐゴシック" charset="-128"/>
+                              </a:rPr>
+                              <m:t>𝑖</m:t>
+                            </m:r>
+                            <m:r>
+                              <a:rPr lang="et-EE" altLang="zh-CN" sz="3600" b="0" i="1" smtClean="0">
+                                <a:solidFill>
+                                  <a:schemeClr val="tx1"/>
+                                </a:solidFill>
+                                <a:latin typeface="Cambria Math" panose="02040503050406030204" pitchFamily="18" charset="0"/>
+                                <a:ea typeface="ＭＳ Ｐゴシック" charset="-128"/>
+                              </a:rPr>
+                              <m:t>, </m:t>
+                            </m:r>
+                            <m:r>
+                              <a:rPr lang="et-EE" altLang="zh-CN" sz="3600" b="0" i="1" smtClean="0">
+                                <a:solidFill>
+                                  <a:schemeClr val="tx1"/>
+                                </a:solidFill>
+                                <a:latin typeface="Cambria Math" panose="02040503050406030204" pitchFamily="18" charset="0"/>
+                                <a:ea typeface="ＭＳ Ｐゴシック" charset="-128"/>
+                              </a:rPr>
+                              <m:t>𝑗</m:t>
+                            </m:r>
+                            <m:r>
+                              <a:rPr lang="et-EE" altLang="zh-CN" sz="3600" b="0" i="1" smtClean="0">
+                                <a:solidFill>
+                                  <a:schemeClr val="tx1"/>
+                                </a:solidFill>
+                                <a:latin typeface="Cambria Math" panose="02040503050406030204" pitchFamily="18" charset="0"/>
+                                <a:ea typeface="ＭＳ Ｐゴシック" charset="-128"/>
+                              </a:rPr>
+                              <m:t>)</m:t>
+                            </m:r>
+                          </m:e>
+                          <m:e>
+                            <m:r>
+                              <a:rPr lang="et-EE" altLang="zh-CN" sz="3600" b="0" i="1" smtClean="0">
+                                <a:solidFill>
+                                  <a:schemeClr val="tx1"/>
+                                </a:solidFill>
+                                <a:latin typeface="Cambria Math" panose="02040503050406030204" pitchFamily="18" charset="0"/>
+                                <a:ea typeface="ＭＳ Ｐゴシック" charset="-128"/>
+                              </a:rPr>
+                              <m:t>𝑑</m:t>
+                            </m:r>
+                            <m:r>
+                              <a:rPr lang="et-EE" altLang="zh-CN" sz="3600" b="0" i="1" smtClean="0">
+                                <a:solidFill>
+                                  <a:schemeClr val="tx1"/>
+                                </a:solidFill>
+                                <a:latin typeface="Cambria Math" panose="02040503050406030204" pitchFamily="18" charset="0"/>
+                                <a:ea typeface="ＭＳ Ｐゴシック" charset="-128"/>
+                              </a:rPr>
+                              <m:t>(</m:t>
+                            </m:r>
+                            <m:r>
+                              <a:rPr lang="et-EE" altLang="zh-CN" sz="3600" b="0" i="1" smtClean="0">
+                                <a:solidFill>
+                                  <a:schemeClr val="tx1"/>
+                                </a:solidFill>
+                                <a:latin typeface="Cambria Math" panose="02040503050406030204" pitchFamily="18" charset="0"/>
+                                <a:ea typeface="ＭＳ Ｐゴシック" charset="-128"/>
+                              </a:rPr>
+                              <m:t>𝑗</m:t>
+                            </m:r>
+                            <m:r>
+                              <a:rPr lang="et-EE" altLang="zh-CN" sz="3600" b="0" i="1" smtClean="0">
+                                <a:solidFill>
+                                  <a:schemeClr val="tx1"/>
+                                </a:solidFill>
+                                <a:latin typeface="Cambria Math" panose="02040503050406030204" pitchFamily="18" charset="0"/>
+                                <a:ea typeface="ＭＳ Ｐゴシック" charset="-128"/>
+                              </a:rPr>
+                              <m:t>, </m:t>
+                            </m:r>
+                            <m:r>
+                              <a:rPr lang="et-EE" altLang="zh-CN" sz="3600" b="0" i="1" smtClean="0">
+                                <a:solidFill>
+                                  <a:schemeClr val="tx1"/>
+                                </a:solidFill>
+                                <a:latin typeface="Cambria Math" panose="02040503050406030204" pitchFamily="18" charset="0"/>
+                                <a:ea typeface="ＭＳ Ｐゴシック" charset="-128"/>
+                              </a:rPr>
+                              <m:t>𝑖</m:t>
+                            </m:r>
+                            <m:r>
+                              <a:rPr lang="et-EE" altLang="zh-CN" sz="3600" b="0" i="1" smtClean="0">
+                                <a:solidFill>
+                                  <a:schemeClr val="tx1"/>
+                                </a:solidFill>
+                                <a:latin typeface="Cambria Math" panose="02040503050406030204" pitchFamily="18" charset="0"/>
+                                <a:ea typeface="ＭＳ Ｐゴシック" charset="-128"/>
+                              </a:rPr>
+                              <m:t>−1)</m:t>
+                            </m:r>
+                          </m:e>
+                        </m:eqArr>
+                      </m:e>
+                    </m:d>
+                  </m:oMath>
+                </a14:m>
+                <a:endParaRPr lang="en-US" altLang="zh-CN" sz="3600" dirty="0">
+                  <a:solidFill>
+                    <a:schemeClr val="tx1"/>
+                  </a:solidFill>
+                  <a:ea typeface="ＭＳ Ｐゴシック" charset="-128"/>
+                </a:endParaRPr>
+              </a:p>
+              <a:p>
+                <a:pPr lvl="1" algn="just">
+                  <a:lnSpc>
+                    <a:spcPct val="120000"/>
+                  </a:lnSpc>
+                  <a:buFontTx/>
+                  <a:buChar char="•"/>
+                </a:pPr>
+                <a:endParaRPr lang="en-US" altLang="zh-CN" sz="2700" dirty="0">
+                  <a:solidFill>
+                    <a:schemeClr val="tx1"/>
+                  </a:solidFill>
+                  <a:ea typeface="SimSun" pitchFamily="2" charset="-122"/>
+                </a:endParaRPr>
+              </a:p>
+            </p:txBody>
+          </p:sp>
+        </mc:Choice>
+        <mc:Fallback>
+          <p:sp>
+            <p:nvSpPr>
+              <p:cNvPr id="38" name="Text Box 247"/>
+              <p:cNvSpPr txBox="1">
+                <a:spLocks noRot="1" noChangeAspect="1" noMove="1" noResize="1" noEditPoints="1" noAdjustHandles="1" noChangeArrowheads="1" noChangeShapeType="1" noTextEdit="1"/>
+              </p:cNvSpPr>
+              <p:nvPr/>
+            </p:nvSpPr>
+            <p:spPr bwMode="auto">
+              <a:xfrm>
+                <a:off x="1028540" y="21301654"/>
+                <a:ext cx="10887078" cy="7877443"/>
+              </a:xfrm>
+              <a:prstGeom prst="rect">
+                <a:avLst/>
+              </a:prstGeom>
+              <a:blipFill rotWithShape="0">
+                <a:blip r:embed="rId3"/>
+                <a:stretch>
+                  <a:fillRect t="-155" r="-1288"/>
+                </a:stretch>
+              </a:blipFill>
+              <a:ln w="57150" cmpd="thinThick">
+                <a:noFill/>
+                <a:miter lim="800000"/>
+              </a:ln>
+              <a:extLst/>
+            </p:spPr>
+            <p:txBody>
+              <a:bodyPr/>
+              <a:lstStyle/>
+              <a:p>
+                <a:r>
+                  <a:rPr lang="et-EE">
+                    <a:noFill/>
+                  </a:rPr>
+                  <a:t> </a:t>
+                </a:r>
+              </a:p>
+            </p:txBody>
+          </p:sp>
+        </mc:Fallback>
+      </mc:AlternateContent>
       <p:grpSp>
         <p:nvGrpSpPr>
           <p:cNvPr id="39" name="Group 38"/>
@@ -5864,7 +6080,7 @@
         </p:nvGrpSpPr>
         <p:grpSpPr>
           <a:xfrm>
-            <a:off x="1040562" y="17755496"/>
+            <a:off x="1040561" y="20238174"/>
             <a:ext cx="10736991" cy="819989"/>
             <a:chOff x="1066799" y="5958162"/>
             <a:chExt cx="11007725" cy="891580"/>
@@ -6221,8 +6437,8 @@
         </p:nvSpPr>
         <p:spPr bwMode="auto">
           <a:xfrm>
-            <a:off x="12795251" y="6679406"/>
-            <a:ext cx="14325600" cy="13230575"/>
+            <a:off x="12795250" y="6679406"/>
+            <a:ext cx="17906999" cy="11343520"/>
           </a:xfrm>
           <a:prstGeom prst="rect">
             <a:avLst/>
@@ -6236,7 +6452,7 @@
           </a:ln>
           <a:extLst>
             <a:ext uri="{AF507438-7753-43e0-B8FC-AC1667EBCBE1}">
-              <a14:hiddenEffects xmlns:a14="http://schemas.microsoft.com/office/drawing/2010/main">
+              <a14:hiddenEffects xmlns:a14="http://schemas.microsoft.com/office/drawing/2010/main" xmlns="">
                 <a:effectLst>
                   <a:outerShdw dist="35921" dir="2700000" algn="ctr" rotWithShape="0">
                     <a:schemeClr val="bg2"/>
@@ -6352,182 +6568,469 @@
             </a:lvl9pPr>
           </a:lstStyle>
           <a:p>
-            <a:pPr>
+            <a:pPr algn="just">
               <a:lnSpc>
                 <a:spcPct val="125000"/>
               </a:lnSpc>
             </a:pPr>
             <a:r>
-              <a:rPr lang="en-US" altLang="ja-JP" sz="2700" b="1" dirty="0">
+              <a:rPr lang="et-EE" altLang="ja-JP" sz="3600" dirty="0" err="1" smtClean="0">
                 <a:ea typeface="ＭＳ Ｐゴシック" charset="-128"/>
               </a:rPr>
-              <a:t>Title One</a:t>
+              <a:t>To</a:t>
+            </a:r>
+            <a:r>
+              <a:rPr lang="et-EE" altLang="ja-JP" sz="3600" dirty="0" smtClean="0">
+                <a:ea typeface="ＭＳ Ｐゴシック" charset="-128"/>
+              </a:rPr>
+              <a:t> </a:t>
+            </a:r>
+            <a:r>
+              <a:rPr lang="en-US" altLang="ja-JP" sz="3600" dirty="0" smtClean="0">
+                <a:ea typeface="ＭＳ Ｐゴシック" charset="-128"/>
+              </a:rPr>
+              <a:t>speed </a:t>
+            </a:r>
+            <a:r>
+              <a:rPr lang="en-US" altLang="ja-JP" sz="3600" dirty="0">
+                <a:ea typeface="ＭＳ Ｐゴシック" charset="-128"/>
+              </a:rPr>
+              <a:t>up the DTW calculation and prevent pathological </a:t>
+            </a:r>
+            <a:r>
+              <a:rPr lang="en-US" altLang="ja-JP" sz="3600" dirty="0" err="1">
+                <a:ea typeface="ＭＳ Ｐゴシック" charset="-128"/>
+              </a:rPr>
+              <a:t>warpings</a:t>
+            </a:r>
+            <a:r>
+              <a:rPr lang="en-US" altLang="ja-JP" sz="3600" dirty="0">
+                <a:ea typeface="ＭＳ Ｐゴシック" charset="-128"/>
+              </a:rPr>
+              <a:t>, different constraints for warping window have been introduced. </a:t>
+            </a:r>
+            <a:r>
+              <a:rPr lang="et-EE" altLang="ja-JP" sz="3600" dirty="0" smtClean="0">
+                <a:ea typeface="ＭＳ Ｐゴシック" charset="-128"/>
+              </a:rPr>
+              <a:t>A</a:t>
+            </a:r>
+            <a:r>
+              <a:rPr lang="en-US" altLang="ja-JP" sz="3600" dirty="0" smtClean="0">
+                <a:ea typeface="ＭＳ Ｐゴシック" charset="-128"/>
+              </a:rPr>
+              <a:t> </a:t>
+            </a:r>
+            <a:r>
+              <a:rPr lang="en-US" altLang="ja-JP" sz="3600" dirty="0">
+                <a:ea typeface="ＭＳ Ｐゴシック" charset="-128"/>
+              </a:rPr>
+              <a:t>global constraint constraints the indices of the warping </a:t>
+            </a:r>
+            <a:r>
+              <a:rPr lang="en-US" altLang="ja-JP" sz="3600" dirty="0" smtClean="0">
+                <a:ea typeface="ＭＳ Ｐゴシック" charset="-128"/>
+              </a:rPr>
+              <a:t>path</a:t>
+            </a:r>
+            <a:r>
+              <a:rPr lang="et-EE" altLang="ja-JP" sz="3600" dirty="0" smtClean="0">
+                <a:ea typeface="ＭＳ Ｐゴシック" charset="-128"/>
+              </a:rPr>
+              <a:t>. </a:t>
+            </a:r>
+            <a:r>
+              <a:rPr lang="et-EE" altLang="ja-JP" sz="3600" dirty="0" err="1" smtClean="0">
+                <a:ea typeface="ＭＳ Ｐゴシック" charset="-128"/>
+              </a:rPr>
+              <a:t>Most</a:t>
+            </a:r>
+            <a:r>
+              <a:rPr lang="et-EE" altLang="ja-JP" sz="3600" dirty="0" smtClean="0">
+                <a:ea typeface="ＭＳ Ｐゴシック" charset="-128"/>
+              </a:rPr>
+              <a:t> </a:t>
+            </a:r>
+            <a:r>
+              <a:rPr lang="et-EE" altLang="ja-JP" sz="3600" dirty="0" err="1" smtClean="0">
+                <a:ea typeface="ＭＳ Ｐゴシック" charset="-128"/>
+              </a:rPr>
+              <a:t>important</a:t>
+            </a:r>
+            <a:r>
+              <a:rPr lang="et-EE" altLang="ja-JP" sz="3600" dirty="0" smtClean="0">
+                <a:ea typeface="ＭＳ Ｐゴシック" charset="-128"/>
+              </a:rPr>
+              <a:t> </a:t>
+            </a:r>
+            <a:r>
+              <a:rPr lang="et-EE" altLang="ja-JP" sz="3600" dirty="0" err="1" smtClean="0">
+                <a:ea typeface="ＭＳ Ｐゴシック" charset="-128"/>
+              </a:rPr>
+              <a:t>constraints</a:t>
+            </a:r>
+            <a:r>
+              <a:rPr lang="et-EE" altLang="ja-JP" sz="3600" dirty="0" smtClean="0">
+                <a:ea typeface="ＭＳ Ｐゴシック" charset="-128"/>
+              </a:rPr>
+              <a:t> are </a:t>
+            </a:r>
+            <a:r>
+              <a:rPr lang="et-EE" altLang="ja-JP" sz="3600" dirty="0" err="1" smtClean="0">
+                <a:ea typeface="ＭＳ Ｐゴシック" charset="-128"/>
+              </a:rPr>
+              <a:t>described</a:t>
+            </a:r>
+            <a:r>
+              <a:rPr lang="et-EE" altLang="ja-JP" sz="3600" dirty="0" smtClean="0">
+                <a:ea typeface="ＭＳ Ｐゴシック" charset="-128"/>
+              </a:rPr>
+              <a:t> </a:t>
+            </a:r>
+            <a:r>
+              <a:rPr lang="et-EE" altLang="ja-JP" sz="3600" dirty="0" err="1" smtClean="0">
+                <a:ea typeface="ＭＳ Ｐゴシック" charset="-128"/>
+              </a:rPr>
+              <a:t>below</a:t>
+            </a:r>
+            <a:r>
+              <a:rPr lang="et-EE" altLang="ja-JP" sz="3600" dirty="0" smtClean="0">
+                <a:ea typeface="ＭＳ Ｐゴシック" charset="-128"/>
+              </a:rPr>
+              <a:t>.</a:t>
             </a:r>
           </a:p>
           <a:p>
-            <a:pPr>
+            <a:pPr algn="just">
               <a:lnSpc>
                 <a:spcPct val="125000"/>
               </a:lnSpc>
             </a:pPr>
-            <a:r>
-              <a:rPr lang="en-US" altLang="ja-JP" sz="2700" dirty="0">
-                <a:ea typeface="ＭＳ Ｐゴシック" charset="-128"/>
-              </a:rPr>
-              <a:t>Insert your text here.  You can change the font size to fit your text.   </a:t>
-            </a:r>
-            <a:r>
-              <a:rPr lang="en-AU" sz="2700" dirty="0"/>
-              <a:t>You can also make this box shrink or grow with the amount of text.  Simply double click this text box, go to the “Text Box” tab, and check the option “Resize AutoShape to fit text”.  </a:t>
-            </a:r>
-            <a:r>
-              <a:rPr lang="en-US" altLang="ja-JP" sz="2700" dirty="0">
-                <a:ea typeface="ＭＳ Ｐゴシック" charset="-128"/>
-              </a:rPr>
-              <a:t>The background of this template may appear blue on your screen, but it does print lavender.  Insert your text here.  You can change the font size to fit your text.   </a:t>
-            </a:r>
-            <a:r>
-              <a:rPr lang="en-AU" sz="2700" dirty="0"/>
-              <a:t>You can also make this box shrink or grow with the amount of text.  Simply double click this text box, go to the “Text Box” tab, and check the option “Resize AutoShape to fit text”.</a:t>
-            </a:r>
+            <a:endParaRPr lang="et-EE" altLang="ja-JP" sz="3600" dirty="0" smtClean="0">
+              <a:ea typeface="ＭＳ Ｐゴシック" charset="-128"/>
+            </a:endParaRPr>
           </a:p>
           <a:p>
-            <a:pPr>
+            <a:pPr algn="just">
               <a:lnSpc>
                 <a:spcPct val="125000"/>
               </a:lnSpc>
             </a:pPr>
-            <a:endParaRPr lang="en-AU" altLang="zh-CN" sz="2700" dirty="0">
+            <a:r>
+              <a:rPr lang="et-EE" altLang="ja-JP" sz="3600" b="1" dirty="0" err="1" smtClean="0">
+                <a:ea typeface="ＭＳ Ｐゴシック" charset="-128"/>
+              </a:rPr>
+              <a:t>Sakoe</a:t>
+            </a:r>
+            <a:r>
+              <a:rPr lang="et-EE" altLang="ja-JP" sz="3600" b="1" dirty="0" smtClean="0">
+                <a:ea typeface="ＭＳ Ｐゴシック" charset="-128"/>
+              </a:rPr>
+              <a:t> -</a:t>
+            </a:r>
+            <a:r>
+              <a:rPr lang="et-EE" altLang="ja-JP" sz="3600" b="1" dirty="0" err="1" smtClean="0">
+                <a:ea typeface="ＭＳ Ｐゴシック" charset="-128"/>
+              </a:rPr>
+              <a:t>Chiba</a:t>
+            </a:r>
+            <a:r>
+              <a:rPr lang="et-EE" altLang="ja-JP" sz="3600" b="1" dirty="0" smtClean="0">
+                <a:ea typeface="ＭＳ Ｐゴシック" charset="-128"/>
+              </a:rPr>
+              <a:t> </a:t>
+            </a:r>
+            <a:r>
+              <a:rPr lang="et-EE" altLang="ja-JP" sz="3600" b="1" dirty="0" err="1" smtClean="0">
+                <a:ea typeface="ＭＳ Ｐゴシック" charset="-128"/>
+              </a:rPr>
+              <a:t>Band</a:t>
+            </a:r>
+            <a:endParaRPr lang="et-EE" altLang="ja-JP" sz="3600" b="1" dirty="0" smtClean="0">
+              <a:ea typeface="ＭＳ Ｐゴシック" charset="-128"/>
+            </a:endParaRPr>
+          </a:p>
+          <a:p>
+            <a:pPr algn="just">
+              <a:lnSpc>
+                <a:spcPct val="125000"/>
+              </a:lnSpc>
+            </a:pPr>
+            <a:r>
+              <a:rPr lang="en-US" altLang="ja-JP" sz="3600" dirty="0" err="1">
+                <a:ea typeface="ＭＳ Ｐゴシック" charset="-128"/>
+              </a:rPr>
+              <a:t>Sakoe</a:t>
+            </a:r>
+            <a:r>
+              <a:rPr lang="en-US" altLang="ja-JP" sz="3600" dirty="0">
+                <a:ea typeface="ＭＳ Ｐゴシック" charset="-128"/>
+              </a:rPr>
+              <a:t>-Chiba band was introduced by </a:t>
+            </a:r>
+            <a:r>
+              <a:rPr lang="en-US" altLang="ja-JP" sz="3600" dirty="0" err="1">
+                <a:ea typeface="ＭＳ Ｐゴシック" charset="-128"/>
+              </a:rPr>
+              <a:t>Sakoe</a:t>
+            </a:r>
+            <a:r>
+              <a:rPr lang="en-US" altLang="ja-JP" sz="3600" dirty="0">
+                <a:ea typeface="ＭＳ Ｐゴシック" charset="-128"/>
+              </a:rPr>
+              <a:t> and Chiba </a:t>
+            </a:r>
+            <a:r>
+              <a:rPr lang="en-US" altLang="ja-JP" sz="3600" dirty="0" smtClean="0">
+                <a:ea typeface="ＭＳ Ｐゴシック" charset="-128"/>
+              </a:rPr>
+              <a:t>in </a:t>
+            </a:r>
+            <a:r>
+              <a:rPr lang="et-EE" altLang="ja-JP" sz="3600" dirty="0" smtClean="0">
+                <a:ea typeface="ＭＳ Ｐゴシック" charset="-128"/>
+              </a:rPr>
+              <a:t>[SC78] </a:t>
+            </a:r>
+            <a:r>
+              <a:rPr lang="en-US" altLang="ja-JP" sz="3600" dirty="0" smtClean="0">
+                <a:ea typeface="ＭＳ Ｐゴシック" charset="-128"/>
+              </a:rPr>
+              <a:t>for </a:t>
+            </a:r>
+            <a:r>
+              <a:rPr lang="en-US" altLang="ja-JP" sz="3600" dirty="0">
+                <a:ea typeface="ＭＳ Ｐゴシック" charset="-128"/>
+              </a:rPr>
+              <a:t>speech </a:t>
+            </a:r>
+            <a:r>
+              <a:rPr lang="en-US" altLang="ja-JP" sz="3600" dirty="0" smtClean="0">
+                <a:ea typeface="ＭＳ Ｐゴシック" charset="-128"/>
+              </a:rPr>
+              <a:t>community.</a:t>
+            </a:r>
+            <a:r>
+              <a:rPr lang="et-EE" altLang="ja-JP" sz="3600" dirty="0" smtClean="0">
+                <a:ea typeface="ＭＳ Ｐゴシック" charset="-128"/>
+              </a:rPr>
+              <a:t> </a:t>
+            </a:r>
+            <a:r>
+              <a:rPr lang="en-US" altLang="ja-JP" sz="3600" dirty="0" smtClean="0">
+                <a:ea typeface="ＭＳ Ｐゴシック" charset="-128"/>
+              </a:rPr>
+              <a:t>It </a:t>
+            </a:r>
+            <a:r>
+              <a:rPr lang="en-US" altLang="ja-JP" sz="3600" dirty="0">
+                <a:ea typeface="ＭＳ Ｐゴシック" charset="-128"/>
+              </a:rPr>
+              <a:t>runs by the main diagonal having fixed window width.</a:t>
+            </a:r>
+            <a:endParaRPr lang="en-US" altLang="ja-JP" sz="3600" dirty="0">
+              <a:ea typeface="ＭＳ Ｐゴシック" charset="-128"/>
+            </a:endParaRPr>
+          </a:p>
+          <a:p>
+            <a:pPr algn="just">
+              <a:lnSpc>
+                <a:spcPct val="125000"/>
+              </a:lnSpc>
+            </a:pPr>
+            <a:endParaRPr lang="en-AU" altLang="zh-CN" sz="3600" dirty="0">
               <a:ea typeface="SimSun" pitchFamily="2" charset="-122"/>
             </a:endParaRPr>
           </a:p>
           <a:p>
-            <a:pPr>
+            <a:pPr algn="just">
               <a:lnSpc>
                 <a:spcPct val="125000"/>
               </a:lnSpc>
             </a:pPr>
             <a:r>
-              <a:rPr lang="en-US" altLang="ja-JP" sz="2700" b="1" dirty="0">
+              <a:rPr lang="et-EE" altLang="ja-JP" sz="3600" b="1" dirty="0" smtClean="0">
                 <a:ea typeface="ＭＳ Ｐゴシック" charset="-128"/>
               </a:rPr>
-              <a:t>Title Two</a:t>
-            </a:r>
+              <a:t>Itakura </a:t>
+            </a:r>
+            <a:r>
+              <a:rPr lang="et-EE" altLang="ja-JP" sz="3600" b="1" dirty="0" err="1" smtClean="0">
+                <a:ea typeface="ＭＳ Ｐゴシック" charset="-128"/>
+              </a:rPr>
+              <a:t>Band</a:t>
+            </a:r>
+            <a:endParaRPr lang="et-EE" altLang="ja-JP" sz="3600" b="1" dirty="0" smtClean="0">
+              <a:ea typeface="ＭＳ Ｐゴシック" charset="-128"/>
+            </a:endParaRPr>
           </a:p>
           <a:p>
-            <a:pPr>
+            <a:pPr algn="just">
               <a:lnSpc>
                 <a:spcPct val="125000"/>
               </a:lnSpc>
             </a:pPr>
             <a:r>
-              <a:rPr lang="en-US" altLang="ja-JP" sz="2700" dirty="0">
+              <a:rPr lang="en-US" altLang="ja-JP" sz="3600" dirty="0" err="1" smtClean="0">
                 <a:ea typeface="ＭＳ Ｐゴシック" charset="-128"/>
               </a:rPr>
-              <a:t>Insert your text here.  You can change the font size to fit your text.   </a:t>
-            </a:r>
-            <a:r>
-              <a:rPr lang="en-AU" sz="2700" dirty="0"/>
-              <a:t>You can also make this box shrink or grow with the amount of text.  Simply double click this text box, go to the “Text Box” tab, and check the option “Resize AutoShape to fit text”.  </a:t>
+              <a:t>Itakura</a:t>
+            </a:r>
+            <a:r>
+              <a:rPr lang="en-US" altLang="ja-JP" sz="3600" dirty="0" smtClean="0">
+                <a:ea typeface="ＭＳ Ｐゴシック" charset="-128"/>
+              </a:rPr>
+              <a:t> parallelogram was introduced by </a:t>
+            </a:r>
+            <a:r>
+              <a:rPr lang="en-US" altLang="ja-JP" sz="3600" dirty="0" err="1" smtClean="0">
+                <a:ea typeface="ＭＳ Ｐゴシック" charset="-128"/>
+              </a:rPr>
+              <a:t>Itakura</a:t>
+            </a:r>
+            <a:r>
+              <a:rPr lang="en-US" altLang="ja-JP" sz="3600" dirty="0" smtClean="0">
+                <a:ea typeface="ＭＳ Ｐゴシック" charset="-128"/>
+              </a:rPr>
+              <a:t> in</a:t>
+            </a:r>
+            <a:r>
+              <a:rPr lang="et-EE" altLang="ja-JP" sz="3600" dirty="0" smtClean="0">
+                <a:ea typeface="ＭＳ Ｐゴシック" charset="-128"/>
+              </a:rPr>
+              <a:t> [Ita75].</a:t>
+            </a:r>
+            <a:r>
+              <a:rPr lang="et-EE" altLang="ja-JP" sz="3600" dirty="0">
+                <a:ea typeface="ＭＳ Ｐゴシック" charset="-128"/>
+              </a:rPr>
+              <a:t> </a:t>
+            </a:r>
+            <a:r>
+              <a:rPr lang="en-US" altLang="ja-JP" sz="3600" dirty="0" smtClean="0">
+                <a:ea typeface="ＭＳ Ｐゴシック" charset="-128"/>
+              </a:rPr>
+              <a:t>The warping window constrains the slope of a</a:t>
+            </a:r>
+            <a:r>
+              <a:rPr lang="et-EE" altLang="ja-JP" sz="3600" dirty="0" smtClean="0">
+                <a:ea typeface="ＭＳ Ｐゴシック" charset="-128"/>
+              </a:rPr>
+              <a:t> </a:t>
+            </a:r>
+            <a:r>
+              <a:rPr lang="en-US" altLang="ja-JP" sz="3600" dirty="0" smtClean="0">
+                <a:ea typeface="ＭＳ Ｐゴシック" charset="-128"/>
+              </a:rPr>
+              <a:t>warping path, i.e., the </a:t>
+            </a:r>
+            <a:r>
+              <a:rPr lang="en-US" altLang="ja-JP" sz="3600" dirty="0" err="1" smtClean="0">
+                <a:ea typeface="ＭＳ Ｐゴシック" charset="-128"/>
+              </a:rPr>
+              <a:t>Itakura</a:t>
+            </a:r>
+            <a:r>
+              <a:rPr lang="en-US" altLang="ja-JP" sz="3600" dirty="0" smtClean="0">
+                <a:ea typeface="ＭＳ Ｐゴシック" charset="-128"/>
+              </a:rPr>
+              <a:t> </a:t>
+            </a:r>
+            <a:r>
+              <a:rPr lang="en-US" altLang="ja-JP" sz="3600" dirty="0" err="1" smtClean="0">
+                <a:ea typeface="ＭＳ Ｐゴシック" charset="-128"/>
+              </a:rPr>
+              <a:t>parallelogramm</a:t>
+            </a:r>
+            <a:r>
+              <a:rPr lang="et-EE" altLang="ja-JP" sz="3600" dirty="0" smtClean="0">
+                <a:ea typeface="ＭＳ Ｐゴシック" charset="-128"/>
+              </a:rPr>
+              <a:t> </a:t>
+            </a:r>
+            <a:r>
+              <a:rPr lang="en-US" altLang="ja-JP" sz="3600" dirty="0" smtClean="0">
+                <a:ea typeface="ＭＳ Ｐゴシック" charset="-128"/>
+              </a:rPr>
+              <a:t>consists of all cells that are traversed by some warping path having a slope. </a:t>
             </a:r>
           </a:p>
           <a:p>
-            <a:pPr lvl="1">
+            <a:pPr algn="just">
               <a:lnSpc>
                 <a:spcPct val="125000"/>
               </a:lnSpc>
-              <a:buFontTx/>
-              <a:buChar char="•"/>
             </a:pPr>
             <a:r>
-              <a:rPr lang="en-US" altLang="ja-JP" sz="2700" dirty="0">
+              <a:rPr lang="en-US" altLang="ja-JP" sz="3600" b="1" dirty="0">
                 <a:ea typeface="ＭＳ Ｐゴシック" charset="-128"/>
               </a:rPr>
-              <a:t>The background of this template may appear blue on your screen, but it does print lavender.  Insert your text here.  </a:t>
-            </a:r>
-          </a:p>
-          <a:p>
-            <a:pPr lvl="1">
-              <a:lnSpc>
-                <a:spcPct val="125000"/>
-              </a:lnSpc>
-              <a:buFontTx/>
-              <a:buChar char="•"/>
-            </a:pPr>
-            <a:r>
-              <a:rPr lang="en-US" altLang="ja-JP" sz="2700" dirty="0">
-                <a:ea typeface="ＭＳ Ｐゴシック" charset="-128"/>
-              </a:rPr>
-              <a:t>You can change the font size to fit your text.   </a:t>
-            </a:r>
-          </a:p>
-          <a:p>
-            <a:pPr lvl="1">
-              <a:lnSpc>
-                <a:spcPct val="125000"/>
-              </a:lnSpc>
-              <a:buFontTx/>
-              <a:buChar char="•"/>
-            </a:pPr>
-            <a:r>
-              <a:rPr lang="en-AU" sz="2700" dirty="0"/>
-              <a:t>You can also make this box shrink or grow with the amount of text.  Simply double click this text box, go to the “Text Box” tab, and check the option “Resize AutoShape to fit text”.</a:t>
-            </a:r>
-            <a:endParaRPr lang="en-US" altLang="zh-CN" sz="2700" dirty="0">
+              <a:t>	</a:t>
+            </a:r>
+            <a:endParaRPr lang="en-AU" altLang="zh-CN" sz="3600" dirty="0">
               <a:ea typeface="SimSun" pitchFamily="2" charset="-122"/>
             </a:endParaRPr>
           </a:p>
           <a:p>
-            <a:pPr>
+            <a:pPr algn="just">
               <a:lnSpc>
                 <a:spcPct val="125000"/>
               </a:lnSpc>
             </a:pPr>
-            <a:endParaRPr lang="en-AU" altLang="zh-CN" sz="2700" dirty="0">
-              <a:ea typeface="SimSun" pitchFamily="2" charset="-122"/>
+            <a:r>
+              <a:rPr lang="et-EE" altLang="ja-JP" sz="3600" b="1" dirty="0" err="1" smtClean="0">
+                <a:ea typeface="ＭＳ Ｐゴシック" charset="-128"/>
+              </a:rPr>
+              <a:t>Slanted</a:t>
+            </a:r>
+            <a:r>
+              <a:rPr lang="et-EE" altLang="ja-JP" sz="3600" b="1" dirty="0" smtClean="0">
+                <a:ea typeface="ＭＳ Ｐゴシック" charset="-128"/>
+              </a:rPr>
+              <a:t> </a:t>
+            </a:r>
+            <a:r>
+              <a:rPr lang="et-EE" altLang="ja-JP" sz="3600" b="1" dirty="0" err="1" smtClean="0">
+                <a:ea typeface="ＭＳ Ｐゴシック" charset="-128"/>
+              </a:rPr>
+              <a:t>Band</a:t>
+            </a:r>
+            <a:endParaRPr lang="et-EE" altLang="ja-JP" sz="3600" b="1" dirty="0" smtClean="0">
+              <a:ea typeface="ＭＳ Ｐゴシック" charset="-128"/>
             </a:endParaRPr>
           </a:p>
           <a:p>
-            <a:pPr>
+            <a:pPr algn="just">
               <a:lnSpc>
                 <a:spcPct val="125000"/>
               </a:lnSpc>
             </a:pPr>
             <a:r>
-              <a:rPr lang="en-US" altLang="ja-JP" sz="2700" b="1" dirty="0">
+              <a:rPr lang="en-US" altLang="ja-JP" sz="3600" dirty="0" smtClean="0">
                 <a:ea typeface="ＭＳ Ｐゴシック" charset="-128"/>
               </a:rPr>
-              <a:t>Title Three</a:t>
-            </a:r>
-          </a:p>
-          <a:p>
-            <a:pPr>
-              <a:lnSpc>
-                <a:spcPct val="125000"/>
-              </a:lnSpc>
-            </a:pPr>
-            <a:r>
-              <a:rPr lang="en-US" altLang="ja-JP" sz="2700" dirty="0">
+              <a:t>Slanted </a:t>
+            </a:r>
+            <a:r>
+              <a:rPr lang="en-US" altLang="ja-JP" sz="3600" dirty="0">
                 <a:ea typeface="ＭＳ Ｐゴシック" charset="-128"/>
               </a:rPr>
-              <a:t>Insert your text here.  You can change the font size to fit your text.   </a:t>
-            </a:r>
-            <a:r>
-              <a:rPr lang="en-AU" sz="2700" dirty="0"/>
-              <a:t>You can also make this box shrink or grow with the amount of text.  Simply double click this text box, go to the “Text Box” tab, and check the option “Resize AutoShape to fit text”.  </a:t>
-            </a:r>
-            <a:r>
-              <a:rPr lang="en-US" altLang="ja-JP" sz="2700" dirty="0">
+              <a:t>band is a modification of </a:t>
+            </a:r>
+            <a:r>
+              <a:rPr lang="en-US" altLang="ja-JP" sz="3600" dirty="0" err="1">
                 <a:ea typeface="ＭＳ Ｐゴシック" charset="-128"/>
               </a:rPr>
-              <a:t>The background of this template may appear blue on your screen, but it does print lavender.  Insert your text here.  You can change the font size to fit your text.   </a:t>
-            </a:r>
-            <a:r>
-              <a:rPr lang="en-AU" sz="2700" dirty="0"/>
-              <a:t>You can also make this box shrink or grow with the amount of text.  Simply double click this text box, go to the “Text Box” tab, and check the option “Resize AutoShape to fit text”.</a:t>
-            </a:r>
-            <a:endParaRPr lang="en-US" altLang="zh-CN" sz="2700" dirty="0">
-              <a:ea typeface="SimSun" pitchFamily="2" charset="-122"/>
+              <a:t>Sakoe</a:t>
+            </a:r>
+            <a:r>
+              <a:rPr lang="en-US" altLang="ja-JP" sz="3600" dirty="0">
+                <a:ea typeface="ＭＳ Ｐゴシック" charset="-128"/>
+              </a:rPr>
+              <a:t>-Chiba band for the case where input sequences are of different length. Instead of main diagonal here slanted diagonal is used</a:t>
+            </a:r>
+            <a:endParaRPr lang="en-US" altLang="ja-JP" sz="3600" dirty="0">
+              <a:ea typeface="ＭＳ Ｐゴシック" charset="-128"/>
             </a:endParaRPr>
           </a:p>
         </p:txBody>
@@ -6554,14 +7057,14 @@
           </a:ln>
           <a:extLst>
             <a:ext uri="{909E8E84-426E-40dd-AFC4-6F175D3DCCD1}">
-              <a14:hiddenFill xmlns:a14="http://schemas.microsoft.com/office/drawing/2010/main">
+              <a14:hiddenFill xmlns:a14="http://schemas.microsoft.com/office/drawing/2010/main" xmlns="">
                 <a:solidFill>
                   <a:schemeClr val="accent1"/>
                 </a:solidFill>
               </a14:hiddenFill>
             </a:ext>
             <a:ext uri="{91240B29-F687-4f45-9708-019B960494DF}">
-              <a14:hiddenLine xmlns:a14="http://schemas.microsoft.com/office/drawing/2010/main" w="9525">
+              <a14:hiddenLine xmlns:a14="http://schemas.microsoft.com/office/drawing/2010/main" xmlns="" w="9525">
                 <a:solidFill>
                   <a:schemeClr val="tx1"/>
                 </a:solidFill>
@@ -6571,7 +7074,7 @@
               </a14:hiddenLine>
             </a:ext>
             <a:ext uri="{AF507438-7753-43e0-B8FC-AC1667EBCBE1}">
-              <a14:hiddenEffects xmlns:a14="http://schemas.microsoft.com/office/drawing/2010/main">
+              <a14:hiddenEffects xmlns:a14="http://schemas.microsoft.com/office/drawing/2010/main" xmlns="">
                 <a:effectLst>
                   <a:outerShdw dist="17961" dir="2700000" algn="ctr" rotWithShape="0">
                     <a:srgbClr val="FFFFFF"/>
@@ -6693,7 +7196,7 @@
               </a:spcBef>
             </a:pPr>
             <a:r>
-              <a:rPr lang="en-AU" i="1" dirty="0">
+              <a:rPr lang="et-EE" i="1" dirty="0" smtClean="0">
                 <a:solidFill>
                   <a:schemeClr val="accent2">
                     <a:lumMod val="50000"/>
@@ -6701,8 +7204,27 @@
                 </a:solidFill>
                 <a:latin typeface="Arial"/>
               </a:rPr>
-              <a:t>Your caption can go here.</a:t>
-            </a:r>
+              <a:t>Itakura </a:t>
+            </a:r>
+            <a:r>
+              <a:rPr lang="et-EE" i="1" dirty="0" err="1" smtClean="0">
+                <a:solidFill>
+                  <a:schemeClr val="accent2">
+                    <a:lumMod val="50000"/>
+                  </a:schemeClr>
+                </a:solidFill>
+                <a:latin typeface="Arial"/>
+              </a:rPr>
+              <a:t>Band</a:t>
+            </a:r>
+            <a:endParaRPr lang="en-AU" i="1" dirty="0">
+              <a:solidFill>
+                <a:schemeClr val="accent2">
+                  <a:lumMod val="50000"/>
+                </a:schemeClr>
+              </a:solidFill>
+              <a:latin typeface="Arial"/>
+            </a:endParaRPr>
           </a:p>
         </p:txBody>
       </p:sp>
@@ -6728,14 +7250,14 @@
           </a:ln>
           <a:extLst>
             <a:ext uri="{909E8E84-426E-40dd-AFC4-6F175D3DCCD1}">
-              <a14:hiddenFill xmlns:a14="http://schemas.microsoft.com/office/drawing/2010/main">
+              <a14:hiddenFill xmlns:a14="http://schemas.microsoft.com/office/drawing/2010/main" xmlns="">
                 <a:solidFill>
                   <a:schemeClr val="accent1"/>
                 </a:solidFill>
               </a14:hiddenFill>
             </a:ext>
             <a:ext uri="{91240B29-F687-4f45-9708-019B960494DF}">
-              <a14:hiddenLine xmlns:a14="http://schemas.microsoft.com/office/drawing/2010/main" w="9525">
+              <a14:hiddenLine xmlns:a14="http://schemas.microsoft.com/office/drawing/2010/main" xmlns="" w="9525">
                 <a:solidFill>
                   <a:schemeClr val="tx1"/>
                 </a:solidFill>
@@ -6745,7 +7267,7 @@
               </a14:hiddenLine>
             </a:ext>
             <a:ext uri="{AF507438-7753-43e0-B8FC-AC1667EBCBE1}">
-              <a14:hiddenEffects xmlns:a14="http://schemas.microsoft.com/office/drawing/2010/main">
+              <a14:hiddenEffects xmlns:a14="http://schemas.microsoft.com/office/drawing/2010/main" xmlns="">
                 <a:effectLst>
                   <a:outerShdw dist="17961" dir="2700000" algn="ctr" rotWithShape="0">
                     <a:srgbClr val="FFFFFF"/>
@@ -6867,7 +7389,7 @@
               </a:spcBef>
             </a:pPr>
             <a:r>
-              <a:rPr lang="en-AU" i="1">
+              <a:rPr lang="en-AU" i="1" dirty="0">
                 <a:solidFill>
                   <a:schemeClr val="accent2">
                     <a:lumMod val="50000"/>
@@ -6876,188 +7398,6 @@
                 <a:latin typeface="Arial"/>
               </a:rPr>
               <a:t>Your caption can go here.</a:t>
-            </a:r>
-          </a:p>
-        </p:txBody>
-      </p:sp>
-      <p:sp>
-        <p:nvSpPr>
-          <p:cNvPr id="48" name="Text Box 261"/>
-          <p:cNvSpPr txBox="1">
-            <a:spLocks noChangeArrowheads="1"/>
-          </p:cNvSpPr>
-          <p:nvPr/>
-        </p:nvSpPr>
-        <p:spPr bwMode="auto">
-          <a:xfrm>
-            <a:off x="13713123" y="25762321"/>
-            <a:ext cx="15385455" cy="3881862"/>
-          </a:xfrm>
-          <a:prstGeom prst="rect">
-            <a:avLst/>
-          </a:prstGeom>
-          <a:solidFill>
-            <a:schemeClr val="bg1"/>
-          </a:solidFill>
-          <a:ln w="57150" cmpd="thinThick">
-            <a:noFill/>
-            <a:miter lim="800000"/>
-          </a:ln>
-          <a:extLst>
-            <a:ext uri="{AF507438-7753-43e0-B8FC-AC1667EBCBE1}">
-              <a14:hiddenEffects xmlns:a14="http://schemas.microsoft.com/office/drawing/2010/main">
-                <a:effectLst>
-                  <a:outerShdw dist="35921" dir="2700000" algn="ctr" rotWithShape="0">
-                    <a:schemeClr val="bg2"/>
-                  </a:outerShdw>
-                </a:effectLst>
-              </a14:hiddenEffects>
-            </a:ext>
-          </a:extLst>
-        </p:spPr>
-        <p:txBody>
-          <a:bodyPr lIns="174010" tIns="87005" rIns="174010" bIns="174010">
-            <a:spAutoFit/>
-          </a:bodyPr>
-          <a:lstStyle>
-            <a:defPPr>
-              <a:defRPr kern="1200" smtId="4294967295"/>
-            </a:defPPr>
-            <a:lvl1pPr>
-              <a:defRPr sz="2400">
-                <a:solidFill>
-                  <a:schemeClr val="tx1"/>
-                </a:solidFill>
-                <a:latin typeface="Times New Roman" pitchFamily="18" charset="0"/>
-              </a:defRPr>
-            </a:lvl1pPr>
-            <a:lvl2pPr marL="742950" indent="-285750">
-              <a:defRPr sz="2400">
-                <a:solidFill>
-                  <a:schemeClr val="tx1"/>
-                </a:solidFill>
-                <a:latin typeface="Times New Roman" pitchFamily="18" charset="0"/>
-              </a:defRPr>
-            </a:lvl2pPr>
-            <a:lvl3pPr marL="1143000" indent="-228600">
-              <a:defRPr sz="2400">
-                <a:solidFill>
-                  <a:schemeClr val="tx1"/>
-                </a:solidFill>
-                <a:latin typeface="Times New Roman" pitchFamily="18" charset="0"/>
-              </a:defRPr>
-            </a:lvl3pPr>
-            <a:lvl4pPr marL="1600200" indent="-228600">
-              <a:defRPr sz="2400">
-                <a:solidFill>
-                  <a:schemeClr val="tx1"/>
-                </a:solidFill>
-                <a:latin typeface="Times New Roman" pitchFamily="18" charset="0"/>
-              </a:defRPr>
-            </a:lvl4pPr>
-            <a:lvl5pPr marL="2057400" indent="-228600">
-              <a:defRPr sz="2400">
-                <a:solidFill>
-                  <a:schemeClr val="tx1"/>
-                </a:solidFill>
-                <a:latin typeface="Times New Roman" pitchFamily="18" charset="0"/>
-              </a:defRPr>
-            </a:lvl5pPr>
-            <a:lvl6pPr marL="2514600" indent="-228600" eaLnBrk="0" fontAlgn="base" hangingPunct="0">
-              <a:spcBef>
-                <a:spcPct val="0"/>
-              </a:spcBef>
-              <a:spcAft>
-                <a:spcPct val="0"/>
-              </a:spcAft>
-              <a:defRPr sz="2400">
-                <a:solidFill>
-                  <a:schemeClr val="tx1"/>
-                </a:solidFill>
-                <a:latin typeface="Times New Roman" pitchFamily="18" charset="0"/>
-              </a:defRPr>
-            </a:lvl6pPr>
-            <a:lvl7pPr marL="2971800" indent="-228600" eaLnBrk="0" fontAlgn="base" hangingPunct="0">
-              <a:spcBef>
-                <a:spcPct val="0"/>
-              </a:spcBef>
-              <a:spcAft>
-                <a:spcPct val="0"/>
-              </a:spcAft>
-              <a:defRPr sz="2400">
-                <a:solidFill>
-                  <a:schemeClr val="tx1"/>
-                </a:solidFill>
-                <a:latin typeface="Times New Roman" pitchFamily="18" charset="0"/>
-              </a:defRPr>
-            </a:lvl7pPr>
-            <a:lvl8pPr marL="3429000" indent="-228600" eaLnBrk="0" fontAlgn="base" hangingPunct="0">
-              <a:spcBef>
-                <a:spcPct val="0"/>
-              </a:spcBef>
-              <a:spcAft>
-                <a:spcPct val="0"/>
-              </a:spcAft>
-              <a:defRPr sz="2400">
-                <a:solidFill>
-                  <a:schemeClr val="tx1"/>
-                </a:solidFill>
-                <a:latin typeface="Times New Roman" pitchFamily="18" charset="0"/>
-              </a:defRPr>
-            </a:lvl8pPr>
-            <a:lvl9pPr marL="3886200" indent="-228600" eaLnBrk="0" fontAlgn="base" hangingPunct="0">
-              <a:spcBef>
-                <a:spcPct val="0"/>
-              </a:spcBef>
-              <a:spcAft>
-                <a:spcPct val="0"/>
-              </a:spcAft>
-              <a:defRPr sz="2400">
-                <a:solidFill>
-                  <a:schemeClr val="tx1"/>
-                </a:solidFill>
-                <a:latin typeface="Times New Roman" pitchFamily="18" charset="0"/>
-              </a:defRPr>
-            </a:lvl9pPr>
-          </a:lstStyle>
-          <a:p>
-            <a:pPr>
-              <a:lnSpc>
-                <a:spcPct val="125000"/>
-              </a:lnSpc>
-            </a:pPr>
-            <a:r>
-              <a:rPr lang="en-US" altLang="ja-JP" sz="2700" b="1" dirty="0">
-                <a:ea typeface="ＭＳ Ｐゴシック" charset="-128"/>
-              </a:rPr>
-              <a:t>Title Can Go Here</a:t>
-            </a:r>
-          </a:p>
-          <a:p>
-            <a:pPr>
-              <a:lnSpc>
-                <a:spcPct val="125000"/>
-              </a:lnSpc>
-            </a:pPr>
-            <a:r>
-              <a:rPr lang="en-US" altLang="ja-JP" sz="2700" dirty="0">
-                <a:ea typeface="ＭＳ Ｐゴシック" charset="-128"/>
-              </a:rPr>
-              <a:t>Insert your text here.  You can change the font size to fit your text.   </a:t>
-            </a:r>
-            <a:r>
-              <a:rPr lang="en-AU" sz="2700" dirty="0"/>
-              <a:t>You can also make this box shrink or grow with the amount of text.  Simply double click this text box, go to the “Text Box” tab, and check the option “Resize AutoShape to fit text”.  </a:t>
-            </a:r>
-            <a:r>
-              <a:rPr lang="en-US" altLang="ja-JP" sz="2700" dirty="0">
-                <a:ea typeface="ＭＳ Ｐゴシック" charset="-128"/>
-              </a:rPr>
-              <a:t>The background of this template may appear blue on your screen, but it does print lavender.  Insert your text here.  You can change the font size to fit your text.   </a:t>
-            </a:r>
-            <a:r>
-              <a:rPr lang="en-AU" sz="2700" dirty="0"/>
-              <a:t>You can also make this box shrink or grow with the amount of text.  Simply double click this text box, go to the “Text Box” tab, and check the option “Resize AutoShape to fit text”.</a:t>
             </a:r>
           </a:p>
         </p:txBody>
@@ -7070,7 +7410,7 @@
         </p:nvGrpSpPr>
         <p:grpSpPr>
           <a:xfrm>
-            <a:off x="12935244" y="5475100"/>
+            <a:off x="12898414" y="5425277"/>
             <a:ext cx="28663605" cy="799973"/>
             <a:chOff x="1066799" y="5958162"/>
             <a:chExt cx="11007725" cy="869816"/>
@@ -7417,50 +7757,6 @@
           </p:txBody>
         </p:sp>
       </p:grpSp>
-      <p:graphicFrame>
-        <p:nvGraphicFramePr>
-          <p:cNvPr id="52" name="Chart 51"/>
-          <p:cNvGraphicFramePr/>
-          <p:nvPr>
-            <p:extLst>
-              <p:ext uri="{D42A27DB-BD31-4B8C-83A1-F6EECF244321}">
-                <p14:modId xmlns:p14="http://schemas.microsoft.com/office/powerpoint/2010/main" val="1168433723"/>
-              </p:ext>
-            </p:extLst>
-          </p:nvPr>
-        </p:nvGraphicFramePr>
-        <p:xfrm>
-          <a:off x="12943850" y="19573032"/>
-          <a:ext cx="8474023" cy="4883408"/>
-        </p:xfrm>
-        <a:graphic>
-          <a:graphicData uri="http://schemas.openxmlformats.org/drawingml/2006/chart">
-            <c:chart xmlns:c="http://schemas.openxmlformats.org/drawingml/2006/chart" xmlns:r="http://schemas.openxmlformats.org/officeDocument/2006/relationships" r:id="rId3"/>
-          </a:graphicData>
-        </a:graphic>
-      </p:graphicFrame>
-      <p:graphicFrame>
-        <p:nvGraphicFramePr>
-          <p:cNvPr id="53" name="Chart 52"/>
-          <p:cNvGraphicFramePr/>
-          <p:nvPr>
-            <p:extLst>
-              <p:ext uri="{D42A27DB-BD31-4B8C-83A1-F6EECF244321}">
-                <p14:modId xmlns:p14="http://schemas.microsoft.com/office/powerpoint/2010/main" val="473928625"/>
-              </p:ext>
-            </p:extLst>
-          </p:nvPr>
-        </p:nvGraphicFramePr>
-        <p:xfrm>
-          <a:off x="21580995" y="19573032"/>
-          <a:ext cx="8474023" cy="4883408"/>
-        </p:xfrm>
-        <a:graphic>
-          <a:graphicData uri="http://schemas.openxmlformats.org/drawingml/2006/chart">
-            <c:chart xmlns:c="http://schemas.openxmlformats.org/drawingml/2006/chart" xmlns:r="http://schemas.openxmlformats.org/officeDocument/2006/relationships" r:id="rId4"/>
-          </a:graphicData>
-        </a:graphic>
-      </p:graphicFrame>
       <p:sp>
         <p:nvSpPr>
           <p:cNvPr id="54" name="Text Box 245"/>
@@ -7471,8 +7767,8 @@
         </p:nvSpPr>
         <p:spPr bwMode="auto">
           <a:xfrm>
-            <a:off x="31058193" y="27637002"/>
-            <a:ext cx="10623135" cy="1580848"/>
+            <a:off x="31233334" y="22362523"/>
+            <a:ext cx="10623135" cy="6911538"/>
           </a:xfrm>
           <a:prstGeom prst="rect">
             <a:avLst/>
@@ -7486,7 +7782,7 @@
           </a:ln>
           <a:extLst>
             <a:ext uri="{AF507438-7753-43e0-B8FC-AC1667EBCBE1}">
-              <a14:hiddenEffects xmlns:a14="http://schemas.microsoft.com/office/drawing/2010/main">
+              <a14:hiddenEffects xmlns:a14="http://schemas.microsoft.com/office/drawing/2010/main" xmlns="">
                 <a:effectLst>
                   <a:outerShdw dist="35921" dir="2700000" algn="ctr" rotWithShape="0">
                     <a:schemeClr val="bg2"/>
@@ -7602,52 +7898,248 @@
             </a:lvl9pPr>
           </a:lstStyle>
           <a:p>
-            <a:pPr>
-              <a:lnSpc>
-                <a:spcPct val="120000"/>
-              </a:lnSpc>
-              <a:buFontTx/>
-              <a:buAutoNum type="arabicPeriod"/>
-            </a:pPr>
-            <a:r>
-              <a:rPr lang="en-US" altLang="ja-JP">
-                <a:ea typeface="ＭＳ Ｐゴシック" charset="-128"/>
-              </a:rPr>
-              <a:t>Reference here</a:t>
-            </a:r>
+            <a:pPr algn="just"/>
+            <a:r>
+              <a:rPr lang="et-EE" altLang="zh-CN" sz="3600" dirty="0" smtClean="0">
+                <a:ea typeface="SimSun" pitchFamily="2" charset="-122"/>
+              </a:rPr>
+              <a:t>[Ita75]	</a:t>
+            </a:r>
+            <a:r>
+              <a:rPr lang="en-US" sz="3600" dirty="0" smtClean="0"/>
+              <a:t>F. </a:t>
+            </a:r>
+            <a:r>
+              <a:rPr lang="en-US" sz="3600" dirty="0" err="1" smtClean="0"/>
+              <a:t>Itakura</a:t>
+            </a:r>
+            <a:r>
+              <a:rPr lang="en-US" sz="3600" dirty="0" smtClean="0"/>
+              <a:t>. Minimum prediction residual </a:t>
+            </a:r>
+            <a:r>
+              <a:rPr lang="et-EE" sz="3600" dirty="0" smtClean="0"/>
+              <a:t>			</a:t>
+            </a:r>
+            <a:r>
+              <a:rPr lang="en-US" sz="3600" dirty="0" smtClean="0"/>
+              <a:t>principle applied to speech</a:t>
+            </a:r>
+            <a:r>
+              <a:rPr lang="et-EE" sz="3600" dirty="0" smtClean="0"/>
+              <a:t> </a:t>
+            </a:r>
+            <a:r>
+              <a:rPr lang="en-US" sz="3600" dirty="0" smtClean="0"/>
+              <a:t>recognition. IEEE </a:t>
+            </a:r>
+            <a:r>
+              <a:rPr lang="et-EE" sz="3600" dirty="0" smtClean="0"/>
+              <a:t>		</a:t>
+            </a:r>
+            <a:r>
+              <a:rPr lang="en-US" sz="3600" dirty="0" smtClean="0"/>
+              <a:t>Transactions on Acoustics, Speech, and</a:t>
+            </a:r>
+            <a:r>
+              <a:rPr lang="et-EE" sz="3600" dirty="0" smtClean="0"/>
+              <a:t> 			</a:t>
+            </a:r>
+            <a:r>
+              <a:rPr lang="en-US" sz="3600" dirty="0" smtClean="0"/>
+              <a:t>Signal</a:t>
+            </a:r>
+            <a:r>
+              <a:rPr lang="et-EE" sz="3600" dirty="0" smtClean="0"/>
+              <a:t> </a:t>
+            </a:r>
+            <a:r>
+              <a:rPr lang="et-EE" sz="3600" dirty="0" err="1" smtClean="0"/>
+              <a:t>Processing</a:t>
+            </a:r>
+            <a:r>
+              <a:rPr lang="et-EE" sz="3600" dirty="0" smtClean="0"/>
+              <a:t>, 23(1):67-72, </a:t>
+            </a:r>
+            <a:r>
+              <a:rPr lang="et-EE" sz="3600" dirty="0" err="1" smtClean="0"/>
+              <a:t>Feb</a:t>
+            </a:r>
+            <a:r>
+              <a:rPr lang="et-EE" sz="3600" dirty="0" smtClean="0"/>
+              <a:t> 1975.</a:t>
+            </a:r>
+            <a:endParaRPr lang="et-EE" altLang="zh-CN" sz="3600" dirty="0" smtClean="0">
+              <a:ea typeface="SimSun" pitchFamily="2" charset="-122"/>
+            </a:endParaRPr>
           </a:p>
           <a:p>
-            <a:pPr>
-              <a:lnSpc>
-                <a:spcPct val="120000"/>
-              </a:lnSpc>
-              <a:buFontTx/>
-              <a:buAutoNum type="arabicPeriod"/>
-            </a:pPr>
-            <a:r>
-              <a:rPr lang="en-US" altLang="ja-JP">
-                <a:ea typeface="ＭＳ Ｐゴシック" charset="-128"/>
-              </a:rPr>
-              <a:t>Second reference</a:t>
-            </a:r>
+            <a:pPr algn="just"/>
+            <a:r>
+              <a:rPr lang="et-EE" altLang="zh-CN" sz="3600" dirty="0" smtClean="0">
+                <a:ea typeface="SimSun" pitchFamily="2" charset="-122"/>
+              </a:rPr>
+              <a:t>[SC78]	</a:t>
+            </a:r>
+            <a:r>
+              <a:rPr lang="et-EE" sz="3600" dirty="0" err="1" smtClean="0"/>
+              <a:t>Hiroaki</a:t>
+            </a:r>
+            <a:r>
+              <a:rPr lang="et-EE" sz="3600" dirty="0" smtClean="0"/>
+              <a:t> </a:t>
+            </a:r>
+            <a:r>
+              <a:rPr lang="et-EE" sz="3600" dirty="0" err="1" smtClean="0"/>
+              <a:t>Sakoe</a:t>
+            </a:r>
+            <a:r>
+              <a:rPr lang="et-EE" sz="3600" dirty="0" smtClean="0"/>
+              <a:t> and Seibi </a:t>
+            </a:r>
+            <a:r>
+              <a:rPr lang="et-EE" sz="3600" dirty="0" err="1" smtClean="0"/>
+              <a:t>Chiba</a:t>
+            </a:r>
+            <a:r>
+              <a:rPr lang="et-EE" sz="3600" dirty="0" smtClean="0"/>
+              <a:t>. </a:t>
+            </a:r>
+            <a:r>
+              <a:rPr lang="et-EE" sz="3600" dirty="0" err="1" smtClean="0"/>
+              <a:t>Dynamic</a:t>
+            </a:r>
+            <a:r>
+              <a:rPr lang="et-EE" sz="3600" dirty="0" smtClean="0"/>
+              <a:t>   			</a:t>
+            </a:r>
+            <a:r>
+              <a:rPr lang="et-EE" sz="3600" dirty="0" err="1" smtClean="0"/>
+              <a:t>programming</a:t>
+            </a:r>
+            <a:r>
+              <a:rPr lang="et-EE" sz="3600" dirty="0" smtClean="0"/>
+              <a:t> </a:t>
+            </a:r>
+            <a:r>
+              <a:rPr lang="et-EE" sz="3600" dirty="0" err="1" smtClean="0"/>
+              <a:t>algorithm</a:t>
+            </a:r>
+            <a:r>
+              <a:rPr lang="et-EE" sz="3600" dirty="0" smtClean="0"/>
+              <a:t> </a:t>
+            </a:r>
+            <a:r>
+              <a:rPr lang="en-US" sz="3600" dirty="0" smtClean="0"/>
+              <a:t>optimization for </a:t>
+            </a:r>
+            <a:r>
+              <a:rPr lang="et-EE" sz="3600" dirty="0" smtClean="0"/>
+              <a:t>			</a:t>
+            </a:r>
+            <a:r>
+              <a:rPr lang="en-US" sz="3600" dirty="0" smtClean="0"/>
+              <a:t>spoken word recognition, 1978.</a:t>
+            </a:r>
+            <a:endParaRPr lang="et-EE" sz="3600" dirty="0" smtClean="0"/>
           </a:p>
           <a:p>
-            <a:pPr>
-              <a:lnSpc>
-                <a:spcPct val="120000"/>
-              </a:lnSpc>
-              <a:buFontTx/>
-              <a:buAutoNum type="arabicPeriod"/>
-            </a:pPr>
-            <a:r>
-              <a:rPr lang="en-US" altLang="ja-JP">
-                <a:ea typeface="ＭＳ Ｐゴシック" charset="-128"/>
-              </a:rPr>
-              <a:t>Third reference</a:t>
-            </a:r>
-            <a:endParaRPr lang="en-US" altLang="zh-CN">
-              <a:ea typeface="SimSun" pitchFamily="2" charset="-122"/>
-            </a:endParaRPr>
+            <a:pPr algn="just"/>
+            <a:r>
+              <a:rPr lang="et-EE" sz="3600" dirty="0" smtClean="0"/>
+              <a:t>[SC71]	</a:t>
+            </a:r>
+            <a:r>
+              <a:rPr lang="en-US" sz="3600" dirty="0" smtClean="0"/>
+              <a:t>Hiroaki </a:t>
+            </a:r>
+            <a:r>
+              <a:rPr lang="en-US" sz="3600" dirty="0" err="1" smtClean="0"/>
+              <a:t>Sakoe</a:t>
+            </a:r>
+            <a:r>
+              <a:rPr lang="en-US" sz="3600" dirty="0" smtClean="0"/>
+              <a:t> and </a:t>
+            </a:r>
+            <a:r>
+              <a:rPr lang="en-US" sz="3600" dirty="0" err="1" smtClean="0"/>
+              <a:t>Seibi</a:t>
+            </a:r>
+            <a:r>
+              <a:rPr lang="en-US" sz="3600" dirty="0" smtClean="0"/>
+              <a:t> Chiba. </a:t>
+            </a:r>
+            <a:r>
+              <a:rPr lang="et-EE" sz="3600" dirty="0" smtClean="0"/>
+              <a:t> </a:t>
+            </a:r>
+            <a:r>
+              <a:rPr lang="en-US" sz="3600" dirty="0" smtClean="0"/>
+              <a:t>A dynamic</a:t>
+            </a:r>
+            <a:r>
+              <a:rPr lang="et-EE" sz="3600" dirty="0" smtClean="0"/>
+              <a:t> 			</a:t>
+            </a:r>
+            <a:r>
+              <a:rPr lang="en-US" sz="3600" dirty="0" smtClean="0"/>
+              <a:t>programming approach</a:t>
+            </a:r>
+            <a:r>
+              <a:rPr lang="et-EE" sz="3600" dirty="0" smtClean="0"/>
+              <a:t> t</a:t>
+            </a:r>
+            <a:r>
+              <a:rPr lang="en-US" sz="3600" dirty="0" smtClean="0"/>
+              <a:t>o continuous speech </a:t>
+            </a:r>
+            <a:r>
+              <a:rPr lang="et-EE" sz="3600" dirty="0" smtClean="0"/>
+              <a:t>		</a:t>
+            </a:r>
+            <a:r>
+              <a:rPr lang="en-US" sz="3600" dirty="0" smtClean="0"/>
+              <a:t>recognition. In Proceedings of the Seventh In-</a:t>
+            </a:r>
+          </a:p>
+          <a:p>
+            <a:pPr algn="just"/>
+            <a:r>
+              <a:rPr lang="et-EE" sz="3600" dirty="0" smtClean="0"/>
+              <a:t>			</a:t>
+            </a:r>
+            <a:r>
+              <a:rPr lang="et-EE" sz="3600" dirty="0" err="1" smtClean="0"/>
+              <a:t>ternational</a:t>
+            </a:r>
+            <a:r>
+              <a:rPr lang="et-EE" sz="3600" dirty="0" smtClean="0"/>
+              <a:t> </a:t>
+            </a:r>
+            <a:r>
+              <a:rPr lang="et-EE" sz="3600" dirty="0" err="1" smtClean="0"/>
+              <a:t>Congress</a:t>
+            </a:r>
+            <a:r>
+              <a:rPr lang="et-EE" sz="3600" dirty="0" smtClean="0"/>
+              <a:t> on </a:t>
+            </a:r>
+            <a:r>
+              <a:rPr lang="et-EE" sz="3600" dirty="0" err="1" smtClean="0"/>
+              <a:t>Acoustics</a:t>
+            </a:r>
+            <a:r>
+              <a:rPr lang="et-EE" sz="3600" dirty="0" smtClean="0"/>
+              <a:t>, Budapest, 		</a:t>
+            </a:r>
+            <a:r>
+              <a:rPr lang="et-EE" sz="3600" dirty="0" err="1" smtClean="0"/>
+              <a:t>volume</a:t>
+            </a:r>
+            <a:r>
+              <a:rPr lang="et-EE" sz="3600" dirty="0" smtClean="0"/>
+              <a:t> 3, pages 65-69, Budapest, 1971.</a:t>
+            </a:r>
           </a:p>
         </p:txBody>
       </p:sp>
@@ -7661,8 +8153,8 @@
         </p:nvSpPr>
         <p:spPr bwMode="auto">
           <a:xfrm>
-            <a:off x="31083250" y="22910006"/>
-            <a:ext cx="10623136" cy="3241302"/>
+            <a:off x="31271818" y="16782139"/>
+            <a:ext cx="10623136" cy="4252348"/>
           </a:xfrm>
           <a:prstGeom prst="rect">
             <a:avLst/>
@@ -7676,7 +8168,7 @@
           </a:ln>
           <a:extLst>
             <a:ext uri="{AF507438-7753-43e0-B8FC-AC1667EBCBE1}">
-              <a14:hiddenEffects xmlns:a14="http://schemas.microsoft.com/office/drawing/2010/main">
+              <a14:hiddenEffects xmlns:a14="http://schemas.microsoft.com/office/drawing/2010/main" xmlns="">
                 <a:effectLst>
                   <a:outerShdw dist="35921" dir="2700000" algn="ctr" rotWithShape="0">
                     <a:schemeClr val="bg2"/>
@@ -7792,231 +8284,405 @@
             </a:lvl9pPr>
           </a:lstStyle>
           <a:p>
-            <a:pPr>
+            <a:pPr marL="0" indent="0" algn="just">
               <a:lnSpc>
                 <a:spcPct val="120000"/>
               </a:lnSpc>
-              <a:buFont typeface="Arial" charset="0"/>
-              <a:buChar char="•"/>
             </a:pPr>
             <a:r>
-              <a:rPr lang="en-US" altLang="zh-CN" sz="2700" dirty="0">
+              <a:rPr lang="et-EE" altLang="zh-CN" sz="3600" dirty="0" err="1" smtClean="0">
                 <a:ea typeface="SimSun" pitchFamily="2" charset="-122"/>
               </a:rPr>
-              <a:t>You can also make this box shrink or grow with the amount of text.  Simply double click this text box, go to the “Text Box” tab, and check the option “Resize AutoShape to fit text”.</a:t>
+              <a:t>The</a:t>
+            </a:r>
+            <a:r>
+              <a:rPr lang="et-EE" altLang="zh-CN" sz="3600" dirty="0" smtClean="0">
+                <a:ea typeface="SimSun" pitchFamily="2" charset="-122"/>
+              </a:rPr>
+              <a:t> </a:t>
+            </a:r>
+            <a:r>
+              <a:rPr lang="et-EE" altLang="zh-CN" sz="3600" dirty="0" err="1" smtClean="0">
+                <a:ea typeface="SimSun" pitchFamily="2" charset="-122"/>
+              </a:rPr>
+              <a:t>source</a:t>
+            </a:r>
+            <a:r>
+              <a:rPr lang="et-EE" altLang="zh-CN" sz="3600" dirty="0" smtClean="0">
+                <a:ea typeface="SimSun" pitchFamily="2" charset="-122"/>
+              </a:rPr>
+              <a:t> </a:t>
+            </a:r>
+            <a:r>
+              <a:rPr lang="et-EE" altLang="zh-CN" sz="3600" dirty="0" err="1" smtClean="0">
+                <a:ea typeface="SimSun" pitchFamily="2" charset="-122"/>
+              </a:rPr>
+              <a:t>code</a:t>
+            </a:r>
+            <a:r>
+              <a:rPr lang="et-EE" altLang="zh-CN" sz="3600" dirty="0" smtClean="0">
+                <a:ea typeface="SimSun" pitchFamily="2" charset="-122"/>
+              </a:rPr>
+              <a:t> of </a:t>
+            </a:r>
+            <a:r>
+              <a:rPr lang="et-EE" altLang="zh-CN" sz="3600" dirty="0" err="1" smtClean="0">
+                <a:ea typeface="SimSun" pitchFamily="2" charset="-122"/>
+              </a:rPr>
+              <a:t>the</a:t>
+            </a:r>
+            <a:r>
+              <a:rPr lang="et-EE" altLang="zh-CN" sz="3600" dirty="0" smtClean="0">
+                <a:ea typeface="SimSun" pitchFamily="2" charset="-122"/>
+              </a:rPr>
+              <a:t> </a:t>
+            </a:r>
+            <a:r>
+              <a:rPr lang="et-EE" altLang="zh-CN" sz="3600" dirty="0" err="1" smtClean="0">
+                <a:ea typeface="SimSun" pitchFamily="2" charset="-122"/>
+              </a:rPr>
+              <a:t>implementation</a:t>
+            </a:r>
+            <a:r>
+              <a:rPr lang="et-EE" altLang="zh-CN" sz="3600" dirty="0" smtClean="0">
+                <a:ea typeface="SimSun" pitchFamily="2" charset="-122"/>
+              </a:rPr>
+              <a:t> </a:t>
+            </a:r>
+            <a:r>
+              <a:rPr lang="et-EE" altLang="zh-CN" sz="3600" dirty="0" err="1" smtClean="0">
+                <a:ea typeface="SimSun" pitchFamily="2" charset="-122"/>
+              </a:rPr>
+              <a:t>is</a:t>
+            </a:r>
+            <a:r>
+              <a:rPr lang="et-EE" altLang="zh-CN" sz="3600" dirty="0" smtClean="0">
+                <a:ea typeface="SimSun" pitchFamily="2" charset="-122"/>
+              </a:rPr>
+              <a:t> </a:t>
+            </a:r>
+            <a:r>
+              <a:rPr lang="et-EE" altLang="zh-CN" sz="3600" dirty="0" err="1" smtClean="0">
+                <a:ea typeface="SimSun" pitchFamily="2" charset="-122"/>
+              </a:rPr>
+              <a:t>available</a:t>
+            </a:r>
+            <a:r>
+              <a:rPr lang="et-EE" altLang="zh-CN" sz="3600" dirty="0" smtClean="0">
+                <a:ea typeface="SimSun" pitchFamily="2" charset="-122"/>
+              </a:rPr>
+              <a:t> at</a:t>
+            </a:r>
+            <a:r>
+              <a:rPr lang="et-EE" altLang="zh-CN" sz="3600" dirty="0" smtClean="0">
+                <a:ea typeface="SimSun" pitchFamily="2" charset="-122"/>
+              </a:rPr>
+              <a:t>: </a:t>
+            </a:r>
+            <a:r>
+              <a:rPr lang="et-EE" altLang="zh-CN" sz="3600" dirty="0">
+                <a:ea typeface="SimSun" pitchFamily="2" charset="-122"/>
+                <a:hlinkClick r:id="rId4"/>
+              </a:rPr>
+              <a:t>https://</a:t>
+            </a:r>
+            <a:r>
+              <a:rPr lang="et-EE" altLang="zh-CN" sz="3600" dirty="0" smtClean="0">
+                <a:ea typeface="SimSun" pitchFamily="2" charset="-122"/>
+                <a:hlinkClick r:id="rId4"/>
+              </a:rPr>
+              <a:t>github.com/AnnabellKuldmaa/aa16</a:t>
+            </a:r>
+            <a:r>
+              <a:rPr lang="et-EE" altLang="zh-CN" sz="3600" dirty="0" smtClean="0">
+                <a:ea typeface="SimSun" pitchFamily="2" charset="-122"/>
+              </a:rPr>
+              <a:t>.</a:t>
             </a:r>
           </a:p>
           <a:p>
-            <a:pPr>
+            <a:pPr marL="0" indent="0" algn="just">
               <a:lnSpc>
                 <a:spcPct val="120000"/>
               </a:lnSpc>
-              <a:buFont typeface="Arial" charset="0"/>
-              <a:buChar char="•"/>
             </a:pPr>
-            <a:endParaRPr lang="en-US" altLang="zh-CN" sz="2700" dirty="0">
-              <a:ea typeface="SimSun" pitchFamily="2" charset="-122"/>
-            </a:endParaRPr>
-          </a:p>
-          <a:p>
-            <a:pPr>
-              <a:lnSpc>
-                <a:spcPct val="120000"/>
-              </a:lnSpc>
-              <a:buFont typeface="Arial" charset="0"/>
-              <a:buChar char="•"/>
-            </a:pPr>
-            <a:r>
-              <a:rPr lang="en-US" altLang="zh-CN" sz="2700" dirty="0">
+            <a:r>
+              <a:rPr lang="et-EE" altLang="zh-CN" sz="3600" dirty="0" err="1" smtClean="0">
                 <a:ea typeface="SimSun" pitchFamily="2" charset="-122"/>
               </a:rPr>
-              <a:t>The background of this template may appear blue on your screen, but it does print lavender</a:t>
-            </a:r>
-            <a:r>
-              <a:rPr lang="en-US" altLang="zh-CN" sz="2700" dirty="0" smtClean="0">
+              <a:t>The</a:t>
+            </a:r>
+            <a:r>
+              <a:rPr lang="et-EE" altLang="zh-CN" sz="3600" dirty="0" smtClean="0">
                 <a:ea typeface="SimSun" pitchFamily="2" charset="-122"/>
               </a:rPr>
+              <a:t> tool </a:t>
+            </a:r>
+            <a:r>
+              <a:rPr lang="et-EE" altLang="zh-CN" sz="3600" dirty="0" err="1" smtClean="0">
+                <a:ea typeface="SimSun" pitchFamily="2" charset="-122"/>
+              </a:rPr>
+              <a:t>can</a:t>
+            </a:r>
+            <a:r>
+              <a:rPr lang="et-EE" altLang="zh-CN" sz="3600" dirty="0" smtClean="0">
+                <a:ea typeface="SimSun" pitchFamily="2" charset="-122"/>
+              </a:rPr>
+              <a:t> </a:t>
+            </a:r>
+            <a:r>
+              <a:rPr lang="et-EE" altLang="zh-CN" sz="3600" dirty="0" err="1" smtClean="0">
+                <a:ea typeface="SimSun" pitchFamily="2" charset="-122"/>
+              </a:rPr>
+              <a:t>be</a:t>
+            </a:r>
+            <a:r>
+              <a:rPr lang="et-EE" altLang="zh-CN" sz="3600" dirty="0" smtClean="0">
+                <a:ea typeface="SimSun" pitchFamily="2" charset="-122"/>
+              </a:rPr>
+              <a:t> </a:t>
+            </a:r>
+            <a:r>
+              <a:rPr lang="et-EE" altLang="zh-CN" sz="3600" dirty="0" err="1" smtClean="0">
+                <a:ea typeface="SimSun" pitchFamily="2" charset="-122"/>
+              </a:rPr>
+              <a:t>used</a:t>
+            </a:r>
+            <a:r>
+              <a:rPr lang="et-EE" altLang="zh-CN" sz="3600" dirty="0" smtClean="0">
+                <a:ea typeface="SimSun" pitchFamily="2" charset="-122"/>
+              </a:rPr>
+              <a:t> in </a:t>
+            </a:r>
+            <a:r>
+              <a:rPr lang="en-US" altLang="zh-CN" sz="3600" dirty="0" smtClean="0">
+                <a:ea typeface="SimSun" pitchFamily="2" charset="-122"/>
+              </a:rPr>
+              <a:t>various</a:t>
+            </a:r>
+            <a:r>
+              <a:rPr lang="et-EE" altLang="zh-CN" sz="3600" dirty="0" smtClean="0">
+                <a:ea typeface="SimSun" pitchFamily="2" charset="-122"/>
+              </a:rPr>
+              <a:t> </a:t>
+            </a:r>
+            <a:r>
+              <a:rPr lang="et-EE" altLang="zh-CN" sz="3600" dirty="0" err="1" smtClean="0">
+                <a:ea typeface="SimSun" pitchFamily="2" charset="-122"/>
+              </a:rPr>
+              <a:t>algorithmics</a:t>
+            </a:r>
+            <a:r>
+              <a:rPr lang="et-EE" altLang="zh-CN" sz="3600" dirty="0" smtClean="0">
+                <a:ea typeface="SimSun" pitchFamily="2" charset="-122"/>
+              </a:rPr>
+              <a:t> </a:t>
+            </a:r>
+            <a:r>
+              <a:rPr lang="et-EE" altLang="zh-CN" sz="3600" dirty="0" err="1" smtClean="0">
+                <a:ea typeface="SimSun" pitchFamily="2" charset="-122"/>
+              </a:rPr>
+              <a:t>courses</a:t>
+            </a:r>
+            <a:r>
+              <a:rPr lang="et-EE" altLang="zh-CN" sz="3600" dirty="0" smtClean="0">
+                <a:ea typeface="SimSun" pitchFamily="2" charset="-122"/>
+              </a:rPr>
+              <a:t>  </a:t>
+            </a:r>
+            <a:r>
+              <a:rPr lang="et-EE" altLang="zh-CN" sz="3600" dirty="0" err="1" smtClean="0">
+                <a:ea typeface="SimSun" pitchFamily="2" charset="-122"/>
+              </a:rPr>
+              <a:t>that</a:t>
+            </a:r>
+            <a:r>
+              <a:rPr lang="et-EE" altLang="zh-CN" sz="3600" dirty="0" smtClean="0">
+                <a:ea typeface="SimSun" pitchFamily="2" charset="-122"/>
+              </a:rPr>
+              <a:t> </a:t>
+            </a:r>
+            <a:r>
+              <a:rPr lang="et-EE" altLang="zh-CN" sz="3600" dirty="0" err="1" smtClean="0">
+                <a:ea typeface="SimSun" pitchFamily="2" charset="-122"/>
+              </a:rPr>
+              <a:t>consider</a:t>
+            </a:r>
+            <a:r>
+              <a:rPr lang="et-EE" altLang="zh-CN" sz="3600" dirty="0" smtClean="0">
+                <a:ea typeface="SimSun" pitchFamily="2" charset="-122"/>
+              </a:rPr>
+              <a:t> </a:t>
+            </a:r>
+            <a:r>
+              <a:rPr lang="et-EE" altLang="zh-CN" sz="3600" dirty="0" err="1" smtClean="0">
+                <a:ea typeface="SimSun" pitchFamily="2" charset="-122"/>
+              </a:rPr>
+              <a:t>dynamic</a:t>
+            </a:r>
+            <a:r>
+              <a:rPr lang="et-EE" altLang="zh-CN" sz="3600" dirty="0" smtClean="0">
+                <a:ea typeface="SimSun" pitchFamily="2" charset="-122"/>
+              </a:rPr>
+              <a:t> </a:t>
+            </a:r>
+            <a:r>
+              <a:rPr lang="et-EE" altLang="zh-CN" sz="3600" dirty="0" err="1" smtClean="0">
+                <a:ea typeface="SimSun" pitchFamily="2" charset="-122"/>
+              </a:rPr>
+              <a:t>programming</a:t>
+            </a:r>
+            <a:r>
+              <a:rPr lang="et-EE" altLang="zh-CN" sz="3600" dirty="0" smtClean="0">
+                <a:ea typeface="SimSun" pitchFamily="2" charset="-122"/>
+              </a:rPr>
+              <a:t>. </a:t>
+            </a:r>
+            <a:r>
+              <a:rPr lang="et-EE" altLang="zh-CN" sz="3600" dirty="0" err="1" smtClean="0">
+                <a:ea typeface="SimSun" pitchFamily="2" charset="-122"/>
+              </a:rPr>
+              <a:t>Students</a:t>
+            </a:r>
+            <a:r>
+              <a:rPr lang="et-EE" altLang="zh-CN" sz="3600" dirty="0" smtClean="0">
+                <a:ea typeface="SimSun" pitchFamily="2" charset="-122"/>
+              </a:rPr>
+              <a:t> </a:t>
+            </a:r>
+            <a:r>
+              <a:rPr lang="et-EE" altLang="zh-CN" sz="3600" dirty="0" err="1" smtClean="0">
+                <a:ea typeface="SimSun" pitchFamily="2" charset="-122"/>
+              </a:rPr>
+              <a:t>can</a:t>
+            </a:r>
+            <a:r>
+              <a:rPr lang="et-EE" altLang="zh-CN" sz="3600" dirty="0" smtClean="0">
+                <a:ea typeface="SimSun" pitchFamily="2" charset="-122"/>
+              </a:rPr>
+              <a:t> </a:t>
+            </a:r>
+            <a:r>
+              <a:rPr lang="et-EE" altLang="zh-CN" sz="3600" dirty="0" err="1" smtClean="0">
+                <a:ea typeface="SimSun" pitchFamily="2" charset="-122"/>
+              </a:rPr>
+              <a:t>play</a:t>
+            </a:r>
+            <a:r>
+              <a:rPr lang="et-EE" altLang="zh-CN" sz="3600" dirty="0" smtClean="0">
+                <a:ea typeface="SimSun" pitchFamily="2" charset="-122"/>
+              </a:rPr>
+              <a:t> </a:t>
+            </a:r>
+            <a:r>
+              <a:rPr lang="et-EE" altLang="zh-CN" sz="3600" dirty="0" err="1" smtClean="0">
+                <a:ea typeface="SimSun" pitchFamily="2" charset="-122"/>
+              </a:rPr>
+              <a:t>with</a:t>
+            </a:r>
+            <a:r>
+              <a:rPr lang="et-EE" altLang="zh-CN" sz="3600" dirty="0" smtClean="0">
+                <a:ea typeface="SimSun" pitchFamily="2" charset="-122"/>
+              </a:rPr>
+              <a:t> </a:t>
+            </a:r>
+            <a:r>
+              <a:rPr lang="et-EE" altLang="zh-CN" sz="3600" dirty="0" err="1" smtClean="0">
+                <a:ea typeface="SimSun" pitchFamily="2" charset="-122"/>
+              </a:rPr>
+              <a:t>different</a:t>
+            </a:r>
+            <a:r>
+              <a:rPr lang="et-EE" altLang="zh-CN" sz="3600" dirty="0" smtClean="0">
+                <a:ea typeface="SimSun" pitchFamily="2" charset="-122"/>
+              </a:rPr>
+              <a:t> </a:t>
+            </a:r>
+            <a:r>
+              <a:rPr lang="et-EE" altLang="zh-CN" sz="3600" dirty="0" err="1" smtClean="0">
+                <a:ea typeface="SimSun" pitchFamily="2" charset="-122"/>
+              </a:rPr>
+              <a:t>parameters</a:t>
+            </a:r>
+            <a:r>
+              <a:rPr lang="et-EE" altLang="zh-CN" sz="3600" dirty="0" smtClean="0">
+                <a:ea typeface="SimSun" pitchFamily="2" charset="-122"/>
+              </a:rPr>
+              <a:t> and </a:t>
+            </a:r>
+            <a:r>
+              <a:rPr lang="et-EE" altLang="zh-CN" sz="3600" dirty="0" err="1" smtClean="0">
+                <a:ea typeface="SimSun" pitchFamily="2" charset="-122"/>
+              </a:rPr>
+              <a:t>learn</a:t>
+            </a:r>
+            <a:r>
+              <a:rPr lang="et-EE" altLang="zh-CN" sz="3600" dirty="0" smtClean="0">
+                <a:ea typeface="SimSun" pitchFamily="2" charset="-122"/>
+              </a:rPr>
+              <a:t> </a:t>
+            </a:r>
+            <a:r>
+              <a:rPr lang="et-EE" altLang="zh-CN" sz="3600" dirty="0" err="1" smtClean="0">
+                <a:ea typeface="SimSun" pitchFamily="2" charset="-122"/>
+              </a:rPr>
+              <a:t>important</a:t>
+            </a:r>
+            <a:r>
+              <a:rPr lang="et-EE" altLang="zh-CN" sz="3600" dirty="0" smtClean="0">
+                <a:ea typeface="SimSun" pitchFamily="2" charset="-122"/>
+              </a:rPr>
+              <a:t> </a:t>
+            </a:r>
+            <a:r>
+              <a:rPr lang="et-EE" altLang="zh-CN" sz="3600" dirty="0" err="1" smtClean="0">
+                <a:ea typeface="SimSun" pitchFamily="2" charset="-122"/>
+              </a:rPr>
+              <a:t>aspects</a:t>
+            </a:r>
+            <a:r>
+              <a:rPr lang="et-EE" altLang="zh-CN" sz="3600" dirty="0" smtClean="0">
+                <a:ea typeface="SimSun" pitchFamily="2" charset="-122"/>
+              </a:rPr>
+              <a:t> of DTW </a:t>
+            </a:r>
+            <a:r>
+              <a:rPr lang="et-EE" altLang="zh-CN" sz="3600" dirty="0" err="1" smtClean="0">
+                <a:ea typeface="SimSun" pitchFamily="2" charset="-122"/>
+              </a:rPr>
+              <a:t>while</a:t>
+            </a:r>
+            <a:r>
+              <a:rPr lang="et-EE" altLang="zh-CN" sz="3600" dirty="0" smtClean="0">
+                <a:ea typeface="SimSun" pitchFamily="2" charset="-122"/>
+              </a:rPr>
+              <a:t> </a:t>
+            </a:r>
+            <a:r>
+              <a:rPr lang="et-EE" altLang="zh-CN" sz="3600" dirty="0" err="1" smtClean="0">
+                <a:ea typeface="SimSun" pitchFamily="2" charset="-122"/>
+              </a:rPr>
+              <a:t>having</a:t>
+            </a:r>
+            <a:r>
+              <a:rPr lang="et-EE" altLang="zh-CN" sz="3600" dirty="0" smtClean="0">
+                <a:ea typeface="SimSun" pitchFamily="2" charset="-122"/>
+              </a:rPr>
+              <a:t> </a:t>
+            </a:r>
+            <a:r>
+              <a:rPr lang="et-EE" altLang="zh-CN" sz="3600" dirty="0" err="1" smtClean="0">
+                <a:ea typeface="SimSun" pitchFamily="2" charset="-122"/>
+              </a:rPr>
+              <a:t>fun</a:t>
+            </a:r>
+            <a:r>
+              <a:rPr lang="et-EE" altLang="zh-CN" sz="3600" dirty="0" smtClean="0">
+                <a:ea typeface="SimSun" pitchFamily="2" charset="-122"/>
+              </a:rPr>
               <a:t>.</a:t>
             </a:r>
-            <a:endParaRPr lang="en-US" altLang="zh-CN" sz="2700" dirty="0">
-              <a:ea typeface="SimSun" pitchFamily="2" charset="-122"/>
-            </a:endParaRPr>
-          </a:p>
-        </p:txBody>
-      </p:sp>
-      <p:sp>
-        <p:nvSpPr>
-          <p:cNvPr id="56" name="Text Box 255"/>
-          <p:cNvSpPr txBox="1">
-            <a:spLocks noChangeArrowheads="1"/>
-          </p:cNvSpPr>
-          <p:nvPr/>
-        </p:nvSpPr>
-        <p:spPr bwMode="auto">
-          <a:xfrm>
-            <a:off x="29953325" y="29752587"/>
-            <a:ext cx="11669161" cy="503354"/>
-          </a:xfrm>
-          <a:prstGeom prst="rect">
-            <a:avLst/>
-          </a:prstGeom>
-          <a:noFill/>
-          <a:ln>
-            <a:noFill/>
-          </a:ln>
-          <a:extLst>
-            <a:ext uri="{909E8E84-426E-40dd-AFC4-6F175D3DCCD1}">
-              <a14:hiddenFill xmlns:a14="http://schemas.microsoft.com/office/drawing/2010/main">
-                <a:solidFill>
-                  <a:schemeClr val="accent1"/>
-                </a:solidFill>
-              </a14:hiddenFill>
-            </a:ext>
-            <a:ext uri="{91240B29-F687-4f45-9708-019B960494DF}">
-              <a14:hiddenLine xmlns:a14="http://schemas.microsoft.com/office/drawing/2010/main" w="9525">
-                <a:solidFill>
-                  <a:schemeClr val="tx1"/>
-                </a:solidFill>
-                <a:miter lim="800000"/>
-                <a:headEnd/>
-                <a:tailEnd/>
-              </a14:hiddenLine>
-            </a:ext>
-            <a:ext uri="{AF507438-7753-43e0-B8FC-AC1667EBCBE1}">
-              <a14:hiddenEffects xmlns:a14="http://schemas.microsoft.com/office/drawing/2010/main">
-                <a:effectLst>
-                  <a:outerShdw dist="35921" dir="2700000" algn="ctr" rotWithShape="0">
-                    <a:schemeClr val="bg2"/>
-                  </a:outerShdw>
-                </a:effectLst>
-              </a14:hiddenEffects>
-            </a:ext>
-          </a:extLst>
-        </p:spPr>
-        <p:txBody>
-          <a:bodyPr lIns="87005" tIns="43503" rIns="87005" bIns="43503">
-            <a:spAutoFit/>
-          </a:bodyPr>
-          <a:lstStyle>
-            <a:defPPr>
-              <a:defRPr kern="1200" smtId="4294967295"/>
-            </a:defPPr>
-            <a:lvl1pPr>
-              <a:defRPr sz="2400">
-                <a:solidFill>
-                  <a:schemeClr val="tx1"/>
-                </a:solidFill>
-                <a:latin typeface="Times New Roman" pitchFamily="18" charset="0"/>
-              </a:defRPr>
-            </a:lvl1pPr>
-            <a:lvl2pPr marL="742950" indent="-285750">
-              <a:defRPr sz="2400">
-                <a:solidFill>
-                  <a:schemeClr val="tx1"/>
-                </a:solidFill>
-                <a:latin typeface="Times New Roman" pitchFamily="18" charset="0"/>
-              </a:defRPr>
-            </a:lvl2pPr>
-            <a:lvl3pPr marL="1143000" indent="-228600">
-              <a:defRPr sz="2400">
-                <a:solidFill>
-                  <a:schemeClr val="tx1"/>
-                </a:solidFill>
-                <a:latin typeface="Times New Roman" pitchFamily="18" charset="0"/>
-              </a:defRPr>
-            </a:lvl3pPr>
-            <a:lvl4pPr marL="1600200" indent="-228600">
-              <a:defRPr sz="2400">
-                <a:solidFill>
-                  <a:schemeClr val="tx1"/>
-                </a:solidFill>
-                <a:latin typeface="Times New Roman" pitchFamily="18" charset="0"/>
-              </a:defRPr>
-            </a:lvl4pPr>
-            <a:lvl5pPr marL="2057400" indent="-228600">
-              <a:defRPr sz="2400">
-                <a:solidFill>
-                  <a:schemeClr val="tx1"/>
-                </a:solidFill>
-                <a:latin typeface="Times New Roman" pitchFamily="18" charset="0"/>
-              </a:defRPr>
-            </a:lvl5pPr>
-            <a:lvl6pPr marL="2514600" indent="-228600" eaLnBrk="0" fontAlgn="base" hangingPunct="0">
-              <a:spcBef>
-                <a:spcPct val="0"/>
-              </a:spcBef>
-              <a:spcAft>
-                <a:spcPct val="0"/>
-              </a:spcAft>
-              <a:defRPr sz="2400">
-                <a:solidFill>
-                  <a:schemeClr val="tx1"/>
-                </a:solidFill>
-                <a:latin typeface="Times New Roman" pitchFamily="18" charset="0"/>
-              </a:defRPr>
-            </a:lvl6pPr>
-            <a:lvl7pPr marL="2971800" indent="-228600" eaLnBrk="0" fontAlgn="base" hangingPunct="0">
-              <a:spcBef>
-                <a:spcPct val="0"/>
-              </a:spcBef>
-              <a:spcAft>
-                <a:spcPct val="0"/>
-              </a:spcAft>
-              <a:defRPr sz="2400">
-                <a:solidFill>
-                  <a:schemeClr val="tx1"/>
-                </a:solidFill>
-                <a:latin typeface="Times New Roman" pitchFamily="18" charset="0"/>
-              </a:defRPr>
-            </a:lvl7pPr>
-            <a:lvl8pPr marL="3429000" indent="-228600" eaLnBrk="0" fontAlgn="base" hangingPunct="0">
-              <a:spcBef>
-                <a:spcPct val="0"/>
-              </a:spcBef>
-              <a:spcAft>
-                <a:spcPct val="0"/>
-              </a:spcAft>
-              <a:defRPr sz="2400">
-                <a:solidFill>
-                  <a:schemeClr val="tx1"/>
-                </a:solidFill>
-                <a:latin typeface="Times New Roman" pitchFamily="18" charset="0"/>
-              </a:defRPr>
-            </a:lvl8pPr>
-            <a:lvl9pPr marL="3886200" indent="-228600" eaLnBrk="0" fontAlgn="base" hangingPunct="0">
-              <a:spcBef>
-                <a:spcPct val="0"/>
-              </a:spcBef>
-              <a:spcAft>
-                <a:spcPct val="0"/>
-              </a:spcAft>
-              <a:defRPr sz="2400">
-                <a:solidFill>
-                  <a:schemeClr val="tx1"/>
-                </a:solidFill>
-                <a:latin typeface="Times New Roman" pitchFamily="18" charset="0"/>
-              </a:defRPr>
-            </a:lvl9pPr>
-          </a:lstStyle>
-          <a:p>
-            <a:pPr algn="r"/>
-            <a:r>
-              <a:rPr lang="en-US" altLang="zh-CN" sz="2700" dirty="0">
-                <a:effectLst>
-                  <a:outerShdw blurRad="38100" dist="38100" dir="2700000" algn="tl">
-                    <a:srgbClr val="C0C0C0"/>
-                  </a:outerShdw>
-                </a:effectLst>
-                <a:ea typeface="SimSun" pitchFamily="2" charset="-122"/>
-              </a:rPr>
-              <a:t>Insert your acknowledgements  here.  This research supported by…</a:t>
-            </a:r>
-            <a:endParaRPr lang="zh-CN" altLang="en-US" sz="2700" dirty="0">
-              <a:effectLst>
-                <a:outerShdw blurRad="38100" dist="38100" dir="2700000" algn="tl">
-                  <a:srgbClr val="C0C0C0"/>
-                </a:outerShdw>
-              </a:effectLst>
+            <a:endParaRPr lang="en-US" altLang="zh-CN" sz="3600" dirty="0">
               <a:ea typeface="SimSun" pitchFamily="2" charset="-122"/>
             </a:endParaRPr>
           </a:p>
@@ -8030,7 +8696,7 @@
         </p:nvGrpSpPr>
         <p:grpSpPr>
           <a:xfrm>
-            <a:off x="31007050" y="21919406"/>
+            <a:off x="31257464" y="15683085"/>
             <a:ext cx="10736991" cy="819990"/>
             <a:chOff x="1066799" y="5958162"/>
             <a:chExt cx="11007725" cy="891580"/>
@@ -8355,7 +9021,7 @@
             </a:lstStyle>
             <a:p>
               <a:r>
-                <a:rPr lang="en-US" altLang="zh-CN" sz="4200" b="1">
+                <a:rPr lang="en-US" altLang="zh-CN" sz="4200" b="1" dirty="0">
                   <a:solidFill>
                     <a:schemeClr val="bg1"/>
                   </a:solidFill>
@@ -8365,7 +9031,7 @@
                 </a:rPr>
                 <a:t>CONCLUSIONS</a:t>
               </a:r>
-              <a:endParaRPr lang="en-US" altLang="zh-CN" sz="3000" b="1">
+              <a:endParaRPr lang="en-US" altLang="zh-CN" sz="3000" b="1" dirty="0">
                 <a:solidFill>
                   <a:schemeClr val="bg1"/>
                 </a:solidFill>
@@ -8385,7 +9051,7 @@
         </p:nvGrpSpPr>
         <p:grpSpPr>
           <a:xfrm>
-            <a:off x="31058194" y="26741805"/>
+            <a:off x="31257464" y="21288510"/>
             <a:ext cx="10736991" cy="819990"/>
             <a:chOff x="1066799" y="5958162"/>
             <a:chExt cx="11007725" cy="891580"/>
@@ -8710,7 +9376,7 @@
             </a:lstStyle>
             <a:p>
               <a:r>
-                <a:rPr lang="en-US" altLang="zh-CN" sz="4200" b="1">
+                <a:rPr lang="en-US" altLang="zh-CN" sz="4200" b="1" dirty="0">
                   <a:solidFill>
                     <a:schemeClr val="bg1"/>
                   </a:solidFill>
@@ -8720,7 +9386,7 @@
                 </a:rPr>
                 <a:t>REFERENCES</a:t>
               </a:r>
-              <a:endParaRPr lang="en-US" altLang="zh-CN" sz="3000" b="1">
+              <a:endParaRPr lang="en-US" altLang="zh-CN" sz="3000" b="1" dirty="0">
                 <a:solidFill>
                   <a:schemeClr val="bg1"/>
                 </a:solidFill>
@@ -8754,8 +9420,8 @@
         </p:blipFill>
         <p:spPr>
           <a:xfrm>
-            <a:off x="29989373" y="7060406"/>
-            <a:ext cx="9920377" cy="9144000"/>
+            <a:off x="31641642" y="6683692"/>
+            <a:ext cx="9920377" cy="8540951"/>
           </a:xfrm>
           <a:prstGeom prst="rect">
             <a:avLst/>
@@ -8771,7 +9437,7 @@
           <p:nvPr/>
         </p:nvPicPr>
         <p:blipFill>
-          <a:blip r:embed="rId6">
+          <a:blip r:embed="rId6" cstate="print">
             <a:extLst>
               <a:ext uri="{28A0092B-C50C-407E-A947-70E740481C1C}">
                 <a14:useLocalDpi xmlns:a14="http://schemas.microsoft.com/office/drawing/2010/main" val="0"/>
@@ -8784,8 +9450,68 @@
         </p:blipFill>
         <p:spPr>
           <a:xfrm>
-            <a:off x="1060450" y="10794206"/>
+            <a:off x="1091357" y="13177097"/>
             <a:ext cx="10774680" cy="6543675"/>
+          </a:xfrm>
+          <a:prstGeom prst="rect">
+            <a:avLst/>
+          </a:prstGeom>
+        </p:spPr>
+      </p:pic>
+      <p:pic>
+        <p:nvPicPr>
+          <p:cNvPr id="8" name="Pilt 7"/>
+          <p:cNvPicPr>
+            <a:picLocks noChangeAspect="1"/>
+          </p:cNvPicPr>
+          <p:nvPr/>
+        </p:nvPicPr>
+        <p:blipFill>
+          <a:blip r:embed="rId7">
+            <a:extLst>
+              <a:ext uri="{28A0092B-C50C-407E-A947-70E740481C1C}">
+                <a14:useLocalDpi xmlns:a14="http://schemas.microsoft.com/office/drawing/2010/main" val="0"/>
+              </a:ext>
+            </a:extLst>
+          </a:blip>
+          <a:stretch>
+            <a:fillRect/>
+          </a:stretch>
+        </p:blipFill>
+        <p:spPr>
+          <a:xfrm>
+            <a:off x="1746250" y="1747636"/>
+            <a:ext cx="6313104" cy="2761474"/>
+          </a:xfrm>
+          <a:prstGeom prst="rect">
+            <a:avLst/>
+          </a:prstGeom>
+        </p:spPr>
+      </p:pic>
+      <p:pic>
+        <p:nvPicPr>
+          <p:cNvPr id="10" name="Pilt 9"/>
+          <p:cNvPicPr>
+            <a:picLocks noChangeAspect="1"/>
+          </p:cNvPicPr>
+          <p:nvPr/>
+        </p:nvPicPr>
+        <p:blipFill>
+          <a:blip r:embed="rId8" cstate="print">
+            <a:extLst>
+              <a:ext uri="{28A0092B-C50C-407E-A947-70E740481C1C}">
+                <a14:useLocalDpi xmlns:a14="http://schemas.microsoft.com/office/drawing/2010/main" val="0"/>
+              </a:ext>
+            </a:extLst>
+          </a:blip>
+          <a:stretch>
+            <a:fillRect/>
+          </a:stretch>
+        </p:blipFill>
+        <p:spPr>
+          <a:xfrm>
+            <a:off x="36523311" y="1132030"/>
+            <a:ext cx="3178547" cy="3215650"/>
           </a:xfrm>
           <a:prstGeom prst="rect">
             <a:avLst/>
@@ -8797,7 +9523,7 @@
   <p:clrMapOvr>
     <a:masterClrMapping/>
   </p:clrMapOvr>
-  <p:transition xmlns:p14="http://schemas.microsoft.com/office/powerpoint/2010/main"/>
+  <p:transition/>
 </p:sld>
 </file>
 
@@ -9065,7 +9791,7 @@
         <a:effectLst/>
         <a:extLst>
           <a:ext uri="{AF507438-7753-43e0-B8FC-AC1667EBCBE1}">
-            <a14:hiddenEffects xmlns:a14="http://schemas.microsoft.com/office/drawing/2010/main">
+            <a14:hiddenEffects xmlns:a14="http://schemas.microsoft.com/office/drawing/2010/main" xmlns="">
               <a:effectLst>
                 <a:outerShdw dist="35921" dir="2700000" algn="ctr" rotWithShape="0">
                   <a:schemeClr val="bg2"/>
@@ -9144,7 +9870,7 @@
         <a:effectLst/>
         <a:extLst>
           <a:ext uri="{AF507438-7753-43e0-B8FC-AC1667EBCBE1}">
-            <a14:hiddenEffects xmlns:a14="http://schemas.microsoft.com/office/drawing/2010/main">
+            <a14:hiddenEffects xmlns:a14="http://schemas.microsoft.com/office/drawing/2010/main" xmlns="">
               <a:effectLst>
                 <a:outerShdw dist="35921" dir="2700000" algn="ctr" rotWithShape="0">
                   <a:schemeClr val="bg2"/>

--- a/poster.pptx
+++ b/poster.pptx
@@ -298,14 +298,14 @@
           </a:ln>
           <a:extLst>
             <a:ext uri="{909E8E84-426E-40dd-AFC4-6F175D3DCCD1}">
-              <a14:hiddenFill xmlns:a14="http://schemas.microsoft.com/office/drawing/2010/main" xmlns="">
+              <a14:hiddenFill xmlns="" xmlns:a14="http://schemas.microsoft.com/office/drawing/2010/main">
                 <a:solidFill>
                   <a:schemeClr val="accent1"/>
                 </a:solidFill>
               </a14:hiddenFill>
             </a:ext>
             <a:ext uri="{91240B29-F687-4f45-9708-019B960494DF}">
-              <a14:hiddenLine xmlns:a14="http://schemas.microsoft.com/office/drawing/2010/main" xmlns="" w="9525">
+              <a14:hiddenLine xmlns="" xmlns:a14="http://schemas.microsoft.com/office/drawing/2010/main" w="9525">
                 <a:solidFill>
                   <a:schemeClr val="tx1"/>
                 </a:solidFill>
@@ -315,7 +315,7 @@
               </a14:hiddenLine>
             </a:ext>
             <a:ext uri="{AF507438-7753-43e0-B8FC-AC1667EBCBE1}">
-              <a14:hiddenEffects xmlns:a14="http://schemas.microsoft.com/office/drawing/2010/main" xmlns="">
+              <a14:hiddenEffects xmlns="" xmlns:a14="http://schemas.microsoft.com/office/drawing/2010/main">
                 <a:effectLst>
                   <a:outerShdw dist="35921" dir="2700000" algn="ctr" rotWithShape="0">
                     <a:schemeClr val="bg2"/>
@@ -368,14 +368,14 @@
           </a:ln>
           <a:extLst>
             <a:ext uri="{909E8E84-426E-40dd-AFC4-6F175D3DCCD1}">
-              <a14:hiddenFill xmlns:a14="http://schemas.microsoft.com/office/drawing/2010/main" xmlns="">
+              <a14:hiddenFill xmlns="" xmlns:a14="http://schemas.microsoft.com/office/drawing/2010/main">
                 <a:solidFill>
                   <a:schemeClr val="accent1"/>
                 </a:solidFill>
               </a14:hiddenFill>
             </a:ext>
             <a:ext uri="{91240B29-F687-4f45-9708-019B960494DF}">
-              <a14:hiddenLine xmlns:a14="http://schemas.microsoft.com/office/drawing/2010/main" xmlns="" w="9525">
+              <a14:hiddenLine xmlns="" xmlns:a14="http://schemas.microsoft.com/office/drawing/2010/main" w="9525">
                 <a:solidFill>
                   <a:schemeClr val="tx1"/>
                 </a:solidFill>
@@ -385,7 +385,7 @@
               </a14:hiddenLine>
             </a:ext>
             <a:ext uri="{AF507438-7753-43e0-B8FC-AC1667EBCBE1}">
-              <a14:hiddenEffects xmlns:a14="http://schemas.microsoft.com/office/drawing/2010/main" xmlns="">
+              <a14:hiddenEffects xmlns="" xmlns:a14="http://schemas.microsoft.com/office/drawing/2010/main">
                 <a:effectLst>
                   <a:outerShdw dist="35921" dir="2700000" algn="ctr" rotWithShape="0">
                     <a:schemeClr val="bg2"/>
@@ -438,14 +438,14 @@
           </a:ln>
           <a:extLst>
             <a:ext uri="{909E8E84-426E-40dd-AFC4-6F175D3DCCD1}">
-              <a14:hiddenFill xmlns:a14="http://schemas.microsoft.com/office/drawing/2010/main" xmlns="">
+              <a14:hiddenFill xmlns="" xmlns:a14="http://schemas.microsoft.com/office/drawing/2010/main">
                 <a:solidFill>
                   <a:schemeClr val="accent1"/>
                 </a:solidFill>
               </a14:hiddenFill>
             </a:ext>
             <a:ext uri="{91240B29-F687-4f45-9708-019B960494DF}">
-              <a14:hiddenLine xmlns:a14="http://schemas.microsoft.com/office/drawing/2010/main" xmlns="" w="9525">
+              <a14:hiddenLine xmlns="" xmlns:a14="http://schemas.microsoft.com/office/drawing/2010/main" w="9525">
                 <a:solidFill>
                   <a:schemeClr val="tx1"/>
                 </a:solidFill>
@@ -455,7 +455,7 @@
               </a14:hiddenLine>
             </a:ext>
             <a:ext uri="{AF507438-7753-43e0-B8FC-AC1667EBCBE1}">
-              <a14:hiddenEffects xmlns:a14="http://schemas.microsoft.com/office/drawing/2010/main" xmlns="">
+              <a14:hiddenEffects xmlns="" xmlns:a14="http://schemas.microsoft.com/office/drawing/2010/main">
                 <a:effectLst>
                   <a:outerShdw dist="35921" dir="2700000" algn="ctr" rotWithShape="0">
                     <a:schemeClr val="bg2"/>
@@ -508,14 +508,14 @@
           </a:ln>
           <a:extLst>
             <a:ext uri="{909E8E84-426E-40dd-AFC4-6F175D3DCCD1}">
-              <a14:hiddenFill xmlns:a14="http://schemas.microsoft.com/office/drawing/2010/main" xmlns="">
+              <a14:hiddenFill xmlns="" xmlns:a14="http://schemas.microsoft.com/office/drawing/2010/main">
                 <a:solidFill>
                   <a:schemeClr val="accent1"/>
                 </a:solidFill>
               </a14:hiddenFill>
             </a:ext>
             <a:ext uri="{91240B29-F687-4f45-9708-019B960494DF}">
-              <a14:hiddenLine xmlns:a14="http://schemas.microsoft.com/office/drawing/2010/main" xmlns="" w="9525">
+              <a14:hiddenLine xmlns="" xmlns:a14="http://schemas.microsoft.com/office/drawing/2010/main" w="9525">
                 <a:solidFill>
                   <a:schemeClr val="tx1"/>
                 </a:solidFill>
@@ -525,7 +525,7 @@
               </a14:hiddenLine>
             </a:ext>
             <a:ext uri="{AF507438-7753-43e0-B8FC-AC1667EBCBE1}">
-              <a14:hiddenEffects xmlns:a14="http://schemas.microsoft.com/office/drawing/2010/main" xmlns="">
+              <a14:hiddenEffects xmlns="" xmlns:a14="http://schemas.microsoft.com/office/drawing/2010/main">
                 <a:effectLst>
                   <a:outerShdw dist="35921" dir="2700000" algn="ctr" rotWithShape="0">
                     <a:schemeClr val="bg2"/>
@@ -618,14 +618,14 @@
           </a:ln>
           <a:extLst>
             <a:ext uri="{909E8E84-426E-40dd-AFC4-6F175D3DCCD1}">
-              <a14:hiddenFill xmlns:a14="http://schemas.microsoft.com/office/drawing/2010/main" xmlns="">
+              <a14:hiddenFill xmlns="" xmlns:a14="http://schemas.microsoft.com/office/drawing/2010/main">
                 <a:solidFill>
                   <a:schemeClr val="accent1"/>
                 </a:solidFill>
               </a14:hiddenFill>
             </a:ext>
             <a:ext uri="{91240B29-F687-4f45-9708-019B960494DF}">
-              <a14:hiddenLine xmlns:a14="http://schemas.microsoft.com/office/drawing/2010/main" xmlns="" w="9525">
+              <a14:hiddenLine xmlns="" xmlns:a14="http://schemas.microsoft.com/office/drawing/2010/main" w="9525">
                 <a:solidFill>
                   <a:schemeClr val="tx1"/>
                 </a:solidFill>
@@ -635,7 +635,7 @@
               </a14:hiddenLine>
             </a:ext>
             <a:ext uri="{AF507438-7753-43e0-B8FC-AC1667EBCBE1}">
-              <a14:hiddenEffects xmlns:a14="http://schemas.microsoft.com/office/drawing/2010/main" xmlns="">
+              <a14:hiddenEffects xmlns="" xmlns:a14="http://schemas.microsoft.com/office/drawing/2010/main">
                 <a:effectLst>
                   <a:outerShdw dist="35921" dir="2700000" algn="ctr" rotWithShape="0">
                     <a:schemeClr val="bg2"/>
@@ -688,14 +688,14 @@
           </a:ln>
           <a:extLst>
             <a:ext uri="{909E8E84-426E-40dd-AFC4-6F175D3DCCD1}">
-              <a14:hiddenFill xmlns:a14="http://schemas.microsoft.com/office/drawing/2010/main" xmlns="">
+              <a14:hiddenFill xmlns="" xmlns:a14="http://schemas.microsoft.com/office/drawing/2010/main">
                 <a:solidFill>
                   <a:schemeClr val="accent1"/>
                 </a:solidFill>
               </a14:hiddenFill>
             </a:ext>
             <a:ext uri="{91240B29-F687-4f45-9708-019B960494DF}">
-              <a14:hiddenLine xmlns:a14="http://schemas.microsoft.com/office/drawing/2010/main" xmlns="" w="9525">
+              <a14:hiddenLine xmlns="" xmlns:a14="http://schemas.microsoft.com/office/drawing/2010/main" w="9525">
                 <a:solidFill>
                   <a:schemeClr val="tx1"/>
                 </a:solidFill>
@@ -705,7 +705,7 @@
               </a14:hiddenLine>
             </a:ext>
             <a:ext uri="{AF507438-7753-43e0-B8FC-AC1667EBCBE1}">
-              <a14:hiddenEffects xmlns:a14="http://schemas.microsoft.com/office/drawing/2010/main" xmlns="">
+              <a14:hiddenEffects xmlns="" xmlns:a14="http://schemas.microsoft.com/office/drawing/2010/main">
                 <a:effectLst>
                   <a:outerShdw dist="35921" dir="2700000" algn="ctr" rotWithShape="0">
                     <a:schemeClr val="bg2"/>
@@ -761,14 +761,14 @@
           </a:ln>
           <a:extLst>
             <a:ext uri="{909E8E84-426E-40dd-AFC4-6F175D3DCCD1}">
-              <a14:hiddenFill xmlns:a14="http://schemas.microsoft.com/office/drawing/2010/main" xmlns="">
+              <a14:hiddenFill xmlns="" xmlns:a14="http://schemas.microsoft.com/office/drawing/2010/main">
                 <a:solidFill>
                   <a:srgbClr val="FFFFFF"/>
                 </a:solidFill>
               </a14:hiddenFill>
             </a:ext>
             <a:ext uri="{AF507438-7753-43e0-B8FC-AC1667EBCBE1}">
-              <a14:hiddenEffects xmlns:a14="http://schemas.microsoft.com/office/drawing/2010/main" xmlns="">
+              <a14:hiddenEffects xmlns="" xmlns:a14="http://schemas.microsoft.com/office/drawing/2010/main">
                 <a:effectLst>
                   <a:outerShdw dist="35921" dir="2700000" algn="ctr" rotWithShape="0">
                     <a:srgbClr val="808080"/>
@@ -777,7 +777,7 @@
               </a14:hiddenEffects>
             </a:ext>
             <a:ext uri="{53640926-AAD7-44d8-BBD7-CCE9431645EC}">
-              <a14:shadowObscured xmlns:a14="http://schemas.microsoft.com/office/drawing/2010/main" xmlns="" val="1"/>
+              <a14:shadowObscured xmlns="" xmlns:a14="http://schemas.microsoft.com/office/drawing/2010/main" val="1"/>
             </a:ext>
           </a:extLst>
         </p:spPr>
@@ -806,14 +806,14 @@
           </a:ln>
           <a:extLst>
             <a:ext uri="{909E8E84-426E-40dd-AFC4-6F175D3DCCD1}">
-              <a14:hiddenFill xmlns:a14="http://schemas.microsoft.com/office/drawing/2010/main" xmlns="">
+              <a14:hiddenFill xmlns="" xmlns:a14="http://schemas.microsoft.com/office/drawing/2010/main">
                 <a:solidFill>
                   <a:schemeClr val="accent1"/>
                 </a:solidFill>
               </a14:hiddenFill>
             </a:ext>
             <a:ext uri="{91240B29-F687-4f45-9708-019B960494DF}">
-              <a14:hiddenLine xmlns:a14="http://schemas.microsoft.com/office/drawing/2010/main" xmlns="" w="9525">
+              <a14:hiddenLine xmlns="" xmlns:a14="http://schemas.microsoft.com/office/drawing/2010/main" w="9525">
                 <a:solidFill>
                   <a:schemeClr val="tx1"/>
                 </a:solidFill>
@@ -823,7 +823,7 @@
               </a14:hiddenLine>
             </a:ext>
             <a:ext uri="{AF507438-7753-43e0-B8FC-AC1667EBCBE1}">
-              <a14:hiddenEffects xmlns:a14="http://schemas.microsoft.com/office/drawing/2010/main" xmlns="">
+              <a14:hiddenEffects xmlns="" xmlns:a14="http://schemas.microsoft.com/office/drawing/2010/main">
                 <a:effectLst>
                   <a:outerShdw dist="35921" dir="2700000" algn="ctr" rotWithShape="0">
                     <a:schemeClr val="bg2"/>
@@ -905,14 +905,14 @@
           </a:ln>
           <a:extLst>
             <a:ext uri="{909E8E84-426E-40dd-AFC4-6F175D3DCCD1}">
-              <a14:hiddenFill xmlns:a14="http://schemas.microsoft.com/office/drawing/2010/main" xmlns="">
+              <a14:hiddenFill xmlns="" xmlns:a14="http://schemas.microsoft.com/office/drawing/2010/main">
                 <a:solidFill>
                   <a:schemeClr val="accent1"/>
                 </a:solidFill>
               </a14:hiddenFill>
             </a:ext>
             <a:ext uri="{91240B29-F687-4f45-9708-019B960494DF}">
-              <a14:hiddenLine xmlns:a14="http://schemas.microsoft.com/office/drawing/2010/main" xmlns="" w="9525">
+              <a14:hiddenLine xmlns="" xmlns:a14="http://schemas.microsoft.com/office/drawing/2010/main" w="9525">
                 <a:solidFill>
                   <a:schemeClr val="tx1"/>
                 </a:solidFill>
@@ -922,7 +922,7 @@
               </a14:hiddenLine>
             </a:ext>
             <a:ext uri="{AF507438-7753-43e0-B8FC-AC1667EBCBE1}">
-              <a14:hiddenEffects xmlns:a14="http://schemas.microsoft.com/office/drawing/2010/main" xmlns="">
+              <a14:hiddenEffects xmlns="" xmlns:a14="http://schemas.microsoft.com/office/drawing/2010/main">
                 <a:effectLst>
                   <a:outerShdw dist="35921" dir="2700000" algn="ctr" rotWithShape="0">
                     <a:schemeClr val="bg2"/>
@@ -975,14 +975,14 @@
           </a:ln>
           <a:extLst>
             <a:ext uri="{909E8E84-426E-40dd-AFC4-6F175D3DCCD1}">
-              <a14:hiddenFill xmlns:a14="http://schemas.microsoft.com/office/drawing/2010/main" xmlns="">
+              <a14:hiddenFill xmlns="" xmlns:a14="http://schemas.microsoft.com/office/drawing/2010/main">
                 <a:solidFill>
                   <a:schemeClr val="accent1"/>
                 </a:solidFill>
               </a14:hiddenFill>
             </a:ext>
             <a:ext uri="{91240B29-F687-4f45-9708-019B960494DF}">
-              <a14:hiddenLine xmlns:a14="http://schemas.microsoft.com/office/drawing/2010/main" xmlns="" w="9525">
+              <a14:hiddenLine xmlns="" xmlns:a14="http://schemas.microsoft.com/office/drawing/2010/main" w="9525">
                 <a:solidFill>
                   <a:schemeClr val="tx1"/>
                 </a:solidFill>
@@ -992,7 +992,7 @@
               </a14:hiddenLine>
             </a:ext>
             <a:ext uri="{AF507438-7753-43e0-B8FC-AC1667EBCBE1}">
-              <a14:hiddenEffects xmlns:a14="http://schemas.microsoft.com/office/drawing/2010/main" xmlns="">
+              <a14:hiddenEffects xmlns="" xmlns:a14="http://schemas.microsoft.com/office/drawing/2010/main">
                 <a:effectLst>
                   <a:outerShdw dist="35921" dir="2700000" algn="ctr" rotWithShape="0">
                     <a:schemeClr val="bg2"/>
@@ -4095,14 +4095,14 @@
           </a:ln>
           <a:extLst>
             <a:ext uri="{909E8E84-426E-40dd-AFC4-6F175D3DCCD1}">
-              <a14:hiddenFill xmlns:a14="http://schemas.microsoft.com/office/drawing/2010/main" xmlns="">
+              <a14:hiddenFill xmlns="" xmlns:a14="http://schemas.microsoft.com/office/drawing/2010/main">
                 <a:solidFill>
                   <a:srgbClr val="000000"/>
                 </a:solidFill>
               </a14:hiddenFill>
             </a:ext>
             <a:ext uri="{91240B29-F687-4f45-9708-019B960494DF}">
-              <a14:hiddenLine xmlns:a14="http://schemas.microsoft.com/office/drawing/2010/main" xmlns="" w="9525">
+              <a14:hiddenLine xmlns="" xmlns:a14="http://schemas.microsoft.com/office/drawing/2010/main" w="9525">
                 <a:solidFill>
                   <a:schemeClr val="tx1"/>
                 </a:solidFill>
@@ -4112,7 +4112,7 @@
               </a14:hiddenLine>
             </a:ext>
             <a:ext uri="{AF507438-7753-43e0-B8FC-AC1667EBCBE1}">
-              <a14:hiddenEffects xmlns:a14="http://schemas.microsoft.com/office/drawing/2010/main" xmlns="">
+              <a14:hiddenEffects xmlns="" xmlns:a14="http://schemas.microsoft.com/office/drawing/2010/main">
                 <a:effectLst>
                   <a:outerShdw dist="35921" dir="2700000" algn="ctr" rotWithShape="0">
                     <a:srgbClr val="FFBF0B"/>
@@ -4373,7 +4373,7 @@
         <p:spPr bwMode="auto">
           <a:xfrm>
             <a:off x="1040562" y="6539517"/>
-            <a:ext cx="10736991" cy="6188712"/>
+            <a:ext cx="10992688" cy="6188712"/>
           </a:xfrm>
           <a:prstGeom prst="rect">
             <a:avLst/>
@@ -4387,7 +4387,7 @@
           </a:ln>
           <a:extLst>
             <a:ext uri="{AF507438-7753-43e0-B8FC-AC1667EBCBE1}">
-              <a14:hiddenEffects xmlns:a14="http://schemas.microsoft.com/office/drawing/2010/main" xmlns="">
+              <a14:hiddenEffects xmlns="" xmlns:a14="http://schemas.microsoft.com/office/drawing/2010/main">
                 <a:effectLst>
                   <a:outerShdw dist="35921" dir="2700000" algn="ctr" rotWithShape="0">
                     <a:schemeClr val="bg2"/>
@@ -4761,7 +4761,7 @@
             <p:spPr bwMode="auto">
               <a:xfrm>
                 <a:off x="1028540" y="21301654"/>
-                <a:ext cx="10887078" cy="7877443"/>
+                <a:ext cx="11004710" cy="7877443"/>
               </a:xfrm>
               <a:prstGeom prst="rect">
                 <a:avLst/>
@@ -4887,6 +4887,24 @@
                   </a:lnSpc>
                 </a:pPr>
                 <a:r>
+                  <a:rPr lang="et-EE" altLang="zh-CN" sz="3600" dirty="0" err="1" smtClean="0">
+                    <a:solidFill>
+                      <a:schemeClr val="tx1"/>
+                    </a:solidFill>
+                    <a:ea typeface="ＭＳ Ｐゴシック" charset="-128"/>
+                  </a:rPr>
+                  <a:t>The</a:t>
+                </a:r>
+                <a:r>
+                  <a:rPr lang="et-EE" altLang="zh-CN" sz="3600" dirty="0" smtClean="0">
+                    <a:solidFill>
+                      <a:schemeClr val="tx1"/>
+                    </a:solidFill>
+                    <a:ea typeface="ＭＳ Ｐゴシック" charset="-128"/>
+                  </a:rPr>
+                  <a:t> </a:t>
+                </a:r>
+                <a:r>
                   <a:rPr lang="en-US" altLang="zh-CN" sz="3600" dirty="0" smtClean="0">
                     <a:solidFill>
                       <a:schemeClr val="tx1"/>
@@ -4902,7 +4920,16 @@
                     </a:solidFill>
                     <a:ea typeface="ＭＳ Ｐゴシック" charset="-128"/>
                   </a:rPr>
-                  <a:t>algorithm calculates an optimal match between two sequences having time complexity </a:t>
+                  <a:t>algorithm calculates an optimal match between two </a:t>
+                </a:r>
+                <a:r>
+                  <a:rPr lang="en-US" altLang="zh-CN" sz="3600" dirty="0" smtClean="0">
+                    <a:solidFill>
+                      <a:schemeClr val="tx1"/>
+                    </a:solidFill>
+                    <a:ea typeface="ＭＳ Ｐゴシック" charset="-128"/>
+                  </a:rPr>
+                  <a:t>sequences</a:t>
                 </a:r>
                 <a:r>
                   <a:rPr lang="et-EE" altLang="zh-CN" sz="3600" dirty="0" smtClean="0">
@@ -4911,25 +4938,7 @@
                     </a:solidFill>
                     <a:ea typeface="ＭＳ Ｐゴシック" charset="-128"/>
                   </a:rPr>
-                  <a:t>O(</a:t>
-                </a:r>
-                <a:r>
-                  <a:rPr lang="et-EE" altLang="zh-CN" sz="3600" dirty="0" err="1" smtClean="0">
-                    <a:solidFill>
-                      <a:schemeClr val="tx1"/>
-                    </a:solidFill>
-                    <a:ea typeface="ＭＳ Ｐゴシック" charset="-128"/>
-                  </a:rPr>
-                  <a:t>mn</a:t>
-                </a:r>
-                <a:r>
-                  <a:rPr lang="et-EE" altLang="zh-CN" sz="3600" dirty="0" smtClean="0">
-                    <a:solidFill>
-                      <a:schemeClr val="tx1"/>
-                    </a:solidFill>
-                    <a:ea typeface="ＭＳ Ｐゴシック" charset="-128"/>
-                  </a:rPr>
-                  <a:t>). </a:t>
+                  <a:t>. </a:t>
                 </a:r>
                 <a:r>
                   <a:rPr lang="en-US" altLang="zh-CN" sz="3600" dirty="0" smtClean="0">
@@ -4956,7 +4965,25 @@
                     </a:solidFill>
                     <a:ea typeface="ＭＳ Ｐゴシック" charset="-128"/>
                   </a:rPr>
-                  <a:t>metrcs</a:t>
+                  <a:t>metr</a:t>
+                </a:r>
+                <a:r>
+                  <a:rPr lang="et-EE" altLang="zh-CN" sz="3600" dirty="0" smtClean="0">
+                    <a:solidFill>
+                      <a:schemeClr val="tx1"/>
+                    </a:solidFill>
+                    <a:ea typeface="ＭＳ Ｐゴシック" charset="-128"/>
+                  </a:rPr>
+                  <a:t>i</a:t>
+                </a:r>
+                <a:r>
+                  <a:rPr lang="en-US" altLang="zh-CN" sz="3600" dirty="0" err="1" smtClean="0">
+                    <a:solidFill>
+                      <a:schemeClr val="tx1"/>
+                    </a:solidFill>
+                    <a:ea typeface="ＭＳ Ｐゴシック" charset="-128"/>
+                  </a:rPr>
+                  <a:t>cs</a:t>
                 </a:r>
                 <a:r>
                   <a:rPr lang="en-US" altLang="zh-CN" sz="3600" dirty="0" smtClean="0">
@@ -5094,13 +5121,19 @@
                   <a:t>difference</a:t>
                 </a:r>
                 <a:r>
+                  <a:rPr lang="et-EE" altLang="zh-CN" sz="3600" dirty="0">
+                    <a:ea typeface="ＭＳ Ｐゴシック" charset="-128"/>
+                  </a:rPr>
+                  <a:t>.</a:t>
+                </a:r>
+                <a:r>
                   <a:rPr lang="et-EE" altLang="zh-CN" sz="3600" dirty="0" smtClean="0">
                     <a:solidFill>
                       <a:schemeClr val="tx1"/>
                     </a:solidFill>
                     <a:ea typeface="ＭＳ Ｐゴシック" charset="-128"/>
                   </a:rPr>
-                  <a:t>. </a:t>
+                  <a:t> </a:t>
                 </a:r>
                 <a:r>
                   <a:rPr lang="et-EE" altLang="zh-CN" sz="3600" dirty="0" err="1" smtClean="0">
@@ -5172,9 +5205,36 @@
                     </a:solidFill>
                     <a:ea typeface="ＭＳ Ｐゴシック" charset="-128"/>
                   </a:rPr>
-                  <a:t> A and B, </a:t>
+                  <a:t> </a:t>
                 </a:r>
-                <a:endParaRPr lang="et-EE" altLang="zh-CN" sz="3600" dirty="0">
+                <a:r>
+                  <a:rPr lang="et-EE" altLang="zh-CN" sz="3600" dirty="0" err="1" smtClean="0">
+                    <a:solidFill>
+                      <a:schemeClr val="tx1"/>
+                    </a:solidFill>
+                    <a:ea typeface="ＭＳ Ｐゴシック" charset="-128"/>
+                  </a:rPr>
+                  <a:t>series</a:t>
+                </a:r>
+                <a:r>
+                  <a:rPr lang="et-EE" altLang="zh-CN" sz="3600" dirty="0" smtClean="0">
+                    <a:solidFill>
+                      <a:schemeClr val="tx1"/>
+                    </a:solidFill>
+                    <a:ea typeface="ＭＳ Ｐゴシック" charset="-128"/>
+                  </a:rPr>
+                  <a:t> </a:t>
+                </a:r>
+                <a:r>
+                  <a:rPr lang="et-EE" altLang="zh-CN" sz="3600" dirty="0" smtClean="0">
+                    <a:solidFill>
+                      <a:schemeClr val="tx1"/>
+                    </a:solidFill>
+                    <a:ea typeface="ＭＳ Ｐゴシック" charset="-128"/>
+                  </a:rPr>
+                  <a:t>A and B,</a:t>
+                </a:r>
+                <a:endParaRPr lang="et-EE" altLang="zh-CN" sz="3600" dirty="0" smtClean="0">
                   <a:solidFill>
                     <a:schemeClr val="tx1"/>
                   </a:solidFill>
@@ -5428,6 +5488,81 @@
                               </a:rPr>
                               <m:t>𝑑</m:t>
                             </m:r>
+                            <m:d>
+                              <m:dPr>
+                                <m:ctrlPr>
+                                  <a:rPr lang="et-EE" altLang="zh-CN" sz="3600" b="0" i="1" smtClean="0">
+                                    <a:solidFill>
+                                      <a:schemeClr val="tx1"/>
+                                    </a:solidFill>
+                                    <a:latin typeface="Cambria Math" panose="02040503050406030204" pitchFamily="18" charset="0"/>
+                                    <a:ea typeface="ＭＳ Ｐゴシック" charset="-128"/>
+                                  </a:rPr>
+                                </m:ctrlPr>
+                              </m:dPr>
+                              <m:e>
+                                <m:r>
+                                  <a:rPr lang="et-EE" altLang="zh-CN" sz="3600" b="0" i="1" smtClean="0">
+                                    <a:solidFill>
+                                      <a:schemeClr val="tx1"/>
+                                    </a:solidFill>
+                                    <a:latin typeface="Cambria Math" panose="02040503050406030204" pitchFamily="18" charset="0"/>
+                                    <a:ea typeface="ＭＳ Ｐゴシック" charset="-128"/>
+                                  </a:rPr>
+                                  <m:t>𝑖</m:t>
+                                </m:r>
+                                <m:r>
+                                  <a:rPr lang="et-EE" altLang="zh-CN" sz="3600" b="0" i="1" smtClean="0">
+                                    <a:solidFill>
+                                      <a:schemeClr val="tx1"/>
+                                    </a:solidFill>
+                                    <a:latin typeface="Cambria Math" panose="02040503050406030204" pitchFamily="18" charset="0"/>
+                                    <a:ea typeface="ＭＳ Ｐゴシック" charset="-128"/>
+                                  </a:rPr>
+                                  <m:t>−</m:t>
+                                </m:r>
+                                <m:r>
+                                  <a:rPr lang="et-EE" altLang="zh-CN" sz="3600" b="0" i="1" smtClean="0">
+                                    <a:solidFill>
+                                      <a:schemeClr val="tx1"/>
+                                    </a:solidFill>
+                                    <a:latin typeface="Cambria Math" panose="02040503050406030204" pitchFamily="18" charset="0"/>
+                                    <a:ea typeface="ＭＳ Ｐゴシック" charset="-128"/>
+                                  </a:rPr>
+                                  <m:t>𝑖</m:t>
+                                </m:r>
+                                <m:r>
+                                  <a:rPr lang="et-EE" altLang="zh-CN" sz="3600" b="0" i="1" smtClean="0">
+                                    <a:solidFill>
+                                      <a:schemeClr val="tx1"/>
+                                    </a:solidFill>
+                                    <a:latin typeface="Cambria Math" panose="02040503050406030204" pitchFamily="18" charset="0"/>
+                                    <a:ea typeface="ＭＳ Ｐゴシック" charset="-128"/>
+                                  </a:rPr>
+                                  <m:t>, </m:t>
+                                </m:r>
+                                <m:r>
+                                  <a:rPr lang="et-EE" altLang="zh-CN" sz="3600" b="0" i="1" smtClean="0">
+                                    <a:solidFill>
+                                      <a:schemeClr val="tx1"/>
+                                    </a:solidFill>
+                                    <a:latin typeface="Cambria Math" panose="02040503050406030204" pitchFamily="18" charset="0"/>
+                                    <a:ea typeface="ＭＳ Ｐゴシック" charset="-128"/>
+                                  </a:rPr>
+                                  <m:t>𝑗</m:t>
+                                </m:r>
+                                <m:r>
+                                  <a:rPr lang="et-EE" altLang="zh-CN" sz="3600" b="0" i="1" smtClean="0">
+                                    <a:solidFill>
+                                      <a:schemeClr val="tx1"/>
+                                    </a:solidFill>
+                                    <a:latin typeface="Cambria Math" panose="02040503050406030204" pitchFamily="18" charset="0"/>
+                                    <a:ea typeface="ＭＳ Ｐゴシック" charset="-128"/>
+                                  </a:rPr>
+                                  <m:t>−1</m:t>
+                                </m:r>
+                              </m:e>
+                            </m:d>
                             <m:r>
                               <a:rPr lang="et-EE" altLang="zh-CN" sz="3600" b="0" i="1" smtClean="0">
                                 <a:solidFill>
@@ -5436,67 +5571,7 @@
                                 <a:latin typeface="Cambria Math" panose="02040503050406030204" pitchFamily="18" charset="0"/>
                                 <a:ea typeface="ＭＳ Ｐゴシック" charset="-128"/>
                               </a:rPr>
-                              <m:t>(</m:t>
-                            </m:r>
-                            <m:r>
-                              <a:rPr lang="et-EE" altLang="zh-CN" sz="3600" b="0" i="1" smtClean="0">
-                                <a:solidFill>
-                                  <a:schemeClr val="tx1"/>
-                                </a:solidFill>
-                                <a:latin typeface="Cambria Math" panose="02040503050406030204" pitchFamily="18" charset="0"/>
-                                <a:ea typeface="ＭＳ Ｐゴシック" charset="-128"/>
-                              </a:rPr>
-                              <m:t>𝑖</m:t>
-                            </m:r>
-                            <m:r>
-                              <a:rPr lang="et-EE" altLang="zh-CN" sz="3600" b="0" i="1" smtClean="0">
-                                <a:solidFill>
-                                  <a:schemeClr val="tx1"/>
-                                </a:solidFill>
-                                <a:latin typeface="Cambria Math" panose="02040503050406030204" pitchFamily="18" charset="0"/>
-                                <a:ea typeface="ＭＳ Ｐゴシック" charset="-128"/>
-                              </a:rPr>
-                              <m:t>−</m:t>
-                            </m:r>
-                            <m:r>
-                              <a:rPr lang="et-EE" altLang="zh-CN" sz="3600" b="0" i="1" smtClean="0">
-                                <a:solidFill>
-                                  <a:schemeClr val="tx1"/>
-                                </a:solidFill>
-                                <a:latin typeface="Cambria Math" panose="02040503050406030204" pitchFamily="18" charset="0"/>
-                                <a:ea typeface="ＭＳ Ｐゴシック" charset="-128"/>
-                              </a:rPr>
-                              <m:t>𝑖</m:t>
-                            </m:r>
-                            <m:r>
-                              <a:rPr lang="et-EE" altLang="zh-CN" sz="3600" b="0" i="1" smtClean="0">
-                                <a:solidFill>
-                                  <a:schemeClr val="tx1"/>
-                                </a:solidFill>
-                                <a:latin typeface="Cambria Math" panose="02040503050406030204" pitchFamily="18" charset="0"/>
-                                <a:ea typeface="ＭＳ Ｐゴシック" charset="-128"/>
-                              </a:rPr>
-                              <m:t>, </m:t>
-                            </m:r>
-                            <m:r>
-                              <a:rPr lang="et-EE" altLang="zh-CN" sz="3600" b="0" i="1" smtClean="0">
-                                <a:solidFill>
-                                  <a:schemeClr val="tx1"/>
-                                </a:solidFill>
-                                <a:latin typeface="Cambria Math" panose="02040503050406030204" pitchFamily="18" charset="0"/>
-                                <a:ea typeface="ＭＳ Ｐゴシック" charset="-128"/>
-                              </a:rPr>
-                              <m:t>𝑗</m:t>
-                            </m:r>
-                            <m:r>
-                              <a:rPr lang="et-EE" altLang="zh-CN" sz="3600" b="0" i="1" smtClean="0">
-                                <a:solidFill>
-                                  <a:schemeClr val="tx1"/>
-                                </a:solidFill>
-                                <a:latin typeface="Cambria Math" panose="02040503050406030204" pitchFamily="18" charset="0"/>
-                                <a:ea typeface="ＭＳ Ｐゴシック" charset="-128"/>
-                              </a:rPr>
-                              <m:t>−1)</m:t>
+                              <m:t>,</m:t>
                             </m:r>
                           </m:e>
                           <m:e>
@@ -5510,6 +5585,71 @@
                               </a:rPr>
                               <m:t>𝑑</m:t>
                             </m:r>
+                            <m:d>
+                              <m:dPr>
+                                <m:ctrlPr>
+                                  <a:rPr lang="et-EE" altLang="zh-CN" sz="3600" b="0" i="1" smtClean="0">
+                                    <a:solidFill>
+                                      <a:schemeClr val="tx1"/>
+                                    </a:solidFill>
+                                    <a:latin typeface="Cambria Math" panose="02040503050406030204" pitchFamily="18" charset="0"/>
+                                    <a:ea typeface="ＭＳ Ｐゴシック" charset="-128"/>
+                                  </a:rPr>
+                                </m:ctrlPr>
+                              </m:dPr>
+                              <m:e>
+                                <m:r>
+                                  <a:rPr lang="et-EE" altLang="zh-CN" sz="3600" b="0" i="1" smtClean="0">
+                                    <a:solidFill>
+                                      <a:schemeClr val="tx1"/>
+                                    </a:solidFill>
+                                    <a:latin typeface="Cambria Math" panose="02040503050406030204" pitchFamily="18" charset="0"/>
+                                    <a:ea typeface="ＭＳ Ｐゴシック" charset="-128"/>
+                                  </a:rPr>
+                                  <m:t>𝑖</m:t>
+                                </m:r>
+                                <m:r>
+                                  <a:rPr lang="et-EE" altLang="zh-CN" sz="3600" b="0" i="1" smtClean="0">
+                                    <a:solidFill>
+                                      <a:schemeClr val="tx1"/>
+                                    </a:solidFill>
+                                    <a:latin typeface="Cambria Math" panose="02040503050406030204" pitchFamily="18" charset="0"/>
+                                    <a:ea typeface="ＭＳ Ｐゴシック" charset="-128"/>
+                                  </a:rPr>
+                                  <m:t>−</m:t>
+                                </m:r>
+                                <m:r>
+                                  <a:rPr lang="et-EE" altLang="zh-CN" sz="3600" b="0" i="1" smtClean="0">
+                                    <a:solidFill>
+                                      <a:schemeClr val="tx1"/>
+                                    </a:solidFill>
+                                    <a:latin typeface="Cambria Math" panose="02040503050406030204" pitchFamily="18" charset="0"/>
+                                    <a:ea typeface="ＭＳ Ｐゴシック" charset="-128"/>
+                                  </a:rPr>
+                                  <m:t>𝑖</m:t>
+                                </m:r>
+                                <m:r>
+                                  <a:rPr lang="et-EE" altLang="zh-CN" sz="3600" b="0" i="1" smtClean="0">
+                                    <a:solidFill>
+                                      <a:schemeClr val="tx1"/>
+                                    </a:solidFill>
+                                    <a:latin typeface="Cambria Math" panose="02040503050406030204" pitchFamily="18" charset="0"/>
+                                    <a:ea typeface="ＭＳ Ｐゴシック" charset="-128"/>
+                                  </a:rPr>
+                                  <m:t>, </m:t>
+                                </m:r>
+                                <m:r>
+                                  <a:rPr lang="et-EE" altLang="zh-CN" sz="3600" b="0" i="1" smtClean="0">
+                                    <a:solidFill>
+                                      <a:schemeClr val="tx1"/>
+                                    </a:solidFill>
+                                    <a:latin typeface="Cambria Math" panose="02040503050406030204" pitchFamily="18" charset="0"/>
+                                    <a:ea typeface="ＭＳ Ｐゴシック" charset="-128"/>
+                                  </a:rPr>
+                                  <m:t>𝑗</m:t>
+                                </m:r>
+                              </m:e>
+                            </m:d>
                             <m:r>
                               <a:rPr lang="et-EE" altLang="zh-CN" sz="3600" b="0" i="1" smtClean="0">
                                 <a:solidFill>
@@ -5518,67 +5658,7 @@
                                 <a:latin typeface="Cambria Math" panose="02040503050406030204" pitchFamily="18" charset="0"/>
                                 <a:ea typeface="ＭＳ Ｐゴシック" charset="-128"/>
                               </a:rPr>
-                              <m:t>(</m:t>
-                            </m:r>
-                            <m:r>
-                              <a:rPr lang="et-EE" altLang="zh-CN" sz="3600" b="0" i="1" smtClean="0">
-                                <a:solidFill>
-                                  <a:schemeClr val="tx1"/>
-                                </a:solidFill>
-                                <a:latin typeface="Cambria Math" panose="02040503050406030204" pitchFamily="18" charset="0"/>
-                                <a:ea typeface="ＭＳ Ｐゴシック" charset="-128"/>
-                              </a:rPr>
-                              <m:t>𝑖</m:t>
-                            </m:r>
-                            <m:r>
-                              <a:rPr lang="et-EE" altLang="zh-CN" sz="3600" b="0" i="1" smtClean="0">
-                                <a:solidFill>
-                                  <a:schemeClr val="tx1"/>
-                                </a:solidFill>
-                                <a:latin typeface="Cambria Math" panose="02040503050406030204" pitchFamily="18" charset="0"/>
-                                <a:ea typeface="ＭＳ Ｐゴシック" charset="-128"/>
-                              </a:rPr>
-                              <m:t>−</m:t>
-                            </m:r>
-                            <m:r>
-                              <a:rPr lang="et-EE" altLang="zh-CN" sz="3600" b="0" i="1" smtClean="0">
-                                <a:solidFill>
-                                  <a:schemeClr val="tx1"/>
-                                </a:solidFill>
-                                <a:latin typeface="Cambria Math" panose="02040503050406030204" pitchFamily="18" charset="0"/>
-                                <a:ea typeface="ＭＳ Ｐゴシック" charset="-128"/>
-                              </a:rPr>
-                              <m:t>𝑖</m:t>
-                            </m:r>
-                            <m:r>
-                              <a:rPr lang="et-EE" altLang="zh-CN" sz="3600" b="0" i="1" smtClean="0">
-                                <a:solidFill>
-                                  <a:schemeClr val="tx1"/>
-                                </a:solidFill>
-                                <a:latin typeface="Cambria Math" panose="02040503050406030204" pitchFamily="18" charset="0"/>
-                                <a:ea typeface="ＭＳ Ｐゴシック" charset="-128"/>
-                              </a:rPr>
-                              <m:t>, </m:t>
-                            </m:r>
-                            <m:r>
-                              <a:rPr lang="et-EE" altLang="zh-CN" sz="3600" b="0" i="1" smtClean="0">
-                                <a:solidFill>
-                                  <a:schemeClr val="tx1"/>
-                                </a:solidFill>
-                                <a:latin typeface="Cambria Math" panose="02040503050406030204" pitchFamily="18" charset="0"/>
-                                <a:ea typeface="ＭＳ Ｐゴシック" charset="-128"/>
-                              </a:rPr>
-                              <m:t>𝑗</m:t>
-                            </m:r>
-                            <m:r>
-                              <a:rPr lang="et-EE" altLang="zh-CN" sz="3600" b="0" i="1" smtClean="0">
-                                <a:solidFill>
-                                  <a:schemeClr val="tx1"/>
-                                </a:solidFill>
-                                <a:latin typeface="Cambria Math" panose="02040503050406030204" pitchFamily="18" charset="0"/>
-                                <a:ea typeface="ＭＳ Ｐゴシック" charset="-128"/>
-                              </a:rPr>
-                              <m:t>)</m:t>
+                              <m:t>,</m:t>
                             </m:r>
                           </m:e>
                           <m:e>
@@ -5592,6 +5672,61 @@
                               </a:rPr>
                               <m:t>𝑑</m:t>
                             </m:r>
+                            <m:d>
+                              <m:dPr>
+                                <m:ctrlPr>
+                                  <a:rPr lang="et-EE" altLang="zh-CN" sz="3600" b="0" i="1" smtClean="0">
+                                    <a:solidFill>
+                                      <a:schemeClr val="tx1"/>
+                                    </a:solidFill>
+                                    <a:latin typeface="Cambria Math" panose="02040503050406030204" pitchFamily="18" charset="0"/>
+                                    <a:ea typeface="ＭＳ Ｐゴシック" charset="-128"/>
+                                  </a:rPr>
+                                </m:ctrlPr>
+                              </m:dPr>
+                              <m:e>
+                                <m:r>
+                                  <a:rPr lang="et-EE" altLang="zh-CN" sz="3600" b="0" i="1" smtClean="0">
+                                    <a:solidFill>
+                                      <a:schemeClr val="tx1"/>
+                                    </a:solidFill>
+                                    <a:latin typeface="Cambria Math" panose="02040503050406030204" pitchFamily="18" charset="0"/>
+                                    <a:ea typeface="ＭＳ Ｐゴシック" charset="-128"/>
+                                  </a:rPr>
+                                  <m:t>𝑗</m:t>
+                                </m:r>
+                                <m:r>
+                                  <a:rPr lang="et-EE" altLang="zh-CN" sz="3600" b="0" i="1" smtClean="0">
+                                    <a:solidFill>
+                                      <a:schemeClr val="tx1"/>
+                                    </a:solidFill>
+                                    <a:latin typeface="Cambria Math" panose="02040503050406030204" pitchFamily="18" charset="0"/>
+                                    <a:ea typeface="ＭＳ Ｐゴシック" charset="-128"/>
+                                  </a:rPr>
+                                  <m:t>, </m:t>
+                                </m:r>
+                                <m:r>
+                                  <a:rPr lang="et-EE" altLang="zh-CN" sz="3600" b="0" i="1" smtClean="0">
+                                    <a:solidFill>
+                                      <a:schemeClr val="tx1"/>
+                                    </a:solidFill>
+                                    <a:latin typeface="Cambria Math" panose="02040503050406030204" pitchFamily="18" charset="0"/>
+                                    <a:ea typeface="ＭＳ Ｐゴシック" charset="-128"/>
+                                  </a:rPr>
+                                  <m:t>𝑖</m:t>
+                                </m:r>
+                                <m:r>
+                                  <a:rPr lang="et-EE" altLang="zh-CN" sz="3600" b="0" i="1" smtClean="0">
+                                    <a:solidFill>
+                                      <a:schemeClr val="tx1"/>
+                                    </a:solidFill>
+                                    <a:latin typeface="Cambria Math" panose="02040503050406030204" pitchFamily="18" charset="0"/>
+                                    <a:ea typeface="ＭＳ Ｐゴシック" charset="-128"/>
+                                  </a:rPr>
+                                  <m:t>−1</m:t>
+                                </m:r>
+                              </m:e>
+                            </m:d>
                             <m:r>
                               <a:rPr lang="et-EE" altLang="zh-CN" sz="3600" b="0" i="1" smtClean="0">
                                 <a:solidFill>
@@ -5600,47 +5735,7 @@
                                 <a:latin typeface="Cambria Math" panose="02040503050406030204" pitchFamily="18" charset="0"/>
                                 <a:ea typeface="ＭＳ Ｐゴシック" charset="-128"/>
                               </a:rPr>
-                              <m:t>(</m:t>
-                            </m:r>
-                            <m:r>
-                              <a:rPr lang="et-EE" altLang="zh-CN" sz="3600" b="0" i="1" smtClean="0">
-                                <a:solidFill>
-                                  <a:schemeClr val="tx1"/>
-                                </a:solidFill>
-                                <a:latin typeface="Cambria Math" panose="02040503050406030204" pitchFamily="18" charset="0"/>
-                                <a:ea typeface="ＭＳ Ｐゴシック" charset="-128"/>
-                              </a:rPr>
-                              <m:t>𝑗</m:t>
-                            </m:r>
-                            <m:r>
-                              <a:rPr lang="et-EE" altLang="zh-CN" sz="3600" b="0" i="1" smtClean="0">
-                                <a:solidFill>
-                                  <a:schemeClr val="tx1"/>
-                                </a:solidFill>
-                                <a:latin typeface="Cambria Math" panose="02040503050406030204" pitchFamily="18" charset="0"/>
-                                <a:ea typeface="ＭＳ Ｐゴシック" charset="-128"/>
-                              </a:rPr>
-                              <m:t>, </m:t>
-                            </m:r>
-                            <m:r>
-                              <a:rPr lang="et-EE" altLang="zh-CN" sz="3600" b="0" i="1" smtClean="0">
-                                <a:solidFill>
-                                  <a:schemeClr val="tx1"/>
-                                </a:solidFill>
-                                <a:latin typeface="Cambria Math" panose="02040503050406030204" pitchFamily="18" charset="0"/>
-                                <a:ea typeface="ＭＳ Ｐゴシック" charset="-128"/>
-                              </a:rPr>
-                              <m:t>𝑖</m:t>
-                            </m:r>
-                            <m:r>
-                              <a:rPr lang="et-EE" altLang="zh-CN" sz="3600" b="0" i="1" smtClean="0">
-                                <a:solidFill>
-                                  <a:schemeClr val="tx1"/>
-                                </a:solidFill>
-                                <a:latin typeface="Cambria Math" panose="02040503050406030204" pitchFamily="18" charset="0"/>
-                                <a:ea typeface="ＭＳ Ｐゴシック" charset="-128"/>
-                              </a:rPr>
-                              <m:t>−1)</m:t>
+                              <m:t>.</m:t>
                             </m:r>
                           </m:e>
                         </m:eqArr>
@@ -5685,7 +5780,7 @@
             <p:spPr bwMode="auto">
               <a:xfrm>
                 <a:off x="1028540" y="21301654"/>
-                <a:ext cx="10887078" cy="7877443"/>
+                <a:ext cx="11004710" cy="7877443"/>
               </a:xfrm>
               <a:prstGeom prst="rect">
                 <a:avLst/>
@@ -5693,7 +5788,7 @@
               <a:blipFill rotWithShape="0">
                 <a:blip r:embed="rId3"/>
                 <a:stretch>
-                  <a:fillRect t="-155" r="-1288"/>
+                  <a:fillRect t="-155" r="-1274"/>
                 </a:stretch>
               </a:blipFill>
               <a:ln w="57150" cmpd="thinThick">
@@ -5726,7 +5821,7 @@
         <p:grpSpPr>
           <a:xfrm>
             <a:off x="1040562" y="5475097"/>
-            <a:ext cx="10736991" cy="819989"/>
+            <a:ext cx="10992688" cy="819989"/>
             <a:chOff x="1066799" y="5958162"/>
             <a:chExt cx="11007725" cy="891580"/>
           </a:xfrm>
@@ -6081,7 +6176,7 @@
         <p:grpSpPr>
           <a:xfrm>
             <a:off x="1040561" y="20238174"/>
-            <a:ext cx="10736991" cy="819989"/>
+            <a:ext cx="10992689" cy="819989"/>
             <a:chOff x="1066799" y="5958162"/>
             <a:chExt cx="11007725" cy="891580"/>
           </a:xfrm>
@@ -6413,7 +6508,40 @@
                   <a:ea typeface="SimSun" pitchFamily="2" charset="-122"/>
                   <a:cs typeface="Lucida Sans" pitchFamily="34" charset="0"/>
                 </a:rPr>
-                <a:t>DYNAMIC TIME WARPING</a:t>
+                <a:t>DYNAM</a:t>
+              </a:r>
+              <a:r>
+                <a:rPr lang="et-EE" altLang="zh-CN" sz="4200" b="1" dirty="0">
+                  <a:solidFill>
+                    <a:schemeClr val="bg1"/>
+                  </a:solidFill>
+                  <a:latin typeface="Lucida Sans" pitchFamily="34" charset="0"/>
+                  <a:ea typeface="SimSun" pitchFamily="2" charset="-122"/>
+                  <a:cs typeface="Lucida Sans" pitchFamily="34" charset="0"/>
+                </a:rPr>
+                <a:t>I</a:t>
+              </a:r>
+              <a:r>
+                <a:rPr lang="en-US" altLang="zh-CN" sz="4200" b="1" dirty="0" smtClean="0">
+                  <a:solidFill>
+                    <a:schemeClr val="bg1"/>
+                  </a:solidFill>
+                  <a:latin typeface="Lucida Sans" pitchFamily="34" charset="0"/>
+                  <a:ea typeface="SimSun" pitchFamily="2" charset="-122"/>
+                  <a:cs typeface="Lucida Sans" pitchFamily="34" charset="0"/>
+                </a:rPr>
+                <a:t>C </a:t>
+              </a:r>
+              <a:r>
+                <a:rPr lang="en-US" altLang="zh-CN" sz="4200" b="1" dirty="0" smtClean="0">
+                  <a:solidFill>
+                    <a:schemeClr val="bg1"/>
+                  </a:solidFill>
+                  <a:latin typeface="Lucida Sans" pitchFamily="34" charset="0"/>
+                  <a:ea typeface="SimSun" pitchFamily="2" charset="-122"/>
+                  <a:cs typeface="Lucida Sans" pitchFamily="34" charset="0"/>
+                </a:rPr>
+                <a:t>TIME WARPING</a:t>
               </a:r>
               <a:endParaRPr lang="en-US" altLang="zh-CN" sz="3000" b="1" dirty="0">
                 <a:solidFill>
@@ -6438,7 +6566,7 @@
         <p:spPr bwMode="auto">
           <a:xfrm>
             <a:off x="12795250" y="6679406"/>
-            <a:ext cx="17906999" cy="11343520"/>
+            <a:ext cx="17906999" cy="9958526"/>
           </a:xfrm>
           <a:prstGeom prst="rect">
             <a:avLst/>
@@ -6452,7 +6580,7 @@
           </a:ln>
           <a:extLst>
             <a:ext uri="{AF507438-7753-43e0-B8FC-AC1667EBCBE1}">
-              <a14:hiddenEffects xmlns:a14="http://schemas.microsoft.com/office/drawing/2010/main" xmlns="">
+              <a14:hiddenEffects xmlns="" xmlns:a14="http://schemas.microsoft.com/office/drawing/2010/main">
                 <a:effectLst>
                   <a:outerShdw dist="35921" dir="2700000" algn="ctr" rotWithShape="0">
                     <a:schemeClr val="bg2"/>
@@ -6667,6 +6795,18 @@
               <a:rPr lang="et-EE" altLang="ja-JP" sz="3600" dirty="0" err="1" smtClean="0">
                 <a:ea typeface="ＭＳ Ｐゴシック" charset="-128"/>
               </a:rPr>
+              <a:t>window</a:t>
+            </a:r>
+            <a:r>
+              <a:rPr lang="et-EE" altLang="ja-JP" sz="3600" dirty="0" smtClean="0">
+                <a:ea typeface="ＭＳ Ｐゴシック" charset="-128"/>
+              </a:rPr>
+              <a:t> </a:t>
+            </a:r>
+            <a:r>
+              <a:rPr lang="et-EE" altLang="ja-JP" sz="3600" dirty="0" err="1" smtClean="0">
+                <a:ea typeface="ＭＳ Ｐゴシック" charset="-128"/>
+              </a:rPr>
               <a:t>constraints</a:t>
             </a:r>
             <a:r>
@@ -6679,6 +6819,18 @@
               <a:rPr lang="et-EE" altLang="ja-JP" sz="3600" dirty="0" err="1" smtClean="0">
                 <a:ea typeface="ＭＳ Ｐゴシック" charset="-128"/>
               </a:rPr>
+              <a:t>briefly</a:t>
+            </a:r>
+            <a:r>
+              <a:rPr lang="et-EE" altLang="ja-JP" sz="3600" dirty="0" smtClean="0">
+                <a:ea typeface="ＭＳ Ｐゴシック" charset="-128"/>
+              </a:rPr>
+              <a:t> </a:t>
+            </a:r>
+            <a:r>
+              <a:rPr lang="et-EE" altLang="ja-JP" sz="3600" dirty="0" err="1" smtClean="0">
+                <a:ea typeface="ＭＳ Ｐゴシック" charset="-128"/>
+              </a:rPr>
               <a:t>described</a:t>
             </a:r>
             <a:r>
@@ -6697,15 +6849,92 @@
               <a:rPr lang="et-EE" altLang="ja-JP" sz="3600" dirty="0" smtClean="0">
                 <a:ea typeface="ＭＳ Ｐゴシック" charset="-128"/>
               </a:rPr>
+              <a:t>. </a:t>
+            </a:r>
+            <a:r>
+              <a:rPr lang="et-EE" altLang="ja-JP" sz="3600" dirty="0" err="1" smtClean="0">
+                <a:ea typeface="ＭＳ Ｐゴシック" charset="-128"/>
+              </a:rPr>
+              <a:t>For</a:t>
+            </a:r>
+            <a:r>
+              <a:rPr lang="et-EE" altLang="ja-JP" sz="3600" dirty="0" smtClean="0">
+                <a:ea typeface="ＭＳ Ｐゴシック" charset="-128"/>
+              </a:rPr>
+              <a:t> </a:t>
+            </a:r>
+            <a:r>
+              <a:rPr lang="et-EE" altLang="ja-JP" sz="3600" dirty="0" err="1" smtClean="0">
+                <a:ea typeface="ＭＳ Ｐゴシック" charset="-128"/>
+              </a:rPr>
+              <a:t>Sakoe</a:t>
+            </a:r>
+            <a:r>
+              <a:rPr lang="et-EE" altLang="ja-JP" sz="3600" dirty="0" err="1">
+                <a:ea typeface="ＭＳ Ｐゴシック" charset="-128"/>
+              </a:rPr>
+              <a:t>-</a:t>
+            </a:r>
+            <a:r>
+              <a:rPr lang="et-EE" altLang="ja-JP" sz="3600" dirty="0" err="1" smtClean="0">
+                <a:ea typeface="ＭＳ Ｐゴシック" charset="-128"/>
+              </a:rPr>
+              <a:t>Chiba</a:t>
+            </a:r>
+            <a:r>
+              <a:rPr lang="et-EE" altLang="ja-JP" sz="3600" dirty="0" smtClean="0">
+                <a:ea typeface="ＭＳ Ｐゴシック" charset="-128"/>
+              </a:rPr>
+              <a:t> and Itakura </a:t>
+            </a:r>
+            <a:r>
+              <a:rPr lang="et-EE" altLang="ja-JP" sz="3600" dirty="0" err="1" smtClean="0">
+                <a:ea typeface="ＭＳ Ｐゴシック" charset="-128"/>
+              </a:rPr>
+              <a:t>sequenced</a:t>
+            </a:r>
+            <a:r>
+              <a:rPr lang="et-EE" altLang="ja-JP" sz="3600" dirty="0" smtClean="0">
+                <a:ea typeface="ＭＳ Ｐゴシック" charset="-128"/>
+              </a:rPr>
+              <a:t> of </a:t>
+            </a:r>
+            <a:r>
+              <a:rPr lang="et-EE" altLang="ja-JP" sz="3600" dirty="0" err="1" smtClean="0">
+                <a:ea typeface="ＭＳ Ｐゴシック" charset="-128"/>
+              </a:rPr>
+              <a:t>equal</a:t>
+            </a:r>
+            <a:r>
+              <a:rPr lang="et-EE" altLang="ja-JP" sz="3600" dirty="0" smtClean="0">
+                <a:ea typeface="ＭＳ Ｐゴシック" charset="-128"/>
+              </a:rPr>
+              <a:t> </a:t>
+            </a:r>
+            <a:r>
+              <a:rPr lang="et-EE" altLang="ja-JP" sz="3600" dirty="0" err="1" smtClean="0">
+                <a:ea typeface="ＭＳ Ｐゴシック" charset="-128"/>
+              </a:rPr>
+              <a:t>length</a:t>
+            </a:r>
+            <a:r>
+              <a:rPr lang="et-EE" altLang="ja-JP" sz="3600" dirty="0" smtClean="0">
+                <a:ea typeface="ＭＳ Ｐゴシック" charset="-128"/>
+              </a:rPr>
+              <a:t> are </a:t>
+            </a:r>
+            <a:r>
+              <a:rPr lang="et-EE" altLang="ja-JP" sz="3600" dirty="0" err="1" smtClean="0">
+                <a:ea typeface="ＭＳ Ｐゴシック" charset="-128"/>
+              </a:rPr>
+              <a:t>required</a:t>
+            </a:r>
+            <a:r>
+              <a:rPr lang="et-EE" altLang="ja-JP" sz="3600" dirty="0" smtClean="0">
+                <a:ea typeface="ＭＳ Ｐゴシック" charset="-128"/>
+              </a:rPr>
               <a:t>.</a:t>
             </a:r>
-          </a:p>
-          <a:p>
-            <a:pPr algn="just">
-              <a:lnSpc>
-                <a:spcPct val="125000"/>
-              </a:lnSpc>
-            </a:pPr>
             <a:endParaRPr lang="et-EE" altLang="ja-JP" sz="3600" dirty="0" smtClean="0">
               <a:ea typeface="ＭＳ Ｐゴシック" charset="-128"/>
             </a:endParaRPr>
@@ -6723,10 +6952,10 @@
               <a:t>Sakoe</a:t>
             </a:r>
             <a:r>
-              <a:rPr lang="et-EE" altLang="ja-JP" sz="3600" b="1" dirty="0" smtClean="0">
-                <a:ea typeface="ＭＳ Ｐゴシック" charset="-128"/>
-              </a:rPr>
-              <a:t> -</a:t>
+              <a:rPr lang="et-EE" altLang="ja-JP" sz="3600" b="1" dirty="0" err="1">
+                <a:ea typeface="ＭＳ Ｐゴシック" charset="-128"/>
+              </a:rPr>
+              <a:t>-</a:t>
             </a:r>
             <a:r>
               <a:rPr lang="et-EE" altLang="ja-JP" sz="3600" b="1" dirty="0" err="1" smtClean="0">
@@ -6826,11 +7055,26 @@
               <a:rPr lang="en-US" altLang="ja-JP" sz="3600" dirty="0">
                 <a:ea typeface="ＭＳ Ｐゴシック" charset="-128"/>
               </a:rPr>
-              <a:t>runs by the main diagonal having fixed window width.</a:t>
-            </a:r>
-            <a:endParaRPr lang="en-US" altLang="ja-JP" sz="3600" dirty="0">
-              <a:ea typeface="ＭＳ Ｐゴシック" charset="-128"/>
-            </a:endParaRPr>
+              <a:t>runs </a:t>
+            </a:r>
+            <a:r>
+              <a:rPr lang="et-EE" altLang="ja-JP" sz="3600" dirty="0" err="1" smtClean="0">
+                <a:ea typeface="ＭＳ Ｐゴシック" charset="-128"/>
+              </a:rPr>
+              <a:t>along</a:t>
+            </a:r>
+            <a:r>
+              <a:rPr lang="en-US" altLang="ja-JP" sz="3600" dirty="0" smtClean="0">
+                <a:ea typeface="ＭＳ Ｐゴシック" charset="-128"/>
+              </a:rPr>
+              <a:t> </a:t>
+            </a:r>
+            <a:r>
+              <a:rPr lang="en-US" altLang="ja-JP" sz="3600" dirty="0">
+                <a:ea typeface="ＭＳ Ｐゴシック" charset="-128"/>
+              </a:rPr>
+              <a:t>the main diagonal having fixed window width.</a:t>
+            </a:r>
           </a:p>
           <a:p>
             <a:pPr algn="just">
@@ -6838,16 +7082,6 @@
                 <a:spcPct val="125000"/>
               </a:lnSpc>
             </a:pPr>
-            <a:endParaRPr lang="en-AU" altLang="zh-CN" sz="3600" dirty="0">
-              <a:ea typeface="SimSun" pitchFamily="2" charset="-122"/>
-            </a:endParaRPr>
-          </a:p>
-          <a:p>
-            <a:pPr algn="just">
-              <a:lnSpc>
-                <a:spcPct val="125000"/>
-              </a:lnSpc>
-            </a:pPr>
             <a:r>
               <a:rPr lang="et-EE" altLang="ja-JP" sz="3600" b="1" dirty="0" smtClean="0">
                 <a:ea typeface="ＭＳ Ｐゴシック" charset="-128"/>
@@ -6858,7 +7092,7 @@
               <a:rPr lang="et-EE" altLang="ja-JP" sz="3600" b="1" dirty="0" err="1" smtClean="0">
                 <a:ea typeface="ＭＳ Ｐゴシック" charset="-128"/>
               </a:rPr>
-              <a:t>Band</a:t>
+              <a:t>Parallelogram</a:t>
             </a:r>
             <a:endParaRPr lang="et-EE" altLang="ja-JP" sz="3600" b="1" dirty="0" smtClean="0">
               <a:ea typeface="ＭＳ Ｐゴシック" charset="-128"/>
@@ -6937,10 +7171,10 @@
               <a:t> </a:t>
             </a:r>
             <a:r>
-              <a:rPr lang="en-US" altLang="ja-JP" sz="3600" dirty="0" err="1" smtClean="0">
-                <a:ea typeface="ＭＳ Ｐゴシック" charset="-128"/>
-              </a:rPr>
-              <a:t>parallelogramm</a:t>
+              <a:rPr lang="en-US" altLang="ja-JP" sz="3600" dirty="0" smtClean="0">
+                <a:ea typeface="ＭＳ Ｐゴシック" charset="-128"/>
+              </a:rPr>
+              <a:t>parallelogram</a:t>
             </a:r>
             <a:r>
               <a:rPr lang="et-EE" altLang="ja-JP" sz="3600" dirty="0" smtClean="0">
@@ -6952,23 +7186,28 @@
               <a:rPr lang="en-US" altLang="ja-JP" sz="3600" dirty="0" smtClean="0">
                 <a:ea typeface="ＭＳ Ｐゴシック" charset="-128"/>
               </a:rPr>
-              <a:t>consists of all cells that are traversed by some warping path having a slope. </a:t>
-            </a:r>
-          </a:p>
-          <a:p>
-            <a:pPr algn="just">
-              <a:lnSpc>
-                <a:spcPct val="125000"/>
-              </a:lnSpc>
-            </a:pPr>
-            <a:r>
-              <a:rPr lang="en-US" altLang="ja-JP" sz="3600" b="1" dirty="0">
-                <a:ea typeface="ＭＳ Ｐゴシック" charset="-128"/>
-              </a:rPr>
-              <a:t>	</a:t>
-            </a:r>
-            <a:endParaRPr lang="en-AU" altLang="zh-CN" sz="3600" dirty="0">
-              <a:ea typeface="SimSun" pitchFamily="2" charset="-122"/>
+              <a:t>consists of all cells that are traversed by some warping path having a </a:t>
+            </a:r>
+            <a:r>
+              <a:rPr lang="en-US" altLang="ja-JP" sz="3600" dirty="0" smtClean="0">
+                <a:ea typeface="ＭＳ Ｐゴシック" charset="-128"/>
+              </a:rPr>
+              <a:t>slope</a:t>
+            </a:r>
+            <a:r>
+              <a:rPr lang="et-EE" altLang="ja-JP" sz="3600" dirty="0" smtClean="0">
+                <a:ea typeface="ＭＳ Ｐゴシック" charset="-128"/>
+              </a:rPr>
+              <a:t> (S = 2)</a:t>
+            </a:r>
+            <a:r>
+              <a:rPr lang="en-US" altLang="ja-JP" sz="3600" dirty="0" smtClean="0">
+                <a:ea typeface="ＭＳ Ｐゴシック" charset="-128"/>
+              </a:rPr>
+              <a:t>. </a:t>
+            </a:r>
+            <a:endParaRPr lang="en-US" altLang="ja-JP" sz="3600" dirty="0" smtClean="0">
+              <a:ea typeface="ＭＳ Ｐゴシック" charset="-128"/>
             </a:endParaRPr>
           </a:p>
           <a:p>
@@ -7018,20 +7257,29 @@
               <a:t>band is a modification of </a:t>
             </a:r>
             <a:r>
-              <a:rPr lang="en-US" altLang="ja-JP" sz="3600" dirty="0" err="1">
+              <a:rPr lang="en-US" altLang="ja-JP" sz="3600" dirty="0" err="1" smtClean="0">
                 <a:ea typeface="ＭＳ Ｐゴシック" charset="-128"/>
               </a:rPr>
               <a:t>Sakoe</a:t>
             </a:r>
             <a:r>
+              <a:rPr lang="et-EE" altLang="ja-JP" sz="3600" dirty="0">
+                <a:ea typeface="ＭＳ Ｐゴシック" charset="-128"/>
+              </a:rPr>
+              <a:t>-</a:t>
+            </a:r>
+            <a:r>
+              <a:rPr lang="en-US" altLang="ja-JP" sz="3600" smtClean="0">
+                <a:ea typeface="ＭＳ Ｐゴシック" charset="-128"/>
+              </a:rPr>
+              <a:t>Chiba </a:t>
+            </a:r>
+            <a:r>
               <a:rPr lang="en-US" altLang="ja-JP" sz="3600" dirty="0">
                 <a:ea typeface="ＭＳ Ｐゴシック" charset="-128"/>
               </a:rPr>
-              <a:t>-Chiba band for the case where input sequences are of different length. Instead of main diagonal here slanted diagonal is used</a:t>
-            </a:r>
-            <a:endParaRPr lang="en-US" altLang="ja-JP" sz="3600" dirty="0">
-              <a:ea typeface="ＭＳ Ｐゴシック" charset="-128"/>
-            </a:endParaRPr>
+              <a:t>band for the case where input sequences are of different length. Instead of main diagonal here slanted diagonal is used</a:t>
+            </a:r>
           </a:p>
         </p:txBody>
       </p:sp>
@@ -7057,14 +7305,14 @@
           </a:ln>
           <a:extLst>
             <a:ext uri="{909E8E84-426E-40dd-AFC4-6F175D3DCCD1}">
-              <a14:hiddenFill xmlns:a14="http://schemas.microsoft.com/office/drawing/2010/main" xmlns="">
+              <a14:hiddenFill xmlns="" xmlns:a14="http://schemas.microsoft.com/office/drawing/2010/main">
                 <a:solidFill>
                   <a:schemeClr val="accent1"/>
                 </a:solidFill>
               </a14:hiddenFill>
             </a:ext>
             <a:ext uri="{91240B29-F687-4f45-9708-019B960494DF}">
-              <a14:hiddenLine xmlns:a14="http://schemas.microsoft.com/office/drawing/2010/main" xmlns="" w="9525">
+              <a14:hiddenLine xmlns="" xmlns:a14="http://schemas.microsoft.com/office/drawing/2010/main" w="9525">
                 <a:solidFill>
                   <a:schemeClr val="tx1"/>
                 </a:solidFill>
@@ -7074,7 +7322,7 @@
               </a14:hiddenLine>
             </a:ext>
             <a:ext uri="{AF507438-7753-43e0-B8FC-AC1667EBCBE1}">
-              <a14:hiddenEffects xmlns:a14="http://schemas.microsoft.com/office/drawing/2010/main" xmlns="">
+              <a14:hiddenEffects xmlns="" xmlns:a14="http://schemas.microsoft.com/office/drawing/2010/main">
                 <a:effectLst>
                   <a:outerShdw dist="17961" dir="2700000" algn="ctr" rotWithShape="0">
                     <a:srgbClr val="FFFFFF"/>
@@ -7215,7 +7463,7 @@
                 </a:solidFill>
                 <a:latin typeface="Arial"/>
               </a:rPr>
-              <a:t>Band</a:t>
+              <a:t>Parallelogram</a:t>
             </a:r>
             <a:endParaRPr lang="en-AU" i="1" dirty="0">
               <a:solidFill>
@@ -7250,14 +7498,14 @@
           </a:ln>
           <a:extLst>
             <a:ext uri="{909E8E84-426E-40dd-AFC4-6F175D3DCCD1}">
-              <a14:hiddenFill xmlns:a14="http://schemas.microsoft.com/office/drawing/2010/main" xmlns="">
+              <a14:hiddenFill xmlns="" xmlns:a14="http://schemas.microsoft.com/office/drawing/2010/main">
                 <a:solidFill>
                   <a:schemeClr val="accent1"/>
                 </a:solidFill>
               </a14:hiddenFill>
             </a:ext>
             <a:ext uri="{91240B29-F687-4f45-9708-019B960494DF}">
-              <a14:hiddenLine xmlns:a14="http://schemas.microsoft.com/office/drawing/2010/main" xmlns="" w="9525">
+              <a14:hiddenLine xmlns="" xmlns:a14="http://schemas.microsoft.com/office/drawing/2010/main" w="9525">
                 <a:solidFill>
                   <a:schemeClr val="tx1"/>
                 </a:solidFill>
@@ -7267,7 +7515,7 @@
               </a14:hiddenLine>
             </a:ext>
             <a:ext uri="{AF507438-7753-43e0-B8FC-AC1667EBCBE1}">
-              <a14:hiddenEffects xmlns:a14="http://schemas.microsoft.com/office/drawing/2010/main" xmlns="">
+              <a14:hiddenEffects xmlns="" xmlns:a14="http://schemas.microsoft.com/office/drawing/2010/main">
                 <a:effectLst>
                   <a:outerShdw dist="17961" dir="2700000" algn="ctr" rotWithShape="0">
                     <a:srgbClr val="FFFFFF"/>
@@ -7389,7 +7637,7 @@
               </a:spcBef>
             </a:pPr>
             <a:r>
-              <a:rPr lang="en-AU" i="1" dirty="0">
+              <a:rPr lang="et-EE" i="1" dirty="0" err="1" smtClean="0">
                 <a:solidFill>
                   <a:schemeClr val="accent2">
                     <a:lumMod val="50000"/>
@@ -7397,8 +7645,60 @@
                 </a:solidFill>
                 <a:latin typeface="Arial"/>
               </a:rPr>
-              <a:t>Your caption can go here.</a:t>
-            </a:r>
+              <a:t>Sakoe</a:t>
+            </a:r>
+            <a:r>
+              <a:rPr lang="et-EE" i="1" dirty="0" smtClean="0">
+                <a:solidFill>
+                  <a:schemeClr val="accent2">
+                    <a:lumMod val="50000"/>
+                  </a:schemeClr>
+                </a:solidFill>
+                <a:latin typeface="Arial"/>
+              </a:rPr>
+              <a:t> </a:t>
+            </a:r>
+            <a:r>
+              <a:rPr lang="et-EE" i="1" dirty="0" err="1" smtClean="0">
+                <a:solidFill>
+                  <a:schemeClr val="accent2">
+                    <a:lumMod val="50000"/>
+                  </a:schemeClr>
+                </a:solidFill>
+                <a:latin typeface="Arial"/>
+              </a:rPr>
+              <a:t>Chiba</a:t>
+            </a:r>
+            <a:r>
+              <a:rPr lang="et-EE" i="1" dirty="0" smtClean="0">
+                <a:solidFill>
+                  <a:schemeClr val="accent2">
+                    <a:lumMod val="50000"/>
+                  </a:schemeClr>
+                </a:solidFill>
+                <a:latin typeface="Arial"/>
+              </a:rPr>
+              <a:t> </a:t>
+            </a:r>
+            <a:r>
+              <a:rPr lang="et-EE" i="1" dirty="0" err="1" smtClean="0">
+                <a:solidFill>
+                  <a:schemeClr val="accent2">
+                    <a:lumMod val="50000"/>
+                  </a:schemeClr>
+                </a:solidFill>
+                <a:latin typeface="Arial"/>
+              </a:rPr>
+              <a:t>Band</a:t>
+            </a:r>
+            <a:endParaRPr lang="en-AU" i="1" dirty="0">
+              <a:solidFill>
+                <a:schemeClr val="accent2">
+                  <a:lumMod val="50000"/>
+                </a:schemeClr>
+              </a:solidFill>
+              <a:latin typeface="Arial"/>
+            </a:endParaRPr>
           </a:p>
         </p:txBody>
       </p:sp>
@@ -7782,7 +8082,7 @@
           </a:ln>
           <a:extLst>
             <a:ext uri="{AF507438-7753-43e0-B8FC-AC1667EBCBE1}">
-              <a14:hiddenEffects xmlns:a14="http://schemas.microsoft.com/office/drawing/2010/main" xmlns="">
+              <a14:hiddenEffects xmlns="" xmlns:a14="http://schemas.microsoft.com/office/drawing/2010/main">
                 <a:effectLst>
                   <a:outerShdw dist="35921" dir="2700000" algn="ctr" rotWithShape="0">
                     <a:schemeClr val="bg2"/>
@@ -8168,7 +8468,7 @@
           </a:ln>
           <a:extLst>
             <a:ext uri="{AF507438-7753-43e0-B8FC-AC1667EBCBE1}">
-              <a14:hiddenEffects xmlns:a14="http://schemas.microsoft.com/office/drawing/2010/main" xmlns="">
+              <a14:hiddenEffects xmlns="" xmlns:a14="http://schemas.microsoft.com/office/drawing/2010/main">
                 <a:effectLst>
                   <a:outerShdw dist="35921" dir="2700000" algn="ctr" rotWithShape="0">
                     <a:schemeClr val="bg2"/>
@@ -8371,13 +8671,7 @@
               <a:rPr lang="et-EE" altLang="zh-CN" sz="3600" dirty="0" smtClean="0">
                 <a:ea typeface="SimSun" pitchFamily="2" charset="-122"/>
               </a:rPr>
-              <a:t> at</a:t>
-            </a:r>
-            <a:r>
-              <a:rPr lang="et-EE" altLang="zh-CN" sz="3600" dirty="0" smtClean="0">
-                <a:ea typeface="SimSun" pitchFamily="2" charset="-122"/>
-              </a:rPr>
-              <a:t>: </a:t>
+              <a:t> at: </a:t>
             </a:r>
             <a:r>
               <a:rPr lang="et-EE" altLang="zh-CN" sz="3600" dirty="0">
@@ -9450,8 +9744,8 @@
         </p:blipFill>
         <p:spPr>
           <a:xfrm>
-            <a:off x="1091357" y="13177097"/>
-            <a:ext cx="10774680" cy="6543675"/>
+            <a:off x="1091356" y="13177097"/>
+            <a:ext cx="10941893" cy="6543675"/>
           </a:xfrm>
           <a:prstGeom prst="rect">
             <a:avLst/>
@@ -9791,7 +10085,7 @@
         <a:effectLst/>
         <a:extLst>
           <a:ext uri="{AF507438-7753-43e0-B8FC-AC1667EBCBE1}">
-            <a14:hiddenEffects xmlns:a14="http://schemas.microsoft.com/office/drawing/2010/main" xmlns="">
+            <a14:hiddenEffects xmlns="" xmlns:a14="http://schemas.microsoft.com/office/drawing/2010/main">
               <a:effectLst>
                 <a:outerShdw dist="35921" dir="2700000" algn="ctr" rotWithShape="0">
                   <a:schemeClr val="bg2"/>
@@ -9870,7 +10164,7 @@
         <a:effectLst/>
         <a:extLst>
           <a:ext uri="{AF507438-7753-43e0-B8FC-AC1667EBCBE1}">
-            <a14:hiddenEffects xmlns:a14="http://schemas.microsoft.com/office/drawing/2010/main" xmlns="">
+            <a14:hiddenEffects xmlns="" xmlns:a14="http://schemas.microsoft.com/office/drawing/2010/main">
               <a:effectLst>
                 <a:outerShdw dist="35921" dir="2700000" algn="ctr" rotWithShape="0">
                   <a:schemeClr val="bg2"/>

--- a/poster.pptx
+++ b/poster.pptx
@@ -16,7 +16,7 @@
   <p:sldSz cx="42811700" cy="30275213"/>
   <p:notesSz cx="9239250" cy="11982450"/>
   <p:custDataLst>
-    <p:tags r:id="rId5"/>
+    <p:tags r:id="rId6"/>
   </p:custDataLst>
   <p:defaultTextStyle>
     <a:defPPr>
@@ -208,7 +208,7 @@
   </p:defaultTextStyle>
   <p:extLst>
     <p:ext uri="{EFAFB233-063F-42B5-8137-9DF3F51BA10A}">
-      <p15:sldGuideLst xmlns:p15="http://schemas.microsoft.com/office/powerpoint/2012/main">
+      <p15:sldGuideLst xmlns:p15="http://schemas.microsoft.com/office/powerpoint/2012/main" xmlns="">
         <p15:guide id="1" orient="horz" pos="11088">
           <p15:clr>
             <a:srgbClr val="A4A3A4"/>
@@ -232,7 +232,7 @@
       </p15:sldGuideLst>
     </p:ext>
     <p:ext uri="{2D200454-40CA-4A62-9FC3-DE9A4176ACB9}">
-      <p15:notesGuideLst xmlns:p15="http://schemas.microsoft.com/office/powerpoint/2012/main">
+      <p15:notesGuideLst xmlns:p15="http://schemas.microsoft.com/office/powerpoint/2012/main" xmlns="">
         <p15:guide id="1" orient="horz" pos="3774">
           <p15:clr>
             <a:srgbClr val="A4A3A4"/>
@@ -298,14 +298,14 @@
           </a:ln>
           <a:extLst>
             <a:ext uri="{909E8E84-426E-40dd-AFC4-6F175D3DCCD1}">
-              <a14:hiddenFill xmlns="" xmlns:a14="http://schemas.microsoft.com/office/drawing/2010/main">
+              <a14:hiddenFill xmlns:a14="http://schemas.microsoft.com/office/drawing/2010/main">
                 <a:solidFill>
                   <a:schemeClr val="accent1"/>
                 </a:solidFill>
               </a14:hiddenFill>
             </a:ext>
             <a:ext uri="{91240B29-F687-4f45-9708-019B960494DF}">
-              <a14:hiddenLine xmlns="" xmlns:a14="http://schemas.microsoft.com/office/drawing/2010/main" w="9525">
+              <a14:hiddenLine xmlns:a14="http://schemas.microsoft.com/office/drawing/2010/main" w="9525">
                 <a:solidFill>
                   <a:schemeClr val="tx1"/>
                 </a:solidFill>
@@ -315,7 +315,7 @@
               </a14:hiddenLine>
             </a:ext>
             <a:ext uri="{AF507438-7753-43e0-B8FC-AC1667EBCBE1}">
-              <a14:hiddenEffects xmlns="" xmlns:a14="http://schemas.microsoft.com/office/drawing/2010/main">
+              <a14:hiddenEffects xmlns:a14="http://schemas.microsoft.com/office/drawing/2010/main">
                 <a:effectLst>
                   <a:outerShdw dist="35921" dir="2700000" algn="ctr" rotWithShape="0">
                     <a:schemeClr val="bg2"/>
@@ -368,14 +368,14 @@
           </a:ln>
           <a:extLst>
             <a:ext uri="{909E8E84-426E-40dd-AFC4-6F175D3DCCD1}">
-              <a14:hiddenFill xmlns="" xmlns:a14="http://schemas.microsoft.com/office/drawing/2010/main">
+              <a14:hiddenFill xmlns:a14="http://schemas.microsoft.com/office/drawing/2010/main">
                 <a:solidFill>
                   <a:schemeClr val="accent1"/>
                 </a:solidFill>
               </a14:hiddenFill>
             </a:ext>
             <a:ext uri="{91240B29-F687-4f45-9708-019B960494DF}">
-              <a14:hiddenLine xmlns="" xmlns:a14="http://schemas.microsoft.com/office/drawing/2010/main" w="9525">
+              <a14:hiddenLine xmlns:a14="http://schemas.microsoft.com/office/drawing/2010/main" w="9525">
                 <a:solidFill>
                   <a:schemeClr val="tx1"/>
                 </a:solidFill>
@@ -385,7 +385,7 @@
               </a14:hiddenLine>
             </a:ext>
             <a:ext uri="{AF507438-7753-43e0-B8FC-AC1667EBCBE1}">
-              <a14:hiddenEffects xmlns="" xmlns:a14="http://schemas.microsoft.com/office/drawing/2010/main">
+              <a14:hiddenEffects xmlns:a14="http://schemas.microsoft.com/office/drawing/2010/main">
                 <a:effectLst>
                   <a:outerShdw dist="35921" dir="2700000" algn="ctr" rotWithShape="0">
                     <a:schemeClr val="bg2"/>
@@ -438,14 +438,14 @@
           </a:ln>
           <a:extLst>
             <a:ext uri="{909E8E84-426E-40dd-AFC4-6F175D3DCCD1}">
-              <a14:hiddenFill xmlns="" xmlns:a14="http://schemas.microsoft.com/office/drawing/2010/main">
+              <a14:hiddenFill xmlns:a14="http://schemas.microsoft.com/office/drawing/2010/main">
                 <a:solidFill>
                   <a:schemeClr val="accent1"/>
                 </a:solidFill>
               </a14:hiddenFill>
             </a:ext>
             <a:ext uri="{91240B29-F687-4f45-9708-019B960494DF}">
-              <a14:hiddenLine xmlns="" xmlns:a14="http://schemas.microsoft.com/office/drawing/2010/main" w="9525">
+              <a14:hiddenLine xmlns:a14="http://schemas.microsoft.com/office/drawing/2010/main" w="9525">
                 <a:solidFill>
                   <a:schemeClr val="tx1"/>
                 </a:solidFill>
@@ -455,7 +455,7 @@
               </a14:hiddenLine>
             </a:ext>
             <a:ext uri="{AF507438-7753-43e0-B8FC-AC1667EBCBE1}">
-              <a14:hiddenEffects xmlns="" xmlns:a14="http://schemas.microsoft.com/office/drawing/2010/main">
+              <a14:hiddenEffects xmlns:a14="http://schemas.microsoft.com/office/drawing/2010/main">
                 <a:effectLst>
                   <a:outerShdw dist="35921" dir="2700000" algn="ctr" rotWithShape="0">
                     <a:schemeClr val="bg2"/>
@@ -508,14 +508,14 @@
           </a:ln>
           <a:extLst>
             <a:ext uri="{909E8E84-426E-40dd-AFC4-6F175D3DCCD1}">
-              <a14:hiddenFill xmlns="" xmlns:a14="http://schemas.microsoft.com/office/drawing/2010/main">
+              <a14:hiddenFill xmlns:a14="http://schemas.microsoft.com/office/drawing/2010/main">
                 <a:solidFill>
                   <a:schemeClr val="accent1"/>
                 </a:solidFill>
               </a14:hiddenFill>
             </a:ext>
             <a:ext uri="{91240B29-F687-4f45-9708-019B960494DF}">
-              <a14:hiddenLine xmlns="" xmlns:a14="http://schemas.microsoft.com/office/drawing/2010/main" w="9525">
+              <a14:hiddenLine xmlns:a14="http://schemas.microsoft.com/office/drawing/2010/main" w="9525">
                 <a:solidFill>
                   <a:schemeClr val="tx1"/>
                 </a:solidFill>
@@ -525,7 +525,7 @@
               </a14:hiddenLine>
             </a:ext>
             <a:ext uri="{AF507438-7753-43e0-B8FC-AC1667EBCBE1}">
-              <a14:hiddenEffects xmlns="" xmlns:a14="http://schemas.microsoft.com/office/drawing/2010/main">
+              <a14:hiddenEffects xmlns:a14="http://schemas.microsoft.com/office/drawing/2010/main">
                 <a:effectLst>
                   <a:outerShdw dist="35921" dir="2700000" algn="ctr" rotWithShape="0">
                     <a:schemeClr val="bg2"/>
@@ -618,14 +618,14 @@
           </a:ln>
           <a:extLst>
             <a:ext uri="{909E8E84-426E-40dd-AFC4-6F175D3DCCD1}">
-              <a14:hiddenFill xmlns="" xmlns:a14="http://schemas.microsoft.com/office/drawing/2010/main">
+              <a14:hiddenFill xmlns:a14="http://schemas.microsoft.com/office/drawing/2010/main">
                 <a:solidFill>
                   <a:schemeClr val="accent1"/>
                 </a:solidFill>
               </a14:hiddenFill>
             </a:ext>
             <a:ext uri="{91240B29-F687-4f45-9708-019B960494DF}">
-              <a14:hiddenLine xmlns="" xmlns:a14="http://schemas.microsoft.com/office/drawing/2010/main" w="9525">
+              <a14:hiddenLine xmlns:a14="http://schemas.microsoft.com/office/drawing/2010/main" w="9525">
                 <a:solidFill>
                   <a:schemeClr val="tx1"/>
                 </a:solidFill>
@@ -635,7 +635,7 @@
               </a14:hiddenLine>
             </a:ext>
             <a:ext uri="{AF507438-7753-43e0-B8FC-AC1667EBCBE1}">
-              <a14:hiddenEffects xmlns="" xmlns:a14="http://schemas.microsoft.com/office/drawing/2010/main">
+              <a14:hiddenEffects xmlns:a14="http://schemas.microsoft.com/office/drawing/2010/main">
                 <a:effectLst>
                   <a:outerShdw dist="35921" dir="2700000" algn="ctr" rotWithShape="0">
                     <a:schemeClr val="bg2"/>
@@ -688,14 +688,14 @@
           </a:ln>
           <a:extLst>
             <a:ext uri="{909E8E84-426E-40dd-AFC4-6F175D3DCCD1}">
-              <a14:hiddenFill xmlns="" xmlns:a14="http://schemas.microsoft.com/office/drawing/2010/main">
+              <a14:hiddenFill xmlns:a14="http://schemas.microsoft.com/office/drawing/2010/main">
                 <a:solidFill>
                   <a:schemeClr val="accent1"/>
                 </a:solidFill>
               </a14:hiddenFill>
             </a:ext>
             <a:ext uri="{91240B29-F687-4f45-9708-019B960494DF}">
-              <a14:hiddenLine xmlns="" xmlns:a14="http://schemas.microsoft.com/office/drawing/2010/main" w="9525">
+              <a14:hiddenLine xmlns:a14="http://schemas.microsoft.com/office/drawing/2010/main" w="9525">
                 <a:solidFill>
                   <a:schemeClr val="tx1"/>
                 </a:solidFill>
@@ -705,7 +705,7 @@
               </a14:hiddenLine>
             </a:ext>
             <a:ext uri="{AF507438-7753-43e0-B8FC-AC1667EBCBE1}">
-              <a14:hiddenEffects xmlns="" xmlns:a14="http://schemas.microsoft.com/office/drawing/2010/main">
+              <a14:hiddenEffects xmlns:a14="http://schemas.microsoft.com/office/drawing/2010/main">
                 <a:effectLst>
                   <a:outerShdw dist="35921" dir="2700000" algn="ctr" rotWithShape="0">
                     <a:schemeClr val="bg2"/>
@@ -761,14 +761,14 @@
           </a:ln>
           <a:extLst>
             <a:ext uri="{909E8E84-426E-40dd-AFC4-6F175D3DCCD1}">
-              <a14:hiddenFill xmlns="" xmlns:a14="http://schemas.microsoft.com/office/drawing/2010/main">
+              <a14:hiddenFill xmlns:a14="http://schemas.microsoft.com/office/drawing/2010/main">
                 <a:solidFill>
                   <a:srgbClr val="FFFFFF"/>
                 </a:solidFill>
               </a14:hiddenFill>
             </a:ext>
             <a:ext uri="{AF507438-7753-43e0-B8FC-AC1667EBCBE1}">
-              <a14:hiddenEffects xmlns="" xmlns:a14="http://schemas.microsoft.com/office/drawing/2010/main">
+              <a14:hiddenEffects xmlns:a14="http://schemas.microsoft.com/office/drawing/2010/main">
                 <a:effectLst>
                   <a:outerShdw dist="35921" dir="2700000" algn="ctr" rotWithShape="0">
                     <a:srgbClr val="808080"/>
@@ -777,7 +777,7 @@
               </a14:hiddenEffects>
             </a:ext>
             <a:ext uri="{53640926-AAD7-44d8-BBD7-CCE9431645EC}">
-              <a14:shadowObscured xmlns="" xmlns:a14="http://schemas.microsoft.com/office/drawing/2010/main" val="1"/>
+              <a14:shadowObscured xmlns:a14="http://schemas.microsoft.com/office/drawing/2010/main" val="1"/>
             </a:ext>
           </a:extLst>
         </p:spPr>
@@ -806,14 +806,14 @@
           </a:ln>
           <a:extLst>
             <a:ext uri="{909E8E84-426E-40dd-AFC4-6F175D3DCCD1}">
-              <a14:hiddenFill xmlns="" xmlns:a14="http://schemas.microsoft.com/office/drawing/2010/main">
+              <a14:hiddenFill xmlns:a14="http://schemas.microsoft.com/office/drawing/2010/main">
                 <a:solidFill>
                   <a:schemeClr val="accent1"/>
                 </a:solidFill>
               </a14:hiddenFill>
             </a:ext>
             <a:ext uri="{91240B29-F687-4f45-9708-019B960494DF}">
-              <a14:hiddenLine xmlns="" xmlns:a14="http://schemas.microsoft.com/office/drawing/2010/main" w="9525">
+              <a14:hiddenLine xmlns:a14="http://schemas.microsoft.com/office/drawing/2010/main" w="9525">
                 <a:solidFill>
                   <a:schemeClr val="tx1"/>
                 </a:solidFill>
@@ -823,7 +823,7 @@
               </a14:hiddenLine>
             </a:ext>
             <a:ext uri="{AF507438-7753-43e0-B8FC-AC1667EBCBE1}">
-              <a14:hiddenEffects xmlns="" xmlns:a14="http://schemas.microsoft.com/office/drawing/2010/main">
+              <a14:hiddenEffects xmlns:a14="http://schemas.microsoft.com/office/drawing/2010/main">
                 <a:effectLst>
                   <a:outerShdw dist="35921" dir="2700000" algn="ctr" rotWithShape="0">
                     <a:schemeClr val="bg2"/>
@@ -905,14 +905,14 @@
           </a:ln>
           <a:extLst>
             <a:ext uri="{909E8E84-426E-40dd-AFC4-6F175D3DCCD1}">
-              <a14:hiddenFill xmlns="" xmlns:a14="http://schemas.microsoft.com/office/drawing/2010/main">
+              <a14:hiddenFill xmlns:a14="http://schemas.microsoft.com/office/drawing/2010/main">
                 <a:solidFill>
                   <a:schemeClr val="accent1"/>
                 </a:solidFill>
               </a14:hiddenFill>
             </a:ext>
             <a:ext uri="{91240B29-F687-4f45-9708-019B960494DF}">
-              <a14:hiddenLine xmlns="" xmlns:a14="http://schemas.microsoft.com/office/drawing/2010/main" w="9525">
+              <a14:hiddenLine xmlns:a14="http://schemas.microsoft.com/office/drawing/2010/main" w="9525">
                 <a:solidFill>
                   <a:schemeClr val="tx1"/>
                 </a:solidFill>
@@ -922,7 +922,7 @@
               </a14:hiddenLine>
             </a:ext>
             <a:ext uri="{AF507438-7753-43e0-B8FC-AC1667EBCBE1}">
-              <a14:hiddenEffects xmlns="" xmlns:a14="http://schemas.microsoft.com/office/drawing/2010/main">
+              <a14:hiddenEffects xmlns:a14="http://schemas.microsoft.com/office/drawing/2010/main">
                 <a:effectLst>
                   <a:outerShdw dist="35921" dir="2700000" algn="ctr" rotWithShape="0">
                     <a:schemeClr val="bg2"/>
@@ -975,14 +975,14 @@
           </a:ln>
           <a:extLst>
             <a:ext uri="{909E8E84-426E-40dd-AFC4-6F175D3DCCD1}">
-              <a14:hiddenFill xmlns="" xmlns:a14="http://schemas.microsoft.com/office/drawing/2010/main">
+              <a14:hiddenFill xmlns:a14="http://schemas.microsoft.com/office/drawing/2010/main">
                 <a:solidFill>
                   <a:schemeClr val="accent1"/>
                 </a:solidFill>
               </a14:hiddenFill>
             </a:ext>
             <a:ext uri="{91240B29-F687-4f45-9708-019B960494DF}">
-              <a14:hiddenLine xmlns="" xmlns:a14="http://schemas.microsoft.com/office/drawing/2010/main" w="9525">
+              <a14:hiddenLine xmlns:a14="http://schemas.microsoft.com/office/drawing/2010/main" w="9525">
                 <a:solidFill>
                   <a:schemeClr val="tx1"/>
                 </a:solidFill>
@@ -992,7 +992,7 @@
               </a14:hiddenLine>
             </a:ext>
             <a:ext uri="{AF507438-7753-43e0-B8FC-AC1667EBCBE1}">
-              <a14:hiddenEffects xmlns="" xmlns:a14="http://schemas.microsoft.com/office/drawing/2010/main">
+              <a14:hiddenEffects xmlns:a14="http://schemas.microsoft.com/office/drawing/2010/main">
                 <a:effectLst>
                   <a:outerShdw dist="35921" dir="2700000" algn="ctr" rotWithShape="0">
                     <a:schemeClr val="bg2"/>
@@ -1488,7 +1488,7 @@
   <p:clrMapOvr>
     <a:masterClrMapping/>
   </p:clrMapOvr>
-  <p:transition/>
+  <p:transition xmlns:p14="http://schemas.microsoft.com/office/powerpoint/2010/main"/>
 </p:sldLayout>
 </file>
 
@@ -1618,7 +1618,7 @@
   <p:clrMapOvr>
     <a:masterClrMapping/>
   </p:clrMapOvr>
-  <p:transition/>
+  <p:transition xmlns:p14="http://schemas.microsoft.com/office/powerpoint/2010/main"/>
 </p:sldLayout>
 </file>
 
@@ -1748,7 +1748,7 @@
   <p:clrMapOvr>
     <a:masterClrMapping/>
   </p:clrMapOvr>
-  <p:transition/>
+  <p:transition xmlns:p14="http://schemas.microsoft.com/office/powerpoint/2010/main"/>
 </p:sldLayout>
 </file>
 
@@ -1878,7 +1878,7 @@
   <p:clrMapOvr>
     <a:masterClrMapping/>
   </p:clrMapOvr>
-  <p:transition/>
+  <p:transition xmlns:p14="http://schemas.microsoft.com/office/powerpoint/2010/main"/>
 </p:sldLayout>
 </file>
 
@@ -2018,7 +2018,7 @@
   <p:clrMapOvr>
     <a:masterClrMapping/>
   </p:clrMapOvr>
-  <p:transition/>
+  <p:transition xmlns:p14="http://schemas.microsoft.com/office/powerpoint/2010/main"/>
 </p:sldLayout>
 </file>
 
@@ -2266,7 +2266,7 @@
   <p:clrMapOvr>
     <a:masterClrMapping/>
   </p:clrMapOvr>
-  <p:transition/>
+  <p:transition xmlns:p14="http://schemas.microsoft.com/office/powerpoint/2010/main"/>
 </p:sldLayout>
 </file>
 
@@ -2659,7 +2659,7 @@
   <p:clrMapOvr>
     <a:masterClrMapping/>
   </p:clrMapOvr>
-  <p:transition/>
+  <p:transition xmlns:p14="http://schemas.microsoft.com/office/powerpoint/2010/main"/>
 </p:sldLayout>
 </file>
 
@@ -2725,7 +2725,7 @@
   <p:clrMapOvr>
     <a:masterClrMapping/>
   </p:clrMapOvr>
-  <p:transition/>
+  <p:transition xmlns:p14="http://schemas.microsoft.com/office/powerpoint/2010/main"/>
 </p:sldLayout>
 </file>
 
@@ -2756,7 +2756,7 @@
   <p:clrMapOvr>
     <a:masterClrMapping/>
   </p:clrMapOvr>
-  <p:transition/>
+  <p:transition xmlns:p14="http://schemas.microsoft.com/office/powerpoint/2010/main"/>
 </p:sldLayout>
 </file>
 
@@ -2987,7 +2987,7 @@
   <p:clrMapOvr>
     <a:masterClrMapping/>
   </p:clrMapOvr>
-  <p:transition/>
+  <p:transition xmlns:p14="http://schemas.microsoft.com/office/powerpoint/2010/main"/>
 </p:sldLayout>
 </file>
 
@@ -3195,7 +3195,7 @@
   <p:clrMapOvr>
     <a:masterClrMapping/>
   </p:clrMapOvr>
-  <p:transition/>
+  <p:transition xmlns:p14="http://schemas.microsoft.com/office/powerpoint/2010/main"/>
 </p:sldLayout>
 </file>
 
@@ -3361,7 +3361,7 @@
     <p:sldLayoutId id="2147483658" r:id="rId10"/>
     <p:sldLayoutId id="2147483659" r:id="rId11"/>
   </p:sldLayoutIdLst>
-  <p:transition/>
+  <p:transition xmlns:p14="http://schemas.microsoft.com/office/powerpoint/2010/main"/>
   <p:txStyles>
     <p:titleStyle>
       <a:defPPr>
@@ -4095,14 +4095,14 @@
           </a:ln>
           <a:extLst>
             <a:ext uri="{909E8E84-426E-40dd-AFC4-6F175D3DCCD1}">
-              <a14:hiddenFill xmlns="" xmlns:a14="http://schemas.microsoft.com/office/drawing/2010/main">
+              <a14:hiddenFill xmlns:a14="http://schemas.microsoft.com/office/drawing/2010/main">
                 <a:solidFill>
                   <a:srgbClr val="000000"/>
                 </a:solidFill>
               </a14:hiddenFill>
             </a:ext>
             <a:ext uri="{91240B29-F687-4f45-9708-019B960494DF}">
-              <a14:hiddenLine xmlns="" xmlns:a14="http://schemas.microsoft.com/office/drawing/2010/main" w="9525">
+              <a14:hiddenLine xmlns:a14="http://schemas.microsoft.com/office/drawing/2010/main" w="9525">
                 <a:solidFill>
                   <a:schemeClr val="tx1"/>
                 </a:solidFill>
@@ -4112,7 +4112,7 @@
               </a14:hiddenLine>
             </a:ext>
             <a:ext uri="{AF507438-7753-43e0-B8FC-AC1667EBCBE1}">
-              <a14:hiddenEffects xmlns="" xmlns:a14="http://schemas.microsoft.com/office/drawing/2010/main">
+              <a14:hiddenEffects xmlns:a14="http://schemas.microsoft.com/office/drawing/2010/main">
                 <a:effectLst>
                   <a:outerShdw dist="35921" dir="2700000" algn="ctr" rotWithShape="0">
                     <a:srgbClr val="FFBF0B"/>
@@ -4387,7 +4387,7 @@
           </a:ln>
           <a:extLst>
             <a:ext uri="{AF507438-7753-43e0-B8FC-AC1667EBCBE1}">
-              <a14:hiddenEffects xmlns="" xmlns:a14="http://schemas.microsoft.com/office/drawing/2010/main">
+              <a14:hiddenEffects xmlns:a14="http://schemas.microsoft.com/office/drawing/2010/main">
                 <a:effectLst>
                   <a:outerShdw dist="35921" dir="2700000" algn="ctr" rotWithShape="0">
                     <a:schemeClr val="bg2"/>
@@ -4509,178 +4509,40 @@
               </a:lnSpc>
             </a:pPr>
             <a:r>
-              <a:rPr lang="et-EE" altLang="ja-JP" sz="3600" dirty="0" err="1" smtClean="0">
-                <a:ea typeface="ＭＳ Ｐゴシック" charset="-128"/>
-              </a:rPr>
-              <a:t>The</a:t>
-            </a:r>
-            <a:r>
               <a:rPr lang="et-EE" altLang="ja-JP" sz="3600" dirty="0" smtClean="0">
                 <a:ea typeface="ＭＳ Ｐゴシック" charset="-128"/>
               </a:rPr>
-              <a:t> </a:t>
-            </a:r>
-            <a:r>
-              <a:rPr lang="et-EE" altLang="ja-JP" sz="3600" dirty="0" err="1" smtClean="0">
+              <a:t>The goal of this project is a web tool for vizualizing the </a:t>
+            </a:r>
+            <a:r>
+              <a:rPr lang="et-EE" altLang="ja-JP" sz="3600" b="1" dirty="0" smtClean="0">
                 <a:ea typeface="ＭＳ Ｐゴシック" charset="-128"/>
               </a:rPr>
-              <a:t>goal</a:t>
+              <a:t>Dynamic Time Warping </a:t>
             </a:r>
             <a:r>
               <a:rPr lang="et-EE" altLang="ja-JP" sz="3600" dirty="0" smtClean="0">
                 <a:ea typeface="ＭＳ Ｐゴシック" charset="-128"/>
               </a:rPr>
-              <a:t> of </a:t>
-            </a:r>
-            <a:r>
-              <a:rPr lang="et-EE" altLang="ja-JP" sz="3600" dirty="0" err="1" smtClean="0">
-                <a:ea typeface="ＭＳ Ｐゴシック" charset="-128"/>
-              </a:rPr>
-              <a:t>this</a:t>
+              <a:t>(DTW) for educational </a:t>
             </a:r>
             <a:r>
               <a:rPr lang="et-EE" altLang="ja-JP" sz="3600" dirty="0" smtClean="0">
                 <a:ea typeface="ＭＳ Ｐゴシック" charset="-128"/>
               </a:rPr>
-              <a:t> </a:t>
-            </a:r>
-            <a:r>
-              <a:rPr lang="et-EE" altLang="ja-JP" sz="3600" dirty="0" err="1" smtClean="0">
+              <a:t>purposes</a:t>
+            </a:r>
+            <a:r>
+              <a:rPr lang="et-EE" altLang="ja-JP" sz="3600" dirty="0">
                 <a:ea typeface="ＭＳ Ｐゴシック" charset="-128"/>
               </a:rPr>
-              <a:t>project</a:t>
+              <a:t>.</a:t>
             </a:r>
             <a:r>
               <a:rPr lang="et-EE" altLang="ja-JP" sz="3600" dirty="0" smtClean="0">
                 <a:ea typeface="ＭＳ Ｐゴシック" charset="-128"/>
               </a:rPr>
               <a:t> </a:t>
-            </a:r>
-            <a:r>
-              <a:rPr lang="et-EE" altLang="ja-JP" sz="3600" dirty="0" err="1" smtClean="0">
-                <a:ea typeface="ＭＳ Ｐゴシック" charset="-128"/>
-              </a:rPr>
-              <a:t>is</a:t>
-            </a:r>
-            <a:r>
-              <a:rPr lang="et-EE" altLang="ja-JP" sz="3600" dirty="0" smtClean="0">
-                <a:ea typeface="ＭＳ Ｐゴシック" charset="-128"/>
-              </a:rPr>
-              <a:t> a </a:t>
-            </a:r>
-            <a:r>
-              <a:rPr lang="et-EE" altLang="ja-JP" sz="3600" dirty="0" err="1" smtClean="0">
-                <a:ea typeface="ＭＳ Ｐゴシック" charset="-128"/>
-              </a:rPr>
-              <a:t>web</a:t>
-            </a:r>
-            <a:r>
-              <a:rPr lang="et-EE" altLang="ja-JP" sz="3600" dirty="0" smtClean="0">
-                <a:ea typeface="ＭＳ Ｐゴシック" charset="-128"/>
-              </a:rPr>
-              <a:t> tool </a:t>
-            </a:r>
-            <a:r>
-              <a:rPr lang="et-EE" altLang="ja-JP" sz="3600" dirty="0" err="1" smtClean="0">
-                <a:ea typeface="ＭＳ Ｐゴシック" charset="-128"/>
-              </a:rPr>
-              <a:t>for</a:t>
-            </a:r>
-            <a:r>
-              <a:rPr lang="et-EE" altLang="ja-JP" sz="3600" dirty="0" smtClean="0">
-                <a:ea typeface="ＭＳ Ｐゴシック" charset="-128"/>
-              </a:rPr>
-              <a:t> </a:t>
-            </a:r>
-            <a:r>
-              <a:rPr lang="et-EE" altLang="ja-JP" sz="3600" dirty="0" err="1" smtClean="0">
-                <a:ea typeface="ＭＳ Ｐゴシック" charset="-128"/>
-              </a:rPr>
-              <a:t>vizualizing</a:t>
-            </a:r>
-            <a:r>
-              <a:rPr lang="et-EE" altLang="ja-JP" sz="3600" dirty="0" smtClean="0">
-                <a:ea typeface="ＭＳ Ｐゴシック" charset="-128"/>
-              </a:rPr>
-              <a:t> </a:t>
-            </a:r>
-            <a:r>
-              <a:rPr lang="et-EE" altLang="ja-JP" sz="3600" dirty="0" err="1" smtClean="0">
-                <a:ea typeface="ＭＳ Ｐゴシック" charset="-128"/>
-              </a:rPr>
-              <a:t>the</a:t>
-            </a:r>
-            <a:r>
-              <a:rPr lang="et-EE" altLang="ja-JP" sz="3600" dirty="0" smtClean="0">
-                <a:ea typeface="ＭＳ Ｐゴシック" charset="-128"/>
-              </a:rPr>
-              <a:t> </a:t>
-            </a:r>
-            <a:r>
-              <a:rPr lang="et-EE" altLang="ja-JP" sz="3600" b="1" dirty="0" err="1" smtClean="0">
-                <a:ea typeface="ＭＳ Ｐゴシック" charset="-128"/>
-              </a:rPr>
-              <a:t>Dynamic</a:t>
-            </a:r>
-            <a:r>
-              <a:rPr lang="et-EE" altLang="ja-JP" sz="3600" b="1" dirty="0" smtClean="0">
-                <a:ea typeface="ＭＳ Ｐゴシック" charset="-128"/>
-              </a:rPr>
-              <a:t> Time </a:t>
-            </a:r>
-            <a:r>
-              <a:rPr lang="et-EE" altLang="ja-JP" sz="3600" b="1" dirty="0" err="1" smtClean="0">
-                <a:ea typeface="ＭＳ Ｐゴシック" charset="-128"/>
-              </a:rPr>
-              <a:t>Warping</a:t>
-            </a:r>
-            <a:r>
-              <a:rPr lang="et-EE" altLang="ja-JP" sz="3600" b="1" dirty="0" smtClean="0">
-                <a:ea typeface="ＭＳ Ｐゴシック" charset="-128"/>
-              </a:rPr>
-              <a:t> </a:t>
-            </a:r>
-            <a:r>
-              <a:rPr lang="et-EE" altLang="ja-JP" sz="3600" dirty="0" smtClean="0">
-                <a:ea typeface="ＭＳ Ｐゴシック" charset="-128"/>
-              </a:rPr>
-              <a:t>(DTW) </a:t>
-            </a:r>
-            <a:r>
-              <a:rPr lang="et-EE" altLang="ja-JP" sz="3600" dirty="0" err="1" smtClean="0">
-                <a:ea typeface="ＭＳ Ｐゴシック" charset="-128"/>
-              </a:rPr>
-              <a:t>for</a:t>
-            </a:r>
-            <a:r>
-              <a:rPr lang="et-EE" altLang="ja-JP" sz="3600" dirty="0" smtClean="0">
-                <a:ea typeface="ＭＳ Ｐゴシック" charset="-128"/>
-              </a:rPr>
-              <a:t> </a:t>
-            </a:r>
-            <a:r>
-              <a:rPr lang="et-EE" altLang="ja-JP" sz="3600" dirty="0" err="1" smtClean="0">
-                <a:ea typeface="ＭＳ Ｐゴシック" charset="-128"/>
-              </a:rPr>
-              <a:t>educational</a:t>
-            </a:r>
-            <a:r>
-              <a:rPr lang="et-EE" altLang="ja-JP" sz="3600" dirty="0" smtClean="0">
-                <a:ea typeface="ＭＳ Ｐゴシック" charset="-128"/>
-              </a:rPr>
-              <a:t> </a:t>
-            </a:r>
-            <a:r>
-              <a:rPr lang="et-EE" altLang="ja-JP" sz="3600" dirty="0" err="1" smtClean="0">
-                <a:ea typeface="ＭＳ Ｐゴシック" charset="-128"/>
-              </a:rPr>
-              <a:t>purposes</a:t>
-            </a:r>
-            <a:r>
-              <a:rPr lang="et-EE" altLang="ja-JP" sz="3600" dirty="0" smtClean="0">
-                <a:ea typeface="ＭＳ Ｐゴシック" charset="-128"/>
-              </a:rPr>
-              <a:t>- </a:t>
             </a:r>
             <a:r>
               <a:rPr lang="en-US" altLang="ja-JP" sz="3600" dirty="0" smtClean="0">
@@ -4761,7 +4623,7 @@
             <p:spPr bwMode="auto">
               <a:xfrm>
                 <a:off x="1028540" y="21301654"/>
-                <a:ext cx="11004710" cy="7877443"/>
+                <a:ext cx="11004710" cy="6066692"/>
               </a:xfrm>
               <a:prstGeom prst="rect">
                 <a:avLst/>
@@ -4881,7 +4743,7 @@
                 </a:lvl9pPr>
               </a:lstStyle>
               <a:p>
-                <a:pPr marL="458787" lvl="1" indent="0" algn="just">
+                <a:pPr marL="0" lvl="1" indent="0" algn="just">
                   <a:lnSpc>
                     <a:spcPct val="120000"/>
                   </a:lnSpc>
@@ -5133,16 +4995,7 @@
                     </a:solidFill>
                     <a:ea typeface="ＭＳ Ｐゴシック" charset="-128"/>
                   </a:rPr>
-                  <a:t> </a:t>
-                </a:r>
-                <a:r>
-                  <a:rPr lang="et-EE" altLang="zh-CN" sz="3600" dirty="0" err="1" smtClean="0">
-                    <a:solidFill>
-                      <a:schemeClr val="tx1"/>
-                    </a:solidFill>
-                    <a:ea typeface="ＭＳ Ｐゴシック" charset="-128"/>
-                  </a:rPr>
-                  <a:t>We</a:t>
+                  <a:t> We have that </a:t>
                 </a:r>
                 <a:r>
                   <a:rPr lang="et-EE" altLang="zh-CN" sz="3600" dirty="0" smtClean="0">
@@ -5151,16 +5004,7 @@
                     </a:solidFill>
                     <a:ea typeface="ＭＳ Ｐゴシック" charset="-128"/>
                   </a:rPr>
-                  <a:t> </a:t>
-                </a:r>
-                <a:r>
-                  <a:rPr lang="et-EE" altLang="zh-CN" sz="3600" dirty="0" err="1" smtClean="0">
-                    <a:solidFill>
-                      <a:schemeClr val="tx1"/>
-                    </a:solidFill>
-                    <a:ea typeface="ＭＳ Ｐゴシック" charset="-128"/>
-                  </a:rPr>
-                  <a:t>have</a:t>
+                  <a:t>the entry d(i,j) in the cost matrix of given </a:t>
                 </a:r>
                 <a:r>
                   <a:rPr lang="et-EE" altLang="zh-CN" sz="3600" dirty="0" smtClean="0">
@@ -5169,16 +5013,7 @@
                     </a:solidFill>
                     <a:ea typeface="ＭＳ Ｐゴシック" charset="-128"/>
                   </a:rPr>
-                  <a:t> </a:t>
-                </a:r>
-                <a:r>
-                  <a:rPr lang="et-EE" altLang="zh-CN" sz="3600" dirty="0" err="1" smtClean="0">
-                    <a:solidFill>
-                      <a:schemeClr val="tx1"/>
-                    </a:solidFill>
-                    <a:ea typeface="ＭＳ Ｐゴシック" charset="-128"/>
-                  </a:rPr>
-                  <a:t>that</a:t>
+                  <a:t>series A and </a:t>
                 </a:r>
                 <a:r>
                   <a:rPr lang="et-EE" altLang="zh-CN" sz="3600" dirty="0" smtClean="0">
@@ -5187,52 +5022,7 @@
                     </a:solidFill>
                     <a:ea typeface="ＭＳ Ｐゴシック" charset="-128"/>
                   </a:rPr>
-                  <a:t> </a:t>
-                </a:r>
-                <a:r>
-                  <a:rPr lang="et-EE" altLang="zh-CN" sz="3600" dirty="0" err="1" smtClean="0">
-                    <a:solidFill>
-                      <a:schemeClr val="tx1"/>
-                    </a:solidFill>
-                    <a:ea typeface="ＭＳ Ｐゴシック" charset="-128"/>
-                  </a:rPr>
-                  <a:t>given</a:t>
-                </a:r>
-                <a:r>
-                  <a:rPr lang="et-EE" altLang="zh-CN" sz="3600" dirty="0" smtClean="0">
-                    <a:solidFill>
-                      <a:schemeClr val="tx1"/>
-                    </a:solidFill>
-                    <a:ea typeface="ＭＳ Ｐゴシック" charset="-128"/>
-                  </a:rPr>
-                  <a:t> </a:t>
-                </a:r>
-                <a:r>
-                  <a:rPr lang="et-EE" altLang="zh-CN" sz="3600" dirty="0" err="1" smtClean="0">
-                    <a:solidFill>
-                      <a:schemeClr val="tx1"/>
-                    </a:solidFill>
-                    <a:ea typeface="ＭＳ Ｐゴシック" charset="-128"/>
-                  </a:rPr>
-                  <a:t>series</a:t>
-                </a:r>
-                <a:r>
-                  <a:rPr lang="et-EE" altLang="zh-CN" sz="3600" dirty="0" smtClean="0">
-                    <a:solidFill>
-                      <a:schemeClr val="tx1"/>
-                    </a:solidFill>
-                    <a:ea typeface="ＭＳ Ｐゴシック" charset="-128"/>
-                  </a:rPr>
-                  <a:t> </a:t>
-                </a:r>
-                <a:r>
-                  <a:rPr lang="et-EE" altLang="zh-CN" sz="3600" dirty="0" smtClean="0">
-                    <a:solidFill>
-                      <a:schemeClr val="tx1"/>
-                    </a:solidFill>
-                    <a:ea typeface="ＭＳ Ｐゴシック" charset="-128"/>
-                  </a:rPr>
-                  <a:t>A and B,</a:t>
+                  <a:t>B is</a:t>
                 </a:r>
                 <a:endParaRPr lang="et-EE" altLang="zh-CN" sz="3600" dirty="0" smtClean="0">
                   <a:solidFill>
@@ -5242,75 +5032,12 @@
                 </a:endParaRPr>
               </a:p>
               <a:p>
-                <a:pPr marL="458787" lvl="1" indent="0" algn="just">
+                <a:pPr marL="0" lvl="1" indent="0" algn="just">
                   <a:lnSpc>
                     <a:spcPct val="120000"/>
                   </a:lnSpc>
                 </a:pPr>
-                <a14:m>
-                  <m:oMath xmlns:m="http://schemas.openxmlformats.org/officeDocument/2006/math">
-                    <m:r>
-                      <a:rPr lang="et-EE" altLang="zh-CN" sz="3600" b="0" i="1" smtClean="0">
-                        <a:solidFill>
-                          <a:schemeClr val="tx1"/>
-                        </a:solidFill>
-                        <a:latin typeface="Cambria Math" panose="02040503050406030204" pitchFamily="18" charset="0"/>
-                        <a:ea typeface="ＭＳ Ｐゴシック" charset="-128"/>
-                      </a:rPr>
-                      <m:t>𝑑</m:t>
-                    </m:r>
-                    <m:r>
-                      <a:rPr lang="et-EE" altLang="zh-CN" sz="3600" b="0" i="1" smtClean="0">
-                        <a:solidFill>
-                          <a:schemeClr val="tx1"/>
-                        </a:solidFill>
-                        <a:latin typeface="Cambria Math" panose="02040503050406030204" pitchFamily="18" charset="0"/>
-                        <a:ea typeface="ＭＳ Ｐゴシック" charset="-128"/>
-                      </a:rPr>
-                      <m:t>(</m:t>
-                    </m:r>
-                    <m:r>
-                      <a:rPr lang="et-EE" altLang="zh-CN" sz="3600" b="0" i="1" smtClean="0">
-                        <a:solidFill>
-                          <a:schemeClr val="tx1"/>
-                        </a:solidFill>
-                        <a:latin typeface="Cambria Math" panose="02040503050406030204" pitchFamily="18" charset="0"/>
-                        <a:ea typeface="ＭＳ Ｐゴシック" charset="-128"/>
-                      </a:rPr>
-                      <m:t>𝑖</m:t>
-                    </m:r>
-                    <m:r>
-                      <a:rPr lang="et-EE" altLang="zh-CN" sz="3600" b="0" i="1" smtClean="0">
-                        <a:solidFill>
-                          <a:schemeClr val="tx1"/>
-                        </a:solidFill>
-                        <a:latin typeface="Cambria Math" panose="02040503050406030204" pitchFamily="18" charset="0"/>
-                        <a:ea typeface="ＭＳ Ｐゴシック" charset="-128"/>
-                      </a:rPr>
-                      <m:t>,</m:t>
-                    </m:r>
-                    <m:r>
-                      <a:rPr lang="et-EE" altLang="zh-CN" sz="3600" b="0" i="1" smtClean="0">
-                        <a:solidFill>
-                          <a:schemeClr val="tx1"/>
-                        </a:solidFill>
-                        <a:latin typeface="Cambria Math" panose="02040503050406030204" pitchFamily="18" charset="0"/>
-                        <a:ea typeface="ＭＳ Ｐゴシック" charset="-128"/>
-                      </a:rPr>
-                      <m:t>𝑗</m:t>
-                    </m:r>
-                    <m:r>
-                      <a:rPr lang="et-EE" altLang="zh-CN" sz="3600" b="0" i="1" smtClean="0">
-                        <a:solidFill>
-                          <a:schemeClr val="tx1"/>
-                        </a:solidFill>
-                        <a:latin typeface="Cambria Math" panose="02040503050406030204" pitchFamily="18" charset="0"/>
-                        <a:ea typeface="ＭＳ Ｐゴシック" charset="-128"/>
-                      </a:rPr>
-                      <m:t>)</m:t>
-                    </m:r>
-                  </m:oMath>
-                </a14:m>
+                <a14:m/>
                 <a:r>
                   <a:rPr lang="et-EE" altLang="zh-CN" sz="3600" dirty="0" smtClean="0">
                     <a:solidFill>
@@ -5320,125 +5047,7 @@
                   </a:rPr>
                   <a:t> = </a:t>
                 </a:r>
-                <a14:m>
-                  <m:oMath xmlns:m="http://schemas.openxmlformats.org/officeDocument/2006/math">
-                    <m:r>
-                      <a:rPr lang="et-EE" altLang="zh-CN" sz="3600" b="0" i="1" smtClean="0">
-                        <a:solidFill>
-                          <a:schemeClr val="tx1"/>
-                        </a:solidFill>
-                        <a:latin typeface="Cambria Math" panose="02040503050406030204" pitchFamily="18" charset="0"/>
-                        <a:ea typeface="ＭＳ Ｐゴシック" charset="-128"/>
-                      </a:rPr>
-                      <m:t>𝑑𝑖𝑠𝑡𝑎𝑛𝑐𝑒</m:t>
-                    </m:r>
-                    <m:d>
-                      <m:dPr>
-                        <m:ctrlPr>
-                          <a:rPr lang="et-EE" altLang="zh-CN" sz="3600" b="0" i="1" smtClean="0">
-                            <a:solidFill>
-                              <a:schemeClr val="tx1"/>
-                            </a:solidFill>
-                            <a:latin typeface="Cambria Math" panose="02040503050406030204" pitchFamily="18" charset="0"/>
-                            <a:ea typeface="ＭＳ Ｐゴシック" charset="-128"/>
-                          </a:rPr>
-                        </m:ctrlPr>
-                      </m:dPr>
-                      <m:e>
-                        <m:r>
-                          <a:rPr lang="et-EE" altLang="zh-CN" sz="3600" b="0" i="1" smtClean="0">
-                            <a:solidFill>
-                              <a:schemeClr val="tx1"/>
-                            </a:solidFill>
-                            <a:latin typeface="Cambria Math" panose="02040503050406030204" pitchFamily="18" charset="0"/>
-                            <a:ea typeface="ＭＳ Ｐゴシック" charset="-128"/>
-                          </a:rPr>
-                          <m:t>𝐴</m:t>
-                        </m:r>
-                        <m:d>
-                          <m:dPr>
-                            <m:ctrlPr>
-                              <a:rPr lang="et-EE" altLang="zh-CN" sz="3600" b="0" i="1" smtClean="0">
-                                <a:solidFill>
-                                  <a:schemeClr val="tx1"/>
-                                </a:solidFill>
-                                <a:latin typeface="Cambria Math" panose="02040503050406030204" pitchFamily="18" charset="0"/>
-                                <a:ea typeface="ＭＳ Ｐゴシック" charset="-128"/>
-                              </a:rPr>
-                            </m:ctrlPr>
-                          </m:dPr>
-                          <m:e>
-                            <m:r>
-                              <a:rPr lang="et-EE" altLang="zh-CN" sz="3600" b="0" i="1" smtClean="0">
-                                <a:solidFill>
-                                  <a:schemeClr val="tx1"/>
-                                </a:solidFill>
-                                <a:latin typeface="Cambria Math" panose="02040503050406030204" pitchFamily="18" charset="0"/>
-                                <a:ea typeface="ＭＳ Ｐゴシック" charset="-128"/>
-                              </a:rPr>
-                              <m:t>𝑖</m:t>
-                            </m:r>
-                          </m:e>
-                        </m:d>
-                        <m:r>
-                          <a:rPr lang="et-EE" altLang="zh-CN" sz="3600" b="0" i="1" smtClean="0">
-                            <a:solidFill>
-                              <a:schemeClr val="tx1"/>
-                            </a:solidFill>
-                            <a:latin typeface="Cambria Math" panose="02040503050406030204" pitchFamily="18" charset="0"/>
-                            <a:ea typeface="ＭＳ Ｐゴシック" charset="-128"/>
-                          </a:rPr>
-                          <m:t>, </m:t>
-                        </m:r>
-                        <m:r>
-                          <a:rPr lang="et-EE" altLang="zh-CN" sz="3600" b="0" i="1" smtClean="0">
-                            <a:solidFill>
-                              <a:schemeClr val="tx1"/>
-                            </a:solidFill>
-                            <a:latin typeface="Cambria Math" panose="02040503050406030204" pitchFamily="18" charset="0"/>
-                            <a:ea typeface="ＭＳ Ｐゴシック" charset="-128"/>
-                          </a:rPr>
-                          <m:t>𝐵</m:t>
-                        </m:r>
-                        <m:d>
-                          <m:dPr>
-                            <m:ctrlPr>
-                              <a:rPr lang="et-EE" altLang="zh-CN" sz="3600" b="0" i="1" smtClean="0">
-                                <a:solidFill>
-                                  <a:schemeClr val="tx1"/>
-                                </a:solidFill>
-                                <a:latin typeface="Cambria Math" panose="02040503050406030204" pitchFamily="18" charset="0"/>
-                                <a:ea typeface="ＭＳ Ｐゴシック" charset="-128"/>
-                              </a:rPr>
-                            </m:ctrlPr>
-                          </m:dPr>
-                          <m:e>
-                            <m:r>
-                              <a:rPr lang="et-EE" altLang="zh-CN" sz="3600" b="0" i="1" smtClean="0">
-                                <a:solidFill>
-                                  <a:schemeClr val="tx1"/>
-                                </a:solidFill>
-                                <a:latin typeface="Cambria Math" panose="02040503050406030204" pitchFamily="18" charset="0"/>
-                                <a:ea typeface="ＭＳ Ｐゴシック" charset="-128"/>
-                              </a:rPr>
-                              <m:t>𝑗</m:t>
-                            </m:r>
-                          </m:e>
-                        </m:d>
-                      </m:e>
-                    </m:d>
-                    <m:r>
-                      <a:rPr lang="et-EE" altLang="zh-CN" sz="3600" b="0" i="1" smtClean="0">
-                        <a:solidFill>
-                          <a:schemeClr val="tx1"/>
-                        </a:solidFill>
-                        <a:latin typeface="Cambria Math" panose="02040503050406030204" pitchFamily="18" charset="0"/>
-                        <a:ea typeface="ＭＳ Ｐゴシック" charset="-128"/>
-                      </a:rPr>
-                      <m:t>+ </m:t>
-                    </m:r>
-                  </m:oMath>
-                </a14:m>
+                <a14:m/>
                 <a:r>
                   <a:rPr lang="et-EE" altLang="zh-CN" sz="3600" dirty="0" smtClean="0">
                     <a:solidFill>
@@ -5448,301 +5057,7 @@
                   </a:rPr>
                   <a:t>min </a:t>
                 </a:r>
-                <a14:m>
-                  <m:oMath xmlns:m="http://schemas.openxmlformats.org/officeDocument/2006/math">
-                    <m:d>
-                      <m:dPr>
-                        <m:begChr m:val="{"/>
-                        <m:endChr m:val=""/>
-                        <m:ctrlPr>
-                          <a:rPr lang="et-EE" altLang="zh-CN" sz="3600" i="1" smtClean="0">
-                            <a:solidFill>
-                              <a:schemeClr val="tx1"/>
-                            </a:solidFill>
-                            <a:latin typeface="Cambria Math" panose="02040503050406030204" pitchFamily="18" charset="0"/>
-                            <a:ea typeface="ＭＳ Ｐゴシック" charset="-128"/>
-                          </a:rPr>
-                        </m:ctrlPr>
-                      </m:dPr>
-                      <m:e>
-                        <m:eqArr>
-                          <m:eqArrPr>
-                            <m:ctrlPr>
-                              <a:rPr lang="et-EE" altLang="zh-CN" sz="3600" i="1" smtClean="0">
-                                <a:solidFill>
-                                  <a:schemeClr val="tx1"/>
-                                </a:solidFill>
-                                <a:latin typeface="Cambria Math" panose="02040503050406030204" pitchFamily="18" charset="0"/>
-                                <a:ea typeface="ＭＳ Ｐゴシック" charset="-128"/>
-                              </a:rPr>
-                            </m:ctrlPr>
-                          </m:eqArrPr>
-                          <m:e>
-                            <m:r>
-                              <a:rPr lang="et-EE" altLang="zh-CN" sz="3600" b="0" i="1" smtClean="0">
-                                <a:solidFill>
-                                  <a:schemeClr val="tx1"/>
-                                </a:solidFill>
-                                <a:latin typeface="Cambria Math" panose="02040503050406030204" pitchFamily="18" charset="0"/>
-                                <a:ea typeface="ＭＳ Ｐゴシック" charset="-128"/>
-                              </a:rPr>
-                              <m:t>𝑑</m:t>
-                            </m:r>
-                            <m:d>
-                              <m:dPr>
-                                <m:ctrlPr>
-                                  <a:rPr lang="et-EE" altLang="zh-CN" sz="3600" b="0" i="1" smtClean="0">
-                                    <a:solidFill>
-                                      <a:schemeClr val="tx1"/>
-                                    </a:solidFill>
-                                    <a:latin typeface="Cambria Math" panose="02040503050406030204" pitchFamily="18" charset="0"/>
-                                    <a:ea typeface="ＭＳ Ｐゴシック" charset="-128"/>
-                                  </a:rPr>
-                                </m:ctrlPr>
-                              </m:dPr>
-                              <m:e>
-                                <m:r>
-                                  <a:rPr lang="et-EE" altLang="zh-CN" sz="3600" b="0" i="1" smtClean="0">
-                                    <a:solidFill>
-                                      <a:schemeClr val="tx1"/>
-                                    </a:solidFill>
-                                    <a:latin typeface="Cambria Math" panose="02040503050406030204" pitchFamily="18" charset="0"/>
-                                    <a:ea typeface="ＭＳ Ｐゴシック" charset="-128"/>
-                                  </a:rPr>
-                                  <m:t>𝑖</m:t>
-                                </m:r>
-                                <m:r>
-                                  <a:rPr lang="et-EE" altLang="zh-CN" sz="3600" b="0" i="1" smtClean="0">
-                                    <a:solidFill>
-                                      <a:schemeClr val="tx1"/>
-                                    </a:solidFill>
-                                    <a:latin typeface="Cambria Math" panose="02040503050406030204" pitchFamily="18" charset="0"/>
-                                    <a:ea typeface="ＭＳ Ｐゴシック" charset="-128"/>
-                                  </a:rPr>
-                                  <m:t>−</m:t>
-                                </m:r>
-                                <m:r>
-                                  <a:rPr lang="et-EE" altLang="zh-CN" sz="3600" b="0" i="1" smtClean="0">
-                                    <a:solidFill>
-                                      <a:schemeClr val="tx1"/>
-                                    </a:solidFill>
-                                    <a:latin typeface="Cambria Math" panose="02040503050406030204" pitchFamily="18" charset="0"/>
-                                    <a:ea typeface="ＭＳ Ｐゴシック" charset="-128"/>
-                                  </a:rPr>
-                                  <m:t>𝑖</m:t>
-                                </m:r>
-                                <m:r>
-                                  <a:rPr lang="et-EE" altLang="zh-CN" sz="3600" b="0" i="1" smtClean="0">
-                                    <a:solidFill>
-                                      <a:schemeClr val="tx1"/>
-                                    </a:solidFill>
-                                    <a:latin typeface="Cambria Math" panose="02040503050406030204" pitchFamily="18" charset="0"/>
-                                    <a:ea typeface="ＭＳ Ｐゴシック" charset="-128"/>
-                                  </a:rPr>
-                                  <m:t>, </m:t>
-                                </m:r>
-                                <m:r>
-                                  <a:rPr lang="et-EE" altLang="zh-CN" sz="3600" b="0" i="1" smtClean="0">
-                                    <a:solidFill>
-                                      <a:schemeClr val="tx1"/>
-                                    </a:solidFill>
-                                    <a:latin typeface="Cambria Math" panose="02040503050406030204" pitchFamily="18" charset="0"/>
-                                    <a:ea typeface="ＭＳ Ｐゴシック" charset="-128"/>
-                                  </a:rPr>
-                                  <m:t>𝑗</m:t>
-                                </m:r>
-                                <m:r>
-                                  <a:rPr lang="et-EE" altLang="zh-CN" sz="3600" b="0" i="1" smtClean="0">
-                                    <a:solidFill>
-                                      <a:schemeClr val="tx1"/>
-                                    </a:solidFill>
-                                    <a:latin typeface="Cambria Math" panose="02040503050406030204" pitchFamily="18" charset="0"/>
-                                    <a:ea typeface="ＭＳ Ｐゴシック" charset="-128"/>
-                                  </a:rPr>
-                                  <m:t>−1</m:t>
-                                </m:r>
-                              </m:e>
-                            </m:d>
-                            <m:r>
-                              <a:rPr lang="et-EE" altLang="zh-CN" sz="3600" b="0" i="1" smtClean="0">
-                                <a:solidFill>
-                                  <a:schemeClr val="tx1"/>
-                                </a:solidFill>
-                                <a:latin typeface="Cambria Math" panose="02040503050406030204" pitchFamily="18" charset="0"/>
-                                <a:ea typeface="ＭＳ Ｐゴシック" charset="-128"/>
-                              </a:rPr>
-                              <m:t>,</m:t>
-                            </m:r>
-                          </m:e>
-                          <m:e>
-                            <m:r>
-                              <a:rPr lang="et-EE" altLang="zh-CN" sz="3600" b="0" i="1" smtClean="0">
-                                <a:solidFill>
-                                  <a:schemeClr val="tx1"/>
-                                </a:solidFill>
-                                <a:latin typeface="Cambria Math" panose="02040503050406030204" pitchFamily="18" charset="0"/>
-                                <a:ea typeface="ＭＳ Ｐゴシック" charset="-128"/>
-                              </a:rPr>
-                              <m:t>𝑑</m:t>
-                            </m:r>
-                            <m:d>
-                              <m:dPr>
-                                <m:ctrlPr>
-                                  <a:rPr lang="et-EE" altLang="zh-CN" sz="3600" b="0" i="1" smtClean="0">
-                                    <a:solidFill>
-                                      <a:schemeClr val="tx1"/>
-                                    </a:solidFill>
-                                    <a:latin typeface="Cambria Math" panose="02040503050406030204" pitchFamily="18" charset="0"/>
-                                    <a:ea typeface="ＭＳ Ｐゴシック" charset="-128"/>
-                                  </a:rPr>
-                                </m:ctrlPr>
-                              </m:dPr>
-                              <m:e>
-                                <m:r>
-                                  <a:rPr lang="et-EE" altLang="zh-CN" sz="3600" b="0" i="1" smtClean="0">
-                                    <a:solidFill>
-                                      <a:schemeClr val="tx1"/>
-                                    </a:solidFill>
-                                    <a:latin typeface="Cambria Math" panose="02040503050406030204" pitchFamily="18" charset="0"/>
-                                    <a:ea typeface="ＭＳ Ｐゴシック" charset="-128"/>
-                                  </a:rPr>
-                                  <m:t>𝑖</m:t>
-                                </m:r>
-                                <m:r>
-                                  <a:rPr lang="et-EE" altLang="zh-CN" sz="3600" b="0" i="1" smtClean="0">
-                                    <a:solidFill>
-                                      <a:schemeClr val="tx1"/>
-                                    </a:solidFill>
-                                    <a:latin typeface="Cambria Math" panose="02040503050406030204" pitchFamily="18" charset="0"/>
-                                    <a:ea typeface="ＭＳ Ｐゴシック" charset="-128"/>
-                                  </a:rPr>
-                                  <m:t>−</m:t>
-                                </m:r>
-                                <m:r>
-                                  <a:rPr lang="et-EE" altLang="zh-CN" sz="3600" b="0" i="1" smtClean="0">
-                                    <a:solidFill>
-                                      <a:schemeClr val="tx1"/>
-                                    </a:solidFill>
-                                    <a:latin typeface="Cambria Math" panose="02040503050406030204" pitchFamily="18" charset="0"/>
-                                    <a:ea typeface="ＭＳ Ｐゴシック" charset="-128"/>
-                                  </a:rPr>
-                                  <m:t>𝑖</m:t>
-                                </m:r>
-                                <m:r>
-                                  <a:rPr lang="et-EE" altLang="zh-CN" sz="3600" b="0" i="1" smtClean="0">
-                                    <a:solidFill>
-                                      <a:schemeClr val="tx1"/>
-                                    </a:solidFill>
-                                    <a:latin typeface="Cambria Math" panose="02040503050406030204" pitchFamily="18" charset="0"/>
-                                    <a:ea typeface="ＭＳ Ｐゴシック" charset="-128"/>
-                                  </a:rPr>
-                                  <m:t>, </m:t>
-                                </m:r>
-                                <m:r>
-                                  <a:rPr lang="et-EE" altLang="zh-CN" sz="3600" b="0" i="1" smtClean="0">
-                                    <a:solidFill>
-                                      <a:schemeClr val="tx1"/>
-                                    </a:solidFill>
-                                    <a:latin typeface="Cambria Math" panose="02040503050406030204" pitchFamily="18" charset="0"/>
-                                    <a:ea typeface="ＭＳ Ｐゴシック" charset="-128"/>
-                                  </a:rPr>
-                                  <m:t>𝑗</m:t>
-                                </m:r>
-                              </m:e>
-                            </m:d>
-                            <m:r>
-                              <a:rPr lang="et-EE" altLang="zh-CN" sz="3600" b="0" i="1" smtClean="0">
-                                <a:solidFill>
-                                  <a:schemeClr val="tx1"/>
-                                </a:solidFill>
-                                <a:latin typeface="Cambria Math" panose="02040503050406030204" pitchFamily="18" charset="0"/>
-                                <a:ea typeface="ＭＳ Ｐゴシック" charset="-128"/>
-                              </a:rPr>
-                              <m:t>,</m:t>
-                            </m:r>
-                          </m:e>
-                          <m:e>
-                            <m:r>
-                              <a:rPr lang="et-EE" altLang="zh-CN" sz="3600" b="0" i="1" smtClean="0">
-                                <a:solidFill>
-                                  <a:schemeClr val="tx1"/>
-                                </a:solidFill>
-                                <a:latin typeface="Cambria Math" panose="02040503050406030204" pitchFamily="18" charset="0"/>
-                                <a:ea typeface="ＭＳ Ｐゴシック" charset="-128"/>
-                              </a:rPr>
-                              <m:t>𝑑</m:t>
-                            </m:r>
-                            <m:d>
-                              <m:dPr>
-                                <m:ctrlPr>
-                                  <a:rPr lang="et-EE" altLang="zh-CN" sz="3600" b="0" i="1" smtClean="0">
-                                    <a:solidFill>
-                                      <a:schemeClr val="tx1"/>
-                                    </a:solidFill>
-                                    <a:latin typeface="Cambria Math" panose="02040503050406030204" pitchFamily="18" charset="0"/>
-                                    <a:ea typeface="ＭＳ Ｐゴシック" charset="-128"/>
-                                  </a:rPr>
-                                </m:ctrlPr>
-                              </m:dPr>
-                              <m:e>
-                                <m:r>
-                                  <a:rPr lang="et-EE" altLang="zh-CN" sz="3600" b="0" i="1" smtClean="0">
-                                    <a:solidFill>
-                                      <a:schemeClr val="tx1"/>
-                                    </a:solidFill>
-                                    <a:latin typeface="Cambria Math" panose="02040503050406030204" pitchFamily="18" charset="0"/>
-                                    <a:ea typeface="ＭＳ Ｐゴシック" charset="-128"/>
-                                  </a:rPr>
-                                  <m:t>𝑗</m:t>
-                                </m:r>
-                                <m:r>
-                                  <a:rPr lang="et-EE" altLang="zh-CN" sz="3600" b="0" i="1" smtClean="0">
-                                    <a:solidFill>
-                                      <a:schemeClr val="tx1"/>
-                                    </a:solidFill>
-                                    <a:latin typeface="Cambria Math" panose="02040503050406030204" pitchFamily="18" charset="0"/>
-                                    <a:ea typeface="ＭＳ Ｐゴシック" charset="-128"/>
-                                  </a:rPr>
-                                  <m:t>, </m:t>
-                                </m:r>
-                                <m:r>
-                                  <a:rPr lang="et-EE" altLang="zh-CN" sz="3600" b="0" i="1" smtClean="0">
-                                    <a:solidFill>
-                                      <a:schemeClr val="tx1"/>
-                                    </a:solidFill>
-                                    <a:latin typeface="Cambria Math" panose="02040503050406030204" pitchFamily="18" charset="0"/>
-                                    <a:ea typeface="ＭＳ Ｐゴシック" charset="-128"/>
-                                  </a:rPr>
-                                  <m:t>𝑖</m:t>
-                                </m:r>
-                                <m:r>
-                                  <a:rPr lang="et-EE" altLang="zh-CN" sz="3600" b="0" i="1" smtClean="0">
-                                    <a:solidFill>
-                                      <a:schemeClr val="tx1"/>
-                                    </a:solidFill>
-                                    <a:latin typeface="Cambria Math" panose="02040503050406030204" pitchFamily="18" charset="0"/>
-                                    <a:ea typeface="ＭＳ Ｐゴシック" charset="-128"/>
-                                  </a:rPr>
-                                  <m:t>−1</m:t>
-                                </m:r>
-                              </m:e>
-                            </m:d>
-                            <m:r>
-                              <a:rPr lang="et-EE" altLang="zh-CN" sz="3600" b="0" i="1" smtClean="0">
-                                <a:solidFill>
-                                  <a:schemeClr val="tx1"/>
-                                </a:solidFill>
-                                <a:latin typeface="Cambria Math" panose="02040503050406030204" pitchFamily="18" charset="0"/>
-                                <a:ea typeface="ＭＳ Ｐゴシック" charset="-128"/>
-                              </a:rPr>
-                              <m:t>.</m:t>
-                            </m:r>
-                          </m:e>
-                        </m:eqArr>
-                      </m:e>
-                    </m:d>
-                  </m:oMath>
-                </a14:m>
+                <a14:m/>
                 <a:endParaRPr lang="en-US" altLang="zh-CN" sz="3600" dirty="0">
                   <a:solidFill>
                     <a:schemeClr val="tx1"/>
@@ -5751,7 +5066,7 @@
                 </a:endParaRPr>
               </a:p>
               <a:p>
-                <a:pPr lvl="1" algn="just">
+                <a:pPr marL="0" lvl="1" algn="just">
                   <a:lnSpc>
                     <a:spcPct val="120000"/>
                   </a:lnSpc>
@@ -5780,15 +5095,15 @@
             <p:spPr bwMode="auto">
               <a:xfrm>
                 <a:off x="1028540" y="21301654"/>
-                <a:ext cx="11004710" cy="7877443"/>
+                <a:ext cx="11004710" cy="6066692"/>
               </a:xfrm>
               <a:prstGeom prst="rect">
                 <a:avLst/>
               </a:prstGeom>
-              <a:blipFill rotWithShape="0">
+              <a:blipFill rotWithShape="1">
                 <a:blip r:embed="rId3"/>
                 <a:stretch>
-                  <a:fillRect t="-155" r="-1274"/>
+                  <a:fillRect/>
                 </a:stretch>
               </a:blipFill>
               <a:ln w="57150" cmpd="thinThick">
@@ -5802,7 +5117,7 @@
               <a:lstStyle/>
               <a:p>
                 <a:r>
-                  <a:rPr lang="et-EE">
+                  <a:rPr lang="en-US">
                     <a:noFill/>
                   </a:rPr>
                   <a:t> </a:t>
@@ -6530,18 +5845,7 @@
                   <a:ea typeface="SimSun" pitchFamily="2" charset="-122"/>
                   <a:cs typeface="Lucida Sans" pitchFamily="34" charset="0"/>
                 </a:rPr>
-                <a:t>C </a:t>
-              </a:r>
-              <a:r>
-                <a:rPr lang="en-US" altLang="zh-CN" sz="4200" b="1" dirty="0" smtClean="0">
-                  <a:solidFill>
-                    <a:schemeClr val="bg1"/>
-                  </a:solidFill>
-                  <a:latin typeface="Lucida Sans" pitchFamily="34" charset="0"/>
-                  <a:ea typeface="SimSun" pitchFamily="2" charset="-122"/>
-                  <a:cs typeface="Lucida Sans" pitchFamily="34" charset="0"/>
-                </a:rPr>
-                <a:t>TIME WARPING</a:t>
+                <a:t>C TIME WARPING</a:t>
               </a:r>
               <a:endParaRPr lang="en-US" altLang="zh-CN" sz="3000" b="1" dirty="0">
                 <a:solidFill>
@@ -6566,7 +5870,7 @@
         <p:spPr bwMode="auto">
           <a:xfrm>
             <a:off x="12795250" y="6679406"/>
-            <a:ext cx="17906999" cy="9958526"/>
+            <a:ext cx="17906999" cy="5780459"/>
           </a:xfrm>
           <a:prstGeom prst="rect">
             <a:avLst/>
@@ -6580,7 +5884,7 @@
           </a:ln>
           <a:extLst>
             <a:ext uri="{AF507438-7753-43e0-B8FC-AC1667EBCBE1}">
-              <a14:hiddenEffects xmlns="" xmlns:a14="http://schemas.microsoft.com/office/drawing/2010/main">
+              <a14:hiddenEffects xmlns:a14="http://schemas.microsoft.com/office/drawing/2010/main">
                 <a:effectLst>
                   <a:outerShdw dist="35921" dir="2700000" algn="ctr" rotWithShape="0">
                     <a:schemeClr val="bg2"/>
@@ -6702,239 +6006,18 @@
               </a:lnSpc>
             </a:pPr>
             <a:r>
-              <a:rPr lang="et-EE" altLang="ja-JP" sz="3600" dirty="0" err="1" smtClean="0">
-                <a:ea typeface="ＭＳ Ｐゴシック" charset="-128"/>
-              </a:rPr>
-              <a:t>To</a:t>
-            </a:r>
-            <a:r>
               <a:rPr lang="et-EE" altLang="ja-JP" sz="3600" dirty="0" smtClean="0">
                 <a:ea typeface="ＭＳ Ｐゴシック" charset="-128"/>
               </a:rPr>
-              <a:t> </a:t>
-            </a:r>
-            <a:r>
-              <a:rPr lang="en-US" altLang="ja-JP" sz="3600" dirty="0" smtClean="0">
-                <a:ea typeface="ＭＳ Ｐゴシック" charset="-128"/>
-              </a:rPr>
-              <a:t>speed </a:t>
-            </a:r>
-            <a:r>
-              <a:rPr lang="en-US" altLang="ja-JP" sz="3600" dirty="0">
-                <a:ea typeface="ＭＳ Ｐゴシック" charset="-128"/>
-              </a:rPr>
-              <a:t>up the DTW calculation and prevent pathological </a:t>
-            </a:r>
-            <a:r>
-              <a:rPr lang="en-US" altLang="ja-JP" sz="3600" dirty="0" err="1">
-                <a:ea typeface="ＭＳ Ｐゴシック" charset="-128"/>
-              </a:rPr>
-              <a:t>warpings</a:t>
-            </a:r>
-            <a:r>
-              <a:rPr lang="en-US" altLang="ja-JP" sz="3600" dirty="0">
-                <a:ea typeface="ＭＳ Ｐゴシック" charset="-128"/>
-              </a:rPr>
-              <a:t>, different constraints for warping window have been introduced. </a:t>
-            </a:r>
-            <a:r>
-              <a:rPr lang="et-EE" altLang="ja-JP" sz="3600" dirty="0" smtClean="0">
-                <a:ea typeface="ＭＳ Ｐゴシック" charset="-128"/>
-              </a:rPr>
-              <a:t>A</a:t>
-            </a:r>
-            <a:r>
-              <a:rPr lang="en-US" altLang="ja-JP" sz="3600" dirty="0" smtClean="0">
-                <a:ea typeface="ＭＳ Ｐゴシック" charset="-128"/>
-              </a:rPr>
-              <a:t> </a:t>
-            </a:r>
-            <a:r>
-              <a:rPr lang="en-US" altLang="ja-JP" sz="3600" dirty="0">
-                <a:ea typeface="ＭＳ Ｐゴシック" charset="-128"/>
-              </a:rPr>
-              <a:t>global constraint constraints the indices of the warping </a:t>
-            </a:r>
-            <a:r>
-              <a:rPr lang="en-US" altLang="ja-JP" sz="3600" dirty="0" smtClean="0">
-                <a:ea typeface="ＭＳ Ｐゴシック" charset="-128"/>
-              </a:rPr>
-              <a:t>path</a:t>
-            </a:r>
-            <a:r>
-              <a:rPr lang="et-EE" altLang="ja-JP" sz="3600" dirty="0" smtClean="0">
-                <a:ea typeface="ＭＳ Ｐゴシック" charset="-128"/>
-              </a:rPr>
-              <a:t>. </a:t>
-            </a:r>
-            <a:r>
-              <a:rPr lang="et-EE" altLang="ja-JP" sz="3600" dirty="0" err="1" smtClean="0">
-                <a:ea typeface="ＭＳ Ｐゴシック" charset="-128"/>
-              </a:rPr>
-              <a:t>Most</a:t>
-            </a:r>
-            <a:r>
-              <a:rPr lang="et-EE" altLang="ja-JP" sz="3600" dirty="0" smtClean="0">
-                <a:ea typeface="ＭＳ Ｐゴシック" charset="-128"/>
-              </a:rPr>
-              <a:t> </a:t>
-            </a:r>
-            <a:r>
-              <a:rPr lang="et-EE" altLang="ja-JP" sz="3600" dirty="0" err="1" smtClean="0">
-                <a:ea typeface="ＭＳ Ｐゴシック" charset="-128"/>
-              </a:rPr>
-              <a:t>important</a:t>
-            </a:r>
-            <a:r>
-              <a:rPr lang="et-EE" altLang="ja-JP" sz="3600" dirty="0" smtClean="0">
-                <a:ea typeface="ＭＳ Ｐゴシック" charset="-128"/>
-              </a:rPr>
-              <a:t> </a:t>
-            </a:r>
-            <a:r>
-              <a:rPr lang="et-EE" altLang="ja-JP" sz="3600" dirty="0" err="1" smtClean="0">
-                <a:ea typeface="ＭＳ Ｐゴシック" charset="-128"/>
-              </a:rPr>
-              <a:t>window</a:t>
-            </a:r>
-            <a:r>
-              <a:rPr lang="et-EE" altLang="ja-JP" sz="3600" dirty="0" smtClean="0">
-                <a:ea typeface="ＭＳ Ｐゴシック" charset="-128"/>
-              </a:rPr>
-              <a:t> </a:t>
-            </a:r>
-            <a:r>
-              <a:rPr lang="et-EE" altLang="ja-JP" sz="3600" dirty="0" err="1" smtClean="0">
-                <a:ea typeface="ＭＳ Ｐゴシック" charset="-128"/>
-              </a:rPr>
-              <a:t>constraints</a:t>
-            </a:r>
-            <a:r>
-              <a:rPr lang="et-EE" altLang="ja-JP" sz="3600" dirty="0" smtClean="0">
-                <a:ea typeface="ＭＳ Ｐゴシック" charset="-128"/>
-              </a:rPr>
-              <a:t> are </a:t>
-            </a:r>
-            <a:r>
-              <a:rPr lang="et-EE" altLang="ja-JP" sz="3600" dirty="0" err="1" smtClean="0">
-                <a:ea typeface="ＭＳ Ｐゴシック" charset="-128"/>
-              </a:rPr>
-              <a:t>briefly</a:t>
-            </a:r>
-            <a:r>
-              <a:rPr lang="et-EE" altLang="ja-JP" sz="3600" dirty="0" smtClean="0">
-                <a:ea typeface="ＭＳ Ｐゴシック" charset="-128"/>
-              </a:rPr>
-              <a:t> </a:t>
-            </a:r>
-            <a:r>
-              <a:rPr lang="et-EE" altLang="ja-JP" sz="3600" dirty="0" err="1" smtClean="0">
-                <a:ea typeface="ＭＳ Ｐゴシック" charset="-128"/>
-              </a:rPr>
-              <a:t>described</a:t>
-            </a:r>
-            <a:r>
-              <a:rPr lang="et-EE" altLang="ja-JP" sz="3600" dirty="0" smtClean="0">
-                <a:ea typeface="ＭＳ Ｐゴシック" charset="-128"/>
-              </a:rPr>
-              <a:t> </a:t>
-            </a:r>
-            <a:r>
-              <a:rPr lang="et-EE" altLang="ja-JP" sz="3600" dirty="0" err="1" smtClean="0">
-                <a:ea typeface="ＭＳ Ｐゴシック" charset="-128"/>
-              </a:rPr>
-              <a:t>below</a:t>
-            </a:r>
-            <a:r>
-              <a:rPr lang="et-EE" altLang="ja-JP" sz="3600" dirty="0" smtClean="0">
-                <a:ea typeface="ＭＳ Ｐゴシック" charset="-128"/>
-              </a:rPr>
-              <a:t>. </a:t>
-            </a:r>
-            <a:r>
-              <a:rPr lang="et-EE" altLang="ja-JP" sz="3600" dirty="0" err="1" smtClean="0">
-                <a:ea typeface="ＭＳ Ｐゴシック" charset="-128"/>
-              </a:rPr>
-              <a:t>For</a:t>
-            </a:r>
-            <a:r>
-              <a:rPr lang="et-EE" altLang="ja-JP" sz="3600" dirty="0" smtClean="0">
-                <a:ea typeface="ＭＳ Ｐゴシック" charset="-128"/>
-              </a:rPr>
-              <a:t> </a:t>
-            </a:r>
-            <a:r>
-              <a:rPr lang="et-EE" altLang="ja-JP" sz="3600" dirty="0" err="1" smtClean="0">
-                <a:ea typeface="ＭＳ Ｐゴシック" charset="-128"/>
-              </a:rPr>
-              <a:t>Sakoe</a:t>
-            </a:r>
-            <a:r>
-              <a:rPr lang="et-EE" altLang="ja-JP" sz="3600" dirty="0" err="1">
-                <a:ea typeface="ＭＳ Ｐゴシック" charset="-128"/>
-              </a:rPr>
-              <a:t>-</a:t>
-            </a:r>
-            <a:r>
-              <a:rPr lang="et-EE" altLang="ja-JP" sz="3600" dirty="0" err="1" smtClean="0">
-                <a:ea typeface="ＭＳ Ｐゴシック" charset="-128"/>
-              </a:rPr>
-              <a:t>Chiba</a:t>
-            </a:r>
-            <a:r>
-              <a:rPr lang="et-EE" altLang="ja-JP" sz="3600" dirty="0" smtClean="0">
-                <a:ea typeface="ＭＳ Ｐゴシック" charset="-128"/>
-              </a:rPr>
-              <a:t> and Itakura </a:t>
-            </a:r>
-            <a:r>
-              <a:rPr lang="et-EE" altLang="ja-JP" sz="3600" dirty="0" err="1" smtClean="0">
-                <a:ea typeface="ＭＳ Ｐゴシック" charset="-128"/>
-              </a:rPr>
-              <a:t>sequenced</a:t>
-            </a:r>
-            <a:r>
-              <a:rPr lang="et-EE" altLang="ja-JP" sz="3600" dirty="0" smtClean="0">
-                <a:ea typeface="ＭＳ Ｐゴシック" charset="-128"/>
-              </a:rPr>
-              <a:t> of </a:t>
-            </a:r>
-            <a:r>
-              <a:rPr lang="et-EE" altLang="ja-JP" sz="3600" dirty="0" err="1" smtClean="0">
-                <a:ea typeface="ＭＳ Ｐゴシック" charset="-128"/>
-              </a:rPr>
-              <a:t>equal</a:t>
-            </a:r>
-            <a:r>
-              <a:rPr lang="et-EE" altLang="ja-JP" sz="3600" dirty="0" smtClean="0">
-                <a:ea typeface="ＭＳ Ｐゴシック" charset="-128"/>
-              </a:rPr>
-              <a:t> </a:t>
-            </a:r>
-            <a:r>
-              <a:rPr lang="et-EE" altLang="ja-JP" sz="3600" dirty="0" err="1" smtClean="0">
-                <a:ea typeface="ＭＳ Ｐゴシック" charset="-128"/>
-              </a:rPr>
-              <a:t>length</a:t>
-            </a:r>
-            <a:r>
-              <a:rPr lang="et-EE" altLang="ja-JP" sz="3600" dirty="0" smtClean="0">
-                <a:ea typeface="ＭＳ Ｐゴシック" charset="-128"/>
-              </a:rPr>
-              <a:t> are </a:t>
-            </a:r>
-            <a:r>
-              <a:rPr lang="et-EE" altLang="ja-JP" sz="3600" dirty="0" err="1" smtClean="0">
-                <a:ea typeface="ＭＳ Ｐゴシック" charset="-128"/>
-              </a:rPr>
-              <a:t>required</a:t>
-            </a:r>
-            <a:r>
-              <a:rPr lang="et-EE" altLang="ja-JP" sz="3600" dirty="0" smtClean="0">
-                <a:ea typeface="ＭＳ Ｐゴシック" charset="-128"/>
-              </a:rPr>
-              <a:t>.</a:t>
-            </a:r>
+              <a:t>The construction of the warping matrix and search for the optimal warping path is animated, the resulting alignment is dynamically shown. User can insert their own series or use random data. Different parameters, including global contraints can be selected. </a:t>
+            </a:r>
+          </a:p>
+          <a:p>
+            <a:pPr algn="just">
+              <a:lnSpc>
+                <a:spcPct val="125000"/>
+              </a:lnSpc>
+            </a:pPr>
             <a:endParaRPr lang="et-EE" altLang="ja-JP" sz="3600" dirty="0" smtClean="0">
               <a:ea typeface="ＭＳ Ｐゴシック" charset="-128"/>
             </a:endParaRPr>
@@ -6946,340 +6029,146 @@
               </a:lnSpc>
             </a:pPr>
             <a:r>
-              <a:rPr lang="et-EE" altLang="ja-JP" sz="3600" b="1" dirty="0" err="1" smtClean="0">
+              <a:rPr lang="et-EE" altLang="ja-JP" sz="3600" dirty="0" smtClean="0">
                 <a:ea typeface="ＭＳ Ｐゴシック" charset="-128"/>
               </a:rPr>
-              <a:t>Sakoe</a:t>
-            </a:r>
-            <a:r>
-              <a:rPr lang="et-EE" altLang="ja-JP" sz="3600" b="1" dirty="0" err="1">
+              <a:t>To </a:t>
+            </a:r>
+            <a:r>
+              <a:rPr lang="en-US" altLang="ja-JP" sz="3600" dirty="0" smtClean="0">
                 <a:ea typeface="ＭＳ Ｐゴシック" charset="-128"/>
               </a:rPr>
-              <a:t>-</a:t>
-            </a:r>
-            <a:r>
-              <a:rPr lang="et-EE" altLang="ja-JP" sz="3600" b="1" dirty="0" err="1" smtClean="0">
+              <a:t>speed </a:t>
+            </a:r>
+            <a:r>
+              <a:rPr lang="en-US" altLang="ja-JP" sz="3600" dirty="0">
                 <a:ea typeface="ＭＳ Ｐゴシック" charset="-128"/>
               </a:rPr>
-              <a:t>Chiba</a:t>
+              <a:t>up the DTW calculation and prevent pathological </a:t>
+            </a:r>
+            <a:r>
+              <a:rPr lang="en-US" altLang="ja-JP" sz="3600" dirty="0" err="1">
+                <a:ea typeface="ＭＳ Ｐゴシック" charset="-128"/>
+              </a:rPr>
+              <a:t>warpings</a:t>
+            </a:r>
+            <a:r>
+              <a:rPr lang="en-US" altLang="ja-JP" sz="3600" dirty="0">
+                <a:ea typeface="ＭＳ Ｐゴシック" charset="-128"/>
+              </a:rPr>
+              <a:t>, different constraints for warping window have been introduced. </a:t>
+            </a:r>
+            <a:r>
+              <a:rPr lang="et-EE" altLang="ja-JP" sz="3600" dirty="0" smtClean="0">
+                <a:ea typeface="ＭＳ Ｐゴシック" charset="-128"/>
+              </a:rPr>
+              <a:t>A</a:t>
+            </a:r>
+            <a:r>
+              <a:rPr lang="en-US" altLang="ja-JP" sz="3600" dirty="0" smtClean="0">
+                <a:ea typeface="ＭＳ Ｐゴシック" charset="-128"/>
+              </a:rPr>
+              <a:t> </a:t>
+            </a:r>
+            <a:r>
+              <a:rPr lang="en-US" altLang="ja-JP" sz="3600" dirty="0">
+                <a:ea typeface="ＭＳ Ｐゴシック" charset="-128"/>
+              </a:rPr>
+              <a:t>global constraint constraints the indices of the warping </a:t>
+            </a:r>
+            <a:r>
+              <a:rPr lang="en-US" altLang="ja-JP" sz="3600" dirty="0" smtClean="0">
+                <a:ea typeface="ＭＳ Ｐゴシック" charset="-128"/>
+              </a:rPr>
+              <a:t>path</a:t>
+            </a:r>
+            <a:r>
+              <a:rPr lang="et-EE" altLang="ja-JP" sz="3600" dirty="0" smtClean="0">
+                <a:ea typeface="ＭＳ Ｐゴシック" charset="-128"/>
+              </a:rPr>
+              <a:t>. Most important window </a:t>
+            </a:r>
+            <a:r>
+              <a:rPr lang="et-EE" altLang="ja-JP" sz="3600" dirty="0" smtClean="0">
+                <a:ea typeface="ＭＳ Ｐゴシック" charset="-128"/>
+              </a:rPr>
+              <a:t>constraints are</a:t>
+            </a:r>
+            <a:r>
+              <a:rPr lang="et-EE" altLang="ja-JP" sz="3600" dirty="0" smtClean="0">
+                <a:ea typeface="ＭＳ Ｐゴシック" charset="-128"/>
+              </a:rPr>
+              <a:t> </a:t>
             </a:r>
             <a:r>
               <a:rPr lang="et-EE" altLang="ja-JP" sz="3600" b="1" dirty="0" smtClean="0">
                 <a:ea typeface="ＭＳ Ｐゴシック" charset="-128"/>
               </a:rPr>
+              <a:t>Sakoe</a:t>
+            </a:r>
+            <a:r>
+              <a:rPr lang="et-EE" altLang="ja-JP" sz="3600" b="1" dirty="0">
+                <a:ea typeface="ＭＳ Ｐゴシック" charset="-128"/>
+              </a:rPr>
+              <a:t>-</a:t>
+            </a:r>
+            <a:r>
+              <a:rPr lang="et-EE" altLang="ja-JP" sz="3600" b="1" dirty="0" smtClean="0">
+                <a:ea typeface="ＭＳ Ｐゴシック" charset="-128"/>
+              </a:rPr>
+              <a:t>Chiba </a:t>
+            </a:r>
+            <a:r>
+              <a:rPr lang="et-EE" altLang="ja-JP" sz="3600" b="1" dirty="0" smtClean="0">
+                <a:ea typeface="ＭＳ Ｐゴシック" charset="-128"/>
+              </a:rPr>
+              <a:t>Band </a:t>
+            </a:r>
+            <a:r>
+              <a:rPr lang="et-EE" altLang="ja-JP" sz="3600" dirty="0">
+                <a:ea typeface="ＭＳ Ｐゴシック" charset="-128"/>
+              </a:rPr>
+              <a:t>[SC78</a:t>
+            </a:r>
+            <a:r>
+              <a:rPr lang="et-EE" altLang="ja-JP" sz="3600" dirty="0" smtClean="0">
+                <a:ea typeface="ＭＳ Ｐゴシック" charset="-128"/>
+              </a:rPr>
+              <a:t>], </a:t>
+            </a:r>
+            <a:r>
+              <a:rPr lang="et-EE" altLang="ja-JP" sz="3600" b="1" dirty="0" smtClean="0">
+                <a:ea typeface="ＭＳ Ｐゴシック" charset="-128"/>
+              </a:rPr>
+              <a:t>Itakura Parallelogram </a:t>
+            </a:r>
+            <a:r>
+              <a:rPr lang="et-EE" altLang="ja-JP" sz="3600" dirty="0">
+                <a:ea typeface="ＭＳ Ｐゴシック" charset="-128"/>
+              </a:rPr>
+              <a:t>[Ita75</a:t>
+            </a:r>
+            <a:r>
+              <a:rPr lang="et-EE" altLang="ja-JP" sz="3600" dirty="0" smtClean="0">
+                <a:ea typeface="ＭＳ Ｐゴシック" charset="-128"/>
+              </a:rPr>
+              <a:t>], </a:t>
+            </a:r>
+            <a:r>
+              <a:rPr lang="et-EE" altLang="ja-JP" sz="3600" b="1" dirty="0">
+                <a:ea typeface="ＭＳ Ｐゴシック" charset="-128"/>
+              </a:rPr>
               <a:t> </a:t>
             </a:r>
             <a:r>
-              <a:rPr lang="et-EE" altLang="ja-JP" sz="3600" b="1" dirty="0" err="1" smtClean="0">
+              <a:rPr lang="et-EE" altLang="ja-JP" sz="3600" b="1" dirty="0" smtClean="0">
                 <a:ea typeface="ＭＳ Ｐゴシック" charset="-128"/>
               </a:rPr>
-              <a:t>Band</a:t>
+              <a:t>Slanted Band. </a:t>
             </a:r>
             <a:endParaRPr lang="et-EE" altLang="ja-JP" sz="3600" b="1" dirty="0" smtClean="0">
               <a:ea typeface="ＭＳ Ｐゴシック" charset="-128"/>
             </a:endParaRPr>
-          </a:p>
-          <a:p>
-            <a:pPr algn="just">
-              <a:lnSpc>
-                <a:spcPct val="125000"/>
-              </a:lnSpc>
-            </a:pPr>
-            <a:r>
-              <a:rPr lang="en-US" altLang="ja-JP" sz="3600" dirty="0" err="1">
-                <a:ea typeface="ＭＳ Ｐゴシック" charset="-128"/>
-              </a:rPr>
-              <a:t>Sakoe</a:t>
-            </a:r>
-            <a:r>
-              <a:rPr lang="en-US" altLang="ja-JP" sz="3600" dirty="0">
-                <a:ea typeface="ＭＳ Ｐゴシック" charset="-128"/>
-              </a:rPr>
-              <a:t>-Chiba band was introduced by </a:t>
-            </a:r>
-            <a:r>
-              <a:rPr lang="en-US" altLang="ja-JP" sz="3600" dirty="0" err="1">
-                <a:ea typeface="ＭＳ Ｐゴシック" charset="-128"/>
-              </a:rPr>
-              <a:t>Sakoe</a:t>
-            </a:r>
-            <a:r>
-              <a:rPr lang="en-US" altLang="ja-JP" sz="3600" dirty="0">
-                <a:ea typeface="ＭＳ Ｐゴシック" charset="-128"/>
-              </a:rPr>
-              <a:t> and Chiba </a:t>
-            </a:r>
-            <a:r>
-              <a:rPr lang="en-US" altLang="ja-JP" sz="3600" dirty="0" smtClean="0">
-                <a:ea typeface="ＭＳ Ｐゴシック" charset="-128"/>
-              </a:rPr>
-              <a:t>in </a:t>
-            </a:r>
-            <a:r>
-              <a:rPr lang="et-EE" altLang="ja-JP" sz="3600" dirty="0" smtClean="0">
-                <a:ea typeface="ＭＳ Ｐゴシック" charset="-128"/>
-              </a:rPr>
-              <a:t>[SC78] </a:t>
-            </a:r>
-            <a:r>
-              <a:rPr lang="en-US" altLang="ja-JP" sz="3600" dirty="0" smtClean="0">
-                <a:ea typeface="ＭＳ Ｐゴシック" charset="-128"/>
-              </a:rPr>
-              <a:t>for </a:t>
-            </a:r>
-            <a:r>
-              <a:rPr lang="en-US" altLang="ja-JP" sz="3600" dirty="0">
-                <a:ea typeface="ＭＳ Ｐゴシック" charset="-128"/>
-              </a:rPr>
-              <a:t>speech </a:t>
-            </a:r>
-            <a:r>
-              <a:rPr lang="en-US" altLang="ja-JP" sz="3600" dirty="0" smtClean="0">
-                <a:ea typeface="ＭＳ Ｐゴシック" charset="-128"/>
-              </a:rPr>
-              <a:t>community.</a:t>
-            </a:r>
-            <a:r>
-              <a:rPr lang="et-EE" altLang="ja-JP" sz="3600" dirty="0" smtClean="0">
-                <a:ea typeface="ＭＳ Ｐゴシック" charset="-128"/>
-              </a:rPr>
-              <a:t> </a:t>
-            </a:r>
-            <a:r>
-              <a:rPr lang="en-US" altLang="ja-JP" sz="3600" dirty="0" smtClean="0">
-                <a:ea typeface="ＭＳ Ｐゴシック" charset="-128"/>
-              </a:rPr>
-              <a:t>It </a:t>
-            </a:r>
-            <a:r>
-              <a:rPr lang="en-US" altLang="ja-JP" sz="3600" dirty="0">
-                <a:ea typeface="ＭＳ Ｐゴシック" charset="-128"/>
-              </a:rPr>
-              <a:t>runs </a:t>
-            </a:r>
-            <a:r>
-              <a:rPr lang="et-EE" altLang="ja-JP" sz="3600" dirty="0" err="1" smtClean="0">
-                <a:ea typeface="ＭＳ Ｐゴシック" charset="-128"/>
-              </a:rPr>
-              <a:t>along</a:t>
-            </a:r>
-            <a:r>
-              <a:rPr lang="en-US" altLang="ja-JP" sz="3600" dirty="0" smtClean="0">
-                <a:ea typeface="ＭＳ Ｐゴシック" charset="-128"/>
-              </a:rPr>
-              <a:t> </a:t>
-            </a:r>
-            <a:r>
-              <a:rPr lang="en-US" altLang="ja-JP" sz="3600" dirty="0">
-                <a:ea typeface="ＭＳ Ｐゴシック" charset="-128"/>
-              </a:rPr>
-              <a:t>the main diagonal having fixed window width.</a:t>
-            </a:r>
-          </a:p>
-          <a:p>
-            <a:pPr algn="just">
-              <a:lnSpc>
-                <a:spcPct val="125000"/>
-              </a:lnSpc>
-            </a:pPr>
-            <a:r>
-              <a:rPr lang="et-EE" altLang="ja-JP" sz="3600" b="1" dirty="0" smtClean="0">
-                <a:ea typeface="ＭＳ Ｐゴシック" charset="-128"/>
-              </a:rPr>
-              <a:t>Itakura </a:t>
-            </a:r>
-            <a:r>
-              <a:rPr lang="et-EE" altLang="ja-JP" sz="3600" b="1" dirty="0" err="1" smtClean="0">
-                <a:ea typeface="ＭＳ Ｐゴシック" charset="-128"/>
-              </a:rPr>
-              <a:t>Parallelogram</a:t>
-            </a:r>
-            <a:endParaRPr lang="et-EE" altLang="ja-JP" sz="3600" b="1" dirty="0" smtClean="0">
-              <a:ea typeface="ＭＳ Ｐゴシック" charset="-128"/>
-            </a:endParaRPr>
-          </a:p>
-          <a:p>
-            <a:pPr algn="just">
-              <a:lnSpc>
-                <a:spcPct val="125000"/>
-              </a:lnSpc>
-            </a:pPr>
-            <a:r>
-              <a:rPr lang="en-US" altLang="ja-JP" sz="3600" dirty="0" err="1" smtClean="0">
-                <a:ea typeface="ＭＳ Ｐゴシック" charset="-128"/>
-              </a:rPr>
-              <a:t>Itakura</a:t>
-            </a:r>
-            <a:r>
-              <a:rPr lang="en-US" altLang="ja-JP" sz="3600" dirty="0" smtClean="0">
-                <a:ea typeface="ＭＳ Ｐゴシック" charset="-128"/>
-              </a:rPr>
-              <a:t> parallelogram was introduced by </a:t>
-            </a:r>
-            <a:r>
-              <a:rPr lang="en-US" altLang="ja-JP" sz="3600" dirty="0" err="1" smtClean="0">
-                <a:ea typeface="ＭＳ Ｐゴシック" charset="-128"/>
-              </a:rPr>
-              <a:t>Itakura</a:t>
-            </a:r>
-            <a:r>
-              <a:rPr lang="en-US" altLang="ja-JP" sz="3600" dirty="0" smtClean="0">
-                <a:ea typeface="ＭＳ Ｐゴシック" charset="-128"/>
-              </a:rPr>
-              <a:t> in</a:t>
-            </a:r>
-            <a:r>
-              <a:rPr lang="et-EE" altLang="ja-JP" sz="3600" dirty="0" smtClean="0">
-                <a:ea typeface="ＭＳ Ｐゴシック" charset="-128"/>
-              </a:rPr>
-              <a:t> [Ita75].</a:t>
-            </a:r>
-            <a:r>
-              <a:rPr lang="et-EE" altLang="ja-JP" sz="3600" dirty="0">
-                <a:ea typeface="ＭＳ Ｐゴシック" charset="-128"/>
-              </a:rPr>
-              <a:t> </a:t>
-            </a:r>
-            <a:r>
-              <a:rPr lang="en-US" altLang="ja-JP" sz="3600" dirty="0" smtClean="0">
-                <a:ea typeface="ＭＳ Ｐゴシック" charset="-128"/>
-              </a:rPr>
-              <a:t>The warping window constrains the slope of a</a:t>
-            </a:r>
-            <a:r>
-              <a:rPr lang="et-EE" altLang="ja-JP" sz="3600" dirty="0" smtClean="0">
-                <a:ea typeface="ＭＳ Ｐゴシック" charset="-128"/>
-              </a:rPr>
-              <a:t> </a:t>
-            </a:r>
-            <a:r>
-              <a:rPr lang="en-US" altLang="ja-JP" sz="3600" dirty="0" smtClean="0">
-                <a:ea typeface="ＭＳ Ｐゴシック" charset="-128"/>
-              </a:rPr>
-              <a:t>warping path, i.e., the </a:t>
-            </a:r>
-            <a:r>
-              <a:rPr lang="en-US" altLang="ja-JP" sz="3600" dirty="0" err="1" smtClean="0">
-                <a:ea typeface="ＭＳ Ｐゴシック" charset="-128"/>
-              </a:rPr>
-              <a:t>Itakura</a:t>
-            </a:r>
-            <a:r>
-              <a:rPr lang="en-US" altLang="ja-JP" sz="3600" dirty="0" smtClean="0">
-                <a:ea typeface="ＭＳ Ｐゴシック" charset="-128"/>
-              </a:rPr>
-              <a:t> </a:t>
-            </a:r>
-            <a:r>
-              <a:rPr lang="en-US" altLang="ja-JP" sz="3600" dirty="0" smtClean="0">
-                <a:ea typeface="ＭＳ Ｐゴシック" charset="-128"/>
-              </a:rPr>
-              <a:t>parallelogram</a:t>
-            </a:r>
-            <a:r>
-              <a:rPr lang="et-EE" altLang="ja-JP" sz="3600" dirty="0" smtClean="0">
-                <a:ea typeface="ＭＳ Ｐゴシック" charset="-128"/>
-              </a:rPr>
-              <a:t> </a:t>
-            </a:r>
-            <a:r>
-              <a:rPr lang="en-US" altLang="ja-JP" sz="3600" dirty="0" smtClean="0">
-                <a:ea typeface="ＭＳ Ｐゴシック" charset="-128"/>
-              </a:rPr>
-              <a:t>consists of all cells that are traversed by some warping path having a </a:t>
-            </a:r>
-            <a:r>
-              <a:rPr lang="en-US" altLang="ja-JP" sz="3600" dirty="0" smtClean="0">
-                <a:ea typeface="ＭＳ Ｐゴシック" charset="-128"/>
-              </a:rPr>
-              <a:t>slope</a:t>
-            </a:r>
-            <a:r>
-              <a:rPr lang="et-EE" altLang="ja-JP" sz="3600" dirty="0" smtClean="0">
-                <a:ea typeface="ＭＳ Ｐゴシック" charset="-128"/>
-              </a:rPr>
-              <a:t> (S = 2)</a:t>
-            </a:r>
-            <a:r>
-              <a:rPr lang="en-US" altLang="ja-JP" sz="3600" dirty="0" smtClean="0">
-                <a:ea typeface="ＭＳ Ｐゴシック" charset="-128"/>
-              </a:rPr>
-              <a:t>. </a:t>
-            </a:r>
-            <a:endParaRPr lang="en-US" altLang="ja-JP" sz="3600" dirty="0" smtClean="0">
-              <a:ea typeface="ＭＳ Ｐゴシック" charset="-128"/>
-            </a:endParaRPr>
-          </a:p>
-          <a:p>
-            <a:pPr algn="just">
-              <a:lnSpc>
-                <a:spcPct val="125000"/>
-              </a:lnSpc>
-            </a:pPr>
-            <a:r>
-              <a:rPr lang="et-EE" altLang="ja-JP" sz="3600" b="1" dirty="0" err="1" smtClean="0">
-                <a:ea typeface="ＭＳ Ｐゴシック" charset="-128"/>
-              </a:rPr>
-              <a:t>Slanted</a:t>
-            </a:r>
-            <a:r>
-              <a:rPr lang="et-EE" altLang="ja-JP" sz="3600" b="1" dirty="0" smtClean="0">
-                <a:ea typeface="ＭＳ Ｐゴシック" charset="-128"/>
-              </a:rPr>
-              <a:t> </a:t>
-            </a:r>
-            <a:r>
-              <a:rPr lang="et-EE" altLang="ja-JP" sz="3600" b="1" dirty="0" err="1" smtClean="0">
-                <a:ea typeface="ＭＳ Ｐゴシック" charset="-128"/>
-              </a:rPr>
-              <a:t>Band</a:t>
-            </a:r>
-            <a:endParaRPr lang="et-EE" altLang="ja-JP" sz="3600" b="1" dirty="0" smtClean="0">
-              <a:ea typeface="ＭＳ Ｐゴシック" charset="-128"/>
-            </a:endParaRPr>
-          </a:p>
-          <a:p>
-            <a:pPr algn="just">
-              <a:lnSpc>
-                <a:spcPct val="125000"/>
-              </a:lnSpc>
-            </a:pPr>
-            <a:r>
-              <a:rPr lang="en-US" altLang="ja-JP" sz="3600" dirty="0" smtClean="0">
-                <a:ea typeface="ＭＳ Ｐゴシック" charset="-128"/>
-              </a:rPr>
-              <a:t>Slanted </a:t>
-            </a:r>
-            <a:r>
-              <a:rPr lang="en-US" altLang="ja-JP" sz="3600" dirty="0">
-                <a:ea typeface="ＭＳ Ｐゴシック" charset="-128"/>
-              </a:rPr>
-              <a:t>band is a modification of </a:t>
-            </a:r>
-            <a:r>
-              <a:rPr lang="en-US" altLang="ja-JP" sz="3600" dirty="0" err="1" smtClean="0">
-                <a:ea typeface="ＭＳ Ｐゴシック" charset="-128"/>
-              </a:rPr>
-              <a:t>Sakoe</a:t>
-            </a:r>
-            <a:r>
-              <a:rPr lang="et-EE" altLang="ja-JP" sz="3600" dirty="0">
-                <a:ea typeface="ＭＳ Ｐゴシック" charset="-128"/>
-              </a:rPr>
-              <a:t>-</a:t>
-            </a:r>
-            <a:r>
-              <a:rPr lang="en-US" altLang="ja-JP" sz="3600" smtClean="0">
-                <a:ea typeface="ＭＳ Ｐゴシック" charset="-128"/>
-              </a:rPr>
-              <a:t>Chiba </a:t>
-            </a:r>
-            <a:r>
-              <a:rPr lang="en-US" altLang="ja-JP" sz="3600" dirty="0">
-                <a:ea typeface="ＭＳ Ｐゴシック" charset="-128"/>
-              </a:rPr>
-              <a:t>band for the case where input sequences are of different length. Instead of main diagonal here slanted diagonal is used</a:t>
-            </a:r>
           </a:p>
         </p:txBody>
       </p:sp>
@@ -7293,7 +6182,7 @@
         </p:nvSpPr>
         <p:spPr bwMode="auto">
           <a:xfrm>
-            <a:off x="14326311" y="24420552"/>
+            <a:off x="12566650" y="24891206"/>
             <a:ext cx="6319248" cy="457188"/>
           </a:xfrm>
           <a:prstGeom prst="rect">
@@ -7305,14 +6194,14 @@
           </a:ln>
           <a:extLst>
             <a:ext uri="{909E8E84-426E-40dd-AFC4-6F175D3DCCD1}">
-              <a14:hiddenFill xmlns="" xmlns:a14="http://schemas.microsoft.com/office/drawing/2010/main">
+              <a14:hiddenFill xmlns:a14="http://schemas.microsoft.com/office/drawing/2010/main">
                 <a:solidFill>
                   <a:schemeClr val="accent1"/>
                 </a:solidFill>
               </a14:hiddenFill>
             </a:ext>
             <a:ext uri="{91240B29-F687-4f45-9708-019B960494DF}">
-              <a14:hiddenLine xmlns="" xmlns:a14="http://schemas.microsoft.com/office/drawing/2010/main" w="9525">
+              <a14:hiddenLine xmlns:a14="http://schemas.microsoft.com/office/drawing/2010/main" w="9525">
                 <a:solidFill>
                   <a:schemeClr val="tx1"/>
                 </a:solidFill>
@@ -7322,7 +6211,7 @@
               </a14:hiddenLine>
             </a:ext>
             <a:ext uri="{AF507438-7753-43e0-B8FC-AC1667EBCBE1}">
-              <a14:hiddenEffects xmlns="" xmlns:a14="http://schemas.microsoft.com/office/drawing/2010/main">
+              <a14:hiddenEffects xmlns:a14="http://schemas.microsoft.com/office/drawing/2010/main">
                 <a:effectLst>
                   <a:outerShdw dist="17961" dir="2700000" algn="ctr" rotWithShape="0">
                     <a:srgbClr val="FFFFFF"/>
@@ -7486,7 +6375,7 @@
         </p:nvSpPr>
         <p:spPr bwMode="auto">
           <a:xfrm>
-            <a:off x="21263392" y="24432232"/>
+            <a:off x="21939250" y="18642806"/>
             <a:ext cx="6319248" cy="457188"/>
           </a:xfrm>
           <a:prstGeom prst="rect">
@@ -7498,14 +6387,14 @@
           </a:ln>
           <a:extLst>
             <a:ext uri="{909E8E84-426E-40dd-AFC4-6F175D3DCCD1}">
-              <a14:hiddenFill xmlns="" xmlns:a14="http://schemas.microsoft.com/office/drawing/2010/main">
+              <a14:hiddenFill xmlns:a14="http://schemas.microsoft.com/office/drawing/2010/main">
                 <a:solidFill>
                   <a:schemeClr val="accent1"/>
                 </a:solidFill>
               </a14:hiddenFill>
             </a:ext>
             <a:ext uri="{91240B29-F687-4f45-9708-019B960494DF}">
-              <a14:hiddenLine xmlns="" xmlns:a14="http://schemas.microsoft.com/office/drawing/2010/main" w="9525">
+              <a14:hiddenLine xmlns:a14="http://schemas.microsoft.com/office/drawing/2010/main" w="9525">
                 <a:solidFill>
                   <a:schemeClr val="tx1"/>
                 </a:solidFill>
@@ -7515,7 +6404,7 @@
               </a14:hiddenLine>
             </a:ext>
             <a:ext uri="{AF507438-7753-43e0-B8FC-AC1667EBCBE1}">
-              <a14:hiddenEffects xmlns="" xmlns:a14="http://schemas.microsoft.com/office/drawing/2010/main">
+              <a14:hiddenEffects xmlns:a14="http://schemas.microsoft.com/office/drawing/2010/main">
                 <a:effectLst>
                   <a:outerShdw dist="17961" dir="2700000" algn="ctr" rotWithShape="0">
                     <a:srgbClr val="FFFFFF"/>
@@ -7637,7 +6526,7 @@
               </a:spcBef>
             </a:pPr>
             <a:r>
-              <a:rPr lang="et-EE" i="1" dirty="0" err="1" smtClean="0">
+              <a:rPr lang="et-EE" i="1" dirty="0" smtClean="0">
                 <a:solidFill>
                   <a:schemeClr val="accent2">
                     <a:lumMod val="50000"/>
@@ -7645,7 +6534,7 @@
                 </a:solidFill>
                 <a:latin typeface="Arial"/>
               </a:rPr>
-              <a:t>Sakoe</a:t>
+              <a:t>Sakoe Chiba </a:t>
             </a:r>
             <a:r>
               <a:rPr lang="et-EE" i="1" dirty="0" smtClean="0">
@@ -7656,40 +6545,7 @@
                 </a:solidFill>
                 <a:latin typeface="Arial"/>
               </a:rPr>
-              <a:t> </a:t>
-            </a:r>
-            <a:r>
-              <a:rPr lang="et-EE" i="1" dirty="0" err="1" smtClean="0">
-                <a:solidFill>
-                  <a:schemeClr val="accent2">
-                    <a:lumMod val="50000"/>
-                  </a:schemeClr>
-                </a:solidFill>
-                <a:latin typeface="Arial"/>
-              </a:rPr>
-              <a:t>Chiba</a:t>
-            </a:r>
-            <a:r>
-              <a:rPr lang="et-EE" i="1" dirty="0" smtClean="0">
-                <a:solidFill>
-                  <a:schemeClr val="accent2">
-                    <a:lumMod val="50000"/>
-                  </a:schemeClr>
-                </a:solidFill>
-                <a:latin typeface="Arial"/>
-              </a:rPr>
-              <a:t> </a:t>
-            </a:r>
-            <a:r>
-              <a:rPr lang="et-EE" i="1" dirty="0" err="1" smtClean="0">
-                <a:solidFill>
-                  <a:schemeClr val="accent2">
-                    <a:lumMod val="50000"/>
-                  </a:schemeClr>
-                </a:solidFill>
-                <a:latin typeface="Arial"/>
-              </a:rPr>
-              <a:t>Band</a:t>
+              <a:t>Band, 5%</a:t>
             </a:r>
             <a:endParaRPr lang="en-AU" i="1" dirty="0">
               <a:solidFill>
@@ -7710,8 +6566,8 @@
         </p:nvGrpSpPr>
         <p:grpSpPr>
           <a:xfrm>
-            <a:off x="12898414" y="5425277"/>
-            <a:ext cx="28663605" cy="799973"/>
+            <a:off x="12795250" y="5384006"/>
+            <a:ext cx="28956000" cy="914400"/>
             <a:chOff x="1066799" y="5958162"/>
             <a:chExt cx="11007725" cy="869816"/>
           </a:xfrm>
@@ -8068,7 +6924,7 @@
         <p:spPr bwMode="auto">
           <a:xfrm>
             <a:off x="31233334" y="22362523"/>
-            <a:ext cx="10623135" cy="6911538"/>
+            <a:ext cx="10623135" cy="6911539"/>
           </a:xfrm>
           <a:prstGeom prst="rect">
             <a:avLst/>
@@ -8082,7 +6938,7 @@
           </a:ln>
           <a:extLst>
             <a:ext uri="{AF507438-7753-43e0-B8FC-AC1667EBCBE1}">
-              <a14:hiddenEffects xmlns="" xmlns:a14="http://schemas.microsoft.com/office/drawing/2010/main">
+              <a14:hiddenEffects xmlns:a14="http://schemas.microsoft.com/office/drawing/2010/main">
                 <a:effectLst>
                   <a:outerShdw dist="35921" dir="2700000" algn="ctr" rotWithShape="0">
                     <a:schemeClr val="bg2"/>
@@ -8203,11 +7059,21 @@
               <a:rPr lang="et-EE" altLang="zh-CN" sz="3600" dirty="0" smtClean="0">
                 <a:ea typeface="SimSun" pitchFamily="2" charset="-122"/>
               </a:rPr>
-              <a:t>[Ita75]	</a:t>
+              <a:t>[Ita75</a:t>
+            </a:r>
+            <a:r>
+              <a:rPr lang="et-EE" altLang="zh-CN" sz="3600" dirty="0" smtClean="0">
+                <a:ea typeface="SimSun" pitchFamily="2" charset="-122"/>
+              </a:rPr>
+              <a:t>]  </a:t>
             </a:r>
             <a:r>
               <a:rPr lang="en-US" sz="3600" dirty="0" smtClean="0"/>
-              <a:t>F. </a:t>
+              <a:t>F</a:t>
+            </a:r>
+            <a:r>
+              <a:rPr lang="en-US" sz="3600" dirty="0" smtClean="0"/>
+              <a:t>. </a:t>
             </a:r>
             <a:r>
               <a:rPr lang="en-US" sz="3600" dirty="0" err="1" smtClean="0"/>
@@ -8219,11 +7085,19 @@
             </a:r>
             <a:r>
               <a:rPr lang="et-EE" sz="3600" dirty="0" smtClean="0"/>
-              <a:t>			</a:t>
+              <a:t>		</a:t>
+            </a:r>
+            <a:r>
+              <a:rPr lang="et-EE" sz="3600" dirty="0" smtClean="0"/>
+              <a:t>	</a:t>
             </a:r>
             <a:r>
               <a:rPr lang="en-US" sz="3600" dirty="0" smtClean="0"/>
-              <a:t>principle applied to speech</a:t>
+              <a:t>principle </a:t>
+            </a:r>
+            <a:r>
+              <a:rPr lang="en-US" sz="3600" dirty="0" smtClean="0"/>
+              <a:t>applied to speech</a:t>
             </a:r>
             <a:r>
               <a:rPr lang="et-EE" sz="3600" dirty="0" smtClean="0"/>
@@ -8246,6 +7120,10 @@
               <a:t> 			</a:t>
             </a:r>
             <a:r>
+              <a:rPr lang="et-EE" sz="3600" dirty="0" smtClean="0"/>
+              <a:t>			</a:t>
+            </a:r>
+            <a:r>
               <a:rPr lang="en-US" sz="3600" dirty="0" smtClean="0"/>
               <a:t>Signal</a:t>
             </a:r>
@@ -8254,20 +7132,8 @@
               <a:t> </a:t>
             </a:r>
             <a:r>
-              <a:rPr lang="et-EE" sz="3600" dirty="0" err="1" smtClean="0"/>
-              <a:t>Processing</a:t>
-            </a:r>
-            <a:r>
               <a:rPr lang="et-EE" sz="3600" dirty="0" smtClean="0"/>
-              <a:t>, 23(1):67-72, </a:t>
-            </a:r>
-            <a:r>
-              <a:rPr lang="et-EE" sz="3600" dirty="0" err="1" smtClean="0"/>
-              <a:t>Feb</a:t>
-            </a:r>
-            <a:r>
-              <a:rPr lang="et-EE" sz="3600" dirty="0" smtClean="0"/>
-              <a:t> 1975.</a:t>
+              <a:t>Processing, 23(1):67-72, Feb 1975.</a:t>
             </a:r>
             <a:endParaRPr lang="et-EE" altLang="zh-CN" sz="3600" dirty="0" smtClean="0">
               <a:ea typeface="SimSun" pitchFamily="2" charset="-122"/>
@@ -8468,7 +7334,7 @@
           </a:ln>
           <a:extLst>
             <a:ext uri="{AF507438-7753-43e0-B8FC-AC1667EBCBE1}">
-              <a14:hiddenEffects xmlns="" xmlns:a14="http://schemas.microsoft.com/office/drawing/2010/main">
+              <a14:hiddenEffects xmlns:a14="http://schemas.microsoft.com/office/drawing/2010/main">
                 <a:effectLst>
                   <a:outerShdw dist="35921" dir="2700000" algn="ctr" rotWithShape="0">
                     <a:schemeClr val="bg2"/>
@@ -9694,36 +8560,6 @@
       </p:grpSp>
       <p:pic>
         <p:nvPicPr>
-          <p:cNvPr id="3" name="Picture 2" descr="Screen Shot 2017-01-11 at 14.19.38.png"/>
-          <p:cNvPicPr>
-            <a:picLocks noChangeAspect="1"/>
-          </p:cNvPicPr>
-          <p:nvPr/>
-        </p:nvPicPr>
-        <p:blipFill>
-          <a:blip r:embed="rId5">
-            <a:extLst>
-              <a:ext uri="{28A0092B-C50C-407E-A947-70E740481C1C}">
-                <a14:useLocalDpi xmlns:a14="http://schemas.microsoft.com/office/drawing/2010/main" val="0"/>
-              </a:ext>
-            </a:extLst>
-          </a:blip>
-          <a:stretch>
-            <a:fillRect/>
-          </a:stretch>
-        </p:blipFill>
-        <p:spPr>
-          <a:xfrm>
-            <a:off x="31641642" y="6683692"/>
-            <a:ext cx="9920377" cy="8540951"/>
-          </a:xfrm>
-          <a:prstGeom prst="rect">
-            <a:avLst/>
-          </a:prstGeom>
-        </p:spPr>
-      </p:pic>
-      <p:pic>
-        <p:nvPicPr>
           <p:cNvPr id="4" name="Picture 3" descr="Screen Shot 2017-01-11 at 14.21.34.png"/>
           <p:cNvPicPr>
             <a:picLocks noChangeAspect="1"/>
@@ -9731,7 +8567,7 @@
           <p:nvPr/>
         </p:nvPicPr>
         <p:blipFill>
-          <a:blip r:embed="rId6" cstate="print">
+          <a:blip r:embed="rId5" cstate="print">
             <a:extLst>
               <a:ext uri="{28A0092B-C50C-407E-A947-70E740481C1C}">
                 <a14:useLocalDpi xmlns:a14="http://schemas.microsoft.com/office/drawing/2010/main" val="0"/>
@@ -9761,7 +8597,7 @@
           <p:nvPr/>
         </p:nvPicPr>
         <p:blipFill>
-          <a:blip r:embed="rId7">
+          <a:blip r:embed="rId6">
             <a:extLst>
               <a:ext uri="{28A0092B-C50C-407E-A947-70E740481C1C}">
                 <a14:useLocalDpi xmlns:a14="http://schemas.microsoft.com/office/drawing/2010/main" val="0"/>
@@ -9791,7 +8627,7 @@
           <p:nvPr/>
         </p:nvPicPr>
         <p:blipFill>
-          <a:blip r:embed="rId8" cstate="print">
+          <a:blip r:embed="rId7" cstate="print">
             <a:extLst>
               <a:ext uri="{28A0092B-C50C-407E-A947-70E740481C1C}">
                 <a14:useLocalDpi xmlns:a14="http://schemas.microsoft.com/office/drawing/2010/main" val="0"/>
@@ -9812,12 +8648,544 @@
           </a:prstGeom>
         </p:spPr>
       </p:pic>
+      <p:pic>
+        <p:nvPicPr>
+          <p:cNvPr id="5" name="Picture 4" descr="Screen Shot 2017-01-11 at 19.03.14.png"/>
+          <p:cNvPicPr>
+            <a:picLocks noChangeAspect="1"/>
+          </p:cNvPicPr>
+          <p:nvPr/>
+        </p:nvPicPr>
+        <p:blipFill>
+          <a:blip r:embed="rId8">
+            <a:extLst>
+              <a:ext uri="{28A0092B-C50C-407E-A947-70E740481C1C}">
+                <a14:useLocalDpi xmlns:a14="http://schemas.microsoft.com/office/drawing/2010/main" val="0"/>
+              </a:ext>
+            </a:extLst>
+          </a:blip>
+          <a:stretch>
+            <a:fillRect/>
+          </a:stretch>
+        </p:blipFill>
+        <p:spPr>
+          <a:xfrm>
+            <a:off x="12795250" y="13004006"/>
+            <a:ext cx="8709585" cy="5303747"/>
+          </a:xfrm>
+          <a:prstGeom prst="rect">
+            <a:avLst/>
+          </a:prstGeom>
+        </p:spPr>
+      </p:pic>
+      <p:sp>
+        <p:nvSpPr>
+          <p:cNvPr id="33" name="Text Box 260"/>
+          <p:cNvSpPr txBox="1">
+            <a:spLocks noChangeArrowheads="1"/>
+          </p:cNvSpPr>
+          <p:nvPr/>
+        </p:nvSpPr>
+        <p:spPr bwMode="auto">
+          <a:xfrm>
+            <a:off x="13404850" y="18338006"/>
+            <a:ext cx="6319248" cy="457188"/>
+          </a:xfrm>
+          <a:prstGeom prst="rect">
+            <a:avLst/>
+          </a:prstGeom>
+          <a:noFill/>
+          <a:ln>
+            <a:noFill/>
+          </a:ln>
+          <a:extLst>
+            <a:ext uri="{909E8E84-426E-40dd-AFC4-6F175D3DCCD1}">
+              <a14:hiddenFill xmlns:a14="http://schemas.microsoft.com/office/drawing/2010/main">
+                <a:solidFill>
+                  <a:schemeClr val="accent1"/>
+                </a:solidFill>
+              </a14:hiddenFill>
+            </a:ext>
+            <a:ext uri="{91240B29-F687-4f45-9708-019B960494DF}">
+              <a14:hiddenLine xmlns:a14="http://schemas.microsoft.com/office/drawing/2010/main" w="9525">
+                <a:solidFill>
+                  <a:schemeClr val="tx1"/>
+                </a:solidFill>
+                <a:miter lim="800000"/>
+                <a:headEnd/>
+                <a:tailEnd/>
+              </a14:hiddenLine>
+            </a:ext>
+            <a:ext uri="{AF507438-7753-43e0-B8FC-AC1667EBCBE1}">
+              <a14:hiddenEffects xmlns:a14="http://schemas.microsoft.com/office/drawing/2010/main">
+                <a:effectLst>
+                  <a:outerShdw dist="17961" dir="2700000" algn="ctr" rotWithShape="0">
+                    <a:srgbClr val="FFFFFF"/>
+                  </a:outerShdw>
+                </a:effectLst>
+              </a14:hiddenEffects>
+            </a:ext>
+          </a:extLst>
+        </p:spPr>
+        <p:txBody>
+          <a:bodyPr lIns="0" tIns="43503" rIns="0" bIns="43503">
+            <a:spAutoFit/>
+          </a:bodyPr>
+          <a:lstStyle>
+            <a:defPPr>
+              <a:defRPr kern="1200" smtId="4294967295"/>
+            </a:defPPr>
+            <a:lvl1pPr>
+              <a:defRPr sz="2400">
+                <a:solidFill>
+                  <a:schemeClr val="tx1"/>
+                </a:solidFill>
+                <a:latin typeface="Times New Roman" pitchFamily="18" charset="0"/>
+              </a:defRPr>
+            </a:lvl1pPr>
+            <a:lvl2pPr marL="742950" indent="-285750">
+              <a:defRPr sz="2400">
+                <a:solidFill>
+                  <a:schemeClr val="tx1"/>
+                </a:solidFill>
+                <a:latin typeface="Times New Roman" pitchFamily="18" charset="0"/>
+              </a:defRPr>
+            </a:lvl2pPr>
+            <a:lvl3pPr marL="1143000" indent="-228600">
+              <a:defRPr sz="2400">
+                <a:solidFill>
+                  <a:schemeClr val="tx1"/>
+                </a:solidFill>
+                <a:latin typeface="Times New Roman" pitchFamily="18" charset="0"/>
+              </a:defRPr>
+            </a:lvl3pPr>
+            <a:lvl4pPr marL="1600200" indent="-228600">
+              <a:defRPr sz="2400">
+                <a:solidFill>
+                  <a:schemeClr val="tx1"/>
+                </a:solidFill>
+                <a:latin typeface="Times New Roman" pitchFamily="18" charset="0"/>
+              </a:defRPr>
+            </a:lvl4pPr>
+            <a:lvl5pPr marL="2057400" indent="-228600">
+              <a:defRPr sz="2400">
+                <a:solidFill>
+                  <a:schemeClr val="tx1"/>
+                </a:solidFill>
+                <a:latin typeface="Times New Roman" pitchFamily="18" charset="0"/>
+              </a:defRPr>
+            </a:lvl5pPr>
+            <a:lvl6pPr marL="2514600" indent="-228600" eaLnBrk="0" fontAlgn="base" hangingPunct="0">
+              <a:spcBef>
+                <a:spcPct val="0"/>
+              </a:spcBef>
+              <a:spcAft>
+                <a:spcPct val="0"/>
+              </a:spcAft>
+              <a:defRPr sz="2400">
+                <a:solidFill>
+                  <a:schemeClr val="tx1"/>
+                </a:solidFill>
+                <a:latin typeface="Times New Roman" pitchFamily="18" charset="0"/>
+              </a:defRPr>
+            </a:lvl6pPr>
+            <a:lvl7pPr marL="2971800" indent="-228600" eaLnBrk="0" fontAlgn="base" hangingPunct="0">
+              <a:spcBef>
+                <a:spcPct val="0"/>
+              </a:spcBef>
+              <a:spcAft>
+                <a:spcPct val="0"/>
+              </a:spcAft>
+              <a:defRPr sz="2400">
+                <a:solidFill>
+                  <a:schemeClr val="tx1"/>
+                </a:solidFill>
+                <a:latin typeface="Times New Roman" pitchFamily="18" charset="0"/>
+              </a:defRPr>
+            </a:lvl7pPr>
+            <a:lvl8pPr marL="3429000" indent="-228600" eaLnBrk="0" fontAlgn="base" hangingPunct="0">
+              <a:spcBef>
+                <a:spcPct val="0"/>
+              </a:spcBef>
+              <a:spcAft>
+                <a:spcPct val="0"/>
+              </a:spcAft>
+              <a:defRPr sz="2400">
+                <a:solidFill>
+                  <a:schemeClr val="tx1"/>
+                </a:solidFill>
+                <a:latin typeface="Times New Roman" pitchFamily="18" charset="0"/>
+              </a:defRPr>
+            </a:lvl8pPr>
+            <a:lvl9pPr marL="3886200" indent="-228600" eaLnBrk="0" fontAlgn="base" hangingPunct="0">
+              <a:spcBef>
+                <a:spcPct val="0"/>
+              </a:spcBef>
+              <a:spcAft>
+                <a:spcPct val="0"/>
+              </a:spcAft>
+              <a:defRPr sz="2400">
+                <a:solidFill>
+                  <a:schemeClr val="tx1"/>
+                </a:solidFill>
+                <a:latin typeface="Times New Roman" pitchFamily="18" charset="0"/>
+              </a:defRPr>
+            </a:lvl9pPr>
+          </a:lstStyle>
+          <a:p>
+            <a:pPr>
+              <a:spcBef>
+                <a:spcPct val="50000"/>
+              </a:spcBef>
+            </a:pPr>
+            <a:r>
+              <a:rPr lang="et-EE" i="1" dirty="0" smtClean="0">
+                <a:solidFill>
+                  <a:schemeClr val="accent2">
+                    <a:lumMod val="50000"/>
+                  </a:schemeClr>
+                </a:solidFill>
+                <a:latin typeface="Arial"/>
+              </a:rPr>
+              <a:t>No constraints</a:t>
+            </a:r>
+            <a:endParaRPr lang="en-AU" i="1" dirty="0">
+              <a:solidFill>
+                <a:schemeClr val="accent2">
+                  <a:lumMod val="50000"/>
+                </a:schemeClr>
+              </a:solidFill>
+              <a:latin typeface="Arial"/>
+            </a:endParaRPr>
+          </a:p>
+        </p:txBody>
+      </p:sp>
+      <p:pic>
+        <p:nvPicPr>
+          <p:cNvPr id="7" name="Picture 6" descr="Screen Shot 2017-01-11 at 19.16.02.png"/>
+          <p:cNvPicPr>
+            <a:picLocks noChangeAspect="1"/>
+          </p:cNvPicPr>
+          <p:nvPr/>
+        </p:nvPicPr>
+        <p:blipFill>
+          <a:blip r:embed="rId9">
+            <a:extLst>
+              <a:ext uri="{28A0092B-C50C-407E-A947-70E740481C1C}">
+                <a14:useLocalDpi xmlns:a14="http://schemas.microsoft.com/office/drawing/2010/main" val="0"/>
+              </a:ext>
+            </a:extLst>
+          </a:blip>
+          <a:stretch>
+            <a:fillRect/>
+          </a:stretch>
+        </p:blipFill>
+        <p:spPr>
+          <a:xfrm>
+            <a:off x="12566650" y="19557206"/>
+            <a:ext cx="8547100" cy="5105400"/>
+          </a:xfrm>
+          <a:prstGeom prst="rect">
+            <a:avLst/>
+          </a:prstGeom>
+        </p:spPr>
+      </p:pic>
+      <p:pic>
+        <p:nvPicPr>
+          <p:cNvPr id="9" name="Picture 8" descr="Screen Shot 2017-01-11 at 19.18.11.png"/>
+          <p:cNvPicPr>
+            <a:picLocks noChangeAspect="1"/>
+          </p:cNvPicPr>
+          <p:nvPr/>
+        </p:nvPicPr>
+        <p:blipFill>
+          <a:blip r:embed="rId10">
+            <a:extLst>
+              <a:ext uri="{28A0092B-C50C-407E-A947-70E740481C1C}">
+                <a14:useLocalDpi xmlns:a14="http://schemas.microsoft.com/office/drawing/2010/main" val="0"/>
+              </a:ext>
+            </a:extLst>
+          </a:blip>
+          <a:stretch>
+            <a:fillRect/>
+          </a:stretch>
+        </p:blipFill>
+        <p:spPr>
+          <a:xfrm>
+            <a:off x="21634450" y="12927806"/>
+            <a:ext cx="8930528" cy="5257800"/>
+          </a:xfrm>
+          <a:prstGeom prst="rect">
+            <a:avLst/>
+          </a:prstGeom>
+        </p:spPr>
+      </p:pic>
+      <p:pic>
+        <p:nvPicPr>
+          <p:cNvPr id="11" name="Picture 10" descr="Screen Shot 2017-01-11 at 19.24.55.png"/>
+          <p:cNvPicPr>
+            <a:picLocks noChangeAspect="1"/>
+          </p:cNvPicPr>
+          <p:nvPr/>
+        </p:nvPicPr>
+        <p:blipFill>
+          <a:blip r:embed="rId11">
+            <a:extLst>
+              <a:ext uri="{28A0092B-C50C-407E-A947-70E740481C1C}">
+                <a14:useLocalDpi xmlns:a14="http://schemas.microsoft.com/office/drawing/2010/main" val="0"/>
+              </a:ext>
+            </a:extLst>
+          </a:blip>
+          <a:stretch>
+            <a:fillRect/>
+          </a:stretch>
+        </p:blipFill>
+        <p:spPr>
+          <a:xfrm>
+            <a:off x="21405850" y="19481006"/>
+            <a:ext cx="9321800" cy="5499100"/>
+          </a:xfrm>
+          <a:prstGeom prst="rect">
+            <a:avLst/>
+          </a:prstGeom>
+        </p:spPr>
+      </p:pic>
+      <p:sp>
+        <p:nvSpPr>
+          <p:cNvPr id="48" name="Text Box 260"/>
+          <p:cNvSpPr txBox="1">
+            <a:spLocks noChangeArrowheads="1"/>
+          </p:cNvSpPr>
+          <p:nvPr/>
+        </p:nvSpPr>
+        <p:spPr bwMode="auto">
+          <a:xfrm>
+            <a:off x="21482050" y="25272206"/>
+            <a:ext cx="6319248" cy="457188"/>
+          </a:xfrm>
+          <a:prstGeom prst="rect">
+            <a:avLst/>
+          </a:prstGeom>
+          <a:noFill/>
+          <a:ln>
+            <a:noFill/>
+          </a:ln>
+          <a:extLst>
+            <a:ext uri="{909E8E84-426E-40dd-AFC4-6F175D3DCCD1}">
+              <a14:hiddenFill xmlns:a14="http://schemas.microsoft.com/office/drawing/2010/main">
+                <a:solidFill>
+                  <a:schemeClr val="accent1"/>
+                </a:solidFill>
+              </a14:hiddenFill>
+            </a:ext>
+            <a:ext uri="{91240B29-F687-4f45-9708-019B960494DF}">
+              <a14:hiddenLine xmlns:a14="http://schemas.microsoft.com/office/drawing/2010/main" w="9525">
+                <a:solidFill>
+                  <a:schemeClr val="tx1"/>
+                </a:solidFill>
+                <a:miter lim="800000"/>
+                <a:headEnd/>
+                <a:tailEnd/>
+              </a14:hiddenLine>
+            </a:ext>
+            <a:ext uri="{AF507438-7753-43e0-B8FC-AC1667EBCBE1}">
+              <a14:hiddenEffects xmlns:a14="http://schemas.microsoft.com/office/drawing/2010/main">
+                <a:effectLst>
+                  <a:outerShdw dist="17961" dir="2700000" algn="ctr" rotWithShape="0">
+                    <a:srgbClr val="FFFFFF"/>
+                  </a:outerShdw>
+                </a:effectLst>
+              </a14:hiddenEffects>
+            </a:ext>
+          </a:extLst>
+        </p:spPr>
+        <p:txBody>
+          <a:bodyPr lIns="0" tIns="43503" rIns="0" bIns="43503">
+            <a:spAutoFit/>
+          </a:bodyPr>
+          <a:lstStyle>
+            <a:defPPr>
+              <a:defRPr kern="1200" smtId="4294967295"/>
+            </a:defPPr>
+            <a:lvl1pPr>
+              <a:defRPr sz="2400">
+                <a:solidFill>
+                  <a:schemeClr val="tx1"/>
+                </a:solidFill>
+                <a:latin typeface="Times New Roman" pitchFamily="18" charset="0"/>
+              </a:defRPr>
+            </a:lvl1pPr>
+            <a:lvl2pPr marL="742950" indent="-285750">
+              <a:defRPr sz="2400">
+                <a:solidFill>
+                  <a:schemeClr val="tx1"/>
+                </a:solidFill>
+                <a:latin typeface="Times New Roman" pitchFamily="18" charset="0"/>
+              </a:defRPr>
+            </a:lvl2pPr>
+            <a:lvl3pPr marL="1143000" indent="-228600">
+              <a:defRPr sz="2400">
+                <a:solidFill>
+                  <a:schemeClr val="tx1"/>
+                </a:solidFill>
+                <a:latin typeface="Times New Roman" pitchFamily="18" charset="0"/>
+              </a:defRPr>
+            </a:lvl3pPr>
+            <a:lvl4pPr marL="1600200" indent="-228600">
+              <a:defRPr sz="2400">
+                <a:solidFill>
+                  <a:schemeClr val="tx1"/>
+                </a:solidFill>
+                <a:latin typeface="Times New Roman" pitchFamily="18" charset="0"/>
+              </a:defRPr>
+            </a:lvl4pPr>
+            <a:lvl5pPr marL="2057400" indent="-228600">
+              <a:defRPr sz="2400">
+                <a:solidFill>
+                  <a:schemeClr val="tx1"/>
+                </a:solidFill>
+                <a:latin typeface="Times New Roman" pitchFamily="18" charset="0"/>
+              </a:defRPr>
+            </a:lvl5pPr>
+            <a:lvl6pPr marL="2514600" indent="-228600" eaLnBrk="0" fontAlgn="base" hangingPunct="0">
+              <a:spcBef>
+                <a:spcPct val="0"/>
+              </a:spcBef>
+              <a:spcAft>
+                <a:spcPct val="0"/>
+              </a:spcAft>
+              <a:defRPr sz="2400">
+                <a:solidFill>
+                  <a:schemeClr val="tx1"/>
+                </a:solidFill>
+                <a:latin typeface="Times New Roman" pitchFamily="18" charset="0"/>
+              </a:defRPr>
+            </a:lvl6pPr>
+            <a:lvl7pPr marL="2971800" indent="-228600" eaLnBrk="0" fontAlgn="base" hangingPunct="0">
+              <a:spcBef>
+                <a:spcPct val="0"/>
+              </a:spcBef>
+              <a:spcAft>
+                <a:spcPct val="0"/>
+              </a:spcAft>
+              <a:defRPr sz="2400">
+                <a:solidFill>
+                  <a:schemeClr val="tx1"/>
+                </a:solidFill>
+                <a:latin typeface="Times New Roman" pitchFamily="18" charset="0"/>
+              </a:defRPr>
+            </a:lvl7pPr>
+            <a:lvl8pPr marL="3429000" indent="-228600" eaLnBrk="0" fontAlgn="base" hangingPunct="0">
+              <a:spcBef>
+                <a:spcPct val="0"/>
+              </a:spcBef>
+              <a:spcAft>
+                <a:spcPct val="0"/>
+              </a:spcAft>
+              <a:defRPr sz="2400">
+                <a:solidFill>
+                  <a:schemeClr val="tx1"/>
+                </a:solidFill>
+                <a:latin typeface="Times New Roman" pitchFamily="18" charset="0"/>
+              </a:defRPr>
+            </a:lvl8pPr>
+            <a:lvl9pPr marL="3886200" indent="-228600" eaLnBrk="0" fontAlgn="base" hangingPunct="0">
+              <a:spcBef>
+                <a:spcPct val="0"/>
+              </a:spcBef>
+              <a:spcAft>
+                <a:spcPct val="0"/>
+              </a:spcAft>
+              <a:defRPr sz="2400">
+                <a:solidFill>
+                  <a:schemeClr val="tx1"/>
+                </a:solidFill>
+                <a:latin typeface="Times New Roman" pitchFamily="18" charset="0"/>
+              </a:defRPr>
+            </a:lvl9pPr>
+          </a:lstStyle>
+          <a:p>
+            <a:pPr>
+              <a:spcBef>
+                <a:spcPct val="50000"/>
+              </a:spcBef>
+            </a:pPr>
+            <a:r>
+              <a:rPr lang="et-EE" i="1" dirty="0" smtClean="0">
+                <a:solidFill>
+                  <a:schemeClr val="accent2">
+                    <a:lumMod val="50000"/>
+                  </a:schemeClr>
+                </a:solidFill>
+                <a:latin typeface="Arial"/>
+              </a:rPr>
+              <a:t>Sakoe Chiba </a:t>
+            </a:r>
+            <a:r>
+              <a:rPr lang="et-EE" i="1" dirty="0" smtClean="0">
+                <a:solidFill>
+                  <a:schemeClr val="accent2">
+                    <a:lumMod val="50000"/>
+                  </a:schemeClr>
+                </a:solidFill>
+                <a:latin typeface="Arial"/>
+              </a:rPr>
+              <a:t>Band, 5%</a:t>
+            </a:r>
+            <a:endParaRPr lang="en-AU" i="1" dirty="0">
+              <a:solidFill>
+                <a:schemeClr val="accent2">
+                  <a:lumMod val="50000"/>
+                </a:schemeClr>
+              </a:solidFill>
+              <a:latin typeface="Arial"/>
+            </a:endParaRPr>
+          </a:p>
+        </p:txBody>
+      </p:sp>
+      <p:pic>
+        <p:nvPicPr>
+          <p:cNvPr id="12" name="Picture 11" descr="Screen Shot 2017-01-11 at 19.36.19.png"/>
+          <p:cNvPicPr>
+            <a:picLocks noChangeAspect="1"/>
+          </p:cNvPicPr>
+          <p:nvPr/>
+        </p:nvPicPr>
+        <p:blipFill>
+          <a:blip r:embed="rId12">
+            <a:extLst>
+              <a:ext uri="{28A0092B-C50C-407E-A947-70E740481C1C}">
+                <a14:useLocalDpi xmlns:a14="http://schemas.microsoft.com/office/drawing/2010/main" val="0"/>
+              </a:ext>
+            </a:extLst>
+          </a:blip>
+          <a:stretch>
+            <a:fillRect/>
+          </a:stretch>
+        </p:blipFill>
+        <p:spPr>
+          <a:xfrm>
+            <a:off x="31540450" y="6679406"/>
+            <a:ext cx="10058400" cy="8729681"/>
+          </a:xfrm>
+          <a:prstGeom prst="rect">
+            <a:avLst/>
+          </a:prstGeom>
+        </p:spPr>
+      </p:pic>
     </p:spTree>
   </p:cSld>
   <p:clrMapOvr>
     <a:masterClrMapping/>
   </p:clrMapOvr>
-  <p:transition/>
+  <p:transition xmlns:p14="http://schemas.microsoft.com/office/powerpoint/2010/main"/>
+  <p:timing>
+    <p:tnLst>
+      <p:par>
+        <p:cTn xmlns:p14="http://schemas.microsoft.com/office/powerpoint/2010/main" id="1" dur="indefinite" restart="never" nodeType="tmRoot"/>
+      </p:par>
+    </p:tnLst>
+  </p:timing>
 </p:sld>
 </file>
 
@@ -10085,7 +9453,7 @@
         <a:effectLst/>
         <a:extLst>
           <a:ext uri="{AF507438-7753-43e0-B8FC-AC1667EBCBE1}">
-            <a14:hiddenEffects xmlns="" xmlns:a14="http://schemas.microsoft.com/office/drawing/2010/main">
+            <a14:hiddenEffects xmlns:a14="http://schemas.microsoft.com/office/drawing/2010/main">
               <a:effectLst>
                 <a:outerShdw dist="35921" dir="2700000" algn="ctr" rotWithShape="0">
                   <a:schemeClr val="bg2"/>
@@ -10164,7 +9532,7 @@
         <a:effectLst/>
         <a:extLst>
           <a:ext uri="{AF507438-7753-43e0-B8FC-AC1667EBCBE1}">
-            <a14:hiddenEffects xmlns="" xmlns:a14="http://schemas.microsoft.com/office/drawing/2010/main">
+            <a14:hiddenEffects xmlns:a14="http://schemas.microsoft.com/office/drawing/2010/main">
               <a:effectLst>
                 <a:outerShdw dist="35921" dir="2700000" algn="ctr" rotWithShape="0">
                   <a:schemeClr val="bg2"/>

--- a/poster.pptx
+++ b/poster.pptx
@@ -4372,8 +4372,8 @@
         </p:nvSpPr>
         <p:spPr bwMode="auto">
           <a:xfrm>
-            <a:off x="1040562" y="6539517"/>
-            <a:ext cx="10992688" cy="6188712"/>
+            <a:off x="908050" y="6755606"/>
+            <a:ext cx="10992688" cy="6473633"/>
           </a:xfrm>
           <a:prstGeom prst="rect">
             <a:avLst/>
@@ -4398,7 +4398,7 @@
           </a:extLst>
         </p:spPr>
         <p:txBody>
-          <a:bodyPr wrap="square" lIns="174010" tIns="87005" rIns="174010" bIns="174010">
+          <a:bodyPr wrap="square" lIns="252000" tIns="252000" rIns="252000" bIns="252000">
             <a:spAutoFit/>
           </a:bodyPr>
           <a:lstStyle>
@@ -4622,8 +4622,8 @@
             </p:nvSpPr>
             <p:spPr bwMode="auto">
               <a:xfrm>
-                <a:off x="1028540" y="21301654"/>
-                <a:ext cx="11004710" cy="6066692"/>
+                <a:off x="908050" y="23378413"/>
+                <a:ext cx="11004710" cy="6530159"/>
               </a:xfrm>
               <a:prstGeom prst="rect">
                 <a:avLst/>
@@ -4638,7 +4638,7 @@
               <a:extLst/>
             </p:spPr>
             <p:txBody>
-              <a:bodyPr wrap="square" lIns="174010" tIns="87005" rIns="174010" bIns="174010">
+              <a:bodyPr wrap="square" lIns="252000" tIns="252000" rIns="252000" bIns="252000">
                 <a:spAutoFit/>
               </a:bodyPr>
               <a:lstStyle>
@@ -5094,8 +5094,8 @@
             </p:nvSpPr>
             <p:spPr bwMode="auto">
               <a:xfrm>
-                <a:off x="1028540" y="21301654"/>
-                <a:ext cx="11004710" cy="6066692"/>
+                <a:off x="908050" y="23378413"/>
+                <a:ext cx="11004710" cy="6530159"/>
               </a:xfrm>
               <a:prstGeom prst="rect">
                 <a:avLst/>
@@ -5129,368 +5129,13 @@
       </mc:AlternateContent>
       <p:grpSp>
         <p:nvGrpSpPr>
-          <p:cNvPr id="39" name="Group 38"/>
-          <p:cNvGrpSpPr/>
-          <p:nvPr/>
-        </p:nvGrpSpPr>
-        <p:grpSpPr>
-          <a:xfrm>
-            <a:off x="1040562" y="5475097"/>
-            <a:ext cx="10992688" cy="819989"/>
-            <a:chOff x="1066799" y="5958162"/>
-            <a:chExt cx="11007725" cy="891580"/>
-          </a:xfrm>
-        </p:grpSpPr>
-        <p:sp>
-          <p:nvSpPr>
-            <p:cNvPr id="40" name="Text Box 248"/>
-            <p:cNvSpPr txBox="1">
-              <a:spLocks noChangeArrowheads="1"/>
-            </p:cNvSpPr>
-            <p:nvPr/>
-          </p:nvSpPr>
-          <p:spPr bwMode="auto">
-            <a:xfrm>
-              <a:off x="1066799" y="5958162"/>
-              <a:ext cx="11007725" cy="669294"/>
-            </a:xfrm>
-            <a:prstGeom prst="rect">
-              <a:avLst/>
-            </a:prstGeom>
-            <a:gradFill rotWithShape="0">
-              <a:gsLst>
-                <a:gs pos="0">
-                  <a:schemeClr val="accent2">
-                    <a:lumMod val="40000"/>
-                    <a:lumOff val="60000"/>
-                  </a:schemeClr>
-                </a:gs>
-                <a:gs pos="13000">
-                  <a:schemeClr val="accent3">
-                    <a:lumMod val="60000"/>
-                    <a:lumOff val="40000"/>
-                  </a:schemeClr>
-                </a:gs>
-                <a:gs pos="43000">
-                  <a:schemeClr val="accent2">
-                    <a:lumMod val="60000"/>
-                    <a:lumOff val="40000"/>
-                  </a:schemeClr>
-                </a:gs>
-                <a:gs pos="67000">
-                  <a:schemeClr val="accent2">
-                    <a:lumMod val="75000"/>
-                  </a:schemeClr>
-                </a:gs>
-                <a:gs pos="83000">
-                  <a:schemeClr val="accent2">
-                    <a:lumMod val="75000"/>
-                  </a:schemeClr>
-                </a:gs>
-                <a:gs pos="100000">
-                  <a:schemeClr val="accent3">
-                    <a:lumMod val="60000"/>
-                    <a:lumOff val="40000"/>
-                  </a:schemeClr>
-                </a:gs>
-              </a:gsLst>
-              <a:lin ang="0" scaled="1"/>
-              <a:tileRect/>
-            </a:gradFill>
-            <a:ln w="19050">
-              <a:noFill/>
-              <a:miter lim="800000"/>
-            </a:ln>
-          </p:spPr>
-          <p:txBody>
-            <a:bodyPr>
-              <a:spAutoFit/>
-            </a:bodyPr>
-            <a:lstStyle>
-              <a:defPPr>
-                <a:defRPr kern="1200" smtId="4294967295"/>
-              </a:defPPr>
-              <a:lvl1pPr>
-                <a:defRPr sz="2400">
-                  <a:solidFill>
-                    <a:schemeClr val="tx1"/>
-                  </a:solidFill>
-                  <a:latin typeface="Times New Roman" pitchFamily="18" charset="0"/>
-                </a:defRPr>
-              </a:lvl1pPr>
-              <a:lvl2pPr marL="742950" indent="-285750">
-                <a:defRPr sz="2400">
-                  <a:solidFill>
-                    <a:schemeClr val="tx1"/>
-                  </a:solidFill>
-                  <a:latin typeface="Times New Roman" pitchFamily="18" charset="0"/>
-                </a:defRPr>
-              </a:lvl2pPr>
-              <a:lvl3pPr marL="1143000" indent="-228600">
-                <a:defRPr sz="2400">
-                  <a:solidFill>
-                    <a:schemeClr val="tx1"/>
-                  </a:solidFill>
-                  <a:latin typeface="Times New Roman" pitchFamily="18" charset="0"/>
-                </a:defRPr>
-              </a:lvl3pPr>
-              <a:lvl4pPr marL="1600200" indent="-228600">
-                <a:defRPr sz="2400">
-                  <a:solidFill>
-                    <a:schemeClr val="tx1"/>
-                  </a:solidFill>
-                  <a:latin typeface="Times New Roman" pitchFamily="18" charset="0"/>
-                </a:defRPr>
-              </a:lvl4pPr>
-              <a:lvl5pPr marL="2057400" indent="-228600">
-                <a:defRPr sz="2400">
-                  <a:solidFill>
-                    <a:schemeClr val="tx1"/>
-                  </a:solidFill>
-                  <a:latin typeface="Times New Roman" pitchFamily="18" charset="0"/>
-                </a:defRPr>
-              </a:lvl5pPr>
-              <a:lvl6pPr marL="2514600" indent="-228600" eaLnBrk="0" fontAlgn="base" hangingPunct="0">
-                <a:spcBef>
-                  <a:spcPct val="0"/>
-                </a:spcBef>
-                <a:spcAft>
-                  <a:spcPct val="0"/>
-                </a:spcAft>
-                <a:defRPr sz="2400">
-                  <a:solidFill>
-                    <a:schemeClr val="tx1"/>
-                  </a:solidFill>
-                  <a:latin typeface="Times New Roman" pitchFamily="18" charset="0"/>
-                </a:defRPr>
-              </a:lvl6pPr>
-              <a:lvl7pPr marL="2971800" indent="-228600" eaLnBrk="0" fontAlgn="base" hangingPunct="0">
-                <a:spcBef>
-                  <a:spcPct val="0"/>
-                </a:spcBef>
-                <a:spcAft>
-                  <a:spcPct val="0"/>
-                </a:spcAft>
-                <a:defRPr sz="2400">
-                  <a:solidFill>
-                    <a:schemeClr val="tx1"/>
-                  </a:solidFill>
-                  <a:latin typeface="Times New Roman" pitchFamily="18" charset="0"/>
-                </a:defRPr>
-              </a:lvl7pPr>
-              <a:lvl8pPr marL="3429000" indent="-228600" eaLnBrk="0" fontAlgn="base" hangingPunct="0">
-                <a:spcBef>
-                  <a:spcPct val="0"/>
-                </a:spcBef>
-                <a:spcAft>
-                  <a:spcPct val="0"/>
-                </a:spcAft>
-                <a:defRPr sz="2400">
-                  <a:solidFill>
-                    <a:schemeClr val="tx1"/>
-                  </a:solidFill>
-                  <a:latin typeface="Times New Roman" pitchFamily="18" charset="0"/>
-                </a:defRPr>
-              </a:lvl8pPr>
-              <a:lvl9pPr marL="3886200" indent="-228600" eaLnBrk="0" fontAlgn="base" hangingPunct="0">
-                <a:spcBef>
-                  <a:spcPct val="0"/>
-                </a:spcBef>
-                <a:spcAft>
-                  <a:spcPct val="0"/>
-                </a:spcAft>
-                <a:defRPr sz="2400">
-                  <a:solidFill>
-                    <a:schemeClr val="tx1"/>
-                  </a:solidFill>
-                  <a:latin typeface="Times New Roman" pitchFamily="18" charset="0"/>
-                </a:defRPr>
-              </a:lvl9pPr>
-            </a:lstStyle>
-            <a:p>
-              <a:endParaRPr lang="en-US" altLang="zh-CN" sz="3400" b="1">
-                <a:latin typeface="Lucida Sans" pitchFamily="34" charset="0"/>
-                <a:ea typeface="SimSun" pitchFamily="2" charset="-122"/>
-                <a:cs typeface="Lucida Sans" pitchFamily="34" charset="0"/>
-              </a:endParaRPr>
-            </a:p>
-          </p:txBody>
-        </p:sp>
-        <p:sp>
-          <p:nvSpPr>
-            <p:cNvPr id="41" name="Text Box 248"/>
-            <p:cNvSpPr txBox="1">
-              <a:spLocks noChangeArrowheads="1"/>
-            </p:cNvSpPr>
-            <p:nvPr/>
-          </p:nvSpPr>
-          <p:spPr bwMode="auto">
-            <a:xfrm>
-              <a:off x="1157514" y="6046588"/>
-              <a:ext cx="10805886" cy="803154"/>
-            </a:xfrm>
-            <a:prstGeom prst="rect">
-              <a:avLst/>
-            </a:prstGeom>
-            <a:gradFill>
-              <a:gsLst>
-                <a:gs pos="56000">
-                  <a:schemeClr val="accent2">
-                    <a:lumMod val="50000"/>
-                  </a:schemeClr>
-                </a:gs>
-                <a:gs pos="100000">
-                  <a:schemeClr val="bg1">
-                    <a:alpha val="0"/>
-                  </a:schemeClr>
-                </a:gs>
-              </a:gsLst>
-              <a:lin ang="0" scaled="1"/>
-              <a:tileRect/>
-            </a:gradFill>
-            <a:ln w="19050">
-              <a:noFill/>
-              <a:miter lim="800000"/>
-            </a:ln>
-          </p:spPr>
-          <p:txBody>
-            <a:bodyPr wrap="square">
-              <a:spAutoFit/>
-            </a:bodyPr>
-            <a:lstStyle>
-              <a:defPPr>
-                <a:defRPr kern="1200" smtId="4294967295"/>
-              </a:defPPr>
-              <a:lvl1pPr>
-                <a:defRPr sz="2400">
-                  <a:solidFill>
-                    <a:schemeClr val="tx1"/>
-                  </a:solidFill>
-                  <a:latin typeface="Times New Roman" pitchFamily="18" charset="0"/>
-                </a:defRPr>
-              </a:lvl1pPr>
-              <a:lvl2pPr marL="742950" indent="-285750">
-                <a:defRPr sz="2400">
-                  <a:solidFill>
-                    <a:schemeClr val="tx1"/>
-                  </a:solidFill>
-                  <a:latin typeface="Times New Roman" pitchFamily="18" charset="0"/>
-                </a:defRPr>
-              </a:lvl2pPr>
-              <a:lvl3pPr marL="1143000" indent="-228600">
-                <a:defRPr sz="2400">
-                  <a:solidFill>
-                    <a:schemeClr val="tx1"/>
-                  </a:solidFill>
-                  <a:latin typeface="Times New Roman" pitchFamily="18" charset="0"/>
-                </a:defRPr>
-              </a:lvl3pPr>
-              <a:lvl4pPr marL="1600200" indent="-228600">
-                <a:defRPr sz="2400">
-                  <a:solidFill>
-                    <a:schemeClr val="tx1"/>
-                  </a:solidFill>
-                  <a:latin typeface="Times New Roman" pitchFamily="18" charset="0"/>
-                </a:defRPr>
-              </a:lvl4pPr>
-              <a:lvl5pPr marL="2057400" indent="-228600">
-                <a:defRPr sz="2400">
-                  <a:solidFill>
-                    <a:schemeClr val="tx1"/>
-                  </a:solidFill>
-                  <a:latin typeface="Times New Roman" pitchFamily="18" charset="0"/>
-                </a:defRPr>
-              </a:lvl5pPr>
-              <a:lvl6pPr marL="2514600" indent="-228600" eaLnBrk="0" fontAlgn="base" hangingPunct="0">
-                <a:spcBef>
-                  <a:spcPct val="0"/>
-                </a:spcBef>
-                <a:spcAft>
-                  <a:spcPct val="0"/>
-                </a:spcAft>
-                <a:defRPr sz="2400">
-                  <a:solidFill>
-                    <a:schemeClr val="tx1"/>
-                  </a:solidFill>
-                  <a:latin typeface="Times New Roman" pitchFamily="18" charset="0"/>
-                </a:defRPr>
-              </a:lvl6pPr>
-              <a:lvl7pPr marL="2971800" indent="-228600" eaLnBrk="0" fontAlgn="base" hangingPunct="0">
-                <a:spcBef>
-                  <a:spcPct val="0"/>
-                </a:spcBef>
-                <a:spcAft>
-                  <a:spcPct val="0"/>
-                </a:spcAft>
-                <a:defRPr sz="2400">
-                  <a:solidFill>
-                    <a:schemeClr val="tx1"/>
-                  </a:solidFill>
-                  <a:latin typeface="Times New Roman" pitchFamily="18" charset="0"/>
-                </a:defRPr>
-              </a:lvl7pPr>
-              <a:lvl8pPr marL="3429000" indent="-228600" eaLnBrk="0" fontAlgn="base" hangingPunct="0">
-                <a:spcBef>
-                  <a:spcPct val="0"/>
-                </a:spcBef>
-                <a:spcAft>
-                  <a:spcPct val="0"/>
-                </a:spcAft>
-                <a:defRPr sz="2400">
-                  <a:solidFill>
-                    <a:schemeClr val="tx1"/>
-                  </a:solidFill>
-                  <a:latin typeface="Times New Roman" pitchFamily="18" charset="0"/>
-                </a:defRPr>
-              </a:lvl8pPr>
-              <a:lvl9pPr marL="3886200" indent="-228600" eaLnBrk="0" fontAlgn="base" hangingPunct="0">
-                <a:spcBef>
-                  <a:spcPct val="0"/>
-                </a:spcBef>
-                <a:spcAft>
-                  <a:spcPct val="0"/>
-                </a:spcAft>
-                <a:defRPr sz="2400">
-                  <a:solidFill>
-                    <a:schemeClr val="tx1"/>
-                  </a:solidFill>
-                  <a:latin typeface="Times New Roman" pitchFamily="18" charset="0"/>
-                </a:defRPr>
-              </a:lvl9pPr>
-            </a:lstStyle>
-            <a:p>
-              <a:r>
-                <a:rPr lang="en-US" altLang="zh-CN" sz="4200" b="1" dirty="0" smtClean="0">
-                  <a:solidFill>
-                    <a:schemeClr val="bg1"/>
-                  </a:solidFill>
-                  <a:latin typeface="Lucida Sans" pitchFamily="34" charset="0"/>
-                  <a:ea typeface="SimSun" pitchFamily="2" charset="-122"/>
-                  <a:cs typeface="Lucida Sans" pitchFamily="34" charset="0"/>
-                </a:rPr>
-                <a:t>INTRODUCTION</a:t>
-              </a:r>
-              <a:endParaRPr lang="en-US" altLang="zh-CN" sz="3000" b="1" dirty="0">
-                <a:solidFill>
-                  <a:schemeClr val="bg1"/>
-                </a:solidFill>
-                <a:latin typeface="Lucida Sans" pitchFamily="34" charset="0"/>
-                <a:ea typeface="SimSun" pitchFamily="2" charset="-122"/>
-                <a:cs typeface="Lucida Sans" pitchFamily="34" charset="0"/>
-              </a:endParaRPr>
-            </a:p>
-          </p:txBody>
-        </p:sp>
-      </p:grpSp>
-      <p:grpSp>
-        <p:nvGrpSpPr>
           <p:cNvPr id="42" name="Group 41"/>
           <p:cNvGrpSpPr/>
           <p:nvPr/>
         </p:nvGrpSpPr>
         <p:grpSpPr>
           <a:xfrm>
-            <a:off x="1040561" y="20238174"/>
+            <a:off x="831850" y="22224206"/>
             <a:ext cx="10992689" cy="819989"/>
             <a:chOff x="1066799" y="5958162"/>
             <a:chExt cx="11007725" cy="891580"/>
@@ -5869,8 +5514,8 @@
         </p:nvSpPr>
         <p:spPr bwMode="auto">
           <a:xfrm>
-            <a:off x="12795250" y="6679406"/>
-            <a:ext cx="17906999" cy="5780459"/>
+            <a:off x="12566650" y="6755606"/>
+            <a:ext cx="18059400" cy="6025817"/>
           </a:xfrm>
           <a:prstGeom prst="rect">
             <a:avLst/>
@@ -5895,7 +5540,7 @@
           </a:extLst>
         </p:spPr>
         <p:txBody>
-          <a:bodyPr wrap="square" lIns="174010" tIns="87005" rIns="174010" bIns="174010">
+          <a:bodyPr wrap="square" lIns="252000" tIns="252000" rIns="252000" bIns="252000">
             <a:spAutoFit/>
           </a:bodyPr>
           <a:lstStyle>
@@ -6182,7 +5827,7 @@
         </p:nvSpPr>
         <p:spPr bwMode="auto">
           <a:xfrm>
-            <a:off x="12566650" y="24891206"/>
+            <a:off x="12566650" y="28244006"/>
             <a:ext cx="6319248" cy="457188"/>
           </a:xfrm>
           <a:prstGeom prst="rect">
@@ -6344,7 +5989,7 @@
               <a:t>Itakura </a:t>
             </a:r>
             <a:r>
-              <a:rPr lang="et-EE" i="1" dirty="0" err="1" smtClean="0">
+              <a:rPr lang="et-EE" i="1" dirty="0">
                 <a:solidFill>
                   <a:schemeClr val="accent2">
                     <a:lumMod val="50000"/>
@@ -6352,7 +5997,7 @@
                 </a:solidFill>
                 <a:latin typeface="Arial"/>
               </a:rPr>
-              <a:t>Parallelogram</a:t>
+              <a:t>Parallelogram, absolute difference</a:t>
             </a:r>
             <a:endParaRPr lang="en-AU" i="1" dirty="0">
               <a:solidFill>
@@ -6375,7 +6020,7 @@
         </p:nvSpPr>
         <p:spPr bwMode="auto">
           <a:xfrm>
-            <a:off x="21939250" y="18642806"/>
+            <a:off x="21642293" y="20547806"/>
             <a:ext cx="6319248" cy="457188"/>
           </a:xfrm>
           <a:prstGeom prst="rect">
@@ -6534,10 +6179,10 @@
                 </a:solidFill>
                 <a:latin typeface="Arial"/>
               </a:rPr>
-              <a:t>Sakoe Chiba </a:t>
-            </a:r>
-            <a:r>
-              <a:rPr lang="et-EE" i="1" dirty="0" smtClean="0">
+              <a:t>Sakoe-Chiba Band</a:t>
+            </a:r>
+            <a:r>
+              <a:rPr lang="et-EE" i="1" dirty="0">
                 <a:solidFill>
                   <a:schemeClr val="accent2">
                     <a:lumMod val="50000"/>
@@ -6545,7 +6190,29 @@
                 </a:solidFill>
                 <a:latin typeface="Arial"/>
               </a:rPr>
-              <a:t>Band, 5%</a:t>
+              <a:t>, absolute </a:t>
+            </a:r>
+            <a:r>
+              <a:rPr lang="et-EE" i="1" dirty="0" smtClean="0">
+                <a:solidFill>
+                  <a:schemeClr val="accent2">
+                    <a:lumMod val="50000"/>
+                  </a:schemeClr>
+                </a:solidFill>
+                <a:latin typeface="Arial"/>
+              </a:rPr>
+              <a:t>difference, 5</a:t>
+            </a:r>
+            <a:r>
+              <a:rPr lang="et-EE" i="1" dirty="0" smtClean="0">
+                <a:solidFill>
+                  <a:schemeClr val="accent2">
+                    <a:lumMod val="50000"/>
+                  </a:schemeClr>
+                </a:solidFill>
+                <a:latin typeface="Arial"/>
+              </a:rPr>
+              <a:t>%</a:t>
             </a:r>
             <a:endParaRPr lang="en-AU" i="1" dirty="0">
               <a:solidFill>
@@ -6558,361 +6225,6 @@
           </a:p>
         </p:txBody>
       </p:sp>
-      <p:grpSp>
-        <p:nvGrpSpPr>
-          <p:cNvPr id="49" name="Group 48"/>
-          <p:cNvGrpSpPr/>
-          <p:nvPr/>
-        </p:nvGrpSpPr>
-        <p:grpSpPr>
-          <a:xfrm>
-            <a:off x="12795250" y="5384006"/>
-            <a:ext cx="28956000" cy="914400"/>
-            <a:chOff x="1066799" y="5958162"/>
-            <a:chExt cx="11007725" cy="869816"/>
-          </a:xfrm>
-        </p:grpSpPr>
-        <p:sp>
-          <p:nvSpPr>
-            <p:cNvPr id="50" name="Text Box 248"/>
-            <p:cNvSpPr txBox="1">
-              <a:spLocks noChangeArrowheads="1"/>
-            </p:cNvSpPr>
-            <p:nvPr/>
-          </p:nvSpPr>
-          <p:spPr bwMode="auto">
-            <a:xfrm>
-              <a:off x="1066799" y="5958162"/>
-              <a:ext cx="11007725" cy="669294"/>
-            </a:xfrm>
-            <a:prstGeom prst="rect">
-              <a:avLst/>
-            </a:prstGeom>
-            <a:gradFill rotWithShape="0">
-              <a:gsLst>
-                <a:gs pos="0">
-                  <a:schemeClr val="accent2">
-                    <a:lumMod val="40000"/>
-                    <a:lumOff val="60000"/>
-                  </a:schemeClr>
-                </a:gs>
-                <a:gs pos="13000">
-                  <a:schemeClr val="accent3">
-                    <a:lumMod val="60000"/>
-                    <a:lumOff val="40000"/>
-                  </a:schemeClr>
-                </a:gs>
-                <a:gs pos="43000">
-                  <a:schemeClr val="accent2">
-                    <a:lumMod val="60000"/>
-                    <a:lumOff val="40000"/>
-                  </a:schemeClr>
-                </a:gs>
-                <a:gs pos="67000">
-                  <a:schemeClr val="accent2">
-                    <a:lumMod val="75000"/>
-                  </a:schemeClr>
-                </a:gs>
-                <a:gs pos="83000">
-                  <a:schemeClr val="accent2">
-                    <a:lumMod val="75000"/>
-                  </a:schemeClr>
-                </a:gs>
-                <a:gs pos="100000">
-                  <a:schemeClr val="accent3">
-                    <a:lumMod val="60000"/>
-                    <a:lumOff val="40000"/>
-                  </a:schemeClr>
-                </a:gs>
-              </a:gsLst>
-              <a:lin ang="0" scaled="1"/>
-              <a:tileRect/>
-            </a:gradFill>
-            <a:ln w="19050">
-              <a:noFill/>
-              <a:miter lim="800000"/>
-            </a:ln>
-          </p:spPr>
-          <p:txBody>
-            <a:bodyPr>
-              <a:spAutoFit/>
-            </a:bodyPr>
-            <a:lstStyle>
-              <a:defPPr>
-                <a:defRPr kern="1200" smtId="4294967295"/>
-              </a:defPPr>
-              <a:lvl1pPr>
-                <a:defRPr sz="2400">
-                  <a:solidFill>
-                    <a:schemeClr val="tx1"/>
-                  </a:solidFill>
-                  <a:latin typeface="Times New Roman" pitchFamily="18" charset="0"/>
-                </a:defRPr>
-              </a:lvl1pPr>
-              <a:lvl2pPr marL="742950" indent="-285750">
-                <a:defRPr sz="2400">
-                  <a:solidFill>
-                    <a:schemeClr val="tx1"/>
-                  </a:solidFill>
-                  <a:latin typeface="Times New Roman" pitchFamily="18" charset="0"/>
-                </a:defRPr>
-              </a:lvl2pPr>
-              <a:lvl3pPr marL="1143000" indent="-228600">
-                <a:defRPr sz="2400">
-                  <a:solidFill>
-                    <a:schemeClr val="tx1"/>
-                  </a:solidFill>
-                  <a:latin typeface="Times New Roman" pitchFamily="18" charset="0"/>
-                </a:defRPr>
-              </a:lvl3pPr>
-              <a:lvl4pPr marL="1600200" indent="-228600">
-                <a:defRPr sz="2400">
-                  <a:solidFill>
-                    <a:schemeClr val="tx1"/>
-                  </a:solidFill>
-                  <a:latin typeface="Times New Roman" pitchFamily="18" charset="0"/>
-                </a:defRPr>
-              </a:lvl4pPr>
-              <a:lvl5pPr marL="2057400" indent="-228600">
-                <a:defRPr sz="2400">
-                  <a:solidFill>
-                    <a:schemeClr val="tx1"/>
-                  </a:solidFill>
-                  <a:latin typeface="Times New Roman" pitchFamily="18" charset="0"/>
-                </a:defRPr>
-              </a:lvl5pPr>
-              <a:lvl6pPr marL="2514600" indent="-228600" eaLnBrk="0" fontAlgn="base" hangingPunct="0">
-                <a:spcBef>
-                  <a:spcPct val="0"/>
-                </a:spcBef>
-                <a:spcAft>
-                  <a:spcPct val="0"/>
-                </a:spcAft>
-                <a:defRPr sz="2400">
-                  <a:solidFill>
-                    <a:schemeClr val="tx1"/>
-                  </a:solidFill>
-                  <a:latin typeface="Times New Roman" pitchFamily="18" charset="0"/>
-                </a:defRPr>
-              </a:lvl6pPr>
-              <a:lvl7pPr marL="2971800" indent="-228600" eaLnBrk="0" fontAlgn="base" hangingPunct="0">
-                <a:spcBef>
-                  <a:spcPct val="0"/>
-                </a:spcBef>
-                <a:spcAft>
-                  <a:spcPct val="0"/>
-                </a:spcAft>
-                <a:defRPr sz="2400">
-                  <a:solidFill>
-                    <a:schemeClr val="tx1"/>
-                  </a:solidFill>
-                  <a:latin typeface="Times New Roman" pitchFamily="18" charset="0"/>
-                </a:defRPr>
-              </a:lvl7pPr>
-              <a:lvl8pPr marL="3429000" indent="-228600" eaLnBrk="0" fontAlgn="base" hangingPunct="0">
-                <a:spcBef>
-                  <a:spcPct val="0"/>
-                </a:spcBef>
-                <a:spcAft>
-                  <a:spcPct val="0"/>
-                </a:spcAft>
-                <a:defRPr sz="2400">
-                  <a:solidFill>
-                    <a:schemeClr val="tx1"/>
-                  </a:solidFill>
-                  <a:latin typeface="Times New Roman" pitchFamily="18" charset="0"/>
-                </a:defRPr>
-              </a:lvl8pPr>
-              <a:lvl9pPr marL="3886200" indent="-228600" eaLnBrk="0" fontAlgn="base" hangingPunct="0">
-                <a:spcBef>
-                  <a:spcPct val="0"/>
-                </a:spcBef>
-                <a:spcAft>
-                  <a:spcPct val="0"/>
-                </a:spcAft>
-                <a:defRPr sz="2400">
-                  <a:solidFill>
-                    <a:schemeClr val="tx1"/>
-                  </a:solidFill>
-                  <a:latin typeface="Times New Roman" pitchFamily="18" charset="0"/>
-                </a:defRPr>
-              </a:lvl9pPr>
-            </a:lstStyle>
-            <a:p>
-              <a:endParaRPr lang="en-US" altLang="zh-CN" sz="3400" b="1">
-                <a:latin typeface="Lucida Sans" pitchFamily="34" charset="0"/>
-                <a:ea typeface="SimSun" pitchFamily="2" charset="-122"/>
-                <a:cs typeface="Lucida Sans" pitchFamily="34" charset="0"/>
-              </a:endParaRPr>
-            </a:p>
-          </p:txBody>
-        </p:sp>
-        <p:sp>
-          <p:nvSpPr>
-            <p:cNvPr id="51" name="Text Box 248"/>
-            <p:cNvSpPr txBox="1">
-              <a:spLocks noChangeArrowheads="1"/>
-            </p:cNvSpPr>
-            <p:nvPr/>
-          </p:nvSpPr>
-          <p:spPr bwMode="auto">
-            <a:xfrm>
-              <a:off x="1100826" y="6024824"/>
-              <a:ext cx="10805886" cy="803154"/>
-            </a:xfrm>
-            <a:prstGeom prst="rect">
-              <a:avLst/>
-            </a:prstGeom>
-            <a:gradFill>
-              <a:gsLst>
-                <a:gs pos="56000">
-                  <a:schemeClr val="accent2">
-                    <a:lumMod val="50000"/>
-                  </a:schemeClr>
-                </a:gs>
-                <a:gs pos="100000">
-                  <a:schemeClr val="bg1">
-                    <a:alpha val="0"/>
-                  </a:schemeClr>
-                </a:gs>
-              </a:gsLst>
-              <a:lin ang="0" scaled="1"/>
-              <a:tileRect/>
-            </a:gradFill>
-            <a:ln w="19050">
-              <a:noFill/>
-              <a:miter lim="800000"/>
-            </a:ln>
-          </p:spPr>
-          <p:txBody>
-            <a:bodyPr wrap="square">
-              <a:spAutoFit/>
-            </a:bodyPr>
-            <a:lstStyle>
-              <a:defPPr>
-                <a:defRPr kern="1200" smtId="4294967295"/>
-              </a:defPPr>
-              <a:lvl1pPr>
-                <a:defRPr sz="2400">
-                  <a:solidFill>
-                    <a:schemeClr val="tx1"/>
-                  </a:solidFill>
-                  <a:latin typeface="Times New Roman" pitchFamily="18" charset="0"/>
-                </a:defRPr>
-              </a:lvl1pPr>
-              <a:lvl2pPr marL="742950" indent="-285750">
-                <a:defRPr sz="2400">
-                  <a:solidFill>
-                    <a:schemeClr val="tx1"/>
-                  </a:solidFill>
-                  <a:latin typeface="Times New Roman" pitchFamily="18" charset="0"/>
-                </a:defRPr>
-              </a:lvl2pPr>
-              <a:lvl3pPr marL="1143000" indent="-228600">
-                <a:defRPr sz="2400">
-                  <a:solidFill>
-                    <a:schemeClr val="tx1"/>
-                  </a:solidFill>
-                  <a:latin typeface="Times New Roman" pitchFamily="18" charset="0"/>
-                </a:defRPr>
-              </a:lvl3pPr>
-              <a:lvl4pPr marL="1600200" indent="-228600">
-                <a:defRPr sz="2400">
-                  <a:solidFill>
-                    <a:schemeClr val="tx1"/>
-                  </a:solidFill>
-                  <a:latin typeface="Times New Roman" pitchFamily="18" charset="0"/>
-                </a:defRPr>
-              </a:lvl4pPr>
-              <a:lvl5pPr marL="2057400" indent="-228600">
-                <a:defRPr sz="2400">
-                  <a:solidFill>
-                    <a:schemeClr val="tx1"/>
-                  </a:solidFill>
-                  <a:latin typeface="Times New Roman" pitchFamily="18" charset="0"/>
-                </a:defRPr>
-              </a:lvl5pPr>
-              <a:lvl6pPr marL="2514600" indent="-228600" eaLnBrk="0" fontAlgn="base" hangingPunct="0">
-                <a:spcBef>
-                  <a:spcPct val="0"/>
-                </a:spcBef>
-                <a:spcAft>
-                  <a:spcPct val="0"/>
-                </a:spcAft>
-                <a:defRPr sz="2400">
-                  <a:solidFill>
-                    <a:schemeClr val="tx1"/>
-                  </a:solidFill>
-                  <a:latin typeface="Times New Roman" pitchFamily="18" charset="0"/>
-                </a:defRPr>
-              </a:lvl6pPr>
-              <a:lvl7pPr marL="2971800" indent="-228600" eaLnBrk="0" fontAlgn="base" hangingPunct="0">
-                <a:spcBef>
-                  <a:spcPct val="0"/>
-                </a:spcBef>
-                <a:spcAft>
-                  <a:spcPct val="0"/>
-                </a:spcAft>
-                <a:defRPr sz="2400">
-                  <a:solidFill>
-                    <a:schemeClr val="tx1"/>
-                  </a:solidFill>
-                  <a:latin typeface="Times New Roman" pitchFamily="18" charset="0"/>
-                </a:defRPr>
-              </a:lvl7pPr>
-              <a:lvl8pPr marL="3429000" indent="-228600" eaLnBrk="0" fontAlgn="base" hangingPunct="0">
-                <a:spcBef>
-                  <a:spcPct val="0"/>
-                </a:spcBef>
-                <a:spcAft>
-                  <a:spcPct val="0"/>
-                </a:spcAft>
-                <a:defRPr sz="2400">
-                  <a:solidFill>
-                    <a:schemeClr val="tx1"/>
-                  </a:solidFill>
-                  <a:latin typeface="Times New Roman" pitchFamily="18" charset="0"/>
-                </a:defRPr>
-              </a:lvl8pPr>
-              <a:lvl9pPr marL="3886200" indent="-228600" eaLnBrk="0" fontAlgn="base" hangingPunct="0">
-                <a:spcBef>
-                  <a:spcPct val="0"/>
-                </a:spcBef>
-                <a:spcAft>
-                  <a:spcPct val="0"/>
-                </a:spcAft>
-                <a:defRPr sz="2400">
-                  <a:solidFill>
-                    <a:schemeClr val="tx1"/>
-                  </a:solidFill>
-                  <a:latin typeface="Times New Roman" pitchFamily="18" charset="0"/>
-                </a:defRPr>
-              </a:lvl9pPr>
-            </a:lstStyle>
-            <a:p>
-              <a:r>
-                <a:rPr lang="en-US" altLang="zh-CN" sz="4200" b="1" dirty="0" smtClean="0">
-                  <a:solidFill>
-                    <a:schemeClr val="bg1"/>
-                  </a:solidFill>
-                  <a:latin typeface="Lucida Sans" pitchFamily="34" charset="0"/>
-                  <a:ea typeface="SimSun" pitchFamily="2" charset="-122"/>
-                  <a:cs typeface="Lucida Sans" pitchFamily="34" charset="0"/>
-                </a:rPr>
-                <a:t>VISUALIZATION</a:t>
-              </a:r>
-              <a:endParaRPr lang="en-US" altLang="zh-CN" sz="3000" b="1" dirty="0">
-                <a:solidFill>
-                  <a:schemeClr val="bg1"/>
-                </a:solidFill>
-                <a:latin typeface="Lucida Sans" pitchFamily="34" charset="0"/>
-                <a:ea typeface="SimSun" pitchFamily="2" charset="-122"/>
-                <a:cs typeface="Lucida Sans" pitchFamily="34" charset="0"/>
-              </a:endParaRPr>
-            </a:p>
-          </p:txBody>
-        </p:sp>
-      </p:grpSp>
       <p:sp>
         <p:nvSpPr>
           <p:cNvPr id="54" name="Text Box 245"/>
@@ -6923,8 +6235,8 @@
         </p:nvSpPr>
         <p:spPr bwMode="auto">
           <a:xfrm>
-            <a:off x="31233334" y="22362523"/>
-            <a:ext cx="10623135" cy="6911539"/>
+            <a:off x="31250830" y="22751675"/>
+            <a:ext cx="10623135" cy="7156897"/>
           </a:xfrm>
           <a:prstGeom prst="rect">
             <a:avLst/>
@@ -6949,7 +6261,7 @@
           </a:extLst>
         </p:spPr>
         <p:txBody>
-          <a:bodyPr wrap="square" lIns="174010" tIns="87005" rIns="174010" bIns="174010">
+          <a:bodyPr wrap="square" lIns="252000" tIns="252000" rIns="252000" bIns="252000">
             <a:spAutoFit/>
           </a:bodyPr>
           <a:lstStyle>
@@ -7081,47 +6393,39 @@
             </a:r>
             <a:r>
               <a:rPr lang="en-US" sz="3600" dirty="0" smtClean="0"/>
-              <a:t>. Minimum prediction residual </a:t>
+              <a:t>. Minimum prediction </a:t>
+            </a:r>
+            <a:r>
+              <a:rPr lang="en-US" sz="3600" dirty="0" smtClean="0"/>
+              <a:t>residual    				principle </a:t>
+            </a:r>
+            <a:r>
+              <a:rPr lang="en-US" sz="3600" dirty="0" smtClean="0"/>
+              <a:t>applied to speech</a:t>
+            </a:r>
+            <a:r>
+              <a:rPr lang="et-EE" sz="3600" dirty="0" smtClean="0"/>
+              <a:t> </a:t>
+            </a:r>
+            <a:r>
+              <a:rPr lang="en-US" sz="3600" dirty="0" smtClean="0"/>
+              <a:t>recognition. IEEE </a:t>
             </a:r>
             <a:r>
               <a:rPr lang="et-EE" sz="3600" dirty="0" smtClean="0"/>
               <a:t>		</a:t>
             </a:r>
             <a:r>
-              <a:rPr lang="et-EE" sz="3600" dirty="0" smtClean="0"/>
-              <a:t>	</a:t>
-            </a:r>
-            <a:r>
               <a:rPr lang="en-US" sz="3600" dirty="0" smtClean="0"/>
-              <a:t>principle </a:t>
+              <a:t>Transactions on Acoustics, Speech, </a:t>
             </a:r>
             <a:r>
               <a:rPr lang="en-US" sz="3600" dirty="0" smtClean="0"/>
-              <a:t>applied to speech</a:t>
-            </a:r>
-            <a:r>
-              <a:rPr lang="et-EE" sz="3600" dirty="0" smtClean="0"/>
+              <a:t>and</a:t>
+            </a:r>
+            <a:r>
+              <a:rPr lang="et-EE" sz="3600" dirty="0"/>
               <a:t> </a:t>
-            </a:r>
-            <a:r>
-              <a:rPr lang="en-US" sz="3600" dirty="0" smtClean="0"/>
-              <a:t>recognition. IEEE </a:t>
-            </a:r>
-            <a:r>
-              <a:rPr lang="et-EE" sz="3600" dirty="0" smtClean="0"/>
-              <a:t>		</a:t>
-            </a:r>
-            <a:r>
-              <a:rPr lang="en-US" sz="3600" dirty="0" smtClean="0"/>
-              <a:t>Transactions on Acoustics, Speech, and</a:t>
-            </a:r>
-            <a:r>
-              <a:rPr lang="et-EE" sz="3600" dirty="0" smtClean="0"/>
-              <a:t> 			</a:t>
-            </a:r>
-            <a:r>
-              <a:rPr lang="et-EE" sz="3600" dirty="0" smtClean="0"/>
-              <a:t>			</a:t>
             </a:r>
             <a:r>
               <a:rPr lang="en-US" sz="3600" dirty="0" smtClean="0"/>
@@ -7319,8 +6623,8 @@
         </p:nvSpPr>
         <p:spPr bwMode="auto">
           <a:xfrm>
-            <a:off x="31271818" y="16782139"/>
-            <a:ext cx="10623136" cy="4252348"/>
+            <a:off x="31250829" y="17171291"/>
+            <a:ext cx="10623136" cy="4479240"/>
           </a:xfrm>
           <a:prstGeom prst="rect">
             <a:avLst/>
@@ -7345,7 +6649,7 @@
           </a:extLst>
         </p:spPr>
         <p:txBody>
-          <a:bodyPr wrap="square" lIns="174010" tIns="87005" rIns="174010" bIns="174010">
+          <a:bodyPr wrap="square" lIns="252000" tIns="252000" rIns="252000" bIns="252000">
             <a:spAutoFit/>
           </a:bodyPr>
           <a:lstStyle>
@@ -7856,7 +7160,7 @@
         </p:nvGrpSpPr>
         <p:grpSpPr>
           <a:xfrm>
-            <a:off x="31257464" y="15683085"/>
+            <a:off x="31136974" y="16072237"/>
             <a:ext cx="10736991" cy="819990"/>
             <a:chOff x="1066799" y="5958162"/>
             <a:chExt cx="11007725" cy="891580"/>
@@ -8211,7 +7515,7 @@
         </p:nvGrpSpPr>
         <p:grpSpPr>
           <a:xfrm>
-            <a:off x="31257464" y="21288510"/>
+            <a:off x="31159450" y="21843206"/>
             <a:ext cx="10736991" cy="819990"/>
             <a:chOff x="1066799" y="5958162"/>
             <a:chExt cx="11007725" cy="891580"/>
@@ -8560,36 +7864,6 @@
       </p:grpSp>
       <p:pic>
         <p:nvPicPr>
-          <p:cNvPr id="4" name="Picture 3" descr="Screen Shot 2017-01-11 at 14.21.34.png"/>
-          <p:cNvPicPr>
-            <a:picLocks noChangeAspect="1"/>
-          </p:cNvPicPr>
-          <p:nvPr/>
-        </p:nvPicPr>
-        <p:blipFill>
-          <a:blip r:embed="rId5" cstate="print">
-            <a:extLst>
-              <a:ext uri="{28A0092B-C50C-407E-A947-70E740481C1C}">
-                <a14:useLocalDpi xmlns:a14="http://schemas.microsoft.com/office/drawing/2010/main" val="0"/>
-              </a:ext>
-            </a:extLst>
-          </a:blip>
-          <a:stretch>
-            <a:fillRect/>
-          </a:stretch>
-        </p:blipFill>
-        <p:spPr>
-          <a:xfrm>
-            <a:off x="1091356" y="13177097"/>
-            <a:ext cx="10941893" cy="6543675"/>
-          </a:xfrm>
-          <a:prstGeom prst="rect">
-            <a:avLst/>
-          </a:prstGeom>
-        </p:spPr>
-      </p:pic>
-      <p:pic>
-        <p:nvPicPr>
           <p:cNvPr id="8" name="Pilt 7"/>
           <p:cNvPicPr>
             <a:picLocks noChangeAspect="1"/>
@@ -8597,7 +7871,7 @@
           <p:nvPr/>
         </p:nvPicPr>
         <p:blipFill>
-          <a:blip r:embed="rId6">
+          <a:blip r:embed="rId5">
             <a:extLst>
               <a:ext uri="{28A0092B-C50C-407E-A947-70E740481C1C}">
                 <a14:useLocalDpi xmlns:a14="http://schemas.microsoft.com/office/drawing/2010/main" val="0"/>
@@ -8627,7 +7901,7 @@
           <p:nvPr/>
         </p:nvPicPr>
         <p:blipFill>
-          <a:blip r:embed="rId7" cstate="print">
+          <a:blip r:embed="rId6" cstate="print">
             <a:extLst>
               <a:ext uri="{28A0092B-C50C-407E-A947-70E740481C1C}">
                 <a14:useLocalDpi xmlns:a14="http://schemas.microsoft.com/office/drawing/2010/main" val="0"/>
@@ -8657,7 +7931,7 @@
           <p:nvPr/>
         </p:nvPicPr>
         <p:blipFill>
-          <a:blip r:embed="rId8">
+          <a:blip r:embed="rId7">
             <a:extLst>
               <a:ext uri="{28A0092B-C50C-407E-A947-70E740481C1C}">
                 <a14:useLocalDpi xmlns:a14="http://schemas.microsoft.com/office/drawing/2010/main" val="0"/>
@@ -8670,8 +7944,8 @@
         </p:blipFill>
         <p:spPr>
           <a:xfrm>
-            <a:off x="12795250" y="13004006"/>
-            <a:ext cx="8709585" cy="5303747"/>
+            <a:off x="12566650" y="14756606"/>
+            <a:ext cx="8915400" cy="5429079"/>
           </a:xfrm>
           <a:prstGeom prst="rect">
             <a:avLst/>
@@ -8688,7 +7962,7 @@
         </p:nvSpPr>
         <p:spPr bwMode="auto">
           <a:xfrm>
-            <a:off x="13404850" y="18338006"/>
+            <a:off x="12566650" y="20547806"/>
             <a:ext cx="6319248" cy="457188"/>
           </a:xfrm>
           <a:prstGeom prst="rect">
@@ -8847,7 +8121,7 @@
                 </a:solidFill>
                 <a:latin typeface="Arial"/>
               </a:rPr>
-              <a:t>No constraints</a:t>
+              <a:t>No constraints, absolute difference</a:t>
             </a:r>
             <a:endParaRPr lang="en-AU" i="1" dirty="0">
               <a:solidFill>
@@ -8869,6 +8143,36 @@
           <p:nvPr/>
         </p:nvPicPr>
         <p:blipFill>
+          <a:blip r:embed="rId8">
+            <a:extLst>
+              <a:ext uri="{28A0092B-C50C-407E-A947-70E740481C1C}">
+                <a14:useLocalDpi xmlns:a14="http://schemas.microsoft.com/office/drawing/2010/main" val="0"/>
+              </a:ext>
+            </a:extLst>
+          </a:blip>
+          <a:stretch>
+            <a:fillRect/>
+          </a:stretch>
+        </p:blipFill>
+        <p:spPr>
+          <a:xfrm>
+            <a:off x="12566650" y="22452806"/>
+            <a:ext cx="8828775" cy="5273651"/>
+          </a:xfrm>
+          <a:prstGeom prst="rect">
+            <a:avLst/>
+          </a:prstGeom>
+        </p:spPr>
+      </p:pic>
+      <p:pic>
+        <p:nvPicPr>
+          <p:cNvPr id="9" name="Picture 8" descr="Screen Shot 2017-01-11 at 19.18.11.png"/>
+          <p:cNvPicPr>
+            <a:picLocks noChangeAspect="1"/>
+          </p:cNvPicPr>
+          <p:nvPr/>
+        </p:nvPicPr>
+        <p:blipFill>
           <a:blip r:embed="rId9">
             <a:extLst>
               <a:ext uri="{28A0092B-C50C-407E-A947-70E740481C1C}">
@@ -8882,8 +8186,8 @@
         </p:blipFill>
         <p:spPr>
           <a:xfrm>
-            <a:off x="12566650" y="19557206"/>
-            <a:ext cx="8547100" cy="5105400"/>
+            <a:off x="21642293" y="14756606"/>
+            <a:ext cx="8983757" cy="5334000"/>
           </a:xfrm>
           <a:prstGeom prst="rect">
             <a:avLst/>
@@ -8892,7 +8196,7 @@
       </p:pic>
       <p:pic>
         <p:nvPicPr>
-          <p:cNvPr id="9" name="Picture 8" descr="Screen Shot 2017-01-11 at 19.18.11.png"/>
+          <p:cNvPr id="11" name="Picture 10" descr="Screen Shot 2017-01-11 at 19.24.55.png"/>
           <p:cNvPicPr>
             <a:picLocks noChangeAspect="1"/>
           </p:cNvPicPr>
@@ -8912,38 +8216,8 @@
         </p:blipFill>
         <p:spPr>
           <a:xfrm>
-            <a:off x="21634450" y="12927806"/>
-            <a:ext cx="8930528" cy="5257800"/>
-          </a:xfrm>
-          <a:prstGeom prst="rect">
-            <a:avLst/>
-          </a:prstGeom>
-        </p:spPr>
-      </p:pic>
-      <p:pic>
-        <p:nvPicPr>
-          <p:cNvPr id="11" name="Picture 10" descr="Screen Shot 2017-01-11 at 19.24.55.png"/>
-          <p:cNvPicPr>
-            <a:picLocks noChangeAspect="1"/>
-          </p:cNvPicPr>
-          <p:nvPr/>
-        </p:nvPicPr>
-        <p:blipFill>
-          <a:blip r:embed="rId11">
-            <a:extLst>
-              <a:ext uri="{28A0092B-C50C-407E-A947-70E740481C1C}">
-                <a14:useLocalDpi xmlns:a14="http://schemas.microsoft.com/office/drawing/2010/main" val="0"/>
-              </a:ext>
-            </a:extLst>
-          </a:blip>
-          <a:stretch>
-            <a:fillRect/>
-          </a:stretch>
-        </p:blipFill>
-        <p:spPr>
-          <a:xfrm>
-            <a:off x="21405850" y="19481006"/>
-            <a:ext cx="9321800" cy="5499100"/>
+            <a:off x="21786850" y="22452806"/>
+            <a:ext cx="8839200" cy="5214405"/>
           </a:xfrm>
           <a:prstGeom prst="rect">
             <a:avLst/>
@@ -8960,8 +8234,8 @@
         </p:nvSpPr>
         <p:spPr bwMode="auto">
           <a:xfrm>
-            <a:off x="21482050" y="25272206"/>
-            <a:ext cx="6319248" cy="457188"/>
+            <a:off x="21726808" y="28244006"/>
+            <a:ext cx="9220200" cy="457188"/>
           </a:xfrm>
           <a:prstGeom prst="rect">
             <a:avLst/>
@@ -9000,7 +8274,7 @@
           </a:extLst>
         </p:spPr>
         <p:txBody>
-          <a:bodyPr lIns="0" tIns="43503" rIns="0" bIns="43503">
+          <a:bodyPr wrap="square" lIns="0" tIns="43503" rIns="0" bIns="43503">
             <a:spAutoFit/>
           </a:bodyPr>
           <a:lstStyle>
@@ -9119,10 +8393,10 @@
                 </a:solidFill>
                 <a:latin typeface="Arial"/>
               </a:rPr>
-              <a:t>Sakoe Chiba </a:t>
-            </a:r>
-            <a:r>
-              <a:rPr lang="et-EE" i="1" dirty="0" smtClean="0">
+              <a:t>Slanted </a:t>
+            </a:r>
+            <a:r>
+              <a:rPr lang="et-EE" i="1" dirty="0">
                 <a:solidFill>
                   <a:schemeClr val="accent2">
                     <a:lumMod val="50000"/>
@@ -9130,7 +8404,29 @@
                 </a:solidFill>
                 <a:latin typeface="Arial"/>
               </a:rPr>
-              <a:t>Band, 5%</a:t>
+              <a:t>Band, absolute </a:t>
+            </a:r>
+            <a:r>
+              <a:rPr lang="et-EE" i="1" dirty="0" smtClean="0">
+                <a:solidFill>
+                  <a:schemeClr val="accent2">
+                    <a:lumMod val="50000"/>
+                  </a:schemeClr>
+                </a:solidFill>
+                <a:latin typeface="Arial"/>
+              </a:rPr>
+              <a:t>difference, 10</a:t>
+            </a:r>
+            <a:r>
+              <a:rPr lang="et-EE" i="1" dirty="0" smtClean="0">
+                <a:solidFill>
+                  <a:schemeClr val="accent2">
+                    <a:lumMod val="50000"/>
+                  </a:schemeClr>
+                </a:solidFill>
+                <a:latin typeface="Arial"/>
+              </a:rPr>
+              <a:t>%, different length seq-s</a:t>
             </a:r>
             <a:endParaRPr lang="en-AU" i="1" dirty="0">
               <a:solidFill>
@@ -9152,6 +8448,738 @@
           <p:nvPr/>
         </p:nvPicPr>
         <p:blipFill>
+          <a:blip r:embed="rId11">
+            <a:extLst>
+              <a:ext uri="{28A0092B-C50C-407E-A947-70E740481C1C}">
+                <a14:useLocalDpi xmlns:a14="http://schemas.microsoft.com/office/drawing/2010/main" val="0"/>
+              </a:ext>
+            </a:extLst>
+          </a:blip>
+          <a:stretch>
+            <a:fillRect/>
+          </a:stretch>
+        </p:blipFill>
+        <p:spPr>
+          <a:xfrm>
+            <a:off x="31159450" y="6755606"/>
+            <a:ext cx="10714515" cy="9192619"/>
+          </a:xfrm>
+          <a:prstGeom prst="rect">
+            <a:avLst/>
+          </a:prstGeom>
+        </p:spPr>
+      </p:pic>
+      <p:grpSp>
+        <p:nvGrpSpPr>
+          <p:cNvPr id="52" name="Group 51"/>
+          <p:cNvGrpSpPr/>
+          <p:nvPr/>
+        </p:nvGrpSpPr>
+        <p:grpSpPr>
+          <a:xfrm>
+            <a:off x="908050" y="5612603"/>
+            <a:ext cx="10992689" cy="819990"/>
+            <a:chOff x="1066799" y="5958162"/>
+            <a:chExt cx="11007725" cy="891581"/>
+          </a:xfrm>
+        </p:grpSpPr>
+        <p:sp>
+          <p:nvSpPr>
+            <p:cNvPr id="53" name="Text Box 248"/>
+            <p:cNvSpPr txBox="1">
+              <a:spLocks noChangeArrowheads="1"/>
+            </p:cNvSpPr>
+            <p:nvPr/>
+          </p:nvSpPr>
+          <p:spPr bwMode="auto">
+            <a:xfrm>
+              <a:off x="1066799" y="5958162"/>
+              <a:ext cx="11007725" cy="669294"/>
+            </a:xfrm>
+            <a:prstGeom prst="rect">
+              <a:avLst/>
+            </a:prstGeom>
+            <a:gradFill rotWithShape="0">
+              <a:gsLst>
+                <a:gs pos="0">
+                  <a:schemeClr val="accent2">
+                    <a:lumMod val="40000"/>
+                    <a:lumOff val="60000"/>
+                  </a:schemeClr>
+                </a:gs>
+                <a:gs pos="13000">
+                  <a:schemeClr val="accent3">
+                    <a:lumMod val="60000"/>
+                    <a:lumOff val="40000"/>
+                  </a:schemeClr>
+                </a:gs>
+                <a:gs pos="43000">
+                  <a:schemeClr val="accent2">
+                    <a:lumMod val="60000"/>
+                    <a:lumOff val="40000"/>
+                  </a:schemeClr>
+                </a:gs>
+                <a:gs pos="67000">
+                  <a:schemeClr val="accent2">
+                    <a:lumMod val="75000"/>
+                  </a:schemeClr>
+                </a:gs>
+                <a:gs pos="83000">
+                  <a:schemeClr val="accent2">
+                    <a:lumMod val="75000"/>
+                  </a:schemeClr>
+                </a:gs>
+                <a:gs pos="100000">
+                  <a:schemeClr val="accent3">
+                    <a:lumMod val="60000"/>
+                    <a:lumOff val="40000"/>
+                  </a:schemeClr>
+                </a:gs>
+              </a:gsLst>
+              <a:lin ang="0" scaled="1"/>
+              <a:tileRect/>
+            </a:gradFill>
+            <a:ln w="19050">
+              <a:noFill/>
+              <a:miter lim="800000"/>
+            </a:ln>
+          </p:spPr>
+          <p:txBody>
+            <a:bodyPr>
+              <a:spAutoFit/>
+            </a:bodyPr>
+            <a:lstStyle>
+              <a:defPPr>
+                <a:defRPr kern="1200" smtId="4294967295"/>
+              </a:defPPr>
+              <a:lvl1pPr>
+                <a:defRPr sz="2400">
+                  <a:solidFill>
+                    <a:schemeClr val="tx1"/>
+                  </a:solidFill>
+                  <a:latin typeface="Times New Roman" pitchFamily="18" charset="0"/>
+                </a:defRPr>
+              </a:lvl1pPr>
+              <a:lvl2pPr marL="742950" indent="-285750">
+                <a:defRPr sz="2400">
+                  <a:solidFill>
+                    <a:schemeClr val="tx1"/>
+                  </a:solidFill>
+                  <a:latin typeface="Times New Roman" pitchFamily="18" charset="0"/>
+                </a:defRPr>
+              </a:lvl2pPr>
+              <a:lvl3pPr marL="1143000" indent="-228600">
+                <a:defRPr sz="2400">
+                  <a:solidFill>
+                    <a:schemeClr val="tx1"/>
+                  </a:solidFill>
+                  <a:latin typeface="Times New Roman" pitchFamily="18" charset="0"/>
+                </a:defRPr>
+              </a:lvl3pPr>
+              <a:lvl4pPr marL="1600200" indent="-228600">
+                <a:defRPr sz="2400">
+                  <a:solidFill>
+                    <a:schemeClr val="tx1"/>
+                  </a:solidFill>
+                  <a:latin typeface="Times New Roman" pitchFamily="18" charset="0"/>
+                </a:defRPr>
+              </a:lvl4pPr>
+              <a:lvl5pPr marL="2057400" indent="-228600">
+                <a:defRPr sz="2400">
+                  <a:solidFill>
+                    <a:schemeClr val="tx1"/>
+                  </a:solidFill>
+                  <a:latin typeface="Times New Roman" pitchFamily="18" charset="0"/>
+                </a:defRPr>
+              </a:lvl5pPr>
+              <a:lvl6pPr marL="2514600" indent="-228600" eaLnBrk="0" fontAlgn="base" hangingPunct="0">
+                <a:spcBef>
+                  <a:spcPct val="0"/>
+                </a:spcBef>
+                <a:spcAft>
+                  <a:spcPct val="0"/>
+                </a:spcAft>
+                <a:defRPr sz="2400">
+                  <a:solidFill>
+                    <a:schemeClr val="tx1"/>
+                  </a:solidFill>
+                  <a:latin typeface="Times New Roman" pitchFamily="18" charset="0"/>
+                </a:defRPr>
+              </a:lvl6pPr>
+              <a:lvl7pPr marL="2971800" indent="-228600" eaLnBrk="0" fontAlgn="base" hangingPunct="0">
+                <a:spcBef>
+                  <a:spcPct val="0"/>
+                </a:spcBef>
+                <a:spcAft>
+                  <a:spcPct val="0"/>
+                </a:spcAft>
+                <a:defRPr sz="2400">
+                  <a:solidFill>
+                    <a:schemeClr val="tx1"/>
+                  </a:solidFill>
+                  <a:latin typeface="Times New Roman" pitchFamily="18" charset="0"/>
+                </a:defRPr>
+              </a:lvl7pPr>
+              <a:lvl8pPr marL="3429000" indent="-228600" eaLnBrk="0" fontAlgn="base" hangingPunct="0">
+                <a:spcBef>
+                  <a:spcPct val="0"/>
+                </a:spcBef>
+                <a:spcAft>
+                  <a:spcPct val="0"/>
+                </a:spcAft>
+                <a:defRPr sz="2400">
+                  <a:solidFill>
+                    <a:schemeClr val="tx1"/>
+                  </a:solidFill>
+                  <a:latin typeface="Times New Roman" pitchFamily="18" charset="0"/>
+                </a:defRPr>
+              </a:lvl8pPr>
+              <a:lvl9pPr marL="3886200" indent="-228600" eaLnBrk="0" fontAlgn="base" hangingPunct="0">
+                <a:spcBef>
+                  <a:spcPct val="0"/>
+                </a:spcBef>
+                <a:spcAft>
+                  <a:spcPct val="0"/>
+                </a:spcAft>
+                <a:defRPr sz="2400">
+                  <a:solidFill>
+                    <a:schemeClr val="tx1"/>
+                  </a:solidFill>
+                  <a:latin typeface="Times New Roman" pitchFamily="18" charset="0"/>
+                </a:defRPr>
+              </a:lvl9pPr>
+            </a:lstStyle>
+            <a:p>
+              <a:endParaRPr lang="en-US" altLang="zh-CN" sz="3400" b="1">
+                <a:latin typeface="Lucida Sans" pitchFamily="34" charset="0"/>
+                <a:ea typeface="SimSun" pitchFamily="2" charset="-122"/>
+                <a:cs typeface="Lucida Sans" pitchFamily="34" charset="0"/>
+              </a:endParaRPr>
+            </a:p>
+          </p:txBody>
+        </p:sp>
+        <p:sp>
+          <p:nvSpPr>
+            <p:cNvPr id="56" name="Text Box 248"/>
+            <p:cNvSpPr txBox="1">
+              <a:spLocks noChangeArrowheads="1"/>
+            </p:cNvSpPr>
+            <p:nvPr/>
+          </p:nvSpPr>
+          <p:spPr bwMode="auto">
+            <a:xfrm>
+              <a:off x="1157514" y="6046588"/>
+              <a:ext cx="10805886" cy="803155"/>
+            </a:xfrm>
+            <a:prstGeom prst="rect">
+              <a:avLst/>
+            </a:prstGeom>
+            <a:gradFill>
+              <a:gsLst>
+                <a:gs pos="56000">
+                  <a:schemeClr val="accent2">
+                    <a:lumMod val="50000"/>
+                  </a:schemeClr>
+                </a:gs>
+                <a:gs pos="100000">
+                  <a:schemeClr val="bg1">
+                    <a:alpha val="0"/>
+                  </a:schemeClr>
+                </a:gs>
+              </a:gsLst>
+              <a:lin ang="0" scaled="1"/>
+              <a:tileRect/>
+            </a:gradFill>
+            <a:ln w="19050">
+              <a:noFill/>
+              <a:miter lim="800000"/>
+            </a:ln>
+          </p:spPr>
+          <p:txBody>
+            <a:bodyPr wrap="square">
+              <a:spAutoFit/>
+            </a:bodyPr>
+            <a:lstStyle>
+              <a:defPPr>
+                <a:defRPr kern="1200" smtId="4294967295"/>
+              </a:defPPr>
+              <a:lvl1pPr>
+                <a:defRPr sz="2400">
+                  <a:solidFill>
+                    <a:schemeClr val="tx1"/>
+                  </a:solidFill>
+                  <a:latin typeface="Times New Roman" pitchFamily="18" charset="0"/>
+                </a:defRPr>
+              </a:lvl1pPr>
+              <a:lvl2pPr marL="742950" indent="-285750">
+                <a:defRPr sz="2400">
+                  <a:solidFill>
+                    <a:schemeClr val="tx1"/>
+                  </a:solidFill>
+                  <a:latin typeface="Times New Roman" pitchFamily="18" charset="0"/>
+                </a:defRPr>
+              </a:lvl2pPr>
+              <a:lvl3pPr marL="1143000" indent="-228600">
+                <a:defRPr sz="2400">
+                  <a:solidFill>
+                    <a:schemeClr val="tx1"/>
+                  </a:solidFill>
+                  <a:latin typeface="Times New Roman" pitchFamily="18" charset="0"/>
+                </a:defRPr>
+              </a:lvl3pPr>
+              <a:lvl4pPr marL="1600200" indent="-228600">
+                <a:defRPr sz="2400">
+                  <a:solidFill>
+                    <a:schemeClr val="tx1"/>
+                  </a:solidFill>
+                  <a:latin typeface="Times New Roman" pitchFamily="18" charset="0"/>
+                </a:defRPr>
+              </a:lvl4pPr>
+              <a:lvl5pPr marL="2057400" indent="-228600">
+                <a:defRPr sz="2400">
+                  <a:solidFill>
+                    <a:schemeClr val="tx1"/>
+                  </a:solidFill>
+                  <a:latin typeface="Times New Roman" pitchFamily="18" charset="0"/>
+                </a:defRPr>
+              </a:lvl5pPr>
+              <a:lvl6pPr marL="2514600" indent="-228600" eaLnBrk="0" fontAlgn="base" hangingPunct="0">
+                <a:spcBef>
+                  <a:spcPct val="0"/>
+                </a:spcBef>
+                <a:spcAft>
+                  <a:spcPct val="0"/>
+                </a:spcAft>
+                <a:defRPr sz="2400">
+                  <a:solidFill>
+                    <a:schemeClr val="tx1"/>
+                  </a:solidFill>
+                  <a:latin typeface="Times New Roman" pitchFamily="18" charset="0"/>
+                </a:defRPr>
+              </a:lvl6pPr>
+              <a:lvl7pPr marL="2971800" indent="-228600" eaLnBrk="0" fontAlgn="base" hangingPunct="0">
+                <a:spcBef>
+                  <a:spcPct val="0"/>
+                </a:spcBef>
+                <a:spcAft>
+                  <a:spcPct val="0"/>
+                </a:spcAft>
+                <a:defRPr sz="2400">
+                  <a:solidFill>
+                    <a:schemeClr val="tx1"/>
+                  </a:solidFill>
+                  <a:latin typeface="Times New Roman" pitchFamily="18" charset="0"/>
+                </a:defRPr>
+              </a:lvl7pPr>
+              <a:lvl8pPr marL="3429000" indent="-228600" eaLnBrk="0" fontAlgn="base" hangingPunct="0">
+                <a:spcBef>
+                  <a:spcPct val="0"/>
+                </a:spcBef>
+                <a:spcAft>
+                  <a:spcPct val="0"/>
+                </a:spcAft>
+                <a:defRPr sz="2400">
+                  <a:solidFill>
+                    <a:schemeClr val="tx1"/>
+                  </a:solidFill>
+                  <a:latin typeface="Times New Roman" pitchFamily="18" charset="0"/>
+                </a:defRPr>
+              </a:lvl8pPr>
+              <a:lvl9pPr marL="3886200" indent="-228600" eaLnBrk="0" fontAlgn="base" hangingPunct="0">
+                <a:spcBef>
+                  <a:spcPct val="0"/>
+                </a:spcBef>
+                <a:spcAft>
+                  <a:spcPct val="0"/>
+                </a:spcAft>
+                <a:defRPr sz="2400">
+                  <a:solidFill>
+                    <a:schemeClr val="tx1"/>
+                  </a:solidFill>
+                  <a:latin typeface="Times New Roman" pitchFamily="18" charset="0"/>
+                </a:defRPr>
+              </a:lvl9pPr>
+            </a:lstStyle>
+            <a:p>
+              <a:r>
+                <a:rPr lang="en-US" altLang="zh-CN" sz="4200" b="1" dirty="0" smtClean="0">
+                  <a:solidFill>
+                    <a:schemeClr val="bg1"/>
+                  </a:solidFill>
+                  <a:latin typeface="Lucida Sans" pitchFamily="34" charset="0"/>
+                  <a:ea typeface="SimSun" pitchFamily="2" charset="-122"/>
+                  <a:cs typeface="Lucida Sans" pitchFamily="34" charset="0"/>
+                </a:rPr>
+                <a:t>INTRODUCTION</a:t>
+              </a:r>
+            </a:p>
+          </p:txBody>
+        </p:sp>
+      </p:grpSp>
+      <p:grpSp>
+        <p:nvGrpSpPr>
+          <p:cNvPr id="57" name="Group 56"/>
+          <p:cNvGrpSpPr/>
+          <p:nvPr/>
+        </p:nvGrpSpPr>
+        <p:grpSpPr>
+          <a:xfrm>
+            <a:off x="12566650" y="5612603"/>
+            <a:ext cx="29184600" cy="831268"/>
+            <a:chOff x="1066799" y="5958162"/>
+            <a:chExt cx="11007725" cy="884207"/>
+          </a:xfrm>
+        </p:grpSpPr>
+        <p:sp>
+          <p:nvSpPr>
+            <p:cNvPr id="58" name="Text Box 248"/>
+            <p:cNvSpPr txBox="1">
+              <a:spLocks noChangeArrowheads="1"/>
+            </p:cNvSpPr>
+            <p:nvPr/>
+          </p:nvSpPr>
+          <p:spPr bwMode="auto">
+            <a:xfrm>
+              <a:off x="1066799" y="5958162"/>
+              <a:ext cx="11007725" cy="669294"/>
+            </a:xfrm>
+            <a:prstGeom prst="rect">
+              <a:avLst/>
+            </a:prstGeom>
+            <a:gradFill rotWithShape="0">
+              <a:gsLst>
+                <a:gs pos="0">
+                  <a:schemeClr val="accent2">
+                    <a:lumMod val="40000"/>
+                    <a:lumOff val="60000"/>
+                  </a:schemeClr>
+                </a:gs>
+                <a:gs pos="13000">
+                  <a:schemeClr val="accent3">
+                    <a:lumMod val="60000"/>
+                    <a:lumOff val="40000"/>
+                  </a:schemeClr>
+                </a:gs>
+                <a:gs pos="43000">
+                  <a:schemeClr val="accent2">
+                    <a:lumMod val="60000"/>
+                    <a:lumOff val="40000"/>
+                  </a:schemeClr>
+                </a:gs>
+                <a:gs pos="67000">
+                  <a:schemeClr val="accent2">
+                    <a:lumMod val="75000"/>
+                  </a:schemeClr>
+                </a:gs>
+                <a:gs pos="83000">
+                  <a:schemeClr val="accent2">
+                    <a:lumMod val="75000"/>
+                  </a:schemeClr>
+                </a:gs>
+                <a:gs pos="100000">
+                  <a:schemeClr val="accent3">
+                    <a:lumMod val="60000"/>
+                    <a:lumOff val="40000"/>
+                  </a:schemeClr>
+                </a:gs>
+              </a:gsLst>
+              <a:lin ang="0" scaled="1"/>
+              <a:tileRect/>
+            </a:gradFill>
+            <a:ln w="19050">
+              <a:noFill/>
+              <a:miter lim="800000"/>
+            </a:ln>
+          </p:spPr>
+          <p:txBody>
+            <a:bodyPr>
+              <a:spAutoFit/>
+            </a:bodyPr>
+            <a:lstStyle>
+              <a:defPPr>
+                <a:defRPr kern="1200" smtId="4294967295"/>
+              </a:defPPr>
+              <a:lvl1pPr>
+                <a:defRPr sz="2400">
+                  <a:solidFill>
+                    <a:schemeClr val="tx1"/>
+                  </a:solidFill>
+                  <a:latin typeface="Times New Roman" pitchFamily="18" charset="0"/>
+                </a:defRPr>
+              </a:lvl1pPr>
+              <a:lvl2pPr marL="742950" indent="-285750">
+                <a:defRPr sz="2400">
+                  <a:solidFill>
+                    <a:schemeClr val="tx1"/>
+                  </a:solidFill>
+                  <a:latin typeface="Times New Roman" pitchFamily="18" charset="0"/>
+                </a:defRPr>
+              </a:lvl2pPr>
+              <a:lvl3pPr marL="1143000" indent="-228600">
+                <a:defRPr sz="2400">
+                  <a:solidFill>
+                    <a:schemeClr val="tx1"/>
+                  </a:solidFill>
+                  <a:latin typeface="Times New Roman" pitchFamily="18" charset="0"/>
+                </a:defRPr>
+              </a:lvl3pPr>
+              <a:lvl4pPr marL="1600200" indent="-228600">
+                <a:defRPr sz="2400">
+                  <a:solidFill>
+                    <a:schemeClr val="tx1"/>
+                  </a:solidFill>
+                  <a:latin typeface="Times New Roman" pitchFamily="18" charset="0"/>
+                </a:defRPr>
+              </a:lvl4pPr>
+              <a:lvl5pPr marL="2057400" indent="-228600">
+                <a:defRPr sz="2400">
+                  <a:solidFill>
+                    <a:schemeClr val="tx1"/>
+                  </a:solidFill>
+                  <a:latin typeface="Times New Roman" pitchFamily="18" charset="0"/>
+                </a:defRPr>
+              </a:lvl5pPr>
+              <a:lvl6pPr marL="2514600" indent="-228600" eaLnBrk="0" fontAlgn="base" hangingPunct="0">
+                <a:spcBef>
+                  <a:spcPct val="0"/>
+                </a:spcBef>
+                <a:spcAft>
+                  <a:spcPct val="0"/>
+                </a:spcAft>
+                <a:defRPr sz="2400">
+                  <a:solidFill>
+                    <a:schemeClr val="tx1"/>
+                  </a:solidFill>
+                  <a:latin typeface="Times New Roman" pitchFamily="18" charset="0"/>
+                </a:defRPr>
+              </a:lvl6pPr>
+              <a:lvl7pPr marL="2971800" indent="-228600" eaLnBrk="0" fontAlgn="base" hangingPunct="0">
+                <a:spcBef>
+                  <a:spcPct val="0"/>
+                </a:spcBef>
+                <a:spcAft>
+                  <a:spcPct val="0"/>
+                </a:spcAft>
+                <a:defRPr sz="2400">
+                  <a:solidFill>
+                    <a:schemeClr val="tx1"/>
+                  </a:solidFill>
+                  <a:latin typeface="Times New Roman" pitchFamily="18" charset="0"/>
+                </a:defRPr>
+              </a:lvl7pPr>
+              <a:lvl8pPr marL="3429000" indent="-228600" eaLnBrk="0" fontAlgn="base" hangingPunct="0">
+                <a:spcBef>
+                  <a:spcPct val="0"/>
+                </a:spcBef>
+                <a:spcAft>
+                  <a:spcPct val="0"/>
+                </a:spcAft>
+                <a:defRPr sz="2400">
+                  <a:solidFill>
+                    <a:schemeClr val="tx1"/>
+                  </a:solidFill>
+                  <a:latin typeface="Times New Roman" pitchFamily="18" charset="0"/>
+                </a:defRPr>
+              </a:lvl8pPr>
+              <a:lvl9pPr marL="3886200" indent="-228600" eaLnBrk="0" fontAlgn="base" hangingPunct="0">
+                <a:spcBef>
+                  <a:spcPct val="0"/>
+                </a:spcBef>
+                <a:spcAft>
+                  <a:spcPct val="0"/>
+                </a:spcAft>
+                <a:defRPr sz="2400">
+                  <a:solidFill>
+                    <a:schemeClr val="tx1"/>
+                  </a:solidFill>
+                  <a:latin typeface="Times New Roman" pitchFamily="18" charset="0"/>
+                </a:defRPr>
+              </a:lvl9pPr>
+            </a:lstStyle>
+            <a:p>
+              <a:endParaRPr lang="en-US" altLang="zh-CN" sz="3400" b="1">
+                <a:latin typeface="Lucida Sans" pitchFamily="34" charset="0"/>
+                <a:ea typeface="SimSun" pitchFamily="2" charset="-122"/>
+                <a:cs typeface="Lucida Sans" pitchFamily="34" charset="0"/>
+              </a:endParaRPr>
+            </a:p>
+          </p:txBody>
+        </p:sp>
+        <p:sp>
+          <p:nvSpPr>
+            <p:cNvPr id="59" name="Text Box 248"/>
+            <p:cNvSpPr txBox="1">
+              <a:spLocks noChangeArrowheads="1"/>
+            </p:cNvSpPr>
+            <p:nvPr/>
+          </p:nvSpPr>
+          <p:spPr bwMode="auto">
+            <a:xfrm>
+              <a:off x="1095540" y="6039215"/>
+              <a:ext cx="10805886" cy="803154"/>
+            </a:xfrm>
+            <a:prstGeom prst="rect">
+              <a:avLst/>
+            </a:prstGeom>
+            <a:gradFill>
+              <a:gsLst>
+                <a:gs pos="56000">
+                  <a:schemeClr val="accent2">
+                    <a:lumMod val="50000"/>
+                  </a:schemeClr>
+                </a:gs>
+                <a:gs pos="100000">
+                  <a:schemeClr val="bg1">
+                    <a:alpha val="0"/>
+                  </a:schemeClr>
+                </a:gs>
+              </a:gsLst>
+              <a:lin ang="0" scaled="1"/>
+              <a:tileRect/>
+            </a:gradFill>
+            <a:ln w="19050">
+              <a:noFill/>
+              <a:miter lim="800000"/>
+            </a:ln>
+          </p:spPr>
+          <p:txBody>
+            <a:bodyPr wrap="square">
+              <a:spAutoFit/>
+            </a:bodyPr>
+            <a:lstStyle>
+              <a:defPPr>
+                <a:defRPr kern="1200" smtId="4294967295"/>
+              </a:defPPr>
+              <a:lvl1pPr>
+                <a:defRPr sz="2400">
+                  <a:solidFill>
+                    <a:schemeClr val="tx1"/>
+                  </a:solidFill>
+                  <a:latin typeface="Times New Roman" pitchFamily="18" charset="0"/>
+                </a:defRPr>
+              </a:lvl1pPr>
+              <a:lvl2pPr marL="742950" indent="-285750">
+                <a:defRPr sz="2400">
+                  <a:solidFill>
+                    <a:schemeClr val="tx1"/>
+                  </a:solidFill>
+                  <a:latin typeface="Times New Roman" pitchFamily="18" charset="0"/>
+                </a:defRPr>
+              </a:lvl2pPr>
+              <a:lvl3pPr marL="1143000" indent="-228600">
+                <a:defRPr sz="2400">
+                  <a:solidFill>
+                    <a:schemeClr val="tx1"/>
+                  </a:solidFill>
+                  <a:latin typeface="Times New Roman" pitchFamily="18" charset="0"/>
+                </a:defRPr>
+              </a:lvl3pPr>
+              <a:lvl4pPr marL="1600200" indent="-228600">
+                <a:defRPr sz="2400">
+                  <a:solidFill>
+                    <a:schemeClr val="tx1"/>
+                  </a:solidFill>
+                  <a:latin typeface="Times New Roman" pitchFamily="18" charset="0"/>
+                </a:defRPr>
+              </a:lvl4pPr>
+              <a:lvl5pPr marL="2057400" indent="-228600">
+                <a:defRPr sz="2400">
+                  <a:solidFill>
+                    <a:schemeClr val="tx1"/>
+                  </a:solidFill>
+                  <a:latin typeface="Times New Roman" pitchFamily="18" charset="0"/>
+                </a:defRPr>
+              </a:lvl5pPr>
+              <a:lvl6pPr marL="2514600" indent="-228600" eaLnBrk="0" fontAlgn="base" hangingPunct="0">
+                <a:spcBef>
+                  <a:spcPct val="0"/>
+                </a:spcBef>
+                <a:spcAft>
+                  <a:spcPct val="0"/>
+                </a:spcAft>
+                <a:defRPr sz="2400">
+                  <a:solidFill>
+                    <a:schemeClr val="tx1"/>
+                  </a:solidFill>
+                  <a:latin typeface="Times New Roman" pitchFamily="18" charset="0"/>
+                </a:defRPr>
+              </a:lvl6pPr>
+              <a:lvl7pPr marL="2971800" indent="-228600" eaLnBrk="0" fontAlgn="base" hangingPunct="0">
+                <a:spcBef>
+                  <a:spcPct val="0"/>
+                </a:spcBef>
+                <a:spcAft>
+                  <a:spcPct val="0"/>
+                </a:spcAft>
+                <a:defRPr sz="2400">
+                  <a:solidFill>
+                    <a:schemeClr val="tx1"/>
+                  </a:solidFill>
+                  <a:latin typeface="Times New Roman" pitchFamily="18" charset="0"/>
+                </a:defRPr>
+              </a:lvl7pPr>
+              <a:lvl8pPr marL="3429000" indent="-228600" eaLnBrk="0" fontAlgn="base" hangingPunct="0">
+                <a:spcBef>
+                  <a:spcPct val="0"/>
+                </a:spcBef>
+                <a:spcAft>
+                  <a:spcPct val="0"/>
+                </a:spcAft>
+                <a:defRPr sz="2400">
+                  <a:solidFill>
+                    <a:schemeClr val="tx1"/>
+                  </a:solidFill>
+                  <a:latin typeface="Times New Roman" pitchFamily="18" charset="0"/>
+                </a:defRPr>
+              </a:lvl8pPr>
+              <a:lvl9pPr marL="3886200" indent="-228600" eaLnBrk="0" fontAlgn="base" hangingPunct="0">
+                <a:spcBef>
+                  <a:spcPct val="0"/>
+                </a:spcBef>
+                <a:spcAft>
+                  <a:spcPct val="0"/>
+                </a:spcAft>
+                <a:defRPr sz="2400">
+                  <a:solidFill>
+                    <a:schemeClr val="tx1"/>
+                  </a:solidFill>
+                  <a:latin typeface="Times New Roman" pitchFamily="18" charset="0"/>
+                </a:defRPr>
+              </a:lvl9pPr>
+            </a:lstStyle>
+            <a:p>
+              <a:r>
+                <a:rPr lang="en-US" altLang="zh-CN" sz="4200" b="1" dirty="0" smtClean="0">
+                  <a:solidFill>
+                    <a:schemeClr val="bg1"/>
+                  </a:solidFill>
+                  <a:latin typeface="Lucida Sans" pitchFamily="34" charset="0"/>
+                  <a:ea typeface="SimSun" pitchFamily="2" charset="-122"/>
+                  <a:cs typeface="Lucida Sans" pitchFamily="34" charset="0"/>
+                </a:rPr>
+                <a:t>VISUALIZATION</a:t>
+              </a:r>
+              <a:endParaRPr lang="en-US" altLang="zh-CN" sz="3000" b="1" dirty="0">
+                <a:solidFill>
+                  <a:schemeClr val="bg1"/>
+                </a:solidFill>
+                <a:latin typeface="Lucida Sans" pitchFamily="34" charset="0"/>
+                <a:ea typeface="SimSun" pitchFamily="2" charset="-122"/>
+                <a:cs typeface="Lucida Sans" pitchFamily="34" charset="0"/>
+              </a:endParaRPr>
+            </a:p>
+          </p:txBody>
+        </p:sp>
+      </p:grpSp>
+      <p:pic>
+        <p:nvPicPr>
+          <p:cNvPr id="13" name="Picture 12" descr="Screen Shot 2017-01-11 at 22.42.39.png"/>
+          <p:cNvPicPr>
+            <a:picLocks noChangeAspect="1"/>
+          </p:cNvPicPr>
+          <p:nvPr/>
+        </p:nvPicPr>
+        <p:blipFill>
           <a:blip r:embed="rId12">
             <a:extLst>
               <a:ext uri="{28A0092B-C50C-407E-A947-70E740481C1C}">
@@ -9165,8 +9193,8 @@
         </p:blipFill>
         <p:spPr>
           <a:xfrm>
-            <a:off x="31540450" y="6679406"/>
-            <a:ext cx="10058400" cy="8729681"/>
+            <a:off x="908050" y="13422222"/>
+            <a:ext cx="11049000" cy="8350841"/>
           </a:xfrm>
           <a:prstGeom prst="rect">
             <a:avLst/>

--- a/poster.pptx
+++ b/poster.pptx
@@ -16,7 +16,7 @@
   <p:sldSz cx="42811700" cy="30275213"/>
   <p:notesSz cx="9239250" cy="11982450"/>
   <p:custDataLst>
-    <p:tags r:id="rId6"/>
+    <p:tags r:id="rId5"/>
   </p:custDataLst>
   <p:defaultTextStyle>
     <a:defPPr>
@@ -208,7 +208,7 @@
   </p:defaultTextStyle>
   <p:extLst>
     <p:ext uri="{EFAFB233-063F-42B5-8137-9DF3F51BA10A}">
-      <p15:sldGuideLst xmlns:p15="http://schemas.microsoft.com/office/powerpoint/2012/main" xmlns="">
+      <p15:sldGuideLst xmlns:p15="http://schemas.microsoft.com/office/powerpoint/2012/main">
         <p15:guide id="1" orient="horz" pos="11088">
           <p15:clr>
             <a:srgbClr val="A4A3A4"/>
@@ -232,7 +232,7 @@
       </p15:sldGuideLst>
     </p:ext>
     <p:ext uri="{2D200454-40CA-4A62-9FC3-DE9A4176ACB9}">
-      <p15:notesGuideLst xmlns:p15="http://schemas.microsoft.com/office/powerpoint/2012/main" xmlns="">
+      <p15:notesGuideLst xmlns:p15="http://schemas.microsoft.com/office/powerpoint/2012/main">
         <p15:guide id="1" orient="horz" pos="3774">
           <p15:clr>
             <a:srgbClr val="A4A3A4"/>
@@ -298,14 +298,14 @@
           </a:ln>
           <a:extLst>
             <a:ext uri="{909E8E84-426E-40dd-AFC4-6F175D3DCCD1}">
-              <a14:hiddenFill xmlns:a14="http://schemas.microsoft.com/office/drawing/2010/main">
+              <a14:hiddenFill xmlns:a14="http://schemas.microsoft.com/office/drawing/2010/main" xmlns="">
                 <a:solidFill>
                   <a:schemeClr val="accent1"/>
                 </a:solidFill>
               </a14:hiddenFill>
             </a:ext>
             <a:ext uri="{91240B29-F687-4f45-9708-019B960494DF}">
-              <a14:hiddenLine xmlns:a14="http://schemas.microsoft.com/office/drawing/2010/main" w="9525">
+              <a14:hiddenLine xmlns:a14="http://schemas.microsoft.com/office/drawing/2010/main" xmlns="" w="9525">
                 <a:solidFill>
                   <a:schemeClr val="tx1"/>
                 </a:solidFill>
@@ -315,7 +315,7 @@
               </a14:hiddenLine>
             </a:ext>
             <a:ext uri="{AF507438-7753-43e0-B8FC-AC1667EBCBE1}">
-              <a14:hiddenEffects xmlns:a14="http://schemas.microsoft.com/office/drawing/2010/main">
+              <a14:hiddenEffects xmlns:a14="http://schemas.microsoft.com/office/drawing/2010/main" xmlns="">
                 <a:effectLst>
                   <a:outerShdw dist="35921" dir="2700000" algn="ctr" rotWithShape="0">
                     <a:schemeClr val="bg2"/>
@@ -368,14 +368,14 @@
           </a:ln>
           <a:extLst>
             <a:ext uri="{909E8E84-426E-40dd-AFC4-6F175D3DCCD1}">
-              <a14:hiddenFill xmlns:a14="http://schemas.microsoft.com/office/drawing/2010/main">
+              <a14:hiddenFill xmlns:a14="http://schemas.microsoft.com/office/drawing/2010/main" xmlns="">
                 <a:solidFill>
                   <a:schemeClr val="accent1"/>
                 </a:solidFill>
               </a14:hiddenFill>
             </a:ext>
             <a:ext uri="{91240B29-F687-4f45-9708-019B960494DF}">
-              <a14:hiddenLine xmlns:a14="http://schemas.microsoft.com/office/drawing/2010/main" w="9525">
+              <a14:hiddenLine xmlns:a14="http://schemas.microsoft.com/office/drawing/2010/main" xmlns="" w="9525">
                 <a:solidFill>
                   <a:schemeClr val="tx1"/>
                 </a:solidFill>
@@ -385,7 +385,7 @@
               </a14:hiddenLine>
             </a:ext>
             <a:ext uri="{AF507438-7753-43e0-B8FC-AC1667EBCBE1}">
-              <a14:hiddenEffects xmlns:a14="http://schemas.microsoft.com/office/drawing/2010/main">
+              <a14:hiddenEffects xmlns:a14="http://schemas.microsoft.com/office/drawing/2010/main" xmlns="">
                 <a:effectLst>
                   <a:outerShdw dist="35921" dir="2700000" algn="ctr" rotWithShape="0">
                     <a:schemeClr val="bg2"/>
@@ -438,14 +438,14 @@
           </a:ln>
           <a:extLst>
             <a:ext uri="{909E8E84-426E-40dd-AFC4-6F175D3DCCD1}">
-              <a14:hiddenFill xmlns:a14="http://schemas.microsoft.com/office/drawing/2010/main">
+              <a14:hiddenFill xmlns:a14="http://schemas.microsoft.com/office/drawing/2010/main" xmlns="">
                 <a:solidFill>
                   <a:schemeClr val="accent1"/>
                 </a:solidFill>
               </a14:hiddenFill>
             </a:ext>
             <a:ext uri="{91240B29-F687-4f45-9708-019B960494DF}">
-              <a14:hiddenLine xmlns:a14="http://schemas.microsoft.com/office/drawing/2010/main" w="9525">
+              <a14:hiddenLine xmlns:a14="http://schemas.microsoft.com/office/drawing/2010/main" xmlns="" w="9525">
                 <a:solidFill>
                   <a:schemeClr val="tx1"/>
                 </a:solidFill>
@@ -455,7 +455,7 @@
               </a14:hiddenLine>
             </a:ext>
             <a:ext uri="{AF507438-7753-43e0-B8FC-AC1667EBCBE1}">
-              <a14:hiddenEffects xmlns:a14="http://schemas.microsoft.com/office/drawing/2010/main">
+              <a14:hiddenEffects xmlns:a14="http://schemas.microsoft.com/office/drawing/2010/main" xmlns="">
                 <a:effectLst>
                   <a:outerShdw dist="35921" dir="2700000" algn="ctr" rotWithShape="0">
                     <a:schemeClr val="bg2"/>
@@ -508,14 +508,14 @@
           </a:ln>
           <a:extLst>
             <a:ext uri="{909E8E84-426E-40dd-AFC4-6F175D3DCCD1}">
-              <a14:hiddenFill xmlns:a14="http://schemas.microsoft.com/office/drawing/2010/main">
+              <a14:hiddenFill xmlns:a14="http://schemas.microsoft.com/office/drawing/2010/main" xmlns="">
                 <a:solidFill>
                   <a:schemeClr val="accent1"/>
                 </a:solidFill>
               </a14:hiddenFill>
             </a:ext>
             <a:ext uri="{91240B29-F687-4f45-9708-019B960494DF}">
-              <a14:hiddenLine xmlns:a14="http://schemas.microsoft.com/office/drawing/2010/main" w="9525">
+              <a14:hiddenLine xmlns:a14="http://schemas.microsoft.com/office/drawing/2010/main" xmlns="" w="9525">
                 <a:solidFill>
                   <a:schemeClr val="tx1"/>
                 </a:solidFill>
@@ -525,7 +525,7 @@
               </a14:hiddenLine>
             </a:ext>
             <a:ext uri="{AF507438-7753-43e0-B8FC-AC1667EBCBE1}">
-              <a14:hiddenEffects xmlns:a14="http://schemas.microsoft.com/office/drawing/2010/main">
+              <a14:hiddenEffects xmlns:a14="http://schemas.microsoft.com/office/drawing/2010/main" xmlns="">
                 <a:effectLst>
                   <a:outerShdw dist="35921" dir="2700000" algn="ctr" rotWithShape="0">
                     <a:schemeClr val="bg2"/>
@@ -618,14 +618,14 @@
           </a:ln>
           <a:extLst>
             <a:ext uri="{909E8E84-426E-40dd-AFC4-6F175D3DCCD1}">
-              <a14:hiddenFill xmlns:a14="http://schemas.microsoft.com/office/drawing/2010/main">
+              <a14:hiddenFill xmlns:a14="http://schemas.microsoft.com/office/drawing/2010/main" xmlns="">
                 <a:solidFill>
                   <a:schemeClr val="accent1"/>
                 </a:solidFill>
               </a14:hiddenFill>
             </a:ext>
             <a:ext uri="{91240B29-F687-4f45-9708-019B960494DF}">
-              <a14:hiddenLine xmlns:a14="http://schemas.microsoft.com/office/drawing/2010/main" w="9525">
+              <a14:hiddenLine xmlns:a14="http://schemas.microsoft.com/office/drawing/2010/main" xmlns="" w="9525">
                 <a:solidFill>
                   <a:schemeClr val="tx1"/>
                 </a:solidFill>
@@ -635,7 +635,7 @@
               </a14:hiddenLine>
             </a:ext>
             <a:ext uri="{AF507438-7753-43e0-B8FC-AC1667EBCBE1}">
-              <a14:hiddenEffects xmlns:a14="http://schemas.microsoft.com/office/drawing/2010/main">
+              <a14:hiddenEffects xmlns:a14="http://schemas.microsoft.com/office/drawing/2010/main" xmlns="">
                 <a:effectLst>
                   <a:outerShdw dist="35921" dir="2700000" algn="ctr" rotWithShape="0">
                     <a:schemeClr val="bg2"/>
@@ -688,14 +688,14 @@
           </a:ln>
           <a:extLst>
             <a:ext uri="{909E8E84-426E-40dd-AFC4-6F175D3DCCD1}">
-              <a14:hiddenFill xmlns:a14="http://schemas.microsoft.com/office/drawing/2010/main">
+              <a14:hiddenFill xmlns:a14="http://schemas.microsoft.com/office/drawing/2010/main" xmlns="">
                 <a:solidFill>
                   <a:schemeClr val="accent1"/>
                 </a:solidFill>
               </a14:hiddenFill>
             </a:ext>
             <a:ext uri="{91240B29-F687-4f45-9708-019B960494DF}">
-              <a14:hiddenLine xmlns:a14="http://schemas.microsoft.com/office/drawing/2010/main" w="9525">
+              <a14:hiddenLine xmlns:a14="http://schemas.microsoft.com/office/drawing/2010/main" xmlns="" w="9525">
                 <a:solidFill>
                   <a:schemeClr val="tx1"/>
                 </a:solidFill>
@@ -705,7 +705,7 @@
               </a14:hiddenLine>
             </a:ext>
             <a:ext uri="{AF507438-7753-43e0-B8FC-AC1667EBCBE1}">
-              <a14:hiddenEffects xmlns:a14="http://schemas.microsoft.com/office/drawing/2010/main">
+              <a14:hiddenEffects xmlns:a14="http://schemas.microsoft.com/office/drawing/2010/main" xmlns="">
                 <a:effectLst>
                   <a:outerShdw dist="35921" dir="2700000" algn="ctr" rotWithShape="0">
                     <a:schemeClr val="bg2"/>
@@ -761,14 +761,14 @@
           </a:ln>
           <a:extLst>
             <a:ext uri="{909E8E84-426E-40dd-AFC4-6F175D3DCCD1}">
-              <a14:hiddenFill xmlns:a14="http://schemas.microsoft.com/office/drawing/2010/main">
+              <a14:hiddenFill xmlns:a14="http://schemas.microsoft.com/office/drawing/2010/main" xmlns="">
                 <a:solidFill>
                   <a:srgbClr val="FFFFFF"/>
                 </a:solidFill>
               </a14:hiddenFill>
             </a:ext>
             <a:ext uri="{AF507438-7753-43e0-B8FC-AC1667EBCBE1}">
-              <a14:hiddenEffects xmlns:a14="http://schemas.microsoft.com/office/drawing/2010/main">
+              <a14:hiddenEffects xmlns:a14="http://schemas.microsoft.com/office/drawing/2010/main" xmlns="">
                 <a:effectLst>
                   <a:outerShdw dist="35921" dir="2700000" algn="ctr" rotWithShape="0">
                     <a:srgbClr val="808080"/>
@@ -777,7 +777,7 @@
               </a14:hiddenEffects>
             </a:ext>
             <a:ext uri="{53640926-AAD7-44d8-BBD7-CCE9431645EC}">
-              <a14:shadowObscured xmlns:a14="http://schemas.microsoft.com/office/drawing/2010/main" val="1"/>
+              <a14:shadowObscured xmlns:a14="http://schemas.microsoft.com/office/drawing/2010/main" xmlns="" val="1"/>
             </a:ext>
           </a:extLst>
         </p:spPr>
@@ -806,14 +806,14 @@
           </a:ln>
           <a:extLst>
             <a:ext uri="{909E8E84-426E-40dd-AFC4-6F175D3DCCD1}">
-              <a14:hiddenFill xmlns:a14="http://schemas.microsoft.com/office/drawing/2010/main">
+              <a14:hiddenFill xmlns:a14="http://schemas.microsoft.com/office/drawing/2010/main" xmlns="">
                 <a:solidFill>
                   <a:schemeClr val="accent1"/>
                 </a:solidFill>
               </a14:hiddenFill>
             </a:ext>
             <a:ext uri="{91240B29-F687-4f45-9708-019B960494DF}">
-              <a14:hiddenLine xmlns:a14="http://schemas.microsoft.com/office/drawing/2010/main" w="9525">
+              <a14:hiddenLine xmlns:a14="http://schemas.microsoft.com/office/drawing/2010/main" xmlns="" w="9525">
                 <a:solidFill>
                   <a:schemeClr val="tx1"/>
                 </a:solidFill>
@@ -823,7 +823,7 @@
               </a14:hiddenLine>
             </a:ext>
             <a:ext uri="{AF507438-7753-43e0-B8FC-AC1667EBCBE1}">
-              <a14:hiddenEffects xmlns:a14="http://schemas.microsoft.com/office/drawing/2010/main">
+              <a14:hiddenEffects xmlns:a14="http://schemas.microsoft.com/office/drawing/2010/main" xmlns="">
                 <a:effectLst>
                   <a:outerShdw dist="35921" dir="2700000" algn="ctr" rotWithShape="0">
                     <a:schemeClr val="bg2"/>
@@ -905,14 +905,14 @@
           </a:ln>
           <a:extLst>
             <a:ext uri="{909E8E84-426E-40dd-AFC4-6F175D3DCCD1}">
-              <a14:hiddenFill xmlns:a14="http://schemas.microsoft.com/office/drawing/2010/main">
+              <a14:hiddenFill xmlns:a14="http://schemas.microsoft.com/office/drawing/2010/main" xmlns="">
                 <a:solidFill>
                   <a:schemeClr val="accent1"/>
                 </a:solidFill>
               </a14:hiddenFill>
             </a:ext>
             <a:ext uri="{91240B29-F687-4f45-9708-019B960494DF}">
-              <a14:hiddenLine xmlns:a14="http://schemas.microsoft.com/office/drawing/2010/main" w="9525">
+              <a14:hiddenLine xmlns:a14="http://schemas.microsoft.com/office/drawing/2010/main" xmlns="" w="9525">
                 <a:solidFill>
                   <a:schemeClr val="tx1"/>
                 </a:solidFill>
@@ -922,7 +922,7 @@
               </a14:hiddenLine>
             </a:ext>
             <a:ext uri="{AF507438-7753-43e0-B8FC-AC1667EBCBE1}">
-              <a14:hiddenEffects xmlns:a14="http://schemas.microsoft.com/office/drawing/2010/main">
+              <a14:hiddenEffects xmlns:a14="http://schemas.microsoft.com/office/drawing/2010/main" xmlns="">
                 <a:effectLst>
                   <a:outerShdw dist="35921" dir="2700000" algn="ctr" rotWithShape="0">
                     <a:schemeClr val="bg2"/>
@@ -975,14 +975,14 @@
           </a:ln>
           <a:extLst>
             <a:ext uri="{909E8E84-426E-40dd-AFC4-6F175D3DCCD1}">
-              <a14:hiddenFill xmlns:a14="http://schemas.microsoft.com/office/drawing/2010/main">
+              <a14:hiddenFill xmlns:a14="http://schemas.microsoft.com/office/drawing/2010/main" xmlns="">
                 <a:solidFill>
                   <a:schemeClr val="accent1"/>
                 </a:solidFill>
               </a14:hiddenFill>
             </a:ext>
             <a:ext uri="{91240B29-F687-4f45-9708-019B960494DF}">
-              <a14:hiddenLine xmlns:a14="http://schemas.microsoft.com/office/drawing/2010/main" w="9525">
+              <a14:hiddenLine xmlns:a14="http://schemas.microsoft.com/office/drawing/2010/main" xmlns="" w="9525">
                 <a:solidFill>
                   <a:schemeClr val="tx1"/>
                 </a:solidFill>
@@ -992,7 +992,7 @@
               </a14:hiddenLine>
             </a:ext>
             <a:ext uri="{AF507438-7753-43e0-B8FC-AC1667EBCBE1}">
-              <a14:hiddenEffects xmlns:a14="http://schemas.microsoft.com/office/drawing/2010/main">
+              <a14:hiddenEffects xmlns:a14="http://schemas.microsoft.com/office/drawing/2010/main" xmlns="">
                 <a:effectLst>
                   <a:outerShdw dist="35921" dir="2700000" algn="ctr" rotWithShape="0">
                     <a:schemeClr val="bg2"/>
@@ -1488,7 +1488,7 @@
   <p:clrMapOvr>
     <a:masterClrMapping/>
   </p:clrMapOvr>
-  <p:transition xmlns:p14="http://schemas.microsoft.com/office/powerpoint/2010/main"/>
+  <p:transition/>
 </p:sldLayout>
 </file>
 
@@ -1618,7 +1618,7 @@
   <p:clrMapOvr>
     <a:masterClrMapping/>
   </p:clrMapOvr>
-  <p:transition xmlns:p14="http://schemas.microsoft.com/office/powerpoint/2010/main"/>
+  <p:transition/>
 </p:sldLayout>
 </file>
 
@@ -1748,7 +1748,7 @@
   <p:clrMapOvr>
     <a:masterClrMapping/>
   </p:clrMapOvr>
-  <p:transition xmlns:p14="http://schemas.microsoft.com/office/powerpoint/2010/main"/>
+  <p:transition/>
 </p:sldLayout>
 </file>
 
@@ -1878,7 +1878,7 @@
   <p:clrMapOvr>
     <a:masterClrMapping/>
   </p:clrMapOvr>
-  <p:transition xmlns:p14="http://schemas.microsoft.com/office/powerpoint/2010/main"/>
+  <p:transition/>
 </p:sldLayout>
 </file>
 
@@ -2018,7 +2018,7 @@
   <p:clrMapOvr>
     <a:masterClrMapping/>
   </p:clrMapOvr>
-  <p:transition xmlns:p14="http://schemas.microsoft.com/office/powerpoint/2010/main"/>
+  <p:transition/>
 </p:sldLayout>
 </file>
 
@@ -2266,7 +2266,7 @@
   <p:clrMapOvr>
     <a:masterClrMapping/>
   </p:clrMapOvr>
-  <p:transition xmlns:p14="http://schemas.microsoft.com/office/powerpoint/2010/main"/>
+  <p:transition/>
 </p:sldLayout>
 </file>
 
@@ -2659,7 +2659,7 @@
   <p:clrMapOvr>
     <a:masterClrMapping/>
   </p:clrMapOvr>
-  <p:transition xmlns:p14="http://schemas.microsoft.com/office/powerpoint/2010/main"/>
+  <p:transition/>
 </p:sldLayout>
 </file>
 
@@ -2725,7 +2725,7 @@
   <p:clrMapOvr>
     <a:masterClrMapping/>
   </p:clrMapOvr>
-  <p:transition xmlns:p14="http://schemas.microsoft.com/office/powerpoint/2010/main"/>
+  <p:transition/>
 </p:sldLayout>
 </file>
 
@@ -2756,7 +2756,7 @@
   <p:clrMapOvr>
     <a:masterClrMapping/>
   </p:clrMapOvr>
-  <p:transition xmlns:p14="http://schemas.microsoft.com/office/powerpoint/2010/main"/>
+  <p:transition/>
 </p:sldLayout>
 </file>
 
@@ -2987,7 +2987,7 @@
   <p:clrMapOvr>
     <a:masterClrMapping/>
   </p:clrMapOvr>
-  <p:transition xmlns:p14="http://schemas.microsoft.com/office/powerpoint/2010/main"/>
+  <p:transition/>
 </p:sldLayout>
 </file>
 
@@ -3195,7 +3195,7 @@
   <p:clrMapOvr>
     <a:masterClrMapping/>
   </p:clrMapOvr>
-  <p:transition xmlns:p14="http://schemas.microsoft.com/office/powerpoint/2010/main"/>
+  <p:transition/>
 </p:sldLayout>
 </file>
 
@@ -3361,7 +3361,7 @@
     <p:sldLayoutId id="2147483658" r:id="rId10"/>
     <p:sldLayoutId id="2147483659" r:id="rId11"/>
   </p:sldLayoutIdLst>
-  <p:transition xmlns:p14="http://schemas.microsoft.com/office/powerpoint/2010/main"/>
+  <p:transition/>
   <p:txStyles>
     <p:titleStyle>
       <a:defPPr>
@@ -4095,14 +4095,14 @@
           </a:ln>
           <a:extLst>
             <a:ext uri="{909E8E84-426E-40dd-AFC4-6F175D3DCCD1}">
-              <a14:hiddenFill xmlns:a14="http://schemas.microsoft.com/office/drawing/2010/main">
+              <a14:hiddenFill xmlns:a14="http://schemas.microsoft.com/office/drawing/2010/main" xmlns="">
                 <a:solidFill>
                   <a:srgbClr val="000000"/>
                 </a:solidFill>
               </a14:hiddenFill>
             </a:ext>
             <a:ext uri="{91240B29-F687-4f45-9708-019B960494DF}">
-              <a14:hiddenLine xmlns:a14="http://schemas.microsoft.com/office/drawing/2010/main" w="9525">
+              <a14:hiddenLine xmlns:a14="http://schemas.microsoft.com/office/drawing/2010/main" xmlns="" w="9525">
                 <a:solidFill>
                   <a:schemeClr val="tx1"/>
                 </a:solidFill>
@@ -4112,7 +4112,7 @@
               </a14:hiddenLine>
             </a:ext>
             <a:ext uri="{AF507438-7753-43e0-B8FC-AC1667EBCBE1}">
-              <a14:hiddenEffects xmlns:a14="http://schemas.microsoft.com/office/drawing/2010/main">
+              <a14:hiddenEffects xmlns:a14="http://schemas.microsoft.com/office/drawing/2010/main" xmlns="">
                 <a:effectLst>
                   <a:outerShdw dist="35921" dir="2700000" algn="ctr" rotWithShape="0">
                     <a:srgbClr val="FFBF0B"/>
@@ -4387,7 +4387,7 @@
           </a:ln>
           <a:extLst>
             <a:ext uri="{AF507438-7753-43e0-B8FC-AC1667EBCBE1}">
-              <a14:hiddenEffects xmlns:a14="http://schemas.microsoft.com/office/drawing/2010/main">
+              <a14:hiddenEffects xmlns:a14="http://schemas.microsoft.com/office/drawing/2010/main" xmlns="">
                 <a:effectLst>
                   <a:outerShdw dist="35921" dir="2700000" algn="ctr" rotWithShape="0">
                     <a:schemeClr val="bg2"/>
@@ -4524,55 +4524,55 @@
               <a:rPr lang="et-EE" altLang="ja-JP" sz="3600" dirty="0" smtClean="0">
                 <a:ea typeface="ＭＳ Ｐゴシック" charset="-128"/>
               </a:rPr>
-              <a:t>(DTW) for educational </a:t>
+              <a:t>(DTW) for educational purposes</a:t>
+            </a:r>
+            <a:r>
+              <a:rPr lang="et-EE" altLang="ja-JP" sz="3600" dirty="0">
+                <a:ea typeface="ＭＳ Ｐゴシック" charset="-128"/>
+              </a:rPr>
+              <a:t>.</a:t>
             </a:r>
             <a:r>
               <a:rPr lang="et-EE" altLang="ja-JP" sz="3600" dirty="0" smtClean="0">
                 <a:ea typeface="ＭＳ Ｐゴシック" charset="-128"/>
               </a:rPr>
-              <a:t>purposes</a:t>
-            </a:r>
-            <a:r>
-              <a:rPr lang="et-EE" altLang="ja-JP" sz="3600" dirty="0">
+              <a:t> </a:t>
+            </a:r>
+            <a:r>
+              <a:rPr lang="en-US" altLang="ja-JP" sz="3600" dirty="0" smtClean="0">
                 <a:ea typeface="ＭＳ Ｐゴシック" charset="-128"/>
               </a:rPr>
-              <a:t>.</a:t>
+              <a:t>The </a:t>
+            </a:r>
+            <a:r>
+              <a:rPr lang="en-US" altLang="ja-JP" sz="3600" dirty="0">
+                <a:ea typeface="ＭＳ Ｐゴシック" charset="-128"/>
+              </a:rPr>
+              <a:t>task of </a:t>
+            </a:r>
+            <a:r>
+              <a:rPr lang="en-US" altLang="ja-JP" sz="3600" dirty="0" smtClean="0">
+                <a:ea typeface="ＭＳ Ｐゴシック" charset="-128"/>
+              </a:rPr>
+              <a:t>(</a:t>
+            </a:r>
+            <a:r>
+              <a:rPr lang="en-US" altLang="ja-JP" sz="3600" dirty="0">
+                <a:ea typeface="ＭＳ Ｐゴシック" charset="-128"/>
+              </a:rPr>
+              <a:t>DTW) algorithm is to measure the similarity between two sequences. DTW algorithm was introduced in </a:t>
             </a:r>
             <a:r>
               <a:rPr lang="et-EE" altLang="ja-JP" sz="3600" dirty="0" smtClean="0">
                 <a:ea typeface="ＭＳ Ｐゴシック" charset="-128"/>
               </a:rPr>
-              <a:t> </a:t>
-            </a:r>
-            <a:r>
-              <a:rPr lang="en-US" altLang="ja-JP" sz="3600" dirty="0" smtClean="0">
-                <a:ea typeface="ＭＳ Ｐゴシック" charset="-128"/>
-              </a:rPr>
-              <a:t>The </a:t>
-            </a:r>
-            <a:r>
-              <a:rPr lang="en-US" altLang="ja-JP" sz="3600" dirty="0">
-                <a:ea typeface="ＭＳ Ｐゴシック" charset="-128"/>
-              </a:rPr>
-              <a:t>task of </a:t>
-            </a:r>
-            <a:r>
-              <a:rPr lang="en-US" altLang="ja-JP" sz="3600" dirty="0" smtClean="0">
-                <a:ea typeface="ＭＳ Ｐゴシック" charset="-128"/>
-              </a:rPr>
-              <a:t>(</a:t>
-            </a:r>
-            <a:r>
-              <a:rPr lang="en-US" altLang="ja-JP" sz="3600" dirty="0">
-                <a:ea typeface="ＭＳ Ｐゴシック" charset="-128"/>
-              </a:rPr>
-              <a:t>DTW) algorithm is to measure the similarity between two sequences. DTW algorithm was introduced in </a:t>
+              <a:t>[</a:t>
             </a:r>
             <a:r>
               <a:rPr lang="et-EE" altLang="ja-JP" sz="3600" dirty="0" smtClean="0">
                 <a:ea typeface="ＭＳ Ｐゴシック" charset="-128"/>
               </a:rPr>
-              <a:t>[SC78] </a:t>
+              <a:t>SC71] </a:t>
             </a:r>
             <a:r>
               <a:rPr lang="en-US" altLang="ja-JP" sz="3600" dirty="0">
@@ -4622,8 +4622,8 @@
             </p:nvSpPr>
             <p:spPr bwMode="auto">
               <a:xfrm>
-                <a:off x="908050" y="23378413"/>
-                <a:ext cx="11004710" cy="6530159"/>
+                <a:off x="908050" y="22751675"/>
+                <a:ext cx="11033820" cy="7350667"/>
               </a:xfrm>
               <a:prstGeom prst="rect">
                 <a:avLst/>
@@ -4749,7 +4749,7 @@
                   </a:lnSpc>
                 </a:pPr>
                 <a:r>
-                  <a:rPr lang="et-EE" altLang="zh-CN" sz="3600" dirty="0" err="1" smtClean="0">
+                  <a:rPr lang="et-EE" altLang="zh-CN" sz="3600" dirty="0" smtClean="0">
                     <a:solidFill>
                       <a:schemeClr val="tx1"/>
                     </a:solidFill>
@@ -4995,8 +4995,72 @@
                     </a:solidFill>
                     <a:ea typeface="ＭＳ Ｐゴシック" charset="-128"/>
                   </a:rPr>
-                  <a:t> We have that </a:t>
+                  <a:t> We have that the entry </a:t>
                 </a:r>
+                <a14:m>
+                  <m:oMath xmlns:m="http://schemas.openxmlformats.org/officeDocument/2006/math">
+                    <m:r>
+                      <a:rPr lang="et-EE" altLang="zh-CN" sz="3600" i="1" dirty="0" smtClean="0">
+                        <a:solidFill>
+                          <a:schemeClr val="tx1"/>
+                        </a:solidFill>
+                        <a:latin typeface="Cambria Math" panose="02040503050406030204" pitchFamily="18" charset="0"/>
+                        <a:ea typeface="ＭＳ Ｐゴシック" charset="-128"/>
+                      </a:rPr>
+                      <m:t>𝑑</m:t>
+                    </m:r>
+                    <m:r>
+                      <a:rPr lang="et-EE" altLang="zh-CN" sz="3600" i="1" dirty="0" smtClean="0">
+                        <a:solidFill>
+                          <a:schemeClr val="tx1"/>
+                        </a:solidFill>
+                        <a:latin typeface="Cambria Math" panose="02040503050406030204" pitchFamily="18" charset="0"/>
+                        <a:ea typeface="ＭＳ Ｐゴシック" charset="-128"/>
+                      </a:rPr>
+                      <m:t>(</m:t>
+                    </m:r>
+                    <m:r>
+                      <a:rPr lang="et-EE" altLang="zh-CN" sz="3600" i="1" dirty="0" smtClean="0">
+                        <a:solidFill>
+                          <a:schemeClr val="tx1"/>
+                        </a:solidFill>
+                        <a:latin typeface="Cambria Math" panose="02040503050406030204" pitchFamily="18" charset="0"/>
+                        <a:ea typeface="ＭＳ Ｐゴシック" charset="-128"/>
+                      </a:rPr>
+                      <m:t>𝑖</m:t>
+                    </m:r>
+                    <m:r>
+                      <a:rPr lang="et-EE" altLang="zh-CN" sz="3600" i="1" dirty="0" smtClean="0">
+                        <a:solidFill>
+                          <a:schemeClr val="tx1"/>
+                        </a:solidFill>
+                        <a:latin typeface="Cambria Math" panose="02040503050406030204" pitchFamily="18" charset="0"/>
+                        <a:ea typeface="ＭＳ Ｐゴシック" charset="-128"/>
+                      </a:rPr>
+                      <m:t>,</m:t>
+                    </m:r>
+                    <m:r>
+                      <a:rPr lang="et-EE" altLang="zh-CN" sz="3600" i="1" dirty="0" smtClean="0">
+                        <a:solidFill>
+                          <a:schemeClr val="tx1"/>
+                        </a:solidFill>
+                        <a:latin typeface="Cambria Math" panose="02040503050406030204" pitchFamily="18" charset="0"/>
+                        <a:ea typeface="ＭＳ Ｐゴシック" charset="-128"/>
+                      </a:rPr>
+                      <m:t>𝑗</m:t>
+                    </m:r>
+                    <m:r>
+                      <a:rPr lang="et-EE" altLang="zh-CN" sz="3600" i="1" dirty="0" smtClean="0">
+                        <a:solidFill>
+                          <a:schemeClr val="tx1"/>
+                        </a:solidFill>
+                        <a:latin typeface="Cambria Math" panose="02040503050406030204" pitchFamily="18" charset="0"/>
+                        <a:ea typeface="ＭＳ Ｐゴシック" charset="-128"/>
+                      </a:rPr>
+                      <m:t>)</m:t>
+                    </m:r>
+                  </m:oMath>
+                </a14:m>
                 <a:r>
                   <a:rPr lang="et-EE" altLang="zh-CN" sz="3600" dirty="0" smtClean="0">
                     <a:solidFill>
@@ -5004,32 +5068,8 @@
                     </a:solidFill>
                     <a:ea typeface="ＭＳ Ｐゴシック" charset="-128"/>
                   </a:rPr>
-                  <a:t>the entry d(i,j) in the cost matrix of given </a:t>
+                  <a:t> in the cost matrix of given series A and B is</a:t>
                 </a:r>
-                <a:r>
-                  <a:rPr lang="et-EE" altLang="zh-CN" sz="3600" dirty="0" smtClean="0">
-                    <a:solidFill>
-                      <a:schemeClr val="tx1"/>
-                    </a:solidFill>
-                    <a:ea typeface="ＭＳ Ｐゴシック" charset="-128"/>
-                  </a:rPr>
-                  <a:t>series A and </a:t>
-                </a:r>
-                <a:r>
-                  <a:rPr lang="et-EE" altLang="zh-CN" sz="3600" dirty="0" smtClean="0">
-                    <a:solidFill>
-                      <a:schemeClr val="tx1"/>
-                    </a:solidFill>
-                    <a:ea typeface="ＭＳ Ｐゴシック" charset="-128"/>
-                  </a:rPr>
-                  <a:t>B is</a:t>
-                </a:r>
-                <a:endParaRPr lang="et-EE" altLang="zh-CN" sz="3600" dirty="0" smtClean="0">
-                  <a:solidFill>
-                    <a:schemeClr val="tx1"/>
-                  </a:solidFill>
-                  <a:ea typeface="ＭＳ Ｐゴシック" charset="-128"/>
-                </a:endParaRPr>
               </a:p>
               <a:p>
                 <a:pPr marL="0" lvl="1" indent="0" algn="just">
@@ -5037,47 +5077,293 @@
                     <a:spcPct val="120000"/>
                   </a:lnSpc>
                 </a:pPr>
-                <a14:m/>
                 <a:r>
-                  <a:rPr lang="et-EE" altLang="zh-CN" sz="3600" dirty="0" smtClean="0">
+                  <a:rPr lang="et-EE" altLang="zh-CN" sz="3200" dirty="0" smtClean="0">
                     <a:solidFill>
                       <a:schemeClr val="tx1"/>
                     </a:solidFill>
                     <a:ea typeface="ＭＳ Ｐゴシック" charset="-128"/>
                   </a:rPr>
-                  <a:t> = </a:t>
+                  <a:t> </a:t>
                 </a:r>
-                <a14:m/>
-                <a:r>
-                  <a:rPr lang="et-EE" altLang="zh-CN" sz="3600" dirty="0" smtClean="0">
-                    <a:solidFill>
-                      <a:schemeClr val="tx1"/>
-                    </a:solidFill>
-                    <a:ea typeface="ＭＳ Ｐゴシック" charset="-128"/>
-                  </a:rPr>
-                  <a:t>min </a:t>
-                </a:r>
-                <a14:m/>
-                <a:endParaRPr lang="en-US" altLang="zh-CN" sz="3600" dirty="0">
+                <a14:m>
+                  <m:oMath xmlns:m="http://schemas.openxmlformats.org/officeDocument/2006/math">
+                    <m:r>
+                      <a:rPr lang="et-EE" altLang="zh-CN" sz="3200" i="1" dirty="0" err="1" smtClean="0">
+                        <a:latin typeface="Cambria Math" panose="02040503050406030204" pitchFamily="18" charset="0"/>
+                        <a:ea typeface="ＭＳ Ｐゴシック" charset="-128"/>
+                      </a:rPr>
+                      <m:t>𝑑𝑖𝑠𝑡𝑎𝑛𝑐𝑒</m:t>
+                    </m:r>
+                    <m:r>
+                      <a:rPr lang="et-EE" altLang="zh-CN" sz="3200" i="1" dirty="0" smtClean="0">
+                        <a:latin typeface="Cambria Math" panose="02040503050406030204" pitchFamily="18" charset="0"/>
+                        <a:ea typeface="ＭＳ Ｐゴシック" charset="-128"/>
+                      </a:rPr>
+                      <m:t>(</m:t>
+                    </m:r>
+                    <m:r>
+                      <a:rPr lang="et-EE" altLang="zh-CN" sz="3200" i="1" dirty="0" smtClean="0">
+                        <a:latin typeface="Cambria Math" panose="02040503050406030204" pitchFamily="18" charset="0"/>
+                        <a:ea typeface="ＭＳ Ｐゴシック" charset="-128"/>
+                      </a:rPr>
+                      <m:t>𝐴</m:t>
+                    </m:r>
+                    <m:r>
+                      <a:rPr lang="et-EE" altLang="zh-CN" sz="3200" i="1" dirty="0" smtClean="0">
+                        <a:latin typeface="Cambria Math" panose="02040503050406030204" pitchFamily="18" charset="0"/>
+                        <a:ea typeface="ＭＳ Ｐゴシック" charset="-128"/>
+                      </a:rPr>
+                      <m:t>(</m:t>
+                    </m:r>
+                    <m:r>
+                      <a:rPr lang="et-EE" altLang="zh-CN" sz="3200" i="1" dirty="0" smtClean="0">
+                        <a:latin typeface="Cambria Math" panose="02040503050406030204" pitchFamily="18" charset="0"/>
+                        <a:ea typeface="ＭＳ Ｐゴシック" charset="-128"/>
+                      </a:rPr>
+                      <m:t>𝑖</m:t>
+                    </m:r>
+                    <m:r>
+                      <a:rPr lang="et-EE" altLang="zh-CN" sz="3200" i="1" dirty="0" smtClean="0">
+                        <a:latin typeface="Cambria Math" panose="02040503050406030204" pitchFamily="18" charset="0"/>
+                        <a:ea typeface="ＭＳ Ｐゴシック" charset="-128"/>
+                      </a:rPr>
+                      <m:t>), </m:t>
+                    </m:r>
+                    <m:r>
+                      <a:rPr lang="et-EE" altLang="zh-CN" sz="3200" i="1" dirty="0" smtClean="0">
+                        <a:latin typeface="Cambria Math" panose="02040503050406030204" pitchFamily="18" charset="0"/>
+                        <a:ea typeface="ＭＳ Ｐゴシック" charset="-128"/>
+                      </a:rPr>
+                      <m:t>𝐵</m:t>
+                    </m:r>
+                    <m:r>
+                      <a:rPr lang="et-EE" altLang="zh-CN" sz="3200" i="1" dirty="0" smtClean="0">
+                        <a:latin typeface="Cambria Math" panose="02040503050406030204" pitchFamily="18" charset="0"/>
+                        <a:ea typeface="ＭＳ Ｐゴシック" charset="-128"/>
+                      </a:rPr>
+                      <m:t>(</m:t>
+                    </m:r>
+                    <m:r>
+                      <a:rPr lang="et-EE" altLang="zh-CN" sz="3200" i="1" dirty="0" smtClean="0">
+                        <a:latin typeface="Cambria Math" panose="02040503050406030204" pitchFamily="18" charset="0"/>
+                        <a:ea typeface="ＭＳ Ｐゴシック" charset="-128"/>
+                      </a:rPr>
+                      <m:t>𝑗</m:t>
+                    </m:r>
+                    <m:r>
+                      <a:rPr lang="et-EE" altLang="zh-CN" sz="3200" i="1" dirty="0" smtClean="0">
+                        <a:latin typeface="Cambria Math" panose="02040503050406030204" pitchFamily="18" charset="0"/>
+                        <a:ea typeface="ＭＳ Ｐゴシック" charset="-128"/>
+                      </a:rPr>
+                      <m:t>)) +</m:t>
+                    </m:r>
+                    <m:r>
+                      <a:rPr lang="et-EE" altLang="zh-CN" sz="3200" b="0" i="1" dirty="0" smtClean="0">
+                        <a:latin typeface="Cambria Math" panose="02040503050406030204" pitchFamily="18" charset="0"/>
+                        <a:ea typeface="ＭＳ Ｐゴシック" charset="-128"/>
+                      </a:rPr>
+                      <m:t>𝑚𝑖𝑛</m:t>
+                    </m:r>
+                    <m:r>
+                      <a:rPr lang="et-EE" altLang="zh-CN" sz="3200" i="1" dirty="0" smtClean="0">
+                        <a:latin typeface="Cambria Math" panose="02040503050406030204" pitchFamily="18" charset="0"/>
+                        <a:ea typeface="ＭＳ Ｐゴシック" charset="-128"/>
+                      </a:rPr>
+                      <m:t> </m:t>
+                    </m:r>
+                    <m:d>
+                      <m:dPr>
+                        <m:begChr m:val="{"/>
+                        <m:endChr m:val=""/>
+                        <m:ctrlPr>
+                          <a:rPr lang="et-EE" altLang="zh-CN" sz="3200" i="1" dirty="0" smtClean="0">
+                            <a:latin typeface="Cambria Math" panose="02040503050406030204" pitchFamily="18" charset="0"/>
+                            <a:ea typeface="ＭＳ Ｐゴシック" charset="-128"/>
+                          </a:rPr>
+                        </m:ctrlPr>
+                      </m:dPr>
+                      <m:e>
+                        <m:eqArr>
+                          <m:eqArrPr>
+                            <m:ctrlPr>
+                              <a:rPr lang="et-EE" altLang="zh-CN" sz="3200" i="1" dirty="0" smtClean="0">
+                                <a:latin typeface="Cambria Math" panose="02040503050406030204" pitchFamily="18" charset="0"/>
+                                <a:ea typeface="ＭＳ Ｐゴシック" charset="-128"/>
+                              </a:rPr>
+                            </m:ctrlPr>
+                          </m:eqArrPr>
+                          <m:e>
+                            <m:r>
+                              <a:rPr lang="et-EE" altLang="zh-CN" sz="3200" b="0" i="1" dirty="0" smtClean="0">
+                                <a:latin typeface="Cambria Math" panose="02040503050406030204" pitchFamily="18" charset="0"/>
+                                <a:ea typeface="ＭＳ Ｐゴシック" charset="-128"/>
+                              </a:rPr>
+                              <m:t>𝑑</m:t>
+                            </m:r>
+                            <m:d>
+                              <m:dPr>
+                                <m:ctrlPr>
+                                  <a:rPr lang="et-EE" altLang="zh-CN" sz="3200" b="0" i="1" dirty="0" smtClean="0">
+                                    <a:latin typeface="Cambria Math" panose="02040503050406030204" pitchFamily="18" charset="0"/>
+                                    <a:ea typeface="ＭＳ Ｐゴシック" charset="-128"/>
+                                  </a:rPr>
+                                </m:ctrlPr>
+                              </m:dPr>
+                              <m:e>
+                                <m:r>
+                                  <a:rPr lang="et-EE" altLang="zh-CN" sz="3200" b="0" i="1" dirty="0" smtClean="0">
+                                    <a:latin typeface="Cambria Math" panose="02040503050406030204" pitchFamily="18" charset="0"/>
+                                    <a:ea typeface="ＭＳ Ｐゴシック" charset="-128"/>
+                                  </a:rPr>
+                                  <m:t>𝑖</m:t>
+                                </m:r>
+                                <m:r>
+                                  <a:rPr lang="et-EE" altLang="zh-CN" sz="3200" b="0" i="1" dirty="0" smtClean="0">
+                                    <a:latin typeface="Cambria Math" panose="02040503050406030204" pitchFamily="18" charset="0"/>
+                                    <a:ea typeface="ＭＳ Ｐゴシック" charset="-128"/>
+                                  </a:rPr>
+                                  <m:t>−1, </m:t>
+                                </m:r>
+                                <m:r>
+                                  <a:rPr lang="et-EE" altLang="zh-CN" sz="3200" b="0" i="1" dirty="0" smtClean="0">
+                                    <a:latin typeface="Cambria Math" panose="02040503050406030204" pitchFamily="18" charset="0"/>
+                                    <a:ea typeface="ＭＳ Ｐゴシック" charset="-128"/>
+                                  </a:rPr>
+                                  <m:t>𝑗</m:t>
+                                </m:r>
+                                <m:r>
+                                  <a:rPr lang="et-EE" altLang="zh-CN" sz="3200" b="0" i="1" dirty="0" smtClean="0">
+                                    <a:latin typeface="Cambria Math" panose="02040503050406030204" pitchFamily="18" charset="0"/>
+                                    <a:ea typeface="ＭＳ Ｐゴシック" charset="-128"/>
+                                  </a:rPr>
+                                  <m:t>−1</m:t>
+                                </m:r>
+                              </m:e>
+                            </m:d>
+                            <m:r>
+                              <a:rPr lang="et-EE" altLang="zh-CN" sz="3200" b="0" i="1" dirty="0" smtClean="0">
+                                <a:latin typeface="Cambria Math" panose="02040503050406030204" pitchFamily="18" charset="0"/>
+                                <a:ea typeface="ＭＳ Ｐゴシック" charset="-128"/>
+                              </a:rPr>
+                              <m:t>.</m:t>
+                            </m:r>
+                          </m:e>
+                          <m:e>
+                            <m:r>
+                              <a:rPr lang="et-EE" altLang="zh-CN" sz="3200" b="0" i="1" dirty="0" smtClean="0">
+                                <a:latin typeface="Cambria Math" panose="02040503050406030204" pitchFamily="18" charset="0"/>
+                                <a:ea typeface="ＭＳ Ｐゴシック" charset="-128"/>
+                              </a:rPr>
+                              <m:t>𝑑</m:t>
+                            </m:r>
+                            <m:d>
+                              <m:dPr>
+                                <m:ctrlPr>
+                                  <a:rPr lang="et-EE" altLang="zh-CN" sz="3200" b="0" i="1" dirty="0" smtClean="0">
+                                    <a:latin typeface="Cambria Math" panose="02040503050406030204" pitchFamily="18" charset="0"/>
+                                    <a:ea typeface="ＭＳ Ｐゴシック" charset="-128"/>
+                                  </a:rPr>
+                                </m:ctrlPr>
+                              </m:dPr>
+                              <m:e>
+                                <m:r>
+                                  <a:rPr lang="et-EE" altLang="zh-CN" sz="3200" b="0" i="1" dirty="0" smtClean="0">
+                                    <a:latin typeface="Cambria Math" panose="02040503050406030204" pitchFamily="18" charset="0"/>
+                                    <a:ea typeface="ＭＳ Ｐゴシック" charset="-128"/>
+                                  </a:rPr>
+                                  <m:t>𝑖</m:t>
+                                </m:r>
+                                <m:r>
+                                  <a:rPr lang="et-EE" altLang="zh-CN" sz="3200" b="0" i="1" dirty="0" smtClean="0">
+                                    <a:latin typeface="Cambria Math" panose="02040503050406030204" pitchFamily="18" charset="0"/>
+                                    <a:ea typeface="ＭＳ Ｐゴシック" charset="-128"/>
+                                  </a:rPr>
+                                  <m:t>−1, </m:t>
+                                </m:r>
+                                <m:r>
+                                  <a:rPr lang="et-EE" altLang="zh-CN" sz="3200" b="0" i="1" dirty="0" smtClean="0">
+                                    <a:latin typeface="Cambria Math" panose="02040503050406030204" pitchFamily="18" charset="0"/>
+                                    <a:ea typeface="ＭＳ Ｐゴシック" charset="-128"/>
+                                  </a:rPr>
+                                  <m:t>𝑗</m:t>
+                                </m:r>
+                              </m:e>
+                            </m:d>
+                            <m:r>
+                              <a:rPr lang="et-EE" altLang="zh-CN" sz="3200" b="0" i="1" dirty="0" smtClean="0">
+                                <a:latin typeface="Cambria Math" panose="02040503050406030204" pitchFamily="18" charset="0"/>
+                                <a:ea typeface="ＭＳ Ｐゴシック" charset="-128"/>
+                              </a:rPr>
+                              <m:t>,</m:t>
+                            </m:r>
+                          </m:e>
+                          <m:e>
+                            <m:r>
+                              <a:rPr lang="et-EE" altLang="zh-CN" sz="3200" b="0" i="1" dirty="0" smtClean="0">
+                                <a:latin typeface="Cambria Math" panose="02040503050406030204" pitchFamily="18" charset="0"/>
+                                <a:ea typeface="ＭＳ Ｐゴシック" charset="-128"/>
+                              </a:rPr>
+                              <m:t>𝑑</m:t>
+                            </m:r>
+                            <m:d>
+                              <m:dPr>
+                                <m:ctrlPr>
+                                  <a:rPr lang="et-EE" altLang="zh-CN" sz="3200" b="0" i="1" dirty="0" smtClean="0">
+                                    <a:latin typeface="Cambria Math" panose="02040503050406030204" pitchFamily="18" charset="0"/>
+                                    <a:ea typeface="ＭＳ Ｐゴシック" charset="-128"/>
+                                  </a:rPr>
+                                </m:ctrlPr>
+                              </m:dPr>
+                              <m:e>
+                                <m:r>
+                                  <a:rPr lang="et-EE" altLang="zh-CN" sz="3200" b="0" i="1" dirty="0" smtClean="0">
+                                    <a:latin typeface="Cambria Math" panose="02040503050406030204" pitchFamily="18" charset="0"/>
+                                    <a:ea typeface="ＭＳ Ｐゴシック" charset="-128"/>
+                                  </a:rPr>
+                                  <m:t>𝑖</m:t>
+                                </m:r>
+                                <m:r>
+                                  <a:rPr lang="et-EE" altLang="zh-CN" sz="3200" b="0" i="1" dirty="0" smtClean="0">
+                                    <a:latin typeface="Cambria Math" panose="02040503050406030204" pitchFamily="18" charset="0"/>
+                                    <a:ea typeface="ＭＳ Ｐゴシック" charset="-128"/>
+                                  </a:rPr>
+                                  <m:t>, </m:t>
+                                </m:r>
+                                <m:r>
+                                  <a:rPr lang="et-EE" altLang="zh-CN" sz="3200" b="0" i="1" dirty="0" smtClean="0">
+                                    <a:latin typeface="Cambria Math" panose="02040503050406030204" pitchFamily="18" charset="0"/>
+                                    <a:ea typeface="ＭＳ Ｐゴシック" charset="-128"/>
+                                  </a:rPr>
+                                  <m:t>𝑗</m:t>
+                                </m:r>
+                                <m:r>
+                                  <a:rPr lang="et-EE" altLang="zh-CN" sz="3200" b="0" i="1" dirty="0" smtClean="0">
+                                    <a:latin typeface="Cambria Math" panose="02040503050406030204" pitchFamily="18" charset="0"/>
+                                    <a:ea typeface="ＭＳ Ｐゴシック" charset="-128"/>
+                                  </a:rPr>
+                                  <m:t>−1</m:t>
+                                </m:r>
+                              </m:e>
+                            </m:d>
+                            <m:r>
+                              <a:rPr lang="et-EE" altLang="zh-CN" sz="3200" b="0" i="1" dirty="0" smtClean="0">
+                                <a:latin typeface="Cambria Math" panose="02040503050406030204" pitchFamily="18" charset="0"/>
+                                <a:ea typeface="ＭＳ Ｐゴシック" charset="-128"/>
+                              </a:rPr>
+                              <m:t>.</m:t>
+                            </m:r>
+                          </m:e>
+                        </m:eqArr>
+                      </m:e>
+                    </m:d>
+                  </m:oMath>
+                </a14:m>
+                <a:endParaRPr lang="en-US" altLang="zh-CN" sz="3200" dirty="0">
                   <a:solidFill>
                     <a:schemeClr val="tx1"/>
                   </a:solidFill>
                   <a:ea typeface="ＭＳ Ｐゴシック" charset="-128"/>
-                </a:endParaRPr>
-              </a:p>
-              <a:p>
-                <a:pPr marL="0" lvl="1" algn="just">
-                  <a:lnSpc>
-                    <a:spcPct val="120000"/>
-                  </a:lnSpc>
-                  <a:buFontTx/>
-                  <a:buChar char="•"/>
-                </a:pPr>
-                <a:endParaRPr lang="en-US" altLang="zh-CN" sz="2700" dirty="0">
-                  <a:solidFill>
-                    <a:schemeClr val="tx1"/>
-                  </a:solidFill>
-                  <a:ea typeface="SimSun" pitchFamily="2" charset="-122"/>
                 </a:endParaRPr>
               </a:p>
             </p:txBody>
@@ -5094,16 +5380,16 @@
             </p:nvSpPr>
             <p:spPr bwMode="auto">
               <a:xfrm>
-                <a:off x="908050" y="23378413"/>
-                <a:ext cx="11004710" cy="6530159"/>
+                <a:off x="908050" y="22751675"/>
+                <a:ext cx="11033820" cy="7350667"/>
               </a:xfrm>
               <a:prstGeom prst="rect">
                 <a:avLst/>
               </a:prstGeom>
-              <a:blipFill rotWithShape="1">
+              <a:blipFill rotWithShape="0">
                 <a:blip r:embed="rId3"/>
                 <a:stretch>
-                  <a:fillRect/>
+                  <a:fillRect l="-276" r="-552"/>
                 </a:stretch>
               </a:blipFill>
               <a:ln w="57150" cmpd="thinThick">
@@ -5117,7 +5403,7 @@
               <a:lstStyle/>
               <a:p>
                 <a:r>
-                  <a:rPr lang="en-US">
+                  <a:rPr lang="et-EE">
                     <a:noFill/>
                   </a:rPr>
                   <a:t> </a:t>
@@ -5135,7 +5421,7 @@
         </p:nvGrpSpPr>
         <p:grpSpPr>
           <a:xfrm>
-            <a:off x="831850" y="22224206"/>
+            <a:off x="908050" y="21802816"/>
             <a:ext cx="10992689" cy="819989"/>
             <a:chOff x="1066799" y="5958162"/>
             <a:chExt cx="11007725" cy="891580"/>
@@ -5529,7 +5815,7 @@
           </a:ln>
           <a:extLst>
             <a:ext uri="{AF507438-7753-43e0-B8FC-AC1667EBCBE1}">
-              <a14:hiddenEffects xmlns:a14="http://schemas.microsoft.com/office/drawing/2010/main">
+              <a14:hiddenEffects xmlns:a14="http://schemas.microsoft.com/office/drawing/2010/main" xmlns="">
                 <a:effectLst>
                   <a:outerShdw dist="35921" dir="2700000" algn="ctr" rotWithShape="0">
                     <a:schemeClr val="bg2"/>
@@ -5731,89 +6017,68 @@
               <a:rPr lang="et-EE" altLang="ja-JP" sz="3600" dirty="0" smtClean="0">
                 <a:ea typeface="ＭＳ Ｐゴシック" charset="-128"/>
               </a:rPr>
-              <a:t>. Most important window </a:t>
+              <a:t>. Most important window constraints are </a:t>
+            </a:r>
+            <a:r>
+              <a:rPr lang="et-EE" altLang="ja-JP" sz="3600" b="1" dirty="0" smtClean="0">
+                <a:ea typeface="ＭＳ Ｐゴシック" charset="-128"/>
+              </a:rPr>
+              <a:t>Sakoe</a:t>
+            </a:r>
+            <a:r>
+              <a:rPr lang="et-EE" altLang="ja-JP" sz="3600" b="1" dirty="0">
+                <a:ea typeface="ＭＳ Ｐゴシック" charset="-128"/>
+              </a:rPr>
+              <a:t>-</a:t>
+            </a:r>
+            <a:r>
+              <a:rPr lang="et-EE" altLang="ja-JP" sz="3600" b="1" dirty="0" smtClean="0">
+                <a:ea typeface="ＭＳ Ｐゴシック" charset="-128"/>
+              </a:rPr>
+              <a:t>Chiba Band </a:t>
+            </a:r>
+            <a:r>
+              <a:rPr lang="et-EE" altLang="ja-JP" sz="3600" dirty="0">
+                <a:ea typeface="ＭＳ Ｐゴシック" charset="-128"/>
+              </a:rPr>
+              <a:t>[SC78</a:t>
             </a:r>
             <a:r>
               <a:rPr lang="et-EE" altLang="ja-JP" sz="3600" dirty="0" smtClean="0">
                 <a:ea typeface="ＭＳ Ｐゴシック" charset="-128"/>
               </a:rPr>
-              <a:t>constraints are</a:t>
+              <a:t>], </a:t>
+            </a:r>
+            <a:r>
+              <a:rPr lang="et-EE" altLang="ja-JP" sz="3600" b="1" dirty="0" smtClean="0">
+                <a:ea typeface="ＭＳ Ｐゴシック" charset="-128"/>
+              </a:rPr>
+              <a:t>Itakura Parallelogram </a:t>
+            </a:r>
+            <a:r>
+              <a:rPr lang="et-EE" altLang="ja-JP" sz="3600" dirty="0">
+                <a:ea typeface="ＭＳ Ｐゴシック" charset="-128"/>
+              </a:rPr>
+              <a:t>[Ita75</a:t>
             </a:r>
             <a:r>
               <a:rPr lang="et-EE" altLang="ja-JP" sz="3600" dirty="0" smtClean="0">
                 <a:ea typeface="ＭＳ Ｐゴシック" charset="-128"/>
               </a:rPr>
+              <a:t>], </a:t>
+            </a:r>
+            <a:r>
+              <a:rPr lang="et-EE" altLang="ja-JP" sz="3600" b="1" dirty="0">
+                <a:ea typeface="ＭＳ Ｐゴシック" charset="-128"/>
+              </a:rPr>
               <a:t> </a:t>
             </a:r>
             <a:r>
               <a:rPr lang="et-EE" altLang="ja-JP" sz="3600" b="1" dirty="0" smtClean="0">
                 <a:ea typeface="ＭＳ Ｐゴシック" charset="-128"/>
               </a:rPr>
-              <a:t>Sakoe</a:t>
-            </a:r>
-            <a:r>
-              <a:rPr lang="et-EE" altLang="ja-JP" sz="3600" b="1" dirty="0">
-                <a:ea typeface="ＭＳ Ｐゴシック" charset="-128"/>
-              </a:rPr>
-              <a:t>-</a:t>
-            </a:r>
-            <a:r>
-              <a:rPr lang="et-EE" altLang="ja-JP" sz="3600" b="1" dirty="0" smtClean="0">
-                <a:ea typeface="ＭＳ Ｐゴシック" charset="-128"/>
-              </a:rPr>
-              <a:t>Chiba </a:t>
-            </a:r>
-            <a:r>
-              <a:rPr lang="et-EE" altLang="ja-JP" sz="3600" b="1" dirty="0" smtClean="0">
-                <a:ea typeface="ＭＳ Ｐゴシック" charset="-128"/>
-              </a:rPr>
-              <a:t>Band </a:t>
-            </a:r>
-            <a:r>
-              <a:rPr lang="et-EE" altLang="ja-JP" sz="3600" dirty="0">
-                <a:ea typeface="ＭＳ Ｐゴシック" charset="-128"/>
-              </a:rPr>
-              <a:t>[SC78</a:t>
-            </a:r>
-            <a:r>
-              <a:rPr lang="et-EE" altLang="ja-JP" sz="3600" dirty="0" smtClean="0">
-                <a:ea typeface="ＭＳ Ｐゴシック" charset="-128"/>
-              </a:rPr>
-              <a:t>], </a:t>
-            </a:r>
-            <a:r>
-              <a:rPr lang="et-EE" altLang="ja-JP" sz="3600" b="1" dirty="0" smtClean="0">
-                <a:ea typeface="ＭＳ Ｐゴシック" charset="-128"/>
-              </a:rPr>
-              <a:t>Itakura Parallelogram </a:t>
-            </a:r>
-            <a:r>
-              <a:rPr lang="et-EE" altLang="ja-JP" sz="3600" dirty="0">
-                <a:ea typeface="ＭＳ Ｐゴシック" charset="-128"/>
-              </a:rPr>
-              <a:t>[Ita75</a:t>
-            </a:r>
-            <a:r>
-              <a:rPr lang="et-EE" altLang="ja-JP" sz="3600" dirty="0" smtClean="0">
-                <a:ea typeface="ＭＳ Ｐゴシック" charset="-128"/>
-              </a:rPr>
-              <a:t>], </a:t>
-            </a:r>
-            <a:r>
-              <a:rPr lang="et-EE" altLang="ja-JP" sz="3600" b="1" dirty="0">
-                <a:ea typeface="ＭＳ Ｐゴシック" charset="-128"/>
-              </a:rPr>
-              <a:t> </a:t>
-            </a:r>
-            <a:r>
-              <a:rPr lang="et-EE" altLang="ja-JP" sz="3600" b="1" dirty="0" smtClean="0">
-                <a:ea typeface="ＭＳ Ｐゴシック" charset="-128"/>
-              </a:rPr>
               <a:t>Slanted Band. </a:t>
             </a:r>
-            <a:endParaRPr lang="et-EE" altLang="ja-JP" sz="3600" b="1" dirty="0" smtClean="0">
-              <a:ea typeface="ＭＳ Ｐゴシック" charset="-128"/>
-            </a:endParaRPr>
           </a:p>
         </p:txBody>
       </p:sp>
@@ -5839,14 +6104,14 @@
           </a:ln>
           <a:extLst>
             <a:ext uri="{909E8E84-426E-40dd-AFC4-6F175D3DCCD1}">
-              <a14:hiddenFill xmlns:a14="http://schemas.microsoft.com/office/drawing/2010/main">
+              <a14:hiddenFill xmlns:a14="http://schemas.microsoft.com/office/drawing/2010/main" xmlns="">
                 <a:solidFill>
                   <a:schemeClr val="accent1"/>
                 </a:solidFill>
               </a14:hiddenFill>
             </a:ext>
             <a:ext uri="{91240B29-F687-4f45-9708-019B960494DF}">
-              <a14:hiddenLine xmlns:a14="http://schemas.microsoft.com/office/drawing/2010/main" w="9525">
+              <a14:hiddenLine xmlns:a14="http://schemas.microsoft.com/office/drawing/2010/main" xmlns="" w="9525">
                 <a:solidFill>
                   <a:schemeClr val="tx1"/>
                 </a:solidFill>
@@ -5856,7 +6121,7 @@
               </a14:hiddenLine>
             </a:ext>
             <a:ext uri="{AF507438-7753-43e0-B8FC-AC1667EBCBE1}">
-              <a14:hiddenEffects xmlns:a14="http://schemas.microsoft.com/office/drawing/2010/main">
+              <a14:hiddenEffects xmlns:a14="http://schemas.microsoft.com/office/drawing/2010/main" xmlns="">
                 <a:effectLst>
                   <a:outerShdw dist="17961" dir="2700000" algn="ctr" rotWithShape="0">
                     <a:srgbClr val="FFFFFF"/>
@@ -6032,14 +6297,14 @@
           </a:ln>
           <a:extLst>
             <a:ext uri="{909E8E84-426E-40dd-AFC4-6F175D3DCCD1}">
-              <a14:hiddenFill xmlns:a14="http://schemas.microsoft.com/office/drawing/2010/main">
+              <a14:hiddenFill xmlns:a14="http://schemas.microsoft.com/office/drawing/2010/main" xmlns="">
                 <a:solidFill>
                   <a:schemeClr val="accent1"/>
                 </a:solidFill>
               </a14:hiddenFill>
             </a:ext>
             <a:ext uri="{91240B29-F687-4f45-9708-019B960494DF}">
-              <a14:hiddenLine xmlns:a14="http://schemas.microsoft.com/office/drawing/2010/main" w="9525">
+              <a14:hiddenLine xmlns:a14="http://schemas.microsoft.com/office/drawing/2010/main" xmlns="" w="9525">
                 <a:solidFill>
                   <a:schemeClr val="tx1"/>
                 </a:solidFill>
@@ -6049,7 +6314,7 @@
               </a14:hiddenLine>
             </a:ext>
             <a:ext uri="{AF507438-7753-43e0-B8FC-AC1667EBCBE1}">
-              <a14:hiddenEffects xmlns:a14="http://schemas.microsoft.com/office/drawing/2010/main">
+              <a14:hiddenEffects xmlns:a14="http://schemas.microsoft.com/office/drawing/2010/main" xmlns="">
                 <a:effectLst>
                   <a:outerShdw dist="17961" dir="2700000" algn="ctr" rotWithShape="0">
                     <a:srgbClr val="FFFFFF"/>
@@ -6201,18 +6466,7 @@
                 </a:solidFill>
                 <a:latin typeface="Arial"/>
               </a:rPr>
-              <a:t>difference, 5</a:t>
-            </a:r>
-            <a:r>
-              <a:rPr lang="et-EE" i="1" dirty="0" smtClean="0">
-                <a:solidFill>
-                  <a:schemeClr val="accent2">
-                    <a:lumMod val="50000"/>
-                  </a:schemeClr>
-                </a:solidFill>
-                <a:latin typeface="Arial"/>
-              </a:rPr>
-              <a:t>%</a:t>
+              <a:t>difference, 5%</a:t>
             </a:r>
             <a:endParaRPr lang="en-AU" i="1" dirty="0">
               <a:solidFill>
@@ -6235,8 +6489,8 @@
         </p:nvSpPr>
         <p:spPr bwMode="auto">
           <a:xfrm>
-            <a:off x="31250830" y="22751675"/>
-            <a:ext cx="10623135" cy="7156897"/>
+            <a:off x="31250830" y="22945446"/>
+            <a:ext cx="10623135" cy="7156896"/>
           </a:xfrm>
           <a:prstGeom prst="rect">
             <a:avLst/>
@@ -6250,7 +6504,7 @@
           </a:ln>
           <a:extLst>
             <a:ext uri="{AF507438-7753-43e0-B8FC-AC1667EBCBE1}">
-              <a14:hiddenEffects xmlns:a14="http://schemas.microsoft.com/office/drawing/2010/main">
+              <a14:hiddenEffects xmlns:a14="http://schemas.microsoft.com/office/drawing/2010/main" xmlns="">
                 <a:effectLst>
                   <a:outerShdw dist="35921" dir="2700000" algn="ctr" rotWithShape="0">
                     <a:schemeClr val="bg2"/>
@@ -6371,13 +6625,13 @@
               <a:rPr lang="et-EE" altLang="zh-CN" sz="3600" dirty="0" smtClean="0">
                 <a:ea typeface="SimSun" pitchFamily="2" charset="-122"/>
               </a:rPr>
-              <a:t>[Ita75</a:t>
+              <a:t>[Ita75] </a:t>
             </a:r>
             <a:r>
               <a:rPr lang="et-EE" altLang="zh-CN" sz="3600" dirty="0" smtClean="0">
                 <a:ea typeface="SimSun" pitchFamily="2" charset="-122"/>
               </a:rPr>
-              <a:t>]  </a:t>
+              <a:t>	</a:t>
             </a:r>
             <a:r>
               <a:rPr lang="en-US" sz="3600" dirty="0" smtClean="0"/>
@@ -6393,11 +6647,15 @@
             </a:r>
             <a:r>
               <a:rPr lang="en-US" sz="3600" dirty="0" smtClean="0"/>
-              <a:t>. Minimum prediction </a:t>
+              <a:t>. Minimum prediction residual   </a:t>
+            </a:r>
+            <a:r>
+              <a:rPr lang="et-EE" sz="3600" dirty="0" smtClean="0"/>
+              <a:t>			</a:t>
             </a:r>
             <a:r>
               <a:rPr lang="en-US" sz="3600" dirty="0" smtClean="0"/>
-              <a:t>residual    				principle </a:t>
+              <a:t>principle </a:t>
             </a:r>
             <a:r>
               <a:rPr lang="en-US" sz="3600" dirty="0" smtClean="0"/>
@@ -6409,22 +6667,38 @@
             </a:r>
             <a:r>
               <a:rPr lang="en-US" sz="3600" dirty="0" smtClean="0"/>
-              <a:t>recognition. IEEE </a:t>
+              <a:t>recognition.</a:t>
             </a:r>
             <a:r>
               <a:rPr lang="et-EE" sz="3600" dirty="0" smtClean="0"/>
-              <a:t>		</a:t>
+              <a:t> 			</a:t>
             </a:r>
             <a:r>
               <a:rPr lang="en-US" sz="3600" dirty="0" smtClean="0"/>
-              <a:t>Transactions on Acoustics, Speech, </a:t>
+              <a:t>IEEE</a:t>
+            </a:r>
+            <a:r>
+              <a:rPr lang="et-EE" sz="3600" dirty="0" smtClean="0"/>
+              <a:t> </a:t>
+            </a:r>
+            <a:r>
+              <a:rPr lang="en-US" sz="3600" dirty="0" smtClean="0"/>
+              <a:t>Transactions </a:t>
+            </a:r>
+            <a:r>
+              <a:rPr lang="en-US" sz="3600" dirty="0" smtClean="0"/>
+              <a:t>on Acoustics, Speech, </a:t>
+            </a:r>
+            <a:r>
+              <a:rPr lang="et-EE" sz="3600" dirty="0" smtClean="0"/>
+              <a:t>			</a:t>
             </a:r>
             <a:r>
               <a:rPr lang="en-US" sz="3600" dirty="0" smtClean="0"/>
               <a:t>and</a:t>
             </a:r>
             <a:r>
-              <a:rPr lang="et-EE" sz="3600" dirty="0"/>
+              <a:rPr lang="et-EE" sz="3600" dirty="0" smtClean="0"/>
               <a:t> </a:t>
             </a:r>
             <a:r>
@@ -6436,8 +6710,24 @@
               <a:t> </a:t>
             </a:r>
             <a:r>
+              <a:rPr lang="et-EE" sz="3600" dirty="0" err="1" smtClean="0"/>
+              <a:t>Processing</a:t>
+            </a:r>
+            <a:r>
               <a:rPr lang="et-EE" sz="3600" dirty="0" smtClean="0"/>
-              <a:t>Processing, 23(1):67-72, Feb 1975.</a:t>
+              <a:t>, 23(1</a:t>
+            </a:r>
+            <a:r>
+              <a:rPr lang="et-EE" sz="3600" dirty="0" smtClean="0"/>
+              <a:t>):67-72, </a:t>
+            </a:r>
+            <a:r>
+              <a:rPr lang="et-EE" sz="3600" dirty="0" smtClean="0"/>
+              <a:t>1975</a:t>
+            </a:r>
+            <a:r>
+              <a:rPr lang="et-EE" sz="3600" dirty="0" smtClean="0"/>
+              <a:t>.</a:t>
             </a:r>
             <a:endParaRPr lang="et-EE" altLang="zh-CN" sz="3600" dirty="0" smtClean="0">
               <a:ea typeface="SimSun" pitchFamily="2" charset="-122"/>
@@ -6446,46 +6736,80 @@
           <a:p>
             <a:pPr algn="just"/>
             <a:r>
-              <a:rPr lang="et-EE" altLang="zh-CN" sz="3600" dirty="0" smtClean="0">
-                <a:ea typeface="SimSun" pitchFamily="2" charset="-122"/>
-              </a:rPr>
-              <a:t>[SC78]	</a:t>
-            </a:r>
-            <a:r>
-              <a:rPr lang="et-EE" sz="3600" dirty="0" err="1" smtClean="0"/>
-              <a:t>Hiroaki</a:t>
+              <a:rPr lang="et-EE" sz="3600" dirty="0" smtClean="0"/>
+              <a:t>[</a:t>
+            </a:r>
+            <a:r>
+              <a:rPr lang="et-EE" sz="3600" dirty="0" smtClean="0"/>
+              <a:t>SC71]	</a:t>
+            </a:r>
+            <a:r>
+              <a:rPr lang="en-US" sz="3600" dirty="0" smtClean="0"/>
+              <a:t>Hiroaki </a:t>
+            </a:r>
+            <a:r>
+              <a:rPr lang="en-US" sz="3600" dirty="0" err="1" smtClean="0"/>
+              <a:t>Sakoe</a:t>
+            </a:r>
+            <a:r>
+              <a:rPr lang="en-US" sz="3600" dirty="0" smtClean="0"/>
+              <a:t> and </a:t>
+            </a:r>
+            <a:r>
+              <a:rPr lang="en-US" sz="3600" dirty="0" err="1" smtClean="0"/>
+              <a:t>Seibi</a:t>
+            </a:r>
+            <a:r>
+              <a:rPr lang="en-US" sz="3600" dirty="0" smtClean="0"/>
+              <a:t> Chiba. </a:t>
             </a:r>
             <a:r>
               <a:rPr lang="et-EE" sz="3600" dirty="0" smtClean="0"/>
               <a:t> </a:t>
             </a:r>
             <a:r>
+              <a:rPr lang="en-US" sz="3600" dirty="0" smtClean="0"/>
+              <a:t>A dynamic</a:t>
+            </a:r>
+            <a:r>
+              <a:rPr lang="et-EE" sz="3600" dirty="0" smtClean="0"/>
+              <a:t> 			</a:t>
+            </a:r>
+            <a:r>
+              <a:rPr lang="en-US" sz="3600" dirty="0" smtClean="0"/>
+              <a:t>programming approach</a:t>
+            </a:r>
+            <a:r>
+              <a:rPr lang="et-EE" sz="3600" dirty="0" smtClean="0"/>
+              <a:t> t</a:t>
+            </a:r>
+            <a:r>
+              <a:rPr lang="en-US" sz="3600" dirty="0" smtClean="0"/>
+              <a:t>o continuous speech </a:t>
+            </a:r>
+            <a:r>
+              <a:rPr lang="et-EE" sz="3600" dirty="0" smtClean="0"/>
+              <a:t>		</a:t>
+            </a:r>
+            <a:r>
+              <a:rPr lang="en-US" sz="3600" dirty="0" smtClean="0"/>
+              <a:t>recognition. In Proceedings of the </a:t>
+            </a:r>
+            <a:r>
+              <a:rPr lang="en-US" sz="3600" dirty="0" smtClean="0"/>
+              <a:t>Seventh</a:t>
+            </a:r>
+            <a:r>
+              <a:rPr lang="et-EE" sz="3600" dirty="0" smtClean="0"/>
+              <a:t> 			</a:t>
+            </a:r>
+            <a:r>
+              <a:rPr lang="en-US" sz="3600" dirty="0" smtClean="0"/>
+              <a:t>In</a:t>
+            </a:r>
+            <a:r>
               <a:rPr lang="et-EE" sz="3600" dirty="0" err="1" smtClean="0"/>
-              <a:t>Sakoe</a:t>
-            </a:r>
-            <a:r>
-              <a:rPr lang="et-EE" sz="3600" dirty="0" smtClean="0"/>
-              <a:t> and Seibi </a:t>
-            </a:r>
-            <a:r>
-              <a:rPr lang="et-EE" sz="3600" dirty="0" err="1" smtClean="0"/>
-              <a:t>Chiba</a:t>
-            </a:r>
-            <a:r>
-              <a:rPr lang="et-EE" sz="3600" dirty="0" smtClean="0"/>
-              <a:t>. </a:t>
-            </a:r>
-            <a:r>
-              <a:rPr lang="et-EE" sz="3600" dirty="0" err="1" smtClean="0"/>
-              <a:t>Dynamic</a:t>
-            </a:r>
-            <a:r>
-              <a:rPr lang="et-EE" sz="3600" dirty="0" smtClean="0"/>
-              <a:t>   			</a:t>
-            </a:r>
-            <a:r>
-              <a:rPr lang="et-EE" sz="3600" dirty="0" err="1" smtClean="0"/>
-              <a:t>programming</a:t>
+              <a:t>ternational</a:t>
             </a:r>
             <a:r>
               <a:rPr lang="et-EE" sz="3600" dirty="0" smtClean="0"/>
@@ -6493,123 +6817,110 @@
             </a:r>
             <a:r>
               <a:rPr lang="et-EE" sz="3600" dirty="0" err="1" smtClean="0"/>
-              <a:t>algorithm</a:t>
+              <a:t>Congress</a:t>
+            </a:r>
+            <a:r>
+              <a:rPr lang="et-EE" sz="3600" dirty="0" smtClean="0"/>
+              <a:t> on </a:t>
+            </a:r>
+            <a:r>
+              <a:rPr lang="et-EE" sz="3600" dirty="0" err="1" smtClean="0"/>
+              <a:t>Acoustics</a:t>
+            </a:r>
+            <a:r>
+              <a:rPr lang="et-EE" sz="3600" dirty="0" smtClean="0"/>
+              <a:t>, Buda- 			</a:t>
+            </a:r>
+            <a:r>
+              <a:rPr lang="et-EE" sz="3600" dirty="0" err="1" smtClean="0"/>
+              <a:t>pest,volume</a:t>
             </a:r>
             <a:r>
               <a:rPr lang="et-EE" sz="3600" dirty="0" smtClean="0"/>
               <a:t> </a:t>
             </a:r>
             <a:r>
-              <a:rPr lang="en-US" sz="3600" dirty="0" smtClean="0"/>
-              <a:t>optimization for </a:t>
-            </a:r>
-            <a:r>
               <a:rPr lang="et-EE" sz="3600" dirty="0" smtClean="0"/>
-              <a:t>			</a:t>
-            </a:r>
-            <a:r>
-              <a:rPr lang="en-US" sz="3600" dirty="0" smtClean="0"/>
-              <a:t>spoken word recognition, 1978.</a:t>
-            </a:r>
-            <a:endParaRPr lang="et-EE" sz="3600" dirty="0" smtClean="0"/>
+              <a:t>3, pages 65-69, Budapest, 1971</a:t>
+            </a:r>
+            <a:r>
+              <a:rPr lang="et-EE" sz="3600" dirty="0" smtClean="0"/>
+              <a:t>.</a:t>
+            </a:r>
           </a:p>
           <a:p>
             <a:pPr algn="just"/>
             <a:r>
-              <a:rPr lang="et-EE" sz="3600" dirty="0" smtClean="0"/>
-              <a:t>[SC71]	</a:t>
+              <a:rPr lang="et-EE" altLang="zh-CN" sz="3600" dirty="0">
+                <a:ea typeface="SimSun" pitchFamily="2" charset="-122"/>
+              </a:rPr>
+              <a:t>[SC78]	</a:t>
+            </a:r>
+            <a:r>
+              <a:rPr lang="et-EE" sz="3600" dirty="0" err="1"/>
+              <a:t>Hiroaki</a:t>
+            </a:r>
+            <a:r>
+              <a:rPr lang="et-EE" sz="3600" dirty="0"/>
+              <a:t> </a:t>
+            </a:r>
+            <a:r>
+              <a:rPr lang="et-EE" sz="3600" dirty="0" err="1"/>
+              <a:t>Sakoe</a:t>
+            </a:r>
+            <a:r>
+              <a:rPr lang="et-EE" sz="3600" dirty="0"/>
+              <a:t> and Seibi </a:t>
+            </a:r>
+            <a:r>
+              <a:rPr lang="et-EE" sz="3600" dirty="0" err="1"/>
+              <a:t>Chiba</a:t>
+            </a:r>
+            <a:r>
+              <a:rPr lang="et-EE" sz="3600" dirty="0"/>
+              <a:t>. </a:t>
+            </a:r>
+            <a:r>
+              <a:rPr lang="et-EE" sz="3600" dirty="0" err="1"/>
+              <a:t>Dynamic</a:t>
+            </a:r>
+            <a:r>
+              <a:rPr lang="et-EE" sz="3600" dirty="0"/>
+              <a:t>   			</a:t>
+            </a:r>
+            <a:r>
+              <a:rPr lang="et-EE" sz="3600" dirty="0" err="1"/>
+              <a:t>programming</a:t>
+            </a:r>
+            <a:r>
+              <a:rPr lang="et-EE" sz="3600" dirty="0"/>
+              <a:t> </a:t>
+            </a:r>
+            <a:r>
+              <a:rPr lang="et-EE" sz="3600" dirty="0" err="1"/>
+              <a:t>algorithm</a:t>
+            </a:r>
+            <a:r>
+              <a:rPr lang="et-EE" sz="3600" dirty="0"/>
+              <a:t> </a:t>
+            </a:r>
+            <a:r>
+              <a:rPr lang="en-US" sz="3600" dirty="0"/>
+              <a:t>optimization for </a:t>
+            </a:r>
+            <a:r>
+              <a:rPr lang="et-EE" sz="3600" dirty="0"/>
+              <a:t>			</a:t>
+            </a:r>
+            <a:r>
+              <a:rPr lang="en-US" sz="3600" dirty="0"/>
+              <a:t>spoken word recognition, 1978</a:t>
             </a:r>
             <a:r>
               <a:rPr lang="en-US" sz="3600" dirty="0" smtClean="0"/>
-              <a:t>Hiroaki </a:t>
-            </a:r>
-            <a:r>
-              <a:rPr lang="en-US" sz="3600" dirty="0" err="1" smtClean="0"/>
-              <a:t>Sakoe</a:t>
-            </a:r>
-            <a:r>
-              <a:rPr lang="en-US" sz="3600" dirty="0" smtClean="0"/>
-              <a:t> and </a:t>
-            </a:r>
-            <a:r>
-              <a:rPr lang="en-US" sz="3600" dirty="0" err="1" smtClean="0"/>
-              <a:t>Seibi</a:t>
-            </a:r>
-            <a:r>
-              <a:rPr lang="en-US" sz="3600" dirty="0" smtClean="0"/>
-              <a:t> Chiba. </a:t>
-            </a:r>
-            <a:r>
-              <a:rPr lang="et-EE" sz="3600" dirty="0" smtClean="0"/>
-              <a:t> </a:t>
-            </a:r>
-            <a:r>
-              <a:rPr lang="en-US" sz="3600" dirty="0" smtClean="0"/>
-              <a:t>A dynamic</a:t>
-            </a:r>
-            <a:r>
-              <a:rPr lang="et-EE" sz="3600" dirty="0" smtClean="0"/>
-              <a:t> 			</a:t>
-            </a:r>
-            <a:r>
-              <a:rPr lang="en-US" sz="3600" dirty="0" smtClean="0"/>
-              <a:t>programming approach</a:t>
-            </a:r>
-            <a:r>
-              <a:rPr lang="et-EE" sz="3600" dirty="0" smtClean="0"/>
-              <a:t> t</a:t>
-            </a:r>
-            <a:r>
-              <a:rPr lang="en-US" sz="3600" dirty="0" smtClean="0"/>
-              <a:t>o continuous speech </a:t>
-            </a:r>
-            <a:r>
-              <a:rPr lang="et-EE" sz="3600" dirty="0" smtClean="0"/>
-              <a:t>		</a:t>
-            </a:r>
-            <a:r>
-              <a:rPr lang="en-US" sz="3600" dirty="0" smtClean="0"/>
-              <a:t>recognition. In Proceedings of the Seventh In-</a:t>
-            </a:r>
-          </a:p>
-          <a:p>
-            <a:pPr algn="just"/>
-            <a:r>
-              <a:rPr lang="et-EE" sz="3600" dirty="0" smtClean="0"/>
-              <a:t>			</a:t>
-            </a:r>
-            <a:r>
-              <a:rPr lang="et-EE" sz="3600" dirty="0" err="1" smtClean="0"/>
-              <a:t>ternational</a:t>
-            </a:r>
-            <a:r>
-              <a:rPr lang="et-EE" sz="3600" dirty="0" smtClean="0"/>
-              <a:t> </a:t>
-            </a:r>
-            <a:r>
-              <a:rPr lang="et-EE" sz="3600" dirty="0" err="1" smtClean="0"/>
-              <a:t>Congress</a:t>
-            </a:r>
-            <a:r>
-              <a:rPr lang="et-EE" sz="3600" dirty="0" smtClean="0"/>
-              <a:t> on </a:t>
-            </a:r>
-            <a:r>
-              <a:rPr lang="et-EE" sz="3600" dirty="0" err="1" smtClean="0"/>
-              <a:t>Acoustics</a:t>
-            </a:r>
-            <a:r>
-              <a:rPr lang="et-EE" sz="3600" dirty="0" smtClean="0"/>
-              <a:t>, Budapest, 		</a:t>
-            </a:r>
-            <a:r>
-              <a:rPr lang="et-EE" sz="3600" dirty="0" err="1" smtClean="0"/>
-              <a:t>volume</a:t>
-            </a:r>
-            <a:r>
-              <a:rPr lang="et-EE" sz="3600" dirty="0" smtClean="0"/>
-              <a:t> 3, pages 65-69, Budapest, 1971.</a:t>
-            </a:r>
+              <a:t>.</a:t>
+            </a:r>
+            <a:endParaRPr lang="et-EE" sz="3600" dirty="0"/>
           </a:p>
         </p:txBody>
       </p:sp>
@@ -6638,7 +6949,7 @@
           </a:ln>
           <a:extLst>
             <a:ext uri="{AF507438-7753-43e0-B8FC-AC1667EBCBE1}">
-              <a14:hiddenEffects xmlns:a14="http://schemas.microsoft.com/office/drawing/2010/main">
+              <a14:hiddenEffects xmlns:a14="http://schemas.microsoft.com/office/drawing/2010/main" xmlns="">
                 <a:effectLst>
                   <a:outerShdw dist="35921" dir="2700000" algn="ctr" rotWithShape="0">
                     <a:schemeClr val="bg2"/>
@@ -7515,7 +7826,7 @@
         </p:nvGrpSpPr>
         <p:grpSpPr>
           <a:xfrm>
-            <a:off x="31159450" y="21843206"/>
+            <a:off x="31159450" y="21884142"/>
             <a:ext cx="10736991" cy="819990"/>
             <a:chOff x="1066799" y="5958162"/>
             <a:chExt cx="11007725" cy="891580"/>
@@ -7974,14 +8285,14 @@
           </a:ln>
           <a:extLst>
             <a:ext uri="{909E8E84-426E-40dd-AFC4-6F175D3DCCD1}">
-              <a14:hiddenFill xmlns:a14="http://schemas.microsoft.com/office/drawing/2010/main">
+              <a14:hiddenFill xmlns:a14="http://schemas.microsoft.com/office/drawing/2010/main" xmlns="">
                 <a:solidFill>
                   <a:schemeClr val="accent1"/>
                 </a:solidFill>
               </a14:hiddenFill>
             </a:ext>
             <a:ext uri="{91240B29-F687-4f45-9708-019B960494DF}">
-              <a14:hiddenLine xmlns:a14="http://schemas.microsoft.com/office/drawing/2010/main" w="9525">
+              <a14:hiddenLine xmlns:a14="http://schemas.microsoft.com/office/drawing/2010/main" xmlns="" w="9525">
                 <a:solidFill>
                   <a:schemeClr val="tx1"/>
                 </a:solidFill>
@@ -7991,7 +8302,7 @@
               </a14:hiddenLine>
             </a:ext>
             <a:ext uri="{AF507438-7753-43e0-B8FC-AC1667EBCBE1}">
-              <a14:hiddenEffects xmlns:a14="http://schemas.microsoft.com/office/drawing/2010/main">
+              <a14:hiddenEffects xmlns:a14="http://schemas.microsoft.com/office/drawing/2010/main" xmlns="">
                 <a:effectLst>
                   <a:outerShdw dist="17961" dir="2700000" algn="ctr" rotWithShape="0">
                     <a:srgbClr val="FFFFFF"/>
@@ -8234,7 +8545,7 @@
         </p:nvSpPr>
         <p:spPr bwMode="auto">
           <a:xfrm>
-            <a:off x="21726808" y="28244006"/>
+            <a:off x="21786850" y="28244006"/>
             <a:ext cx="9220200" cy="457188"/>
           </a:xfrm>
           <a:prstGeom prst="rect">
@@ -8246,14 +8557,14 @@
           </a:ln>
           <a:extLst>
             <a:ext uri="{909E8E84-426E-40dd-AFC4-6F175D3DCCD1}">
-              <a14:hiddenFill xmlns:a14="http://schemas.microsoft.com/office/drawing/2010/main">
+              <a14:hiddenFill xmlns:a14="http://schemas.microsoft.com/office/drawing/2010/main" xmlns="">
                 <a:solidFill>
                   <a:schemeClr val="accent1"/>
                 </a:solidFill>
               </a14:hiddenFill>
             </a:ext>
             <a:ext uri="{91240B29-F687-4f45-9708-019B960494DF}">
-              <a14:hiddenLine xmlns:a14="http://schemas.microsoft.com/office/drawing/2010/main" w="9525">
+              <a14:hiddenLine xmlns:a14="http://schemas.microsoft.com/office/drawing/2010/main" xmlns="" w="9525">
                 <a:solidFill>
                   <a:schemeClr val="tx1"/>
                 </a:solidFill>
@@ -8263,7 +8574,7 @@
               </a14:hiddenLine>
             </a:ext>
             <a:ext uri="{AF507438-7753-43e0-B8FC-AC1667EBCBE1}">
-              <a14:hiddenEffects xmlns:a14="http://schemas.microsoft.com/office/drawing/2010/main">
+              <a14:hiddenEffects xmlns:a14="http://schemas.microsoft.com/office/drawing/2010/main" xmlns="">
                 <a:effectLst>
                   <a:outerShdw dist="17961" dir="2700000" algn="ctr" rotWithShape="0">
                     <a:srgbClr val="FFFFFF"/>
@@ -8415,10 +8726,10 @@
                 </a:solidFill>
                 <a:latin typeface="Arial"/>
               </a:rPr>
-              <a:t>difference, 10</a:t>
-            </a:r>
-            <a:r>
-              <a:rPr lang="et-EE" i="1" dirty="0" smtClean="0">
+              <a:t>difference, 10%, different </a:t>
+            </a:r>
+            <a:r>
+              <a:rPr lang="et-EE" i="1" dirty="0" err="1" smtClean="0">
                 <a:solidFill>
                   <a:schemeClr val="accent2">
                     <a:lumMod val="50000"/>
@@ -8426,7 +8737,29 @@
                 </a:solidFill>
                 <a:latin typeface="Arial"/>
               </a:rPr>
-              <a:t>%, different length seq-s</a:t>
+              <a:t>length</a:t>
+            </a:r>
+            <a:r>
+              <a:rPr lang="et-EE" i="1" dirty="0" smtClean="0">
+                <a:solidFill>
+                  <a:schemeClr val="accent2">
+                    <a:lumMod val="50000"/>
+                  </a:schemeClr>
+                </a:solidFill>
+                <a:latin typeface="Arial"/>
+              </a:rPr>
+              <a:t> </a:t>
+            </a:r>
+            <a:r>
+              <a:rPr lang="et-EE" i="1" dirty="0" err="1" smtClean="0">
+                <a:solidFill>
+                  <a:schemeClr val="accent2">
+                    <a:lumMod val="50000"/>
+                  </a:schemeClr>
+                </a:solidFill>
+                <a:latin typeface="Arial"/>
+              </a:rPr>
+              <a:t>series</a:t>
             </a:r>
             <a:endParaRPr lang="en-AU" i="1" dirty="0">
               <a:solidFill>
@@ -9194,7 +9527,7 @@
         <p:spPr>
           <a:xfrm>
             <a:off x="908050" y="13422222"/>
-            <a:ext cx="11049000" cy="8350841"/>
+            <a:ext cx="11049000" cy="8228309"/>
           </a:xfrm>
           <a:prstGeom prst="rect">
             <a:avLst/>
@@ -9206,11 +9539,11 @@
   <p:clrMapOvr>
     <a:masterClrMapping/>
   </p:clrMapOvr>
-  <p:transition xmlns:p14="http://schemas.microsoft.com/office/powerpoint/2010/main"/>
+  <p:transition/>
   <p:timing>
     <p:tnLst>
       <p:par>
-        <p:cTn xmlns:p14="http://schemas.microsoft.com/office/powerpoint/2010/main" id="1" dur="indefinite" restart="never" nodeType="tmRoot"/>
+        <p:cTn id="1" dur="indefinite" restart="never" nodeType="tmRoot"/>
       </p:par>
     </p:tnLst>
   </p:timing>
@@ -9481,7 +9814,7 @@
         <a:effectLst/>
         <a:extLst>
           <a:ext uri="{AF507438-7753-43e0-B8FC-AC1667EBCBE1}">
-            <a14:hiddenEffects xmlns:a14="http://schemas.microsoft.com/office/drawing/2010/main">
+            <a14:hiddenEffects xmlns:a14="http://schemas.microsoft.com/office/drawing/2010/main" xmlns="">
               <a:effectLst>
                 <a:outerShdw dist="35921" dir="2700000" algn="ctr" rotWithShape="0">
                   <a:schemeClr val="bg2"/>
@@ -9560,7 +9893,7 @@
         <a:effectLst/>
         <a:extLst>
           <a:ext uri="{AF507438-7753-43e0-B8FC-AC1667EBCBE1}">
-            <a14:hiddenEffects xmlns:a14="http://schemas.microsoft.com/office/drawing/2010/main">
+            <a14:hiddenEffects xmlns:a14="http://schemas.microsoft.com/office/drawing/2010/main" xmlns="">
               <a:effectLst>
                 <a:outerShdw dist="35921" dir="2700000" algn="ctr" rotWithShape="0">
                   <a:schemeClr val="bg2"/>

--- a/poster.pptx
+++ b/poster.pptx
@@ -4548,31 +4548,43 @@
               <a:rPr lang="en-US" altLang="ja-JP" sz="3600" dirty="0">
                 <a:ea typeface="ＭＳ Ｐゴシック" charset="-128"/>
               </a:rPr>
-              <a:t>task of </a:t>
+              <a:t>task </a:t>
+            </a:r>
+            <a:r>
+              <a:rPr lang="en-US" altLang="ja-JP" sz="3600">
+                <a:ea typeface="ＭＳ Ｐゴシック" charset="-128"/>
+              </a:rPr>
+              <a:t>of </a:t>
+            </a:r>
+            <a:r>
+              <a:rPr lang="en-US" altLang="ja-JP" sz="3600" smtClean="0">
+                <a:ea typeface="ＭＳ Ｐゴシック" charset="-128"/>
+              </a:rPr>
+              <a:t>DTW</a:t>
+            </a:r>
+            <a:r>
+              <a:rPr lang="et-EE" altLang="ja-JP" sz="3600" smtClean="0">
+                <a:ea typeface="ＭＳ Ｐゴシック" charset="-128"/>
+              </a:rPr>
+              <a:t> </a:t>
             </a:r>
             <a:r>
               <a:rPr lang="en-US" altLang="ja-JP" sz="3600" dirty="0" smtClean="0">
                 <a:ea typeface="ＭＳ Ｐゴシック" charset="-128"/>
               </a:rPr>
-              <a:t>(</a:t>
+              <a:t>algorithm </a:t>
             </a:r>
             <a:r>
               <a:rPr lang="en-US" altLang="ja-JP" sz="3600" dirty="0">
                 <a:ea typeface="ＭＳ Ｐゴシック" charset="-128"/>
               </a:rPr>
-              <a:t>DTW) algorithm is to measure the similarity between two sequences. DTW algorithm was introduced in </a:t>
+              <a:t>is to measure the similarity between two sequences. DTW algorithm was introduced in </a:t>
             </a:r>
             <a:r>
               <a:rPr lang="et-EE" altLang="ja-JP" sz="3600" dirty="0" smtClean="0">
                 <a:ea typeface="ＭＳ Ｐゴシック" charset="-128"/>
               </a:rPr>
-              <a:t>[</a:t>
-            </a:r>
-            <a:r>
-              <a:rPr lang="et-EE" altLang="ja-JP" sz="3600" dirty="0" smtClean="0">
-                <a:ea typeface="ＭＳ Ｐゴシック" charset="-128"/>
-              </a:rPr>
-              <a:t>SC71] </a:t>
+              <a:t>[SC71] </a:t>
             </a:r>
             <a:r>
               <a:rPr lang="en-US" altLang="ja-JP" sz="3600" dirty="0">
@@ -4610,8 +4622,8 @@
           </a:p>
         </p:txBody>
       </p:sp>
-      <mc:AlternateContent xmlns:mc="http://schemas.openxmlformats.org/markup-compatibility/2006">
-        <mc:Choice xmlns:a14="http://schemas.microsoft.com/office/drawing/2010/main" Requires="a14">
+      <mc:AlternateContent xmlns:mc="http://schemas.openxmlformats.org/markup-compatibility/2006" xmlns:a14="http://schemas.microsoft.com/office/drawing/2010/main">
+        <mc:Choice Requires="a14">
           <p:sp>
             <p:nvSpPr>
               <p:cNvPr id="38" name="Text Box 247"/>
@@ -4755,16 +4767,7 @@
                     </a:solidFill>
                     <a:ea typeface="ＭＳ Ｐゴシック" charset="-128"/>
                   </a:rPr>
-                  <a:t>The</a:t>
-                </a:r>
-                <a:r>
-                  <a:rPr lang="et-EE" altLang="zh-CN" sz="3600" dirty="0" smtClean="0">
-                    <a:solidFill>
-                      <a:schemeClr val="tx1"/>
-                    </a:solidFill>
-                    <a:ea typeface="ＭＳ Ｐゴシック" charset="-128"/>
-                  </a:rPr>
-                  <a:t> </a:t>
+                  <a:t>The </a:t>
                 </a:r>
                 <a:r>
                   <a:rPr lang="en-US" altLang="zh-CN" sz="3600" dirty="0" smtClean="0">
@@ -5072,7 +5075,7 @@
                 </a:r>
               </a:p>
               <a:p>
-                <a:pPr marL="0" lvl="1" indent="0" algn="just">
+                <a:pPr marL="0" lvl="1" indent="0" algn="ctr">
                   <a:lnSpc>
                     <a:spcPct val="120000"/>
                   </a:lnSpc>
@@ -5246,7 +5249,7 @@
                                 <a:latin typeface="Cambria Math" panose="02040503050406030204" pitchFamily="18" charset="0"/>
                                 <a:ea typeface="ＭＳ Ｐゴシック" charset="-128"/>
                               </a:rPr>
-                              <m:t>.</m:t>
+                              <m:t>,</m:t>
                             </m:r>
                           </m:e>
                           <m:e>
@@ -5369,7 +5372,7 @@
             </p:txBody>
           </p:sp>
         </mc:Choice>
-        <mc:Fallback>
+        <mc:Fallback xmlns="">
           <p:sp>
             <p:nvSpPr>
               <p:cNvPr id="38" name="Text Box 247"/>
@@ -5940,7 +5943,19 @@
               <a:rPr lang="et-EE" altLang="ja-JP" sz="3600" dirty="0" smtClean="0">
                 <a:ea typeface="ＭＳ Ｐゴシック" charset="-128"/>
               </a:rPr>
-              <a:t>The construction of the warping matrix and search for the optimal warping path is animated, the resulting alignment is dynamically shown. User can insert their own series or use random data. Different parameters, including global contraints can be selected. </a:t>
+              <a:t>The construction of the warping matrix and search for the optimal warping path is animated, the resulting alignment is dynamically shown. </a:t>
+            </a:r>
+            <a:r>
+              <a:rPr lang="et-EE" altLang="ja-JP" sz="3600" dirty="0" err="1" smtClean="0">
+                <a:ea typeface="ＭＳ Ｐゴシック" charset="-128"/>
+              </a:rPr>
+              <a:t>Users</a:t>
+            </a:r>
+            <a:r>
+              <a:rPr lang="et-EE" altLang="ja-JP" sz="3600" dirty="0" smtClean="0">
+                <a:ea typeface="ＭＳ Ｐゴシック" charset="-128"/>
+              </a:rPr>
+              <a:t> can insert their own series or use random data. Different parameters, including global contraints can be selected. </a:t>
             </a:r>
           </a:p>
           <a:p>
@@ -6625,21 +6640,11 @@
               <a:rPr lang="et-EE" altLang="zh-CN" sz="3600" dirty="0" smtClean="0">
                 <a:ea typeface="SimSun" pitchFamily="2" charset="-122"/>
               </a:rPr>
-              <a:t>[Ita75] </a:t>
-            </a:r>
-            <a:r>
-              <a:rPr lang="et-EE" altLang="zh-CN" sz="3600" dirty="0" smtClean="0">
-                <a:ea typeface="SimSun" pitchFamily="2" charset="-122"/>
-              </a:rPr>
-              <a:t>	</a:t>
+              <a:t>[Ita75] 	</a:t>
             </a:r>
             <a:r>
               <a:rPr lang="en-US" sz="3600" dirty="0" smtClean="0"/>
-              <a:t>F</a:t>
-            </a:r>
-            <a:r>
-              <a:rPr lang="en-US" sz="3600" dirty="0" smtClean="0"/>
-              <a:t>. </a:t>
+              <a:t>F. </a:t>
             </a:r>
             <a:r>
               <a:rPr lang="en-US" sz="3600" dirty="0" err="1" smtClean="0"/>
@@ -6655,11 +6660,7 @@
             </a:r>
             <a:r>
               <a:rPr lang="en-US" sz="3600" dirty="0" smtClean="0"/>
-              <a:t>principle </a:t>
-            </a:r>
-            <a:r>
-              <a:rPr lang="en-US" sz="3600" dirty="0" smtClean="0"/>
-              <a:t>applied to speech</a:t>
+              <a:t>principle applied to speech</a:t>
             </a:r>
             <a:r>
               <a:rPr lang="et-EE" sz="3600" dirty="0" smtClean="0"/>
@@ -6683,11 +6684,7 @@
             </a:r>
             <a:r>
               <a:rPr lang="en-US" sz="3600" dirty="0" smtClean="0"/>
-              <a:t>Transactions </a:t>
-            </a:r>
-            <a:r>
-              <a:rPr lang="en-US" sz="3600" dirty="0" smtClean="0"/>
-              <a:t>on Acoustics, Speech, </a:t>
+              <a:t>Transactions on Acoustics, Speech, </a:t>
             </a:r>
             <a:r>
               <a:rPr lang="et-EE" sz="3600" dirty="0" smtClean="0"/>
@@ -6715,19 +6712,7 @@
             </a:r>
             <a:r>
               <a:rPr lang="et-EE" sz="3600" dirty="0" smtClean="0"/>
-              <a:t>, 23(1</a:t>
-            </a:r>
-            <a:r>
-              <a:rPr lang="et-EE" sz="3600" dirty="0" smtClean="0"/>
-              <a:t>):67-72, </a:t>
-            </a:r>
-            <a:r>
-              <a:rPr lang="et-EE" sz="3600" dirty="0" smtClean="0"/>
-              <a:t>1975</a:t>
-            </a:r>
-            <a:r>
-              <a:rPr lang="et-EE" sz="3600" dirty="0" smtClean="0"/>
-              <a:t>.</a:t>
+              <a:t>, 23(1):67-72, 1975.</a:t>
             </a:r>
             <a:endParaRPr lang="et-EE" altLang="zh-CN" sz="3600" dirty="0" smtClean="0">
               <a:ea typeface="SimSun" pitchFamily="2" charset="-122"/>
@@ -6737,11 +6722,7 @@
             <a:pPr algn="just"/>
             <a:r>
               <a:rPr lang="et-EE" sz="3600" dirty="0" smtClean="0"/>
-              <a:t>[</a:t>
-            </a:r>
-            <a:r>
-              <a:rPr lang="et-EE" sz="3600" dirty="0" smtClean="0"/>
-              <a:t>SC71]	</a:t>
+              <a:t>[SC71]	</a:t>
             </a:r>
             <a:r>
               <a:rPr lang="en-US" sz="3600" dirty="0" smtClean="0"/>
@@ -6793,11 +6774,7 @@
             </a:r>
             <a:r>
               <a:rPr lang="en-US" sz="3600" dirty="0" smtClean="0"/>
-              <a:t>recognition. In Proceedings of the </a:t>
-            </a:r>
-            <a:r>
-              <a:rPr lang="en-US" sz="3600" dirty="0" smtClean="0"/>
-              <a:t>Seventh</a:t>
+              <a:t>recognition. In Proceedings of the Seventh</a:t>
             </a:r>
             <a:r>
               <a:rPr lang="et-EE" sz="3600" dirty="0" smtClean="0"/>
@@ -6837,15 +6814,7 @@
             </a:r>
             <a:r>
               <a:rPr lang="et-EE" sz="3600" dirty="0" smtClean="0"/>
-              <a:t> </a:t>
-            </a:r>
-            <a:r>
-              <a:rPr lang="et-EE" sz="3600" dirty="0" smtClean="0"/>
-              <a:t>3, pages 65-69, Budapest, 1971</a:t>
-            </a:r>
-            <a:r>
-              <a:rPr lang="et-EE" sz="3600" dirty="0" smtClean="0"/>
-              <a:t>.</a:t>
+              <a:t> 3, pages 65-69, Budapest, 1971.</a:t>
             </a:r>
           </a:p>
           <a:p>
